--- a/FirstSeminar/ThurDRL.pptx
+++ b/FirstSeminar/ThurDRL.pptx
@@ -17,11 +17,17 @@
     <p:sldId id="267" r:id="rId11"/>
     <p:sldId id="264" r:id="rId12"/>
     <p:sldId id="258" r:id="rId13"/>
-    <p:sldId id="259" r:id="rId14"/>
-    <p:sldId id="273" r:id="rId15"/>
-    <p:sldId id="270" r:id="rId16"/>
-    <p:sldId id="271" r:id="rId17"/>
-    <p:sldId id="272" r:id="rId18"/>
+    <p:sldId id="271" r:id="rId14"/>
+    <p:sldId id="277" r:id="rId15"/>
+    <p:sldId id="278" r:id="rId16"/>
+    <p:sldId id="279" r:id="rId17"/>
+    <p:sldId id="270" r:id="rId18"/>
+    <p:sldId id="281" r:id="rId19"/>
+    <p:sldId id="282" r:id="rId20"/>
+    <p:sldId id="273" r:id="rId21"/>
+    <p:sldId id="272" r:id="rId22"/>
+    <p:sldId id="274" r:id="rId23"/>
+    <p:sldId id="259" r:id="rId24"/>
   </p:sldIdLst>
   <p:sldSz cx="12192000" cy="6858000"/>
   <p:notesSz cx="6858000" cy="9144000"/>
@@ -120,6 +126,11 @@
       </a:defRPr>
     </a:lvl9pPr>
   </p:defaultTextStyle>
+  <p:extLst>
+    <p:ext uri="{EFAFB233-063F-42B5-8137-9DF3F51BA10A}">
+      <p15:sldGuideLst xmlns:p15="http://schemas.microsoft.com/office/powerpoint/2012/main"/>
+    </p:ext>
+  </p:extLst>
 </p:presentation>
 </file>
 
@@ -3088,8 +3099,8 @@
           </a:p>
         </p:txBody>
       </p:sp>
-      <mc:AlternateContent xmlns:mc="http://schemas.openxmlformats.org/markup-compatibility/2006">
-        <mc:Choice xmlns:a14="http://schemas.microsoft.com/office/drawing/2010/main" Requires="a14">
+      <mc:AlternateContent xmlns:mc="http://schemas.openxmlformats.org/markup-compatibility/2006" xmlns:a14="http://schemas.microsoft.com/office/drawing/2010/main">
+        <mc:Choice Requires="a14">
           <p:sp>
             <p:nvSpPr>
               <p:cNvPr id="3" name="Content Placeholder 2"/>
@@ -4056,7 +4067,7 @@
             </p:txBody>
           </p:sp>
         </mc:Choice>
-        <mc:Fallback>
+        <mc:Fallback xmlns="">
           <p:sp>
             <p:nvSpPr>
               <p:cNvPr id="3" name="Content Placeholder 2"/>
@@ -4153,8 +4164,8 @@
           </a:p>
         </p:txBody>
       </p:sp>
-      <mc:AlternateContent xmlns:mc="http://schemas.openxmlformats.org/markup-compatibility/2006">
-        <mc:Choice xmlns:a14="http://schemas.microsoft.com/office/drawing/2010/main" Requires="a14">
+      <mc:AlternateContent xmlns:mc="http://schemas.openxmlformats.org/markup-compatibility/2006" xmlns:a14="http://schemas.microsoft.com/office/drawing/2010/main">
+        <mc:Choice Requires="a14">
           <p:sp>
             <p:nvSpPr>
               <p:cNvPr id="3" name="Content Placeholder 2"/>
@@ -4554,7 +4565,7 @@
                     <m:sSub>
                       <m:sSubPr>
                         <m:ctrlPr>
-                          <a:rPr lang="en-US" b="0" i="0" smtClean="0">
+                          <a:rPr lang="en-US" b="0" i="1" smtClean="0">
                             <a:latin typeface="Cambria Math" panose="02040503050406030204" pitchFamily="18" charset="0"/>
                           </a:rPr>
                         </m:ctrlPr>
@@ -4564,7 +4575,7 @@
                           <a:rPr lang="en-US" b="0" i="0" smtClean="0">
                             <a:latin typeface="Cambria Math" panose="02040503050406030204" pitchFamily="18" charset="0"/>
                           </a:rPr>
-                          <m:t>∇</m:t>
+                          <m:t>𝛻</m:t>
                         </m:r>
                       </m:e>
                       <m:sub>
@@ -4588,7 +4599,7 @@
                     <m:d>
                       <m:dPr>
                         <m:ctrlPr>
-                          <a:rPr lang="en-US" b="0" i="0" smtClean="0">
+                          <a:rPr lang="en-US" b="0" i="1" smtClean="0">
                             <a:latin typeface="Cambria Math" panose="02040503050406030204" pitchFamily="18" charset="0"/>
                           </a:rPr>
                         </m:ctrlPr>
@@ -4636,7 +4647,7 @@
                           <a:rPr lang="en-US" b="0" i="0" smtClean="0">
                             <a:latin typeface="Cambria Math" panose="02040503050406030204" pitchFamily="18" charset="0"/>
                           </a:rPr>
-                          <m:t>∇</m:t>
+                          <m:t>𝛻</m:t>
                         </m:r>
                       </m:e>
                       <m:sub>
@@ -4657,7 +4668,7 @@
                     <m:sSub>
                       <m:sSubPr>
                         <m:ctrlPr>
-                          <a:rPr lang="en-US" b="0" i="0" smtClean="0">
+                          <a:rPr lang="en-US" b="0" i="1" smtClean="0">
                             <a:latin typeface="Cambria Math" panose="02040503050406030204" pitchFamily="18" charset="0"/>
                           </a:rPr>
                         </m:ctrlPr>
@@ -4682,7 +4693,7 @@
                     <m:d>
                       <m:dPr>
                         <m:ctrlPr>
-                          <a:rPr lang="en-US" b="0" i="0" smtClean="0">
+                          <a:rPr lang="en-US" b="0" i="1" smtClean="0">
                             <a:latin typeface="Cambria Math" panose="02040503050406030204" pitchFamily="18" charset="0"/>
                           </a:rPr>
                         </m:ctrlPr>
@@ -4723,7 +4734,7 @@
                     <m:sSup>
                       <m:sSupPr>
                         <m:ctrlPr>
-                          <a:rPr lang="en-US" b="0" i="0" smtClean="0">
+                          <a:rPr lang="en-US" b="0" i="1" smtClean="0">
                             <a:solidFill>
                               <a:srgbClr val="FF0000"/>
                             </a:solidFill>
@@ -4852,7 +4863,7 @@
             </p:txBody>
           </p:sp>
         </mc:Choice>
-        <mc:Fallback>
+        <mc:Fallback xmlns="">
           <p:sp>
             <p:nvSpPr>
               <p:cNvPr id="3" name="Content Placeholder 2"/>
@@ -4901,7 +4912,7 @@
             <p:spPr>
               <a:xfrm>
                 <a:off x="1041069" y="4388862"/>
-                <a:ext cx="10062359" cy="954107"/>
+                <a:ext cx="10062359" cy="1384995"/>
               </a:xfrm>
               <a:prstGeom prst="rect">
                 <a:avLst/>
@@ -4916,8 +4927,16 @@
                 <a:pPr lvl="1"/>
                 <a:r>
                   <a:rPr lang="en-US" altLang="zh-CN" sz="2800" dirty="0" smtClean="0"/>
-                  <a:t>Reinforce algorithm (MC based)</a:t>
+                  <a:t>Reinforce algorithm (MC based</a:t>
                 </a:r>
+                <a:r>
+                  <a:rPr lang="en-US" altLang="zh-CN" sz="2800" dirty="0" smtClean="0"/>
+                  <a:t>)</a:t>
+                </a:r>
+              </a:p>
+              <a:p>
+                <a:pPr lvl="1"/>
+                <a:endParaRPr lang="en-US" altLang="zh-CN" sz="2800" dirty="0" smtClean="0"/>
               </a:p>
               <a:p>
                 <a:pPr lvl="1"/>
@@ -4937,17 +4956,8 @@
                 </a14:m>
                 <a:r>
                   <a:rPr lang="en-US" altLang="zh-CN" sz="2800" dirty="0" smtClean="0"/>
-                  <a:t>) + critic</a:t>
+                  <a:t>) + critic(w))</a:t>
                 </a:r>
-                <a:r>
-                  <a:rPr lang="en-US" altLang="zh-CN" sz="2800" dirty="0" smtClean="0"/>
-                  <a:t>(w)</a:t>
-                </a:r>
-                <a:r>
-                  <a:rPr lang="en-US" altLang="zh-CN" sz="2800" dirty="0" smtClean="0"/>
-                  <a:t>)</a:t>
-                </a:r>
-                <a:endParaRPr lang="en-US" altLang="zh-CN" sz="2800" dirty="0" smtClean="0"/>
               </a:p>
             </p:txBody>
           </p:sp>
@@ -4964,7 +4974,7 @@
             <p:spPr>
               <a:xfrm>
                 <a:off x="1041069" y="4388862"/>
-                <a:ext cx="10062359" cy="954107"/>
+                <a:ext cx="10062359" cy="1384995"/>
               </a:xfrm>
               <a:prstGeom prst="rect">
                 <a:avLst/>
@@ -4972,7 +4982,7 @@
               <a:blipFill>
                 <a:blip r:embed="rId3"/>
                 <a:stretch>
-                  <a:fillRect t="-6410" b="-17949"/>
+                  <a:fillRect t="-4405" b="-11894"/>
                 </a:stretch>
               </a:blipFill>
             </p:spPr>
@@ -4981,7 +4991,7 @@
               <a:lstStyle/>
               <a:p>
                 <a:r>
-                  <a:rPr lang="en-US">
+                  <a:rPr lang="zh-CN" altLang="en-US">
                     <a:noFill/>
                   </a:rPr>
                   <a:t> </a:t>
@@ -5062,10 +5072,15 @@
             <p:ph idx="1"/>
           </p:nvPr>
         </p:nvSpPr>
-        <p:spPr/>
+        <p:spPr>
+          <a:xfrm>
+            <a:off x="838200" y="1549854"/>
+            <a:ext cx="10515600" cy="4889074"/>
+          </a:xfrm>
+        </p:spPr>
         <p:txBody>
           <a:bodyPr>
-            <a:normAutofit lnSpcReduction="10000"/>
+            <a:normAutofit fontScale="92500" lnSpcReduction="10000"/>
           </a:bodyPr>
           <a:lstStyle/>
           <a:p>
@@ -5078,8 +5093,24 @@
             <a:pPr lvl="1"/>
             <a:r>
               <a:rPr lang="en-US" dirty="0" smtClean="0"/>
-              <a:t>Deep neural network to approximate functions in RL</a:t>
-            </a:r>
+              <a:t>Deep neural network to approximate functions in </a:t>
+            </a:r>
+            <a:r>
+              <a:rPr lang="en-US" dirty="0" smtClean="0"/>
+              <a:t>RL</a:t>
+            </a:r>
+          </a:p>
+          <a:p>
+            <a:pPr lvl="1"/>
+            <a:r>
+              <a:rPr lang="en-US" dirty="0" smtClean="0"/>
+              <a:t>Express abstract and complex function</a:t>
+            </a:r>
+            <a:r>
+              <a:rPr lang="en-US" dirty="0" smtClean="0"/>
+              <a:t> relation</a:t>
+            </a:r>
+            <a:endParaRPr lang="en-US" dirty="0" smtClean="0"/>
           </a:p>
           <a:p>
             <a:pPr lvl="1"/>
@@ -5117,9 +5148,14 @@
               </a:spcBef>
             </a:pPr>
             <a:r>
-              <a:rPr lang="en-US" sz="2400" dirty="0" smtClean="0"/>
-              <a:t>Deep value function</a:t>
-            </a:r>
+              <a:rPr lang="en-US" altLang="zh-CN" sz="2400" dirty="0"/>
+              <a:t>The definition of </a:t>
+            </a:r>
+            <a:r>
+              <a:rPr lang="en-US" altLang="zh-CN" sz="2400" dirty="0" smtClean="0"/>
+              <a:t>objection</a:t>
+            </a:r>
+            <a:endParaRPr lang="en-US" altLang="zh-CN" sz="2400" dirty="0"/>
           </a:p>
           <a:p>
             <a:pPr marL="685800" lvl="2">
@@ -5129,7 +5165,31 @@
             </a:pPr>
             <a:r>
               <a:rPr lang="en-US" sz="2400" dirty="0" smtClean="0"/>
-              <a:t>Deep policy approximation</a:t>
+              <a:t>Deep </a:t>
+            </a:r>
+            <a:r>
+              <a:rPr lang="en-US" sz="2400" dirty="0" smtClean="0"/>
+              <a:t>value </a:t>
+            </a:r>
+            <a:r>
+              <a:rPr lang="en-US" sz="2400" dirty="0" smtClean="0"/>
+              <a:t>function(DQN)</a:t>
+            </a:r>
+            <a:endParaRPr lang="en-US" sz="2400" dirty="0" smtClean="0"/>
+          </a:p>
+          <a:p>
+            <a:pPr marL="685800" lvl="2">
+              <a:spcBef>
+                <a:spcPts val="1000"/>
+              </a:spcBef>
+            </a:pPr>
+            <a:r>
+              <a:rPr lang="en-US" sz="2400" dirty="0" smtClean="0"/>
+              <a:t>Deep policy </a:t>
+            </a:r>
+            <a:r>
+              <a:rPr lang="en-US" sz="2400" dirty="0" smtClean="0"/>
+              <a:t>approximation(DDPG)</a:t>
             </a:r>
           </a:p>
           <a:p>
@@ -5139,42 +5199,43 @@
               </a:spcBef>
             </a:pPr>
             <a:r>
+              <a:rPr lang="en-US" sz="2800" dirty="0" smtClean="0"/>
+              <a:t>Problems </a:t>
+            </a:r>
+            <a:r>
               <a:rPr lang="en-US" sz="2800" dirty="0"/>
-              <a:t>Problems bring by deep learning</a:t>
+              <a:t>bring by deep learning</a:t>
             </a:r>
           </a:p>
           <a:p>
             <a:pPr lvl="1"/>
             <a:r>
               <a:rPr lang="en-US" altLang="zh-CN" dirty="0" smtClean="0"/>
-              <a:t>No convergence guarantee</a:t>
+              <a:t>No convergence </a:t>
+            </a:r>
+            <a:r>
+              <a:rPr lang="en-US" altLang="zh-CN" dirty="0" smtClean="0"/>
+              <a:t>guarantee</a:t>
             </a:r>
           </a:p>
           <a:p>
             <a:pPr lvl="1"/>
             <a:r>
               <a:rPr lang="en-US" altLang="zh-CN" dirty="0" smtClean="0"/>
-              <a:t>Exploration </a:t>
-            </a:r>
+              <a:t>Train slowly</a:t>
+            </a:r>
+            <a:endParaRPr lang="en-US" altLang="zh-CN" dirty="0" smtClean="0"/>
           </a:p>
           <a:p>
             <a:pPr lvl="1"/>
-            <a:endParaRPr lang="en-US" altLang="zh-CN" dirty="0" smtClean="0"/>
-          </a:p>
-          <a:p>
-            <a:pPr lvl="1"/>
-            <a:endParaRPr lang="en-US" altLang="zh-CN" dirty="0" smtClean="0"/>
-          </a:p>
-          <a:p>
-            <a:pPr marL="457200" lvl="1" indent="0">
-              <a:buNone/>
-            </a:pPr>
-            <a:endParaRPr lang="en-US" dirty="0" smtClean="0"/>
-          </a:p>
-          <a:p>
-            <a:pPr marL="457200" lvl="1" indent="0">
-              <a:buNone/>
-            </a:pPr>
+            <a:r>
+              <a:rPr lang="en-US" altLang="zh-CN" dirty="0"/>
+              <a:t>Continuous control task </a:t>
+            </a:r>
+            <a:r>
+              <a:rPr lang="en-US" altLang="zh-CN" dirty="0" smtClean="0"/>
+              <a:t>(continuous action)</a:t>
+            </a:r>
             <a:endParaRPr lang="en-US" dirty="0" smtClean="0"/>
           </a:p>
         </p:txBody>
@@ -5200,122 +5261,6 @@
 </file>
 
 <file path=ppt/slides/slide13.xml><?xml version="1.0" encoding="utf-8"?>
-<p:sld xmlns:a="http://schemas.openxmlformats.org/drawingml/2006/main" xmlns:r="http://schemas.openxmlformats.org/officeDocument/2006/relationships" xmlns:p="http://schemas.openxmlformats.org/presentationml/2006/main" show="0">
-  <p:cSld>
-    <p:spTree>
-      <p:nvGrpSpPr>
-        <p:cNvPr id="1" name=""/>
-        <p:cNvGrpSpPr/>
-        <p:nvPr/>
-      </p:nvGrpSpPr>
-      <p:grpSpPr>
-        <a:xfrm>
-          <a:off x="0" y="0"/>
-          <a:ext cx="0" cy="0"/>
-          <a:chOff x="0" y="0"/>
-          <a:chExt cx="0" cy="0"/>
-        </a:xfrm>
-      </p:grpSpPr>
-      <p:sp>
-        <p:nvSpPr>
-          <p:cNvPr id="2" name="Title 1"/>
-          <p:cNvSpPr>
-            <a:spLocks noGrp="1"/>
-          </p:cNvSpPr>
-          <p:nvPr>
-            <p:ph type="title"/>
-          </p:nvPr>
-        </p:nvSpPr>
-        <p:spPr/>
-        <p:txBody>
-          <a:bodyPr/>
-          <a:lstStyle/>
-          <a:p>
-            <a:pPr algn="ctr"/>
-            <a:r>
-              <a:rPr lang="en-US" b="1" dirty="0" smtClean="0"/>
-              <a:t>Deep reinforcement learning </a:t>
-            </a:r>
-            <a:endParaRPr lang="en-US" dirty="0"/>
-          </a:p>
-        </p:txBody>
-      </p:sp>
-      <p:sp>
-        <p:nvSpPr>
-          <p:cNvPr id="3" name="Content Placeholder 2"/>
-          <p:cNvSpPr>
-            <a:spLocks noGrp="1"/>
-          </p:cNvSpPr>
-          <p:nvPr>
-            <p:ph idx="1"/>
-          </p:nvPr>
-        </p:nvSpPr>
-        <p:spPr/>
-        <p:txBody>
-          <a:bodyPr/>
-          <a:lstStyle/>
-          <a:p>
-            <a:pPr marL="228600" lvl="1">
-              <a:spcBef>
-                <a:spcPts val="1000"/>
-              </a:spcBef>
-            </a:pPr>
-            <a:r>
-              <a:rPr lang="en-US" sz="2800" dirty="0" smtClean="0"/>
-              <a:t>Implementation of DRL</a:t>
-            </a:r>
-          </a:p>
-          <a:p>
-            <a:pPr lvl="1"/>
-            <a:r>
-              <a:rPr lang="en-US" dirty="0" smtClean="0"/>
-              <a:t>DQN(</a:t>
-            </a:r>
-            <a:r>
-              <a:rPr lang="en-US" b="1" dirty="0" smtClean="0">
-                <a:hlinkClick r:id="rId2"/>
-              </a:rPr>
-              <a:t>Playing Atari with Deep Reinforcement Learning</a:t>
-            </a:r>
-            <a:r>
-              <a:rPr lang="en-US" dirty="0" smtClean="0"/>
-              <a:t> )</a:t>
-            </a:r>
-          </a:p>
-          <a:p>
-            <a:endParaRPr lang="en-US" dirty="0"/>
-          </a:p>
-        </p:txBody>
-      </p:sp>
-    </p:spTree>
-    <p:extLst>
-      <p:ext uri="{BB962C8B-B14F-4D97-AF65-F5344CB8AC3E}">
-        <p14:creationId xmlns:p14="http://schemas.microsoft.com/office/powerpoint/2010/main" val="1382197150"/>
-      </p:ext>
-    </p:extLst>
-  </p:cSld>
-  <p:clrMapOvr>
-    <a:masterClrMapping/>
-  </p:clrMapOvr>
-  <mc:AlternateContent xmlns:mc="http://schemas.openxmlformats.org/markup-compatibility/2006">
-    <mc:Choice xmlns:p14="http://schemas.microsoft.com/office/powerpoint/2010/main" Requires="p14">
-      <p:transition spd="slow" p14:dur="2000"/>
-    </mc:Choice>
-    <mc:Fallback>
-      <p:transition spd="slow"/>
-    </mc:Fallback>
-  </mc:AlternateContent>
-  <p:timing>
-    <p:tnLst>
-      <p:par>
-        <p:cTn id="1" dur="indefinite" restart="never" nodeType="tmRoot"/>
-      </p:par>
-    </p:tnLst>
-  </p:timing>
-</p:sld>
-</file>
-
-<file path=ppt/slides/slide14.xml><?xml version="1.0" encoding="utf-8"?>
 <p:sld xmlns:a="http://schemas.openxmlformats.org/drawingml/2006/main" xmlns:r="http://schemas.openxmlformats.org/officeDocument/2006/relationships" xmlns:p="http://schemas.openxmlformats.org/presentationml/2006/main">
   <p:cSld>
     <p:spTree>
@@ -5347,7 +5292,12 @@
           <a:bodyPr/>
           <a:lstStyle/>
           <a:p>
-            <a:endParaRPr lang="en-US" dirty="0"/>
+            <a:pPr algn="ctr"/>
+            <a:r>
+              <a:rPr lang="en-US" b="1" dirty="0" smtClean="0"/>
+              <a:t>Convergence speed</a:t>
+            </a:r>
+            <a:endParaRPr lang="en-US" b="1" dirty="0"/>
           </a:p>
         </p:txBody>
       </p:sp>
@@ -5366,14 +5316,1873 @@
           <a:bodyPr/>
           <a:lstStyle/>
           <a:p>
-            <a:endParaRPr lang="en-US"/>
+            <a:r>
+              <a:rPr lang="en-US" dirty="0" smtClean="0"/>
+              <a:t>Some trick</a:t>
+            </a:r>
+          </a:p>
+          <a:p>
+            <a:endParaRPr lang="en-US" dirty="0"/>
+          </a:p>
+          <a:p>
+            <a:r>
+              <a:rPr lang="en-US" dirty="0" smtClean="0"/>
+              <a:t>Asynchronous</a:t>
+            </a:r>
+          </a:p>
+          <a:p>
+            <a:endParaRPr lang="en-US" dirty="0"/>
+          </a:p>
+          <a:p>
+            <a:r>
+              <a:rPr lang="en-US" dirty="0" smtClean="0"/>
+              <a:t>Variance reduce</a:t>
+            </a:r>
+          </a:p>
+          <a:p>
+            <a:endParaRPr lang="en-US" dirty="0"/>
+          </a:p>
+          <a:p>
+            <a:r>
+              <a:rPr lang="en-US" dirty="0" smtClean="0"/>
+              <a:t>others</a:t>
+            </a:r>
           </a:p>
         </p:txBody>
       </p:sp>
     </p:spTree>
     <p:extLst>
       <p:ext uri="{BB962C8B-B14F-4D97-AF65-F5344CB8AC3E}">
-        <p14:creationId xmlns:p14="http://schemas.microsoft.com/office/powerpoint/2010/main" val="1970740126"/>
+        <p14:creationId xmlns:p14="http://schemas.microsoft.com/office/powerpoint/2010/main" val="3727563400"/>
+      </p:ext>
+    </p:extLst>
+  </p:cSld>
+  <p:clrMapOvr>
+    <a:masterClrMapping/>
+  </p:clrMapOvr>
+</p:sld>
+</file>
+
+<file path=ppt/slides/slide14.xml><?xml version="1.0" encoding="utf-8"?>
+<p:sld xmlns:a="http://schemas.openxmlformats.org/drawingml/2006/main" xmlns:r="http://schemas.openxmlformats.org/officeDocument/2006/relationships" xmlns:p="http://schemas.openxmlformats.org/presentationml/2006/main">
+  <p:cSld>
+    <p:spTree>
+      <p:nvGrpSpPr>
+        <p:cNvPr id="1" name=""/>
+        <p:cNvGrpSpPr/>
+        <p:nvPr/>
+      </p:nvGrpSpPr>
+      <p:grpSpPr>
+        <a:xfrm>
+          <a:off x="0" y="0"/>
+          <a:ext cx="0" cy="0"/>
+          <a:chOff x="0" y="0"/>
+          <a:chExt cx="0" cy="0"/>
+        </a:xfrm>
+      </p:grpSpPr>
+      <p:sp>
+        <p:nvSpPr>
+          <p:cNvPr id="2" name="标题 1"/>
+          <p:cNvSpPr>
+            <a:spLocks noGrp="1"/>
+          </p:cNvSpPr>
+          <p:nvPr>
+            <p:ph type="title"/>
+          </p:nvPr>
+        </p:nvSpPr>
+        <p:spPr>
+          <a:xfrm>
+            <a:off x="1001973" y="0"/>
+            <a:ext cx="10515600" cy="968991"/>
+          </a:xfrm>
+        </p:spPr>
+        <p:txBody>
+          <a:bodyPr/>
+          <a:lstStyle/>
+          <a:p>
+            <a:pPr algn="ctr"/>
+            <a:r>
+              <a:rPr lang="en-US" altLang="zh-CN" b="1" dirty="0" smtClean="0"/>
+              <a:t>Some trick</a:t>
+            </a:r>
+            <a:endParaRPr lang="zh-CN" altLang="en-US" b="1" dirty="0"/>
+          </a:p>
+        </p:txBody>
+      </p:sp>
+      <mc:AlternateContent xmlns:mc="http://schemas.openxmlformats.org/markup-compatibility/2006">
+        <mc:Choice xmlns:a14="http://schemas.microsoft.com/office/drawing/2010/main" Requires="a14">
+          <p:sp>
+            <p:nvSpPr>
+              <p:cNvPr id="3" name="内容占位符 2"/>
+              <p:cNvSpPr>
+                <a:spLocks noGrp="1"/>
+              </p:cNvSpPr>
+              <p:nvPr>
+                <p:ph idx="1"/>
+              </p:nvPr>
+            </p:nvSpPr>
+            <p:spPr>
+              <a:xfrm>
+                <a:off x="810904" y="721456"/>
+                <a:ext cx="10515600" cy="6136544"/>
+              </a:xfrm>
+            </p:spPr>
+            <p:txBody>
+              <a:bodyPr>
+                <a:normAutofit lnSpcReduction="10000"/>
+              </a:bodyPr>
+              <a:lstStyle/>
+              <a:p>
+                <a:r>
+                  <a:rPr lang="en-US" altLang="zh-CN" dirty="0" smtClean="0"/>
+                  <a:t> Use experience replay</a:t>
+                </a:r>
+              </a:p>
+              <a:p>
+                <a:pPr lvl="1"/>
+                <a:r>
+                  <a:rPr lang="en-US" altLang="zh-CN" dirty="0"/>
+                  <a:t> </a:t>
+                </a:r>
+                <a:r>
+                  <a:rPr lang="en-US" altLang="zh-CN" dirty="0" smtClean="0"/>
+                  <a:t>store transition </a:t>
+                </a:r>
+                <a14:m>
+                  <m:oMath xmlns:m="http://schemas.openxmlformats.org/officeDocument/2006/math">
+                    <m:sSub>
+                      <m:sSubPr>
+                        <m:ctrlPr>
+                          <a:rPr lang="en-US" altLang="zh-CN" b="0" i="1" smtClean="0">
+                            <a:latin typeface="Cambria Math" panose="02040503050406030204" pitchFamily="18" charset="0"/>
+                          </a:rPr>
+                        </m:ctrlPr>
+                      </m:sSubPr>
+                      <m:e>
+                        <m:r>
+                          <a:rPr lang="en-US" altLang="zh-CN" b="0" i="1" smtClean="0">
+                            <a:latin typeface="Cambria Math" panose="02040503050406030204" pitchFamily="18" charset="0"/>
+                          </a:rPr>
+                          <m:t>(</m:t>
+                        </m:r>
+                        <m:r>
+                          <a:rPr lang="en-US" altLang="zh-CN" b="0" i="1" smtClean="0">
+                            <a:latin typeface="Cambria Math" panose="02040503050406030204" pitchFamily="18" charset="0"/>
+                          </a:rPr>
+                          <m:t>𝑠</m:t>
+                        </m:r>
+                      </m:e>
+                      <m:sub>
+                        <m:r>
+                          <a:rPr lang="en-US" altLang="zh-CN" b="0" i="1" smtClean="0">
+                            <a:latin typeface="Cambria Math" panose="02040503050406030204" pitchFamily="18" charset="0"/>
+                          </a:rPr>
+                          <m:t>𝑡</m:t>
+                        </m:r>
+                      </m:sub>
+                    </m:sSub>
+                    <m:r>
+                      <a:rPr lang="en-US" altLang="zh-CN" b="0" i="1" smtClean="0">
+                        <a:latin typeface="Cambria Math" panose="02040503050406030204" pitchFamily="18" charset="0"/>
+                      </a:rPr>
+                      <m:t>,</m:t>
+                    </m:r>
+                    <m:sSub>
+                      <m:sSubPr>
+                        <m:ctrlPr>
+                          <a:rPr lang="en-US" altLang="zh-CN" b="0" i="1" smtClean="0">
+                            <a:latin typeface="Cambria Math" panose="02040503050406030204" pitchFamily="18" charset="0"/>
+                          </a:rPr>
+                        </m:ctrlPr>
+                      </m:sSubPr>
+                      <m:e>
+                        <m:r>
+                          <a:rPr lang="en-US" altLang="zh-CN" b="0" i="1" smtClean="0">
+                            <a:latin typeface="Cambria Math" panose="02040503050406030204" pitchFamily="18" charset="0"/>
+                          </a:rPr>
+                          <m:t>𝑎</m:t>
+                        </m:r>
+                      </m:e>
+                      <m:sub>
+                        <m:r>
+                          <a:rPr lang="en-US" altLang="zh-CN" b="0" i="1" smtClean="0">
+                            <a:latin typeface="Cambria Math" panose="02040503050406030204" pitchFamily="18" charset="0"/>
+                          </a:rPr>
+                          <m:t>𝑡</m:t>
+                        </m:r>
+                      </m:sub>
+                    </m:sSub>
+                    <m:r>
+                      <a:rPr lang="en-US" altLang="zh-CN" b="0" i="1" smtClean="0">
+                        <a:latin typeface="Cambria Math" panose="02040503050406030204" pitchFamily="18" charset="0"/>
+                      </a:rPr>
+                      <m:t>,</m:t>
+                    </m:r>
+                    <m:sSub>
+                      <m:sSubPr>
+                        <m:ctrlPr>
+                          <a:rPr lang="en-US" altLang="zh-CN" b="0" i="1" smtClean="0">
+                            <a:latin typeface="Cambria Math" panose="02040503050406030204" pitchFamily="18" charset="0"/>
+                          </a:rPr>
+                        </m:ctrlPr>
+                      </m:sSubPr>
+                      <m:e>
+                        <m:r>
+                          <a:rPr lang="en-US" altLang="zh-CN" b="0" i="1" smtClean="0">
+                            <a:latin typeface="Cambria Math" panose="02040503050406030204" pitchFamily="18" charset="0"/>
+                          </a:rPr>
+                          <m:t>𝑟</m:t>
+                        </m:r>
+                      </m:e>
+                      <m:sub>
+                        <m:r>
+                          <a:rPr lang="en-US" altLang="zh-CN" b="0" i="1" smtClean="0">
+                            <a:latin typeface="Cambria Math" panose="02040503050406030204" pitchFamily="18" charset="0"/>
+                          </a:rPr>
+                          <m:t>𝑡</m:t>
+                        </m:r>
+                        <m:r>
+                          <a:rPr lang="en-US" altLang="zh-CN" b="0" i="1" smtClean="0">
+                            <a:latin typeface="Cambria Math" panose="02040503050406030204" pitchFamily="18" charset="0"/>
+                          </a:rPr>
+                          <m:t>+1</m:t>
+                        </m:r>
+                      </m:sub>
+                    </m:sSub>
+                    <m:r>
+                      <a:rPr lang="en-US" altLang="zh-CN" b="0" i="1" smtClean="0">
+                        <a:latin typeface="Cambria Math" panose="02040503050406030204" pitchFamily="18" charset="0"/>
+                      </a:rPr>
+                      <m:t>,</m:t>
+                    </m:r>
+                    <m:sSub>
+                      <m:sSubPr>
+                        <m:ctrlPr>
+                          <a:rPr lang="en-US" altLang="zh-CN" b="0" i="1" smtClean="0">
+                            <a:latin typeface="Cambria Math" panose="02040503050406030204" pitchFamily="18" charset="0"/>
+                          </a:rPr>
+                        </m:ctrlPr>
+                      </m:sSubPr>
+                      <m:e>
+                        <m:r>
+                          <a:rPr lang="en-US" altLang="zh-CN" b="0" i="1" smtClean="0">
+                            <a:latin typeface="Cambria Math" panose="02040503050406030204" pitchFamily="18" charset="0"/>
+                          </a:rPr>
+                          <m:t>𝑠</m:t>
+                        </m:r>
+                      </m:e>
+                      <m:sub>
+                        <m:r>
+                          <a:rPr lang="en-US" altLang="zh-CN" b="0" i="1" smtClean="0">
+                            <a:latin typeface="Cambria Math" panose="02040503050406030204" pitchFamily="18" charset="0"/>
+                          </a:rPr>
+                          <m:t>𝑡</m:t>
+                        </m:r>
+                        <m:r>
+                          <a:rPr lang="en-US" altLang="zh-CN" b="0" i="1" smtClean="0">
+                            <a:latin typeface="Cambria Math" panose="02040503050406030204" pitchFamily="18" charset="0"/>
+                          </a:rPr>
+                          <m:t>+1</m:t>
+                        </m:r>
+                      </m:sub>
+                    </m:sSub>
+                    <m:r>
+                      <a:rPr lang="en-US" altLang="zh-CN" b="0" i="1" smtClean="0">
+                        <a:latin typeface="Cambria Math" panose="02040503050406030204" pitchFamily="18" charset="0"/>
+                      </a:rPr>
+                      <m:t>)</m:t>
+                    </m:r>
+                  </m:oMath>
+                </a14:m>
+                <a:r>
+                  <a:rPr lang="en-US" altLang="zh-CN" dirty="0" smtClean="0"/>
+                  <a:t> in D</a:t>
+                </a:r>
+              </a:p>
+              <a:p>
+                <a:pPr lvl="1"/>
+                <a:r>
+                  <a:rPr lang="en-US" altLang="zh-CN" dirty="0" smtClean="0"/>
+                  <a:t>Randomly sample mini-batch </a:t>
+                </a:r>
+              </a:p>
+              <a:p>
+                <a:pPr lvl="1"/>
+                <a:r>
+                  <a:rPr lang="en-US" altLang="zh-CN" dirty="0" smtClean="0"/>
+                  <a:t>Use mini-batch to optimize the target</a:t>
+                </a:r>
+              </a:p>
+              <a:p>
+                <a:r>
+                  <a:rPr lang="en-US" altLang="zh-CN" dirty="0" smtClean="0"/>
+                  <a:t>Freeze target Q-network</a:t>
+                </a:r>
+              </a:p>
+              <a:p>
+                <a:pPr lvl="1"/>
+                <a14:m>
+                  <m:oMath xmlns:m="http://schemas.openxmlformats.org/officeDocument/2006/math">
+                    <m:r>
+                      <a:rPr lang="en-US" altLang="zh-CN" b="0" i="1" smtClean="0">
+                        <a:solidFill>
+                          <a:schemeClr val="tx1"/>
+                        </a:solidFill>
+                        <a:latin typeface="Cambria Math" panose="02040503050406030204" pitchFamily="18" charset="0"/>
+                      </a:rPr>
+                      <m:t>𝐿</m:t>
+                    </m:r>
+                    <m:d>
+                      <m:dPr>
+                        <m:ctrlPr>
+                          <a:rPr lang="en-US" altLang="zh-CN" b="0" i="1" smtClean="0">
+                            <a:solidFill>
+                              <a:schemeClr val="tx1"/>
+                            </a:solidFill>
+                            <a:latin typeface="Cambria Math" panose="02040503050406030204" pitchFamily="18" charset="0"/>
+                          </a:rPr>
+                        </m:ctrlPr>
+                      </m:dPr>
+                      <m:e>
+                        <m:r>
+                          <a:rPr lang="en-US" altLang="zh-CN" b="0" i="1" smtClean="0">
+                            <a:solidFill>
+                              <a:schemeClr val="tx1"/>
+                            </a:solidFill>
+                            <a:latin typeface="Cambria Math" panose="02040503050406030204" pitchFamily="18" charset="0"/>
+                          </a:rPr>
+                          <m:t>𝑤</m:t>
+                        </m:r>
+                      </m:e>
+                    </m:d>
+                    <m:r>
+                      <a:rPr lang="en-US" altLang="zh-CN" b="0" i="1" smtClean="0">
+                        <a:solidFill>
+                          <a:schemeClr val="tx1"/>
+                        </a:solidFill>
+                        <a:latin typeface="Cambria Math" panose="02040503050406030204" pitchFamily="18" charset="0"/>
+                      </a:rPr>
+                      <m:t>=</m:t>
+                    </m:r>
+                    <m:r>
+                      <a:rPr lang="en-US" altLang="zh-CN" b="0" i="1" smtClean="0">
+                        <a:solidFill>
+                          <a:schemeClr val="tx1"/>
+                        </a:solidFill>
+                        <a:latin typeface="Cambria Math" panose="02040503050406030204" pitchFamily="18" charset="0"/>
+                      </a:rPr>
+                      <m:t>𝐸</m:t>
+                    </m:r>
+                    <m:r>
+                      <a:rPr lang="en-US" altLang="zh-CN" i="1">
+                        <a:solidFill>
+                          <a:schemeClr val="tx1"/>
+                        </a:solidFill>
+                        <a:latin typeface="Cambria Math" panose="02040503050406030204" pitchFamily="18" charset="0"/>
+                      </a:rPr>
+                      <m:t>[</m:t>
+                    </m:r>
+                    <m:sSup>
+                      <m:sSupPr>
+                        <m:ctrlPr>
+                          <a:rPr lang="en-US" altLang="zh-CN" b="0" i="1" smtClean="0">
+                            <a:solidFill>
+                              <a:schemeClr val="tx1"/>
+                            </a:solidFill>
+                            <a:latin typeface="Cambria Math" panose="02040503050406030204" pitchFamily="18" charset="0"/>
+                          </a:rPr>
+                        </m:ctrlPr>
+                      </m:sSupPr>
+                      <m:e>
+                        <m:d>
+                          <m:dPr>
+                            <m:ctrlPr>
+                              <a:rPr lang="en-US" altLang="zh-CN" b="0" i="1" smtClean="0">
+                                <a:solidFill>
+                                  <a:schemeClr val="tx1"/>
+                                </a:solidFill>
+                                <a:latin typeface="Cambria Math" panose="02040503050406030204" pitchFamily="18" charset="0"/>
+                              </a:rPr>
+                            </m:ctrlPr>
+                          </m:dPr>
+                          <m:e>
+                            <m:r>
+                              <a:rPr lang="en-US" altLang="zh-CN" i="1">
+                                <a:solidFill>
+                                  <a:schemeClr val="tx1"/>
+                                </a:solidFill>
+                                <a:latin typeface="Cambria Math" panose="02040503050406030204" pitchFamily="18" charset="0"/>
+                              </a:rPr>
+                              <m:t>𝑅</m:t>
+                            </m:r>
+                            <m:r>
+                              <a:rPr lang="en-US" altLang="zh-CN" i="1">
+                                <a:solidFill>
+                                  <a:schemeClr val="tx1"/>
+                                </a:solidFill>
+                                <a:latin typeface="Cambria Math" panose="02040503050406030204" pitchFamily="18" charset="0"/>
+                              </a:rPr>
+                              <m:t>+</m:t>
+                            </m:r>
+                            <m:r>
+                              <a:rPr lang="en-US" altLang="zh-CN" i="1">
+                                <a:solidFill>
+                                  <a:schemeClr val="tx1"/>
+                                </a:solidFill>
+                                <a:latin typeface="Cambria Math" panose="02040503050406030204" pitchFamily="18" charset="0"/>
+                              </a:rPr>
+                              <m:t>𝛾</m:t>
+                            </m:r>
+                            <m:r>
+                              <a:rPr lang="en-US" altLang="zh-CN" i="1">
+                                <a:solidFill>
+                                  <a:schemeClr val="tx1"/>
+                                </a:solidFill>
+                                <a:latin typeface="Cambria Math" panose="02040503050406030204" pitchFamily="18" charset="0"/>
+                              </a:rPr>
+                              <m:t>𝑄</m:t>
+                            </m:r>
+                            <m:d>
+                              <m:dPr>
+                                <m:ctrlPr>
+                                  <a:rPr lang="en-US" altLang="zh-CN" i="1">
+                                    <a:solidFill>
+                                      <a:schemeClr val="tx1"/>
+                                    </a:solidFill>
+                                    <a:latin typeface="Cambria Math" panose="02040503050406030204" pitchFamily="18" charset="0"/>
+                                  </a:rPr>
+                                </m:ctrlPr>
+                              </m:dPr>
+                              <m:e>
+                                <m:sSup>
+                                  <m:sSupPr>
+                                    <m:ctrlPr>
+                                      <a:rPr lang="en-US" altLang="zh-CN" i="1">
+                                        <a:solidFill>
+                                          <a:schemeClr val="tx1"/>
+                                        </a:solidFill>
+                                        <a:latin typeface="Cambria Math" panose="02040503050406030204" pitchFamily="18" charset="0"/>
+                                      </a:rPr>
+                                    </m:ctrlPr>
+                                  </m:sSupPr>
+                                  <m:e>
+                                    <m:r>
+                                      <a:rPr lang="en-US" altLang="zh-CN" i="1">
+                                        <a:solidFill>
+                                          <a:schemeClr val="tx1"/>
+                                        </a:solidFill>
+                                        <a:latin typeface="Cambria Math" panose="02040503050406030204" pitchFamily="18" charset="0"/>
+                                      </a:rPr>
+                                      <m:t>𝑆</m:t>
+                                    </m:r>
+                                  </m:e>
+                                  <m:sup>
+                                    <m:r>
+                                      <a:rPr lang="en-US" altLang="zh-CN" i="1">
+                                        <a:solidFill>
+                                          <a:schemeClr val="tx1"/>
+                                        </a:solidFill>
+                                        <a:latin typeface="Cambria Math" panose="02040503050406030204" pitchFamily="18" charset="0"/>
+                                      </a:rPr>
+                                      <m:t>′</m:t>
+                                    </m:r>
+                                  </m:sup>
+                                </m:sSup>
+                                <m:r>
+                                  <a:rPr lang="en-US" altLang="zh-CN" i="1">
+                                    <a:solidFill>
+                                      <a:schemeClr val="tx1"/>
+                                    </a:solidFill>
+                                    <a:latin typeface="Cambria Math" panose="02040503050406030204" pitchFamily="18" charset="0"/>
+                                  </a:rPr>
+                                  <m:t>,</m:t>
+                                </m:r>
+                                <m:sSup>
+                                  <m:sSupPr>
+                                    <m:ctrlPr>
+                                      <a:rPr lang="en-US" altLang="zh-CN" b="0" i="1" smtClean="0">
+                                        <a:solidFill>
+                                          <a:schemeClr val="tx1"/>
+                                        </a:solidFill>
+                                        <a:latin typeface="Cambria Math" panose="02040503050406030204" pitchFamily="18" charset="0"/>
+                                      </a:rPr>
+                                    </m:ctrlPr>
+                                  </m:sSupPr>
+                                  <m:e>
+                                    <m:r>
+                                      <a:rPr lang="en-US" altLang="zh-CN" i="1">
+                                        <a:solidFill>
+                                          <a:schemeClr val="tx1"/>
+                                        </a:solidFill>
+                                        <a:latin typeface="Cambria Math" panose="02040503050406030204" pitchFamily="18" charset="0"/>
+                                      </a:rPr>
+                                      <m:t>𝑎</m:t>
+                                    </m:r>
+                                  </m:e>
+                                  <m:sup>
+                                    <m:r>
+                                      <a:rPr lang="en-US" altLang="zh-CN" b="0" i="1" smtClean="0">
+                                        <a:solidFill>
+                                          <a:schemeClr val="tx1"/>
+                                        </a:solidFill>
+                                        <a:latin typeface="Cambria Math" panose="02040503050406030204" pitchFamily="18" charset="0"/>
+                                      </a:rPr>
+                                      <m:t>′</m:t>
+                                    </m:r>
+                                  </m:sup>
+                                </m:sSup>
+                                <m:r>
+                                  <a:rPr lang="en-US" altLang="zh-CN" b="0" i="1" smtClean="0">
+                                    <a:solidFill>
+                                      <a:schemeClr val="tx1"/>
+                                    </a:solidFill>
+                                    <a:latin typeface="Cambria Math" panose="02040503050406030204" pitchFamily="18" charset="0"/>
+                                  </a:rPr>
+                                  <m:t>,</m:t>
+                                </m:r>
+                                <m:r>
+                                  <a:rPr lang="en-US" altLang="zh-CN" b="0" i="1" smtClean="0">
+                                    <a:solidFill>
+                                      <a:srgbClr val="FF0000"/>
+                                    </a:solidFill>
+                                    <a:latin typeface="Cambria Math" panose="02040503050406030204" pitchFamily="18" charset="0"/>
+                                  </a:rPr>
+                                  <m:t>𝑤</m:t>
+                                </m:r>
+                              </m:e>
+                            </m:d>
+                            <m:r>
+                              <a:rPr lang="en-US" altLang="zh-CN" i="1">
+                                <a:solidFill>
+                                  <a:schemeClr val="tx1"/>
+                                </a:solidFill>
+                                <a:latin typeface="Cambria Math" panose="02040503050406030204" pitchFamily="18" charset="0"/>
+                              </a:rPr>
+                              <m:t>−</m:t>
+                            </m:r>
+                            <m:r>
+                              <a:rPr lang="en-US" altLang="zh-CN" i="1">
+                                <a:solidFill>
+                                  <a:schemeClr val="tx1"/>
+                                </a:solidFill>
+                                <a:latin typeface="Cambria Math" panose="02040503050406030204" pitchFamily="18" charset="0"/>
+                              </a:rPr>
+                              <m:t>𝑄</m:t>
+                            </m:r>
+                            <m:d>
+                              <m:dPr>
+                                <m:ctrlPr>
+                                  <a:rPr lang="en-US" altLang="zh-CN" i="1">
+                                    <a:solidFill>
+                                      <a:schemeClr val="tx1"/>
+                                    </a:solidFill>
+                                    <a:latin typeface="Cambria Math" panose="02040503050406030204" pitchFamily="18" charset="0"/>
+                                  </a:rPr>
+                                </m:ctrlPr>
+                              </m:dPr>
+                              <m:e>
+                                <m:r>
+                                  <a:rPr lang="en-US" altLang="zh-CN" i="1">
+                                    <a:solidFill>
+                                      <a:schemeClr val="tx1"/>
+                                    </a:solidFill>
+                                    <a:latin typeface="Cambria Math" panose="02040503050406030204" pitchFamily="18" charset="0"/>
+                                  </a:rPr>
+                                  <m:t>𝑆</m:t>
+                                </m:r>
+                                <m:r>
+                                  <a:rPr lang="en-US" altLang="zh-CN" i="1">
+                                    <a:solidFill>
+                                      <a:schemeClr val="tx1"/>
+                                    </a:solidFill>
+                                    <a:latin typeface="Cambria Math" panose="02040503050406030204" pitchFamily="18" charset="0"/>
+                                  </a:rPr>
+                                  <m:t>,</m:t>
+                                </m:r>
+                                <m:r>
+                                  <a:rPr lang="en-US" altLang="zh-CN" b="0" i="1" smtClean="0">
+                                    <a:solidFill>
+                                      <a:schemeClr val="tx1"/>
+                                    </a:solidFill>
+                                    <a:latin typeface="Cambria Math" panose="02040503050406030204" pitchFamily="18" charset="0"/>
+                                  </a:rPr>
+                                  <m:t>𝑎</m:t>
+                                </m:r>
+                                <m:r>
+                                  <a:rPr lang="en-US" altLang="zh-CN" b="0" i="1" smtClean="0">
+                                    <a:solidFill>
+                                      <a:schemeClr val="tx1"/>
+                                    </a:solidFill>
+                                    <a:latin typeface="Cambria Math" panose="02040503050406030204" pitchFamily="18" charset="0"/>
+                                  </a:rPr>
+                                  <m:t>,</m:t>
+                                </m:r>
+                                <m:r>
+                                  <a:rPr lang="en-US" altLang="zh-CN" b="0" i="1" smtClean="0">
+                                    <a:solidFill>
+                                      <a:srgbClr val="FF0000"/>
+                                    </a:solidFill>
+                                    <a:latin typeface="Cambria Math" panose="02040503050406030204" pitchFamily="18" charset="0"/>
+                                  </a:rPr>
+                                  <m:t>𝑤</m:t>
+                                </m:r>
+                              </m:e>
+                            </m:d>
+                          </m:e>
+                        </m:d>
+                      </m:e>
+                      <m:sup>
+                        <m:r>
+                          <a:rPr lang="en-US" altLang="zh-CN" b="0" i="1" smtClean="0">
+                            <a:solidFill>
+                              <a:schemeClr val="tx1"/>
+                            </a:solidFill>
+                            <a:latin typeface="Cambria Math" panose="02040503050406030204" pitchFamily="18" charset="0"/>
+                          </a:rPr>
+                          <m:t>2</m:t>
+                        </m:r>
+                      </m:sup>
+                    </m:sSup>
+                    <m:r>
+                      <a:rPr lang="en-US" altLang="zh-CN" i="1">
+                        <a:solidFill>
+                          <a:schemeClr val="tx1"/>
+                        </a:solidFill>
+                        <a:latin typeface="Cambria Math" panose="02040503050406030204" pitchFamily="18" charset="0"/>
+                      </a:rPr>
+                      <m:t>]</m:t>
+                    </m:r>
+                  </m:oMath>
+                </a14:m>
+                <a:endParaRPr lang="en-US" altLang="zh-CN" dirty="0" smtClean="0">
+                  <a:solidFill>
+                    <a:schemeClr val="tx1"/>
+                  </a:solidFill>
+                </a:endParaRPr>
+              </a:p>
+              <a:p>
+                <a:pPr lvl="1"/>
+                <a14:m>
+                  <m:oMath xmlns:m="http://schemas.openxmlformats.org/officeDocument/2006/math">
+                    <m:r>
+                      <a:rPr lang="en-US" altLang="zh-CN" i="1">
+                        <a:solidFill>
+                          <a:schemeClr val="tx1"/>
+                        </a:solidFill>
+                        <a:latin typeface="Cambria Math" panose="02040503050406030204" pitchFamily="18" charset="0"/>
+                      </a:rPr>
+                      <m:t>𝐿</m:t>
+                    </m:r>
+                    <m:d>
+                      <m:dPr>
+                        <m:ctrlPr>
+                          <a:rPr lang="en-US" altLang="zh-CN" i="1">
+                            <a:solidFill>
+                              <a:schemeClr val="tx1"/>
+                            </a:solidFill>
+                            <a:latin typeface="Cambria Math" panose="02040503050406030204" pitchFamily="18" charset="0"/>
+                          </a:rPr>
+                        </m:ctrlPr>
+                      </m:dPr>
+                      <m:e>
+                        <m:r>
+                          <a:rPr lang="en-US" altLang="zh-CN" i="1">
+                            <a:solidFill>
+                              <a:schemeClr val="tx1"/>
+                            </a:solidFill>
+                            <a:latin typeface="Cambria Math" panose="02040503050406030204" pitchFamily="18" charset="0"/>
+                          </a:rPr>
+                          <m:t>𝑤</m:t>
+                        </m:r>
+                      </m:e>
+                    </m:d>
+                    <m:r>
+                      <a:rPr lang="en-US" altLang="zh-CN" i="1">
+                        <a:solidFill>
+                          <a:schemeClr val="tx1"/>
+                        </a:solidFill>
+                        <a:latin typeface="Cambria Math" panose="02040503050406030204" pitchFamily="18" charset="0"/>
+                      </a:rPr>
+                      <m:t>=</m:t>
+                    </m:r>
+                    <m:r>
+                      <a:rPr lang="en-US" altLang="zh-CN" i="1">
+                        <a:solidFill>
+                          <a:schemeClr val="tx1"/>
+                        </a:solidFill>
+                        <a:latin typeface="Cambria Math" panose="02040503050406030204" pitchFamily="18" charset="0"/>
+                      </a:rPr>
+                      <m:t>𝐸</m:t>
+                    </m:r>
+                    <m:r>
+                      <a:rPr lang="en-US" altLang="zh-CN" i="1">
+                        <a:solidFill>
+                          <a:schemeClr val="tx1"/>
+                        </a:solidFill>
+                        <a:latin typeface="Cambria Math" panose="02040503050406030204" pitchFamily="18" charset="0"/>
+                      </a:rPr>
+                      <m:t>[</m:t>
+                    </m:r>
+                    <m:sSup>
+                      <m:sSupPr>
+                        <m:ctrlPr>
+                          <a:rPr lang="en-US" altLang="zh-CN" b="0" i="1" smtClean="0">
+                            <a:solidFill>
+                              <a:schemeClr val="tx1"/>
+                            </a:solidFill>
+                            <a:latin typeface="Cambria Math" panose="02040503050406030204" pitchFamily="18" charset="0"/>
+                          </a:rPr>
+                        </m:ctrlPr>
+                      </m:sSupPr>
+                      <m:e>
+                        <m:d>
+                          <m:dPr>
+                            <m:ctrlPr>
+                              <a:rPr lang="en-US" altLang="zh-CN" b="0" i="1" smtClean="0">
+                                <a:solidFill>
+                                  <a:schemeClr val="tx1"/>
+                                </a:solidFill>
+                                <a:latin typeface="Cambria Math" panose="02040503050406030204" pitchFamily="18" charset="0"/>
+                              </a:rPr>
+                            </m:ctrlPr>
+                          </m:dPr>
+                          <m:e>
+                            <m:r>
+                              <a:rPr lang="en-US" altLang="zh-CN" i="1">
+                                <a:solidFill>
+                                  <a:schemeClr val="tx1"/>
+                                </a:solidFill>
+                                <a:latin typeface="Cambria Math" panose="02040503050406030204" pitchFamily="18" charset="0"/>
+                              </a:rPr>
+                              <m:t>𝑅</m:t>
+                            </m:r>
+                            <m:r>
+                              <a:rPr lang="en-US" altLang="zh-CN" i="1">
+                                <a:solidFill>
+                                  <a:schemeClr val="tx1"/>
+                                </a:solidFill>
+                                <a:latin typeface="Cambria Math" panose="02040503050406030204" pitchFamily="18" charset="0"/>
+                              </a:rPr>
+                              <m:t>+</m:t>
+                            </m:r>
+                            <m:r>
+                              <a:rPr lang="en-US" altLang="zh-CN" i="1">
+                                <a:solidFill>
+                                  <a:schemeClr val="tx1"/>
+                                </a:solidFill>
+                                <a:latin typeface="Cambria Math" panose="02040503050406030204" pitchFamily="18" charset="0"/>
+                              </a:rPr>
+                              <m:t>𝛾</m:t>
+                            </m:r>
+                            <m:r>
+                              <a:rPr lang="en-US" altLang="zh-CN" i="1">
+                                <a:solidFill>
+                                  <a:schemeClr val="tx1"/>
+                                </a:solidFill>
+                                <a:latin typeface="Cambria Math" panose="02040503050406030204" pitchFamily="18" charset="0"/>
+                              </a:rPr>
+                              <m:t>𝑄</m:t>
+                            </m:r>
+                            <m:d>
+                              <m:dPr>
+                                <m:ctrlPr>
+                                  <a:rPr lang="en-US" altLang="zh-CN" i="1">
+                                    <a:solidFill>
+                                      <a:schemeClr val="tx1"/>
+                                    </a:solidFill>
+                                    <a:latin typeface="Cambria Math" panose="02040503050406030204" pitchFamily="18" charset="0"/>
+                                  </a:rPr>
+                                </m:ctrlPr>
+                              </m:dPr>
+                              <m:e>
+                                <m:sSup>
+                                  <m:sSupPr>
+                                    <m:ctrlPr>
+                                      <a:rPr lang="en-US" altLang="zh-CN" i="1">
+                                        <a:solidFill>
+                                          <a:schemeClr val="tx1"/>
+                                        </a:solidFill>
+                                        <a:latin typeface="Cambria Math" panose="02040503050406030204" pitchFamily="18" charset="0"/>
+                                      </a:rPr>
+                                    </m:ctrlPr>
+                                  </m:sSupPr>
+                                  <m:e>
+                                    <m:r>
+                                      <a:rPr lang="en-US" altLang="zh-CN" i="1">
+                                        <a:solidFill>
+                                          <a:schemeClr val="tx1"/>
+                                        </a:solidFill>
+                                        <a:latin typeface="Cambria Math" panose="02040503050406030204" pitchFamily="18" charset="0"/>
+                                      </a:rPr>
+                                      <m:t>𝑆</m:t>
+                                    </m:r>
+                                  </m:e>
+                                  <m:sup>
+                                    <m:r>
+                                      <a:rPr lang="en-US" altLang="zh-CN" i="1">
+                                        <a:solidFill>
+                                          <a:schemeClr val="tx1"/>
+                                        </a:solidFill>
+                                        <a:latin typeface="Cambria Math" panose="02040503050406030204" pitchFamily="18" charset="0"/>
+                                      </a:rPr>
+                                      <m:t>′</m:t>
+                                    </m:r>
+                                  </m:sup>
+                                </m:sSup>
+                                <m:r>
+                                  <a:rPr lang="en-US" altLang="zh-CN" i="1">
+                                    <a:solidFill>
+                                      <a:schemeClr val="tx1"/>
+                                    </a:solidFill>
+                                    <a:latin typeface="Cambria Math" panose="02040503050406030204" pitchFamily="18" charset="0"/>
+                                  </a:rPr>
+                                  <m:t>,</m:t>
+                                </m:r>
+                                <m:sSup>
+                                  <m:sSupPr>
+                                    <m:ctrlPr>
+                                      <a:rPr lang="en-US" altLang="zh-CN" i="1">
+                                        <a:solidFill>
+                                          <a:schemeClr val="tx1"/>
+                                        </a:solidFill>
+                                        <a:latin typeface="Cambria Math" panose="02040503050406030204" pitchFamily="18" charset="0"/>
+                                      </a:rPr>
+                                    </m:ctrlPr>
+                                  </m:sSupPr>
+                                  <m:e>
+                                    <m:r>
+                                      <a:rPr lang="en-US" altLang="zh-CN" i="1">
+                                        <a:solidFill>
+                                          <a:schemeClr val="tx1"/>
+                                        </a:solidFill>
+                                        <a:latin typeface="Cambria Math" panose="02040503050406030204" pitchFamily="18" charset="0"/>
+                                      </a:rPr>
+                                      <m:t>𝑎</m:t>
+                                    </m:r>
+                                  </m:e>
+                                  <m:sup>
+                                    <m:r>
+                                      <a:rPr lang="en-US" altLang="zh-CN" i="1">
+                                        <a:solidFill>
+                                          <a:schemeClr val="tx1"/>
+                                        </a:solidFill>
+                                        <a:latin typeface="Cambria Math" panose="02040503050406030204" pitchFamily="18" charset="0"/>
+                                      </a:rPr>
+                                      <m:t>′</m:t>
+                                    </m:r>
+                                  </m:sup>
+                                </m:sSup>
+                                <m:r>
+                                  <a:rPr lang="en-US" altLang="zh-CN" i="1">
+                                    <a:solidFill>
+                                      <a:schemeClr val="tx1"/>
+                                    </a:solidFill>
+                                    <a:latin typeface="Cambria Math" panose="02040503050406030204" pitchFamily="18" charset="0"/>
+                                  </a:rPr>
+                                  <m:t>,</m:t>
+                                </m:r>
+                                <m:sSup>
+                                  <m:sSupPr>
+                                    <m:ctrlPr>
+                                      <a:rPr lang="en-US" altLang="zh-CN" b="0" i="1" smtClean="0">
+                                        <a:solidFill>
+                                          <a:srgbClr val="FF0000"/>
+                                        </a:solidFill>
+                                        <a:latin typeface="Cambria Math" panose="02040503050406030204" pitchFamily="18" charset="0"/>
+                                      </a:rPr>
+                                    </m:ctrlPr>
+                                  </m:sSupPr>
+                                  <m:e>
+                                    <m:r>
+                                      <a:rPr lang="en-US" altLang="zh-CN" i="1">
+                                        <a:solidFill>
+                                          <a:srgbClr val="FF0000"/>
+                                        </a:solidFill>
+                                        <a:latin typeface="Cambria Math" panose="02040503050406030204" pitchFamily="18" charset="0"/>
+                                      </a:rPr>
+                                      <m:t>𝑤</m:t>
+                                    </m:r>
+                                  </m:e>
+                                  <m:sup>
+                                    <m:r>
+                                      <a:rPr lang="en-US" altLang="zh-CN" b="0" i="1" smtClean="0">
+                                        <a:solidFill>
+                                          <a:srgbClr val="FF0000"/>
+                                        </a:solidFill>
+                                        <a:latin typeface="Cambria Math" panose="02040503050406030204" pitchFamily="18" charset="0"/>
+                                      </a:rPr>
+                                      <m:t>−</m:t>
+                                    </m:r>
+                                  </m:sup>
+                                </m:sSup>
+                              </m:e>
+                            </m:d>
+                            <m:r>
+                              <a:rPr lang="en-US" altLang="zh-CN" i="1">
+                                <a:solidFill>
+                                  <a:schemeClr val="tx1"/>
+                                </a:solidFill>
+                                <a:latin typeface="Cambria Math" panose="02040503050406030204" pitchFamily="18" charset="0"/>
+                              </a:rPr>
+                              <m:t>−</m:t>
+                            </m:r>
+                            <m:r>
+                              <a:rPr lang="en-US" altLang="zh-CN" i="1">
+                                <a:solidFill>
+                                  <a:schemeClr val="tx1"/>
+                                </a:solidFill>
+                                <a:latin typeface="Cambria Math" panose="02040503050406030204" pitchFamily="18" charset="0"/>
+                              </a:rPr>
+                              <m:t>𝑄</m:t>
+                            </m:r>
+                            <m:d>
+                              <m:dPr>
+                                <m:ctrlPr>
+                                  <a:rPr lang="en-US" altLang="zh-CN" i="1">
+                                    <a:solidFill>
+                                      <a:schemeClr val="tx1"/>
+                                    </a:solidFill>
+                                    <a:latin typeface="Cambria Math" panose="02040503050406030204" pitchFamily="18" charset="0"/>
+                                  </a:rPr>
+                                </m:ctrlPr>
+                              </m:dPr>
+                              <m:e>
+                                <m:r>
+                                  <a:rPr lang="en-US" altLang="zh-CN" i="1">
+                                    <a:solidFill>
+                                      <a:schemeClr val="tx1"/>
+                                    </a:solidFill>
+                                    <a:latin typeface="Cambria Math" panose="02040503050406030204" pitchFamily="18" charset="0"/>
+                                  </a:rPr>
+                                  <m:t>𝑆</m:t>
+                                </m:r>
+                                <m:r>
+                                  <a:rPr lang="en-US" altLang="zh-CN" i="1">
+                                    <a:solidFill>
+                                      <a:schemeClr val="tx1"/>
+                                    </a:solidFill>
+                                    <a:latin typeface="Cambria Math" panose="02040503050406030204" pitchFamily="18" charset="0"/>
+                                  </a:rPr>
+                                  <m:t>,</m:t>
+                                </m:r>
+                                <m:r>
+                                  <a:rPr lang="en-US" altLang="zh-CN" i="1">
+                                    <a:solidFill>
+                                      <a:schemeClr val="tx1"/>
+                                    </a:solidFill>
+                                    <a:latin typeface="Cambria Math" panose="02040503050406030204" pitchFamily="18" charset="0"/>
+                                  </a:rPr>
+                                  <m:t>𝑎</m:t>
+                                </m:r>
+                                <m:r>
+                                  <a:rPr lang="en-US" altLang="zh-CN" i="1">
+                                    <a:solidFill>
+                                      <a:schemeClr val="tx1"/>
+                                    </a:solidFill>
+                                    <a:latin typeface="Cambria Math" panose="02040503050406030204" pitchFamily="18" charset="0"/>
+                                  </a:rPr>
+                                  <m:t>,</m:t>
+                                </m:r>
+                                <m:r>
+                                  <a:rPr lang="en-US" altLang="zh-CN" i="1" smtClean="0">
+                                    <a:solidFill>
+                                      <a:srgbClr val="FF0000"/>
+                                    </a:solidFill>
+                                    <a:latin typeface="Cambria Math" panose="02040503050406030204" pitchFamily="18" charset="0"/>
+                                  </a:rPr>
+                                  <m:t>𝑤</m:t>
+                                </m:r>
+                              </m:e>
+                            </m:d>
+                          </m:e>
+                        </m:d>
+                      </m:e>
+                      <m:sup>
+                        <m:r>
+                          <a:rPr lang="en-US" altLang="zh-CN" b="0" i="1" smtClean="0">
+                            <a:solidFill>
+                              <a:schemeClr val="tx1"/>
+                            </a:solidFill>
+                            <a:latin typeface="Cambria Math" panose="02040503050406030204" pitchFamily="18" charset="0"/>
+                          </a:rPr>
+                          <m:t>2</m:t>
+                        </m:r>
+                      </m:sup>
+                    </m:sSup>
+                    <m:r>
+                      <a:rPr lang="en-US" altLang="zh-CN" i="1">
+                        <a:solidFill>
+                          <a:schemeClr val="tx1"/>
+                        </a:solidFill>
+                        <a:latin typeface="Cambria Math" panose="02040503050406030204" pitchFamily="18" charset="0"/>
+                      </a:rPr>
+                      <m:t>]</m:t>
+                    </m:r>
+                  </m:oMath>
+                </a14:m>
+                <a:endParaRPr lang="en-US" altLang="zh-CN" dirty="0" smtClean="0">
+                  <a:solidFill>
+                    <a:schemeClr val="tx1"/>
+                  </a:solidFill>
+                </a:endParaRPr>
+              </a:p>
+              <a:p>
+                <a:pPr marL="228600" lvl="1">
+                  <a:spcBef>
+                    <a:spcPts val="1000"/>
+                  </a:spcBef>
+                </a:pPr>
+                <a:r>
+                  <a:rPr lang="en-US" altLang="zh-CN" sz="2800" dirty="0" smtClean="0"/>
+                  <a:t>Clip </a:t>
+                </a:r>
+                <a:r>
+                  <a:rPr lang="en-US" altLang="zh-CN" sz="2800" dirty="0"/>
+                  <a:t>rewards or normalize </a:t>
+                </a:r>
+                <a:r>
+                  <a:rPr lang="en-US" altLang="zh-CN" sz="2800" dirty="0" smtClean="0"/>
+                  <a:t>network</a:t>
+                </a:r>
+              </a:p>
+              <a:p>
+                <a:pPr marL="228600" lvl="1">
+                  <a:spcBef>
+                    <a:spcPts val="1000"/>
+                  </a:spcBef>
+                </a:pPr>
+                <a:r>
+                  <a:rPr lang="en-US" altLang="zh-CN" sz="2800" dirty="0" smtClean="0"/>
+                  <a:t>Double Q-learning</a:t>
+                </a:r>
+              </a:p>
+              <a:p>
+                <a:pPr marL="685800" lvl="2">
+                  <a:spcBef>
+                    <a:spcPts val="1000"/>
+                  </a:spcBef>
+                </a:pPr>
+                <a14:m>
+                  <m:oMath xmlns:m="http://schemas.openxmlformats.org/officeDocument/2006/math">
+                    <m:sSubSup>
+                      <m:sSubSupPr>
+                        <m:ctrlPr>
+                          <a:rPr lang="en-US" altLang="zh-CN" sz="2400" b="0" i="1" smtClean="0">
+                            <a:latin typeface="Cambria Math" panose="02040503050406030204" pitchFamily="18" charset="0"/>
+                          </a:rPr>
+                        </m:ctrlPr>
+                      </m:sSubSupPr>
+                      <m:e>
+                        <m:r>
+                          <a:rPr lang="en-US" altLang="zh-CN" sz="2400" b="0" i="1" smtClean="0">
+                            <a:latin typeface="Cambria Math" panose="02040503050406030204" pitchFamily="18" charset="0"/>
+                          </a:rPr>
+                          <m:t>𝑌</m:t>
+                        </m:r>
+                      </m:e>
+                      <m:sub>
+                        <m:r>
+                          <a:rPr lang="en-US" altLang="zh-CN" sz="2400" b="0" i="1" smtClean="0">
+                            <a:latin typeface="Cambria Math" panose="02040503050406030204" pitchFamily="18" charset="0"/>
+                          </a:rPr>
+                          <m:t>𝑡</m:t>
+                        </m:r>
+                      </m:sub>
+                      <m:sup>
+                        <m:r>
+                          <a:rPr lang="en-US" altLang="zh-CN" sz="2400" b="0" i="1" smtClean="0">
+                            <a:latin typeface="Cambria Math" panose="02040503050406030204" pitchFamily="18" charset="0"/>
+                          </a:rPr>
+                          <m:t>𝑄</m:t>
+                        </m:r>
+                      </m:sup>
+                    </m:sSubSup>
+                    <m:r>
+                      <a:rPr lang="en-US" altLang="zh-CN" sz="2400" b="0" i="1" smtClean="0">
+                        <a:latin typeface="Cambria Math" panose="02040503050406030204" pitchFamily="18" charset="0"/>
+                      </a:rPr>
+                      <m:t>=</m:t>
+                    </m:r>
+                    <m:sSub>
+                      <m:sSubPr>
+                        <m:ctrlPr>
+                          <a:rPr lang="en-US" altLang="zh-CN" sz="2400" b="0" i="1" smtClean="0">
+                            <a:latin typeface="Cambria Math" panose="02040503050406030204" pitchFamily="18" charset="0"/>
+                          </a:rPr>
+                        </m:ctrlPr>
+                      </m:sSubPr>
+                      <m:e>
+                        <m:r>
+                          <a:rPr lang="en-US" altLang="zh-CN" sz="2400" b="0" i="1" smtClean="0">
+                            <a:latin typeface="Cambria Math" panose="02040503050406030204" pitchFamily="18" charset="0"/>
+                          </a:rPr>
+                          <m:t>𝑅</m:t>
+                        </m:r>
+                      </m:e>
+                      <m:sub>
+                        <m:r>
+                          <a:rPr lang="en-US" altLang="zh-CN" sz="2400" b="0" i="1" smtClean="0">
+                            <a:latin typeface="Cambria Math" panose="02040503050406030204" pitchFamily="18" charset="0"/>
+                          </a:rPr>
+                          <m:t>𝑡</m:t>
+                        </m:r>
+                        <m:r>
+                          <a:rPr lang="en-US" altLang="zh-CN" sz="2400" b="0" i="1" smtClean="0">
+                            <a:latin typeface="Cambria Math" panose="02040503050406030204" pitchFamily="18" charset="0"/>
+                          </a:rPr>
+                          <m:t>+1</m:t>
+                        </m:r>
+                      </m:sub>
+                    </m:sSub>
+                    <m:r>
+                      <a:rPr lang="en-US" altLang="zh-CN" sz="2400" b="0" i="1" smtClean="0">
+                        <a:latin typeface="Cambria Math" panose="02040503050406030204" pitchFamily="18" charset="0"/>
+                      </a:rPr>
+                      <m:t>+</m:t>
+                    </m:r>
+                    <m:r>
+                      <a:rPr lang="en-US" altLang="zh-CN" sz="2400" b="0" i="1" smtClean="0">
+                        <a:latin typeface="Cambria Math" panose="02040503050406030204" pitchFamily="18" charset="0"/>
+                      </a:rPr>
+                      <m:t>𝛾</m:t>
+                    </m:r>
+                    <m:r>
+                      <a:rPr lang="en-US" altLang="zh-CN" sz="2400" b="0" i="1" smtClean="0">
+                        <a:latin typeface="Cambria Math" panose="02040503050406030204" pitchFamily="18" charset="0"/>
+                      </a:rPr>
+                      <m:t>𝑄</m:t>
+                    </m:r>
+                    <m:r>
+                      <a:rPr lang="en-US" altLang="zh-CN" sz="2400" b="0" i="1" smtClean="0">
+                        <a:latin typeface="Cambria Math" panose="02040503050406030204" pitchFamily="18" charset="0"/>
+                      </a:rPr>
+                      <m:t>(</m:t>
+                    </m:r>
+                    <m:sSub>
+                      <m:sSubPr>
+                        <m:ctrlPr>
+                          <a:rPr lang="en-US" altLang="zh-CN" sz="2400" b="0" i="1" smtClean="0">
+                            <a:latin typeface="Cambria Math" panose="02040503050406030204" pitchFamily="18" charset="0"/>
+                          </a:rPr>
+                        </m:ctrlPr>
+                      </m:sSubPr>
+                      <m:e>
+                        <m:r>
+                          <a:rPr lang="en-US" altLang="zh-CN" sz="2400" b="0" i="1" smtClean="0">
+                            <a:latin typeface="Cambria Math" panose="02040503050406030204" pitchFamily="18" charset="0"/>
+                          </a:rPr>
+                          <m:t>𝑆</m:t>
+                        </m:r>
+                      </m:e>
+                      <m:sub>
+                        <m:r>
+                          <a:rPr lang="en-US" altLang="zh-CN" sz="2400" b="0" i="1" smtClean="0">
+                            <a:latin typeface="Cambria Math" panose="02040503050406030204" pitchFamily="18" charset="0"/>
+                          </a:rPr>
+                          <m:t>𝑡</m:t>
+                        </m:r>
+                        <m:r>
+                          <a:rPr lang="en-US" altLang="zh-CN" sz="2400" b="0" i="1" smtClean="0">
+                            <a:latin typeface="Cambria Math" panose="02040503050406030204" pitchFamily="18" charset="0"/>
+                          </a:rPr>
+                          <m:t>+1</m:t>
+                        </m:r>
+                      </m:sub>
+                    </m:sSub>
+                    <m:r>
+                      <a:rPr lang="en-US" altLang="zh-CN" sz="2400" b="0" i="1" smtClean="0">
+                        <a:latin typeface="Cambria Math" panose="02040503050406030204" pitchFamily="18" charset="0"/>
+                      </a:rPr>
+                      <m:t>,</m:t>
+                    </m:r>
+                    <m:r>
+                      <a:rPr lang="en-US" altLang="zh-CN" sz="2400" b="0" i="1" smtClean="0">
+                        <a:latin typeface="Cambria Math" panose="02040503050406030204" pitchFamily="18" charset="0"/>
+                      </a:rPr>
+                      <m:t>𝑎𝑟𝑔𝑚𝑎</m:t>
+                    </m:r>
+                    <m:sSub>
+                      <m:sSubPr>
+                        <m:ctrlPr>
+                          <a:rPr lang="en-US" altLang="zh-CN" sz="2400" b="0" i="1" smtClean="0">
+                            <a:latin typeface="Cambria Math" panose="02040503050406030204" pitchFamily="18" charset="0"/>
+                          </a:rPr>
+                        </m:ctrlPr>
+                      </m:sSubPr>
+                      <m:e>
+                        <m:r>
+                          <a:rPr lang="en-US" altLang="zh-CN" sz="2400" b="0" i="1" smtClean="0">
+                            <a:latin typeface="Cambria Math" panose="02040503050406030204" pitchFamily="18" charset="0"/>
+                          </a:rPr>
+                          <m:t>𝑥</m:t>
+                        </m:r>
+                      </m:e>
+                      <m:sub>
+                        <m:r>
+                          <a:rPr lang="en-US" altLang="zh-CN" sz="2400" b="0" i="1" smtClean="0">
+                            <a:latin typeface="Cambria Math" panose="02040503050406030204" pitchFamily="18" charset="0"/>
+                          </a:rPr>
+                          <m:t>𝑎</m:t>
+                        </m:r>
+                      </m:sub>
+                    </m:sSub>
+                    <m:r>
+                      <a:rPr lang="en-US" altLang="zh-CN" sz="2400" b="0" i="1" smtClean="0">
+                        <a:latin typeface="Cambria Math" panose="02040503050406030204" pitchFamily="18" charset="0"/>
+                      </a:rPr>
+                      <m:t>𝑄</m:t>
+                    </m:r>
+                    <m:d>
+                      <m:dPr>
+                        <m:ctrlPr>
+                          <a:rPr lang="en-US" altLang="zh-CN" sz="2400" b="0" i="1" smtClean="0">
+                            <a:latin typeface="Cambria Math" panose="02040503050406030204" pitchFamily="18" charset="0"/>
+                          </a:rPr>
+                        </m:ctrlPr>
+                      </m:dPr>
+                      <m:e>
+                        <m:sSub>
+                          <m:sSubPr>
+                            <m:ctrlPr>
+                              <a:rPr lang="en-US" altLang="zh-CN" sz="2400" b="0" i="1" smtClean="0">
+                                <a:latin typeface="Cambria Math" panose="02040503050406030204" pitchFamily="18" charset="0"/>
+                              </a:rPr>
+                            </m:ctrlPr>
+                          </m:sSubPr>
+                          <m:e>
+                            <m:r>
+                              <a:rPr lang="en-US" altLang="zh-CN" sz="2400" b="0" i="1" smtClean="0">
+                                <a:latin typeface="Cambria Math" panose="02040503050406030204" pitchFamily="18" charset="0"/>
+                              </a:rPr>
+                              <m:t>𝑆</m:t>
+                            </m:r>
+                          </m:e>
+                          <m:sub>
+                            <m:r>
+                              <a:rPr lang="en-US" altLang="zh-CN" sz="2400" b="0" i="1" smtClean="0">
+                                <a:latin typeface="Cambria Math" panose="02040503050406030204" pitchFamily="18" charset="0"/>
+                              </a:rPr>
+                              <m:t>𝑡</m:t>
+                            </m:r>
+                            <m:r>
+                              <a:rPr lang="en-US" altLang="zh-CN" sz="2400" b="0" i="1" smtClean="0">
+                                <a:latin typeface="Cambria Math" panose="02040503050406030204" pitchFamily="18" charset="0"/>
+                              </a:rPr>
+                              <m:t>+1</m:t>
+                            </m:r>
+                          </m:sub>
+                        </m:sSub>
+                        <m:r>
+                          <a:rPr lang="en-US" altLang="zh-CN" sz="2400" b="0" i="1" smtClean="0">
+                            <a:latin typeface="Cambria Math" panose="02040503050406030204" pitchFamily="18" charset="0"/>
+                          </a:rPr>
+                          <m:t>,</m:t>
+                        </m:r>
+                        <m:r>
+                          <a:rPr lang="en-US" altLang="zh-CN" sz="2400" b="0" i="1" smtClean="0">
+                            <a:latin typeface="Cambria Math" panose="02040503050406030204" pitchFamily="18" charset="0"/>
+                          </a:rPr>
+                          <m:t>𝑎</m:t>
+                        </m:r>
+                        <m:r>
+                          <a:rPr lang="en-US" altLang="zh-CN" sz="2400" b="0" i="1" smtClean="0">
+                            <a:latin typeface="Cambria Math" panose="02040503050406030204" pitchFamily="18" charset="0"/>
+                          </a:rPr>
+                          <m:t>;</m:t>
+                        </m:r>
+                        <m:sSub>
+                          <m:sSubPr>
+                            <m:ctrlPr>
+                              <a:rPr lang="en-US" altLang="zh-CN" sz="2400" b="0" i="1" smtClean="0">
+                                <a:latin typeface="Cambria Math" panose="02040503050406030204" pitchFamily="18" charset="0"/>
+                              </a:rPr>
+                            </m:ctrlPr>
+                          </m:sSubPr>
+                          <m:e>
+                            <m:r>
+                              <a:rPr lang="en-US" altLang="zh-CN" sz="2400" b="0" i="1" smtClean="0">
+                                <a:latin typeface="Cambria Math" panose="02040503050406030204" pitchFamily="18" charset="0"/>
+                              </a:rPr>
+                              <m:t>𝜃</m:t>
+                            </m:r>
+                          </m:e>
+                          <m:sub>
+                            <m:r>
+                              <a:rPr lang="en-US" altLang="zh-CN" sz="2400" b="0" i="1" smtClean="0">
+                                <a:latin typeface="Cambria Math" panose="02040503050406030204" pitchFamily="18" charset="0"/>
+                              </a:rPr>
+                              <m:t>𝑡</m:t>
+                            </m:r>
+                          </m:sub>
+                        </m:sSub>
+                      </m:e>
+                    </m:d>
+                    <m:r>
+                      <a:rPr lang="en-US" altLang="zh-CN" sz="2400" b="0" i="1" smtClean="0">
+                        <a:latin typeface="Cambria Math" panose="02040503050406030204" pitchFamily="18" charset="0"/>
+                      </a:rPr>
+                      <m:t>;</m:t>
+                    </m:r>
+                    <m:sSub>
+                      <m:sSubPr>
+                        <m:ctrlPr>
+                          <a:rPr lang="en-US" altLang="zh-CN" sz="2400" b="0" i="1" smtClean="0">
+                            <a:solidFill>
+                              <a:srgbClr val="FF0000"/>
+                            </a:solidFill>
+                            <a:latin typeface="Cambria Math" panose="02040503050406030204" pitchFamily="18" charset="0"/>
+                          </a:rPr>
+                        </m:ctrlPr>
+                      </m:sSubPr>
+                      <m:e>
+                        <m:r>
+                          <a:rPr lang="en-US" altLang="zh-CN" sz="2400" b="0" i="1" smtClean="0">
+                            <a:solidFill>
+                              <a:srgbClr val="FF0000"/>
+                            </a:solidFill>
+                            <a:latin typeface="Cambria Math" panose="02040503050406030204" pitchFamily="18" charset="0"/>
+                          </a:rPr>
+                          <m:t>𝜃</m:t>
+                        </m:r>
+                      </m:e>
+                      <m:sub>
+                        <m:r>
+                          <a:rPr lang="en-US" altLang="zh-CN" sz="2400" b="0" i="1" smtClean="0">
+                            <a:solidFill>
+                              <a:srgbClr val="FF0000"/>
+                            </a:solidFill>
+                            <a:latin typeface="Cambria Math" panose="02040503050406030204" pitchFamily="18" charset="0"/>
+                          </a:rPr>
+                          <m:t>𝑡</m:t>
+                        </m:r>
+                      </m:sub>
+                    </m:sSub>
+                    <m:r>
+                      <a:rPr lang="en-US" altLang="zh-CN" sz="2400" b="0" i="1" smtClean="0">
+                        <a:latin typeface="Cambria Math" panose="02040503050406030204" pitchFamily="18" charset="0"/>
+                      </a:rPr>
+                      <m:t>)</m:t>
+                    </m:r>
+                  </m:oMath>
+                </a14:m>
+                <a:endParaRPr lang="en-US" altLang="zh-CN" sz="2400" b="0" dirty="0" smtClean="0"/>
+              </a:p>
+              <a:p>
+                <a:pPr marL="685800" lvl="2">
+                  <a:spcBef>
+                    <a:spcPts val="1000"/>
+                  </a:spcBef>
+                </a:pPr>
+                <a14:m>
+                  <m:oMath xmlns:m="http://schemas.openxmlformats.org/officeDocument/2006/math">
+                    <m:sSubSup>
+                      <m:sSubSupPr>
+                        <m:ctrlPr>
+                          <a:rPr lang="en-US" altLang="zh-CN" sz="2400" i="1">
+                            <a:latin typeface="Cambria Math" panose="02040503050406030204" pitchFamily="18" charset="0"/>
+                          </a:rPr>
+                        </m:ctrlPr>
+                      </m:sSubSupPr>
+                      <m:e>
+                        <m:r>
+                          <a:rPr lang="en-US" altLang="zh-CN" sz="2400" i="1">
+                            <a:latin typeface="Cambria Math" panose="02040503050406030204" pitchFamily="18" charset="0"/>
+                          </a:rPr>
+                          <m:t>𝑌</m:t>
+                        </m:r>
+                      </m:e>
+                      <m:sub>
+                        <m:r>
+                          <a:rPr lang="en-US" altLang="zh-CN" sz="2400" i="1">
+                            <a:latin typeface="Cambria Math" panose="02040503050406030204" pitchFamily="18" charset="0"/>
+                          </a:rPr>
+                          <m:t>𝑡</m:t>
+                        </m:r>
+                      </m:sub>
+                      <m:sup>
+                        <m:r>
+                          <a:rPr lang="en-US" altLang="zh-CN" sz="2400" b="0" i="1" smtClean="0">
+                            <a:latin typeface="Cambria Math" panose="02040503050406030204" pitchFamily="18" charset="0"/>
+                          </a:rPr>
+                          <m:t>𝐷𝑜𝑢𝑏𝑙𝑒</m:t>
+                        </m:r>
+                        <m:r>
+                          <a:rPr lang="en-US" altLang="zh-CN" sz="2400" i="1">
+                            <a:latin typeface="Cambria Math" panose="02040503050406030204" pitchFamily="18" charset="0"/>
+                          </a:rPr>
+                          <m:t>𝑄</m:t>
+                        </m:r>
+                      </m:sup>
+                    </m:sSubSup>
+                    <m:r>
+                      <a:rPr lang="en-US" altLang="zh-CN" sz="2400" i="1">
+                        <a:latin typeface="Cambria Math" panose="02040503050406030204" pitchFamily="18" charset="0"/>
+                      </a:rPr>
+                      <m:t>=</m:t>
+                    </m:r>
+                    <m:sSub>
+                      <m:sSubPr>
+                        <m:ctrlPr>
+                          <a:rPr lang="en-US" altLang="zh-CN" sz="2400" i="1">
+                            <a:latin typeface="Cambria Math" panose="02040503050406030204" pitchFamily="18" charset="0"/>
+                          </a:rPr>
+                        </m:ctrlPr>
+                      </m:sSubPr>
+                      <m:e>
+                        <m:r>
+                          <a:rPr lang="en-US" altLang="zh-CN" sz="2400" i="1">
+                            <a:latin typeface="Cambria Math" panose="02040503050406030204" pitchFamily="18" charset="0"/>
+                          </a:rPr>
+                          <m:t>𝑅</m:t>
+                        </m:r>
+                      </m:e>
+                      <m:sub>
+                        <m:r>
+                          <a:rPr lang="en-US" altLang="zh-CN" sz="2400" i="1">
+                            <a:latin typeface="Cambria Math" panose="02040503050406030204" pitchFamily="18" charset="0"/>
+                          </a:rPr>
+                          <m:t>𝑡</m:t>
+                        </m:r>
+                        <m:r>
+                          <a:rPr lang="en-US" altLang="zh-CN" sz="2400" i="1">
+                            <a:latin typeface="Cambria Math" panose="02040503050406030204" pitchFamily="18" charset="0"/>
+                          </a:rPr>
+                          <m:t>+1</m:t>
+                        </m:r>
+                      </m:sub>
+                    </m:sSub>
+                    <m:r>
+                      <a:rPr lang="en-US" altLang="zh-CN" sz="2400" i="1">
+                        <a:latin typeface="Cambria Math" panose="02040503050406030204" pitchFamily="18" charset="0"/>
+                      </a:rPr>
+                      <m:t>+</m:t>
+                    </m:r>
+                    <m:r>
+                      <a:rPr lang="en-US" altLang="zh-CN" sz="2400" i="1">
+                        <a:latin typeface="Cambria Math" panose="02040503050406030204" pitchFamily="18" charset="0"/>
+                      </a:rPr>
+                      <m:t>𝛾</m:t>
+                    </m:r>
+                    <m:r>
+                      <a:rPr lang="en-US" altLang="zh-CN" sz="2400" i="1">
+                        <a:latin typeface="Cambria Math" panose="02040503050406030204" pitchFamily="18" charset="0"/>
+                      </a:rPr>
+                      <m:t>𝑄</m:t>
+                    </m:r>
+                    <m:r>
+                      <a:rPr lang="en-US" altLang="zh-CN" sz="2400" i="1">
+                        <a:latin typeface="Cambria Math" panose="02040503050406030204" pitchFamily="18" charset="0"/>
+                      </a:rPr>
+                      <m:t>(</m:t>
+                    </m:r>
+                    <m:sSub>
+                      <m:sSubPr>
+                        <m:ctrlPr>
+                          <a:rPr lang="en-US" altLang="zh-CN" sz="2400" i="1">
+                            <a:latin typeface="Cambria Math" panose="02040503050406030204" pitchFamily="18" charset="0"/>
+                          </a:rPr>
+                        </m:ctrlPr>
+                      </m:sSubPr>
+                      <m:e>
+                        <m:r>
+                          <a:rPr lang="en-US" altLang="zh-CN" sz="2400" i="1">
+                            <a:latin typeface="Cambria Math" panose="02040503050406030204" pitchFamily="18" charset="0"/>
+                          </a:rPr>
+                          <m:t>𝑆</m:t>
+                        </m:r>
+                      </m:e>
+                      <m:sub>
+                        <m:r>
+                          <a:rPr lang="en-US" altLang="zh-CN" sz="2400" i="1">
+                            <a:latin typeface="Cambria Math" panose="02040503050406030204" pitchFamily="18" charset="0"/>
+                          </a:rPr>
+                          <m:t>𝑡</m:t>
+                        </m:r>
+                        <m:r>
+                          <a:rPr lang="en-US" altLang="zh-CN" sz="2400" i="1">
+                            <a:latin typeface="Cambria Math" panose="02040503050406030204" pitchFamily="18" charset="0"/>
+                          </a:rPr>
+                          <m:t>+1</m:t>
+                        </m:r>
+                      </m:sub>
+                    </m:sSub>
+                    <m:r>
+                      <a:rPr lang="en-US" altLang="zh-CN" sz="2400" i="1">
+                        <a:latin typeface="Cambria Math" panose="02040503050406030204" pitchFamily="18" charset="0"/>
+                      </a:rPr>
+                      <m:t>,</m:t>
+                    </m:r>
+                    <m:r>
+                      <a:rPr lang="en-US" altLang="zh-CN" sz="2400" i="1">
+                        <a:latin typeface="Cambria Math" panose="02040503050406030204" pitchFamily="18" charset="0"/>
+                      </a:rPr>
+                      <m:t>𝑎𝑟𝑔𝑚𝑎</m:t>
+                    </m:r>
+                    <m:sSub>
+                      <m:sSubPr>
+                        <m:ctrlPr>
+                          <a:rPr lang="en-US" altLang="zh-CN" sz="2400" i="1">
+                            <a:latin typeface="Cambria Math" panose="02040503050406030204" pitchFamily="18" charset="0"/>
+                          </a:rPr>
+                        </m:ctrlPr>
+                      </m:sSubPr>
+                      <m:e>
+                        <m:r>
+                          <a:rPr lang="en-US" altLang="zh-CN" sz="2400" i="1">
+                            <a:latin typeface="Cambria Math" panose="02040503050406030204" pitchFamily="18" charset="0"/>
+                          </a:rPr>
+                          <m:t>𝑥</m:t>
+                        </m:r>
+                      </m:e>
+                      <m:sub>
+                        <m:r>
+                          <a:rPr lang="en-US" altLang="zh-CN" sz="2400" i="1">
+                            <a:latin typeface="Cambria Math" panose="02040503050406030204" pitchFamily="18" charset="0"/>
+                          </a:rPr>
+                          <m:t>𝑎</m:t>
+                        </m:r>
+                      </m:sub>
+                    </m:sSub>
+                    <m:r>
+                      <a:rPr lang="en-US" altLang="zh-CN" sz="2400" i="1">
+                        <a:latin typeface="Cambria Math" panose="02040503050406030204" pitchFamily="18" charset="0"/>
+                      </a:rPr>
+                      <m:t>𝑄</m:t>
+                    </m:r>
+                    <m:d>
+                      <m:dPr>
+                        <m:ctrlPr>
+                          <a:rPr lang="en-US" altLang="zh-CN" sz="2400" i="1">
+                            <a:latin typeface="Cambria Math" panose="02040503050406030204" pitchFamily="18" charset="0"/>
+                          </a:rPr>
+                        </m:ctrlPr>
+                      </m:dPr>
+                      <m:e>
+                        <m:sSub>
+                          <m:sSubPr>
+                            <m:ctrlPr>
+                              <a:rPr lang="en-US" altLang="zh-CN" sz="2400" i="1">
+                                <a:latin typeface="Cambria Math" panose="02040503050406030204" pitchFamily="18" charset="0"/>
+                              </a:rPr>
+                            </m:ctrlPr>
+                          </m:sSubPr>
+                          <m:e>
+                            <m:r>
+                              <a:rPr lang="en-US" altLang="zh-CN" sz="2400" i="1">
+                                <a:latin typeface="Cambria Math" panose="02040503050406030204" pitchFamily="18" charset="0"/>
+                              </a:rPr>
+                              <m:t>𝑆</m:t>
+                            </m:r>
+                          </m:e>
+                          <m:sub>
+                            <m:r>
+                              <a:rPr lang="en-US" altLang="zh-CN" sz="2400" i="1">
+                                <a:latin typeface="Cambria Math" panose="02040503050406030204" pitchFamily="18" charset="0"/>
+                              </a:rPr>
+                              <m:t>𝑡</m:t>
+                            </m:r>
+                            <m:r>
+                              <a:rPr lang="en-US" altLang="zh-CN" sz="2400" i="1">
+                                <a:latin typeface="Cambria Math" panose="02040503050406030204" pitchFamily="18" charset="0"/>
+                              </a:rPr>
+                              <m:t>+1</m:t>
+                            </m:r>
+                          </m:sub>
+                        </m:sSub>
+                        <m:r>
+                          <a:rPr lang="en-US" altLang="zh-CN" sz="2400" i="1">
+                            <a:latin typeface="Cambria Math" panose="02040503050406030204" pitchFamily="18" charset="0"/>
+                          </a:rPr>
+                          <m:t>,</m:t>
+                        </m:r>
+                        <m:r>
+                          <a:rPr lang="en-US" altLang="zh-CN" sz="2400" i="1">
+                            <a:latin typeface="Cambria Math" panose="02040503050406030204" pitchFamily="18" charset="0"/>
+                          </a:rPr>
+                          <m:t>𝑎</m:t>
+                        </m:r>
+                        <m:r>
+                          <a:rPr lang="en-US" altLang="zh-CN" sz="2400" i="1">
+                            <a:latin typeface="Cambria Math" panose="02040503050406030204" pitchFamily="18" charset="0"/>
+                          </a:rPr>
+                          <m:t>;</m:t>
+                        </m:r>
+                        <m:sSub>
+                          <m:sSubPr>
+                            <m:ctrlPr>
+                              <a:rPr lang="en-US" altLang="zh-CN" sz="2400" i="1">
+                                <a:latin typeface="Cambria Math" panose="02040503050406030204" pitchFamily="18" charset="0"/>
+                              </a:rPr>
+                            </m:ctrlPr>
+                          </m:sSubPr>
+                          <m:e>
+                            <m:r>
+                              <a:rPr lang="en-US" altLang="zh-CN" sz="2400" i="1">
+                                <a:latin typeface="Cambria Math" panose="02040503050406030204" pitchFamily="18" charset="0"/>
+                              </a:rPr>
+                              <m:t>𝜃</m:t>
+                            </m:r>
+                          </m:e>
+                          <m:sub>
+                            <m:r>
+                              <a:rPr lang="en-US" altLang="zh-CN" sz="2400" i="1">
+                                <a:latin typeface="Cambria Math" panose="02040503050406030204" pitchFamily="18" charset="0"/>
+                              </a:rPr>
+                              <m:t>𝑡</m:t>
+                            </m:r>
+                          </m:sub>
+                        </m:sSub>
+                      </m:e>
+                    </m:d>
+                    <m:r>
+                      <a:rPr lang="en-US" altLang="zh-CN" sz="2400" i="1">
+                        <a:latin typeface="Cambria Math" panose="02040503050406030204" pitchFamily="18" charset="0"/>
+                      </a:rPr>
+                      <m:t>;</m:t>
+                    </m:r>
+                    <m:sSub>
+                      <m:sSubPr>
+                        <m:ctrlPr>
+                          <a:rPr lang="en-US" altLang="zh-CN" sz="2400" i="1" smtClean="0">
+                            <a:solidFill>
+                              <a:srgbClr val="FF0000"/>
+                            </a:solidFill>
+                            <a:latin typeface="Cambria Math" panose="02040503050406030204" pitchFamily="18" charset="0"/>
+                          </a:rPr>
+                        </m:ctrlPr>
+                      </m:sSubPr>
+                      <m:e>
+                        <m:r>
+                          <a:rPr lang="en-US" altLang="zh-CN" sz="2400" i="1">
+                            <a:solidFill>
+                              <a:srgbClr val="FF0000"/>
+                            </a:solidFill>
+                            <a:latin typeface="Cambria Math" panose="02040503050406030204" pitchFamily="18" charset="0"/>
+                          </a:rPr>
+                          <m:t>𝜃</m:t>
+                        </m:r>
+                        <m:r>
+                          <a:rPr lang="en-US" altLang="zh-CN" sz="2400" b="0" i="1" smtClean="0">
+                            <a:solidFill>
+                              <a:srgbClr val="FF0000"/>
+                            </a:solidFill>
+                            <a:latin typeface="Cambria Math" panose="02040503050406030204" pitchFamily="18" charset="0"/>
+                          </a:rPr>
+                          <m:t>′</m:t>
+                        </m:r>
+                      </m:e>
+                      <m:sub>
+                        <m:r>
+                          <a:rPr lang="en-US" altLang="zh-CN" sz="2400" i="1">
+                            <a:solidFill>
+                              <a:srgbClr val="FF0000"/>
+                            </a:solidFill>
+                            <a:latin typeface="Cambria Math" panose="02040503050406030204" pitchFamily="18" charset="0"/>
+                          </a:rPr>
+                          <m:t>𝑡</m:t>
+                        </m:r>
+                      </m:sub>
+                    </m:sSub>
+                    <m:r>
+                      <a:rPr lang="en-US" altLang="zh-CN" sz="2400" i="1">
+                        <a:latin typeface="Cambria Math" panose="02040503050406030204" pitchFamily="18" charset="0"/>
+                      </a:rPr>
+                      <m:t>)</m:t>
+                    </m:r>
+                  </m:oMath>
+                </a14:m>
+                <a:endParaRPr lang="en-US" altLang="zh-CN" sz="2400" dirty="0" smtClean="0"/>
+              </a:p>
+              <a:p>
+                <a:pPr marL="228600" lvl="1">
+                  <a:spcBef>
+                    <a:spcPts val="1000"/>
+                  </a:spcBef>
+                </a:pPr>
+                <a:r>
+                  <a:rPr lang="en-US" altLang="zh-CN" sz="2800" dirty="0" smtClean="0"/>
+                  <a:t>Advantage decompose</a:t>
+                </a:r>
+              </a:p>
+              <a:p>
+                <a:pPr marL="685800" lvl="2">
+                  <a:spcBef>
+                    <a:spcPts val="1000"/>
+                  </a:spcBef>
+                </a:pPr>
+                <a14:m>
+                  <m:oMath xmlns:m="http://schemas.openxmlformats.org/officeDocument/2006/math">
+                    <m:r>
+                      <a:rPr lang="en-US" altLang="zh-CN" sz="2400" b="0" i="1" smtClean="0">
+                        <a:latin typeface="Cambria Math" panose="02040503050406030204" pitchFamily="18" charset="0"/>
+                      </a:rPr>
+                      <m:t>𝑄</m:t>
+                    </m:r>
+                    <m:d>
+                      <m:dPr>
+                        <m:ctrlPr>
+                          <a:rPr lang="en-US" altLang="zh-CN" sz="2400" b="0" i="1" smtClean="0">
+                            <a:latin typeface="Cambria Math" panose="02040503050406030204" pitchFamily="18" charset="0"/>
+                          </a:rPr>
+                        </m:ctrlPr>
+                      </m:dPr>
+                      <m:e>
+                        <m:r>
+                          <a:rPr lang="en-US" altLang="zh-CN" sz="2400" b="0" i="1" smtClean="0">
+                            <a:latin typeface="Cambria Math" panose="02040503050406030204" pitchFamily="18" charset="0"/>
+                          </a:rPr>
+                          <m:t>𝑆</m:t>
+                        </m:r>
+                        <m:r>
+                          <a:rPr lang="en-US" altLang="zh-CN" sz="2400" b="0" i="1" smtClean="0">
+                            <a:latin typeface="Cambria Math" panose="02040503050406030204" pitchFamily="18" charset="0"/>
+                          </a:rPr>
+                          <m:t>,</m:t>
+                        </m:r>
+                        <m:r>
+                          <a:rPr lang="en-US" altLang="zh-CN" sz="2400" b="0" i="1" smtClean="0">
+                            <a:latin typeface="Cambria Math" panose="02040503050406030204" pitchFamily="18" charset="0"/>
+                          </a:rPr>
+                          <m:t>𝐴</m:t>
+                        </m:r>
+                      </m:e>
+                    </m:d>
+                    <m:r>
+                      <a:rPr lang="en-US" altLang="zh-CN" sz="2400" b="0" i="1" smtClean="0">
+                        <a:latin typeface="Cambria Math" panose="02040503050406030204" pitchFamily="18" charset="0"/>
+                      </a:rPr>
+                      <m:t>=</m:t>
+                    </m:r>
+                    <m:r>
+                      <a:rPr lang="en-US" altLang="zh-CN" sz="2400" b="0" i="1" smtClean="0">
+                        <a:latin typeface="Cambria Math" panose="02040503050406030204" pitchFamily="18" charset="0"/>
+                      </a:rPr>
+                      <m:t>𝑉</m:t>
+                    </m:r>
+                    <m:d>
+                      <m:dPr>
+                        <m:ctrlPr>
+                          <a:rPr lang="en-US" altLang="zh-CN" sz="2400" b="0" i="1" smtClean="0">
+                            <a:latin typeface="Cambria Math" panose="02040503050406030204" pitchFamily="18" charset="0"/>
+                          </a:rPr>
+                        </m:ctrlPr>
+                      </m:dPr>
+                      <m:e>
+                        <m:r>
+                          <a:rPr lang="en-US" altLang="zh-CN" sz="2400" b="0" i="1" smtClean="0">
+                            <a:latin typeface="Cambria Math" panose="02040503050406030204" pitchFamily="18" charset="0"/>
+                          </a:rPr>
+                          <m:t>𝑆</m:t>
+                        </m:r>
+                      </m:e>
+                    </m:d>
+                    <m:r>
+                      <a:rPr lang="en-US" altLang="zh-CN" sz="2400" b="0" i="1" smtClean="0">
+                        <a:latin typeface="Cambria Math" panose="02040503050406030204" pitchFamily="18" charset="0"/>
+                      </a:rPr>
+                      <m:t>+</m:t>
+                    </m:r>
+                    <m:r>
+                      <a:rPr lang="en-US" altLang="zh-CN" sz="2400" b="0" i="1" smtClean="0">
+                        <a:latin typeface="Cambria Math" panose="02040503050406030204" pitchFamily="18" charset="0"/>
+                      </a:rPr>
+                      <m:t>𝐴</m:t>
+                    </m:r>
+                    <m:r>
+                      <a:rPr lang="en-US" altLang="zh-CN" sz="2400" b="0" i="1" smtClean="0">
+                        <a:latin typeface="Cambria Math" panose="02040503050406030204" pitchFamily="18" charset="0"/>
+                      </a:rPr>
+                      <m:t>(</m:t>
+                    </m:r>
+                    <m:r>
+                      <a:rPr lang="en-US" altLang="zh-CN" sz="2400" b="0" i="1" smtClean="0">
+                        <a:latin typeface="Cambria Math" panose="02040503050406030204" pitchFamily="18" charset="0"/>
+                      </a:rPr>
+                      <m:t>𝑆</m:t>
+                    </m:r>
+                    <m:r>
+                      <a:rPr lang="en-US" altLang="zh-CN" sz="2400" b="0" i="1" smtClean="0">
+                        <a:latin typeface="Cambria Math" panose="02040503050406030204" pitchFamily="18" charset="0"/>
+                      </a:rPr>
+                      <m:t>,</m:t>
+                    </m:r>
+                    <m:r>
+                      <a:rPr lang="en-US" altLang="zh-CN" sz="2400" b="0" i="1" smtClean="0">
+                        <a:latin typeface="Cambria Math" panose="02040503050406030204" pitchFamily="18" charset="0"/>
+                      </a:rPr>
+                      <m:t>𝐴</m:t>
+                    </m:r>
+                    <m:r>
+                      <a:rPr lang="en-US" altLang="zh-CN" sz="2400" b="0" i="1" smtClean="0">
+                        <a:latin typeface="Cambria Math" panose="02040503050406030204" pitchFamily="18" charset="0"/>
+                      </a:rPr>
+                      <m:t>)</m:t>
+                    </m:r>
+                  </m:oMath>
+                </a14:m>
+                <a:endParaRPr lang="en-US" altLang="zh-CN" sz="2400" dirty="0" smtClean="0"/>
+              </a:p>
+              <a:p>
+                <a:pPr marL="685800" lvl="2">
+                  <a:spcBef>
+                    <a:spcPts val="1000"/>
+                  </a:spcBef>
+                </a:pPr>
+                <a:endParaRPr lang="en-US" altLang="zh-CN" sz="2400" dirty="0"/>
+              </a:p>
+              <a:p>
+                <a:pPr lvl="1"/>
+                <a:endParaRPr lang="en-US" altLang="zh-CN" dirty="0"/>
+              </a:p>
+              <a:p>
+                <a:pPr lvl="1"/>
+                <a:endParaRPr lang="zh-CN" altLang="en-US" dirty="0"/>
+              </a:p>
+            </p:txBody>
+          </p:sp>
+        </mc:Choice>
+        <mc:Fallback>
+          <p:sp>
+            <p:nvSpPr>
+              <p:cNvPr id="3" name="内容占位符 2"/>
+              <p:cNvSpPr>
+                <a:spLocks noGrp="1" noRot="1" noChangeAspect="1" noMove="1" noResize="1" noEditPoints="1" noAdjustHandles="1" noChangeArrowheads="1" noChangeShapeType="1" noTextEdit="1"/>
+              </p:cNvSpPr>
+              <p:nvPr>
+                <p:ph idx="1"/>
+              </p:nvPr>
+            </p:nvSpPr>
+            <p:spPr>
+              <a:xfrm>
+                <a:off x="810904" y="721456"/>
+                <a:ext cx="10515600" cy="6136544"/>
+              </a:xfrm>
+              <a:blipFill>
+                <a:blip r:embed="rId2"/>
+                <a:stretch>
+                  <a:fillRect l="-1043" t="-2185"/>
+                </a:stretch>
+              </a:blipFill>
+            </p:spPr>
+            <p:txBody>
+              <a:bodyPr/>
+              <a:lstStyle/>
+              <a:p>
+                <a:r>
+                  <a:rPr lang="zh-CN" altLang="en-US">
+                    <a:noFill/>
+                  </a:rPr>
+                  <a:t> </a:t>
+                </a:r>
+              </a:p>
+            </p:txBody>
+          </p:sp>
+        </mc:Fallback>
+      </mc:AlternateContent>
+    </p:spTree>
+    <p:extLst>
+      <p:ext uri="{BB962C8B-B14F-4D97-AF65-F5344CB8AC3E}">
+        <p14:creationId xmlns:p14="http://schemas.microsoft.com/office/powerpoint/2010/main" val="1688383901"/>
       </p:ext>
     </p:extLst>
   </p:cSld>
@@ -5402,7 +7211,7 @@
       </p:grpSpPr>
       <p:sp>
         <p:nvSpPr>
-          <p:cNvPr id="2" name="Title 1"/>
+          <p:cNvPr id="2" name="标题 1"/>
           <p:cNvSpPr>
             <a:spLocks noGrp="1"/>
           </p:cNvSpPr>
@@ -5415,17 +7224,18 @@
           <a:bodyPr/>
           <a:lstStyle/>
           <a:p>
-            <a:r>
-              <a:rPr lang="en-US" dirty="0" smtClean="0"/>
-              <a:t>Continuous control	</a:t>
-            </a:r>
-            <a:endParaRPr lang="en-US" dirty="0"/>
+            <a:pPr algn="ctr"/>
+            <a:r>
+              <a:rPr lang="en-US" altLang="zh-CN" b="1" dirty="0"/>
+              <a:t>Asynchronous</a:t>
+            </a:r>
+            <a:endParaRPr lang="zh-CN" altLang="en-US" b="1" dirty="0"/>
           </a:p>
         </p:txBody>
       </p:sp>
       <p:sp>
         <p:nvSpPr>
-          <p:cNvPr id="3" name="Content Placeholder 2"/>
+          <p:cNvPr id="3" name="内容占位符 2"/>
           <p:cNvSpPr>
             <a:spLocks noGrp="1"/>
           </p:cNvSpPr>
@@ -5438,61 +7248,38 @@
           <a:bodyPr/>
           <a:lstStyle/>
           <a:p>
-            <a:r>
-              <a:rPr lang="en-US" dirty="0" smtClean="0"/>
-              <a:t>Policy gradient based</a:t>
-            </a:r>
-          </a:p>
-          <a:p>
-            <a:pPr lvl="1"/>
-            <a:r>
-              <a:rPr lang="en-US" dirty="0" smtClean="0"/>
-              <a:t>DPG</a:t>
-            </a:r>
-          </a:p>
-          <a:p>
-            <a:pPr lvl="1"/>
-            <a:r>
-              <a:rPr lang="en-US" dirty="0" smtClean="0"/>
-              <a:t>DDPG</a:t>
-            </a:r>
-          </a:p>
-          <a:p>
-            <a:pPr lvl="1"/>
-            <a:r>
-              <a:rPr lang="en-US" dirty="0" smtClean="0"/>
-              <a:t>Value gradient</a:t>
-            </a:r>
-          </a:p>
-          <a:p>
-            <a:pPr lvl="1"/>
-            <a:endParaRPr lang="en-US" dirty="0" smtClean="0"/>
-          </a:p>
-          <a:p>
-            <a:pPr marL="228600" lvl="1">
-              <a:spcBef>
-                <a:spcPts val="1000"/>
-              </a:spcBef>
-            </a:pPr>
-            <a:r>
-              <a:rPr lang="en-US" sz="2800" dirty="0"/>
-              <a:t>Q-learning based</a:t>
-            </a:r>
-          </a:p>
-          <a:p>
-            <a:pPr lvl="1"/>
-            <a:r>
-              <a:rPr lang="en-US" dirty="0" smtClean="0"/>
-              <a:t>NAF </a:t>
-            </a:r>
-            <a:endParaRPr lang="en-US" dirty="0"/>
+            <a:endParaRPr lang="zh-CN" altLang="en-US" dirty="0"/>
           </a:p>
         </p:txBody>
       </p:sp>
+      <p:pic>
+        <p:nvPicPr>
+          <p:cNvPr id="4" name="图片 3"/>
+          <p:cNvPicPr>
+            <a:picLocks noChangeAspect="1"/>
+          </p:cNvPicPr>
+          <p:nvPr/>
+        </p:nvPicPr>
+        <p:blipFill>
+          <a:blip r:embed="rId2"/>
+          <a:stretch>
+            <a:fillRect/>
+          </a:stretch>
+        </p:blipFill>
+        <p:spPr>
+          <a:xfrm>
+            <a:off x="3667428" y="1567960"/>
+            <a:ext cx="4857143" cy="4866667"/>
+          </a:xfrm>
+          <a:prstGeom prst="rect">
+            <a:avLst/>
+          </a:prstGeom>
+        </p:spPr>
+      </p:pic>
     </p:spTree>
     <p:extLst>
       <p:ext uri="{BB962C8B-B14F-4D97-AF65-F5344CB8AC3E}">
-        <p14:creationId xmlns:p14="http://schemas.microsoft.com/office/powerpoint/2010/main" val="2379009383"/>
+        <p14:creationId xmlns:p14="http://schemas.microsoft.com/office/powerpoint/2010/main" val="4118260956"/>
       </p:ext>
     </p:extLst>
   </p:cSld>
@@ -5521,7 +7308,7 @@
       </p:grpSpPr>
       <p:sp>
         <p:nvSpPr>
-          <p:cNvPr id="2" name="Title 1"/>
+          <p:cNvPr id="2" name="标题 1"/>
           <p:cNvSpPr>
             <a:spLocks noGrp="1"/>
           </p:cNvSpPr>
@@ -5534,67 +7321,543 @@
           <a:bodyPr/>
           <a:lstStyle/>
           <a:p>
-            <a:r>
-              <a:rPr lang="en-US" dirty="0" smtClean="0"/>
-              <a:t>Convergence speed</a:t>
-            </a:r>
-            <a:endParaRPr lang="en-US" dirty="0"/>
+            <a:pPr algn="ctr"/>
+            <a:r>
+              <a:rPr lang="en-US" altLang="zh-CN" b="1" dirty="0"/>
+              <a:t>Variance </a:t>
+            </a:r>
+            <a:r>
+              <a:rPr lang="en-US" altLang="zh-CN" b="1" dirty="0" smtClean="0"/>
+              <a:t>reduce</a:t>
+            </a:r>
+            <a:endParaRPr lang="zh-CN" altLang="en-US" b="1" dirty="0"/>
           </a:p>
         </p:txBody>
       </p:sp>
-      <p:sp>
-        <p:nvSpPr>
-          <p:cNvPr id="3" name="Content Placeholder 2"/>
-          <p:cNvSpPr>
-            <a:spLocks noGrp="1"/>
-          </p:cNvSpPr>
-          <p:nvPr>
-            <p:ph idx="1"/>
-          </p:nvPr>
-        </p:nvSpPr>
-        <p:spPr/>
-        <p:txBody>
-          <a:bodyPr/>
-          <a:lstStyle/>
-          <a:p>
-            <a:r>
-              <a:rPr lang="en-US" dirty="0" smtClean="0"/>
-              <a:t>Some trick</a:t>
-            </a:r>
-          </a:p>
-          <a:p>
-            <a:endParaRPr lang="en-US" dirty="0"/>
-          </a:p>
-          <a:p>
-            <a:r>
-              <a:rPr lang="en-US" dirty="0" smtClean="0"/>
-              <a:t>Asynchronous</a:t>
-            </a:r>
-          </a:p>
-          <a:p>
-            <a:endParaRPr lang="en-US" dirty="0"/>
-          </a:p>
-          <a:p>
-            <a:r>
-              <a:rPr lang="en-US" dirty="0" smtClean="0"/>
-              <a:t>Variance reduce</a:t>
-            </a:r>
-          </a:p>
-          <a:p>
-            <a:endParaRPr lang="en-US" dirty="0"/>
-          </a:p>
-          <a:p>
-            <a:r>
-              <a:rPr lang="en-US" dirty="0" smtClean="0"/>
-              <a:t>others</a:t>
-            </a:r>
-          </a:p>
-        </p:txBody>
-      </p:sp>
+      <mc:AlternateContent xmlns:mc="http://schemas.openxmlformats.org/markup-compatibility/2006">
+        <mc:Choice xmlns:a14="http://schemas.microsoft.com/office/drawing/2010/main" Requires="a14">
+          <p:sp>
+            <p:nvSpPr>
+              <p:cNvPr id="3" name="内容占位符 2"/>
+              <p:cNvSpPr>
+                <a:spLocks noGrp="1"/>
+              </p:cNvSpPr>
+              <p:nvPr>
+                <p:ph idx="1"/>
+              </p:nvPr>
+            </p:nvSpPr>
+            <p:spPr>
+              <a:xfrm>
+                <a:off x="838200" y="1462768"/>
+                <a:ext cx="10515600" cy="4351338"/>
+              </a:xfrm>
+            </p:spPr>
+            <p:txBody>
+              <a:bodyPr>
+                <a:normAutofit/>
+              </a:bodyPr>
+              <a:lstStyle/>
+              <a:p>
+                <a:r>
+                  <a:rPr lang="en-US" altLang="zh-CN" sz="2400" dirty="0" smtClean="0"/>
+                  <a:t>Zhao, </a:t>
+                </a:r>
+                <a:r>
+                  <a:rPr lang="en-US" altLang="zh-CN" sz="2400" dirty="0" err="1"/>
+                  <a:t>Tingting</a:t>
+                </a:r>
+                <a:r>
+                  <a:rPr lang="en-US" altLang="zh-CN" sz="2400" dirty="0"/>
+                  <a:t>, et al. "Analysis and improvement of policy gradient estimation." </a:t>
+                </a:r>
+                <a:r>
+                  <a:rPr lang="en-US" altLang="zh-CN" sz="2400" i="1" dirty="0"/>
+                  <a:t>Advances in Neural Information Processing Systems</a:t>
+                </a:r>
+                <a:r>
+                  <a:rPr lang="en-US" altLang="zh-CN" sz="2400" dirty="0"/>
+                  <a:t>. 2011</a:t>
+                </a:r>
+                <a:r>
+                  <a:rPr lang="en-US" altLang="zh-CN" sz="2400" dirty="0" smtClean="0"/>
+                  <a:t>.</a:t>
+                </a:r>
+              </a:p>
+              <a:p>
+                <a:pPr lvl="1"/>
+                <a:r>
+                  <a:rPr lang="en-US" altLang="zh-CN" sz="2000" dirty="0" smtClean="0"/>
+                  <a:t>Reinforce and PGPE</a:t>
+                </a:r>
+              </a:p>
+              <a:p>
+                <a:pPr lvl="1"/>
+                <a:endParaRPr lang="en-US" altLang="zh-CN" sz="2000" dirty="0" smtClean="0"/>
+              </a:p>
+              <a:p>
+                <a:pPr marL="228600" lvl="1">
+                  <a:spcBef>
+                    <a:spcPts val="1000"/>
+                  </a:spcBef>
+                </a:pPr>
+                <a:r>
+                  <a:rPr lang="en-US" altLang="zh-CN" dirty="0"/>
+                  <a:t>Reinforce with </a:t>
+                </a:r>
+                <a:r>
+                  <a:rPr lang="en-US" altLang="zh-CN" dirty="0" smtClean="0"/>
+                  <a:t>baseline</a:t>
+                </a:r>
+              </a:p>
+              <a:p>
+                <a:pPr marL="685800" lvl="2">
+                  <a:spcBef>
+                    <a:spcPts val="1000"/>
+                  </a:spcBef>
+                </a:pPr>
+                <a14:m>
+                  <m:oMath xmlns:m="http://schemas.openxmlformats.org/officeDocument/2006/math">
+                    <m:sSub>
+                      <m:sSubPr>
+                        <m:ctrlPr>
+                          <a:rPr lang="en-US" altLang="zh-CN" i="1">
+                            <a:latin typeface="Cambria Math" panose="02040503050406030204" pitchFamily="18" charset="0"/>
+                          </a:rPr>
+                        </m:ctrlPr>
+                      </m:sSubPr>
+                      <m:e>
+                        <m:r>
+                          <a:rPr lang="en-US" altLang="zh-CN">
+                            <a:latin typeface="Cambria Math" panose="02040503050406030204" pitchFamily="18" charset="0"/>
+                          </a:rPr>
+                          <m:t>𝛻</m:t>
+                        </m:r>
+                      </m:e>
+                      <m:sub>
+                        <m:r>
+                          <a:rPr lang="en-US" altLang="zh-CN" i="1">
+                            <a:latin typeface="Cambria Math" panose="02040503050406030204" pitchFamily="18" charset="0"/>
+                          </a:rPr>
+                          <m:t>𝜃</m:t>
+                        </m:r>
+                      </m:sub>
+                    </m:sSub>
+                    <m:r>
+                      <m:rPr>
+                        <m:sty m:val="p"/>
+                      </m:rPr>
+                      <a:rPr lang="en-US" altLang="zh-CN">
+                        <a:latin typeface="Cambria Math" panose="02040503050406030204" pitchFamily="18" charset="0"/>
+                      </a:rPr>
+                      <m:t>J</m:t>
+                    </m:r>
+                    <m:d>
+                      <m:dPr>
+                        <m:ctrlPr>
+                          <a:rPr lang="en-US" altLang="zh-CN" i="1">
+                            <a:latin typeface="Cambria Math" panose="02040503050406030204" pitchFamily="18" charset="0"/>
+                          </a:rPr>
+                        </m:ctrlPr>
+                      </m:dPr>
+                      <m:e>
+                        <m:r>
+                          <a:rPr lang="en-US" altLang="zh-CN" i="1">
+                            <a:latin typeface="Cambria Math" panose="02040503050406030204" pitchFamily="18" charset="0"/>
+                          </a:rPr>
+                          <m:t>𝜃</m:t>
+                        </m:r>
+                      </m:e>
+                    </m:d>
+                    <m:r>
+                      <a:rPr lang="en-US" altLang="zh-CN">
+                        <a:latin typeface="Cambria Math" panose="02040503050406030204" pitchFamily="18" charset="0"/>
+                      </a:rPr>
+                      <m:t>=</m:t>
+                    </m:r>
+                    <m:r>
+                      <m:rPr>
+                        <m:sty m:val="p"/>
+                      </m:rPr>
+                      <a:rPr lang="en-US" altLang="zh-CN">
+                        <a:latin typeface="Cambria Math" panose="02040503050406030204" pitchFamily="18" charset="0"/>
+                      </a:rPr>
+                      <m:t>E</m:t>
+                    </m:r>
+                    <m:r>
+                      <a:rPr lang="en-US" altLang="zh-CN">
+                        <a:latin typeface="Cambria Math" panose="02040503050406030204" pitchFamily="18" charset="0"/>
+                      </a:rPr>
+                      <m:t>[</m:t>
+                    </m:r>
+                    <m:sSub>
+                      <m:sSubPr>
+                        <m:ctrlPr>
+                          <a:rPr lang="en-US" altLang="zh-CN" i="1">
+                            <a:latin typeface="Cambria Math" panose="02040503050406030204" pitchFamily="18" charset="0"/>
+                          </a:rPr>
+                        </m:ctrlPr>
+                      </m:sSubPr>
+                      <m:e>
+                        <m:r>
+                          <a:rPr lang="en-US" altLang="zh-CN">
+                            <a:latin typeface="Cambria Math" panose="02040503050406030204" pitchFamily="18" charset="0"/>
+                          </a:rPr>
+                          <m:t>𝛻</m:t>
+                        </m:r>
+                      </m:e>
+                      <m:sub>
+                        <m:r>
+                          <a:rPr lang="en-US" altLang="zh-CN" i="1">
+                            <a:latin typeface="Cambria Math" panose="02040503050406030204" pitchFamily="18" charset="0"/>
+                          </a:rPr>
+                          <m:t>𝜃</m:t>
+                        </m:r>
+                      </m:sub>
+                    </m:sSub>
+                    <m:r>
+                      <a:rPr lang="en-US" altLang="zh-CN" i="1">
+                        <a:latin typeface="Cambria Math" panose="02040503050406030204" pitchFamily="18" charset="0"/>
+                      </a:rPr>
+                      <m:t>𝑙𝑜𝑔</m:t>
+                    </m:r>
+                    <m:sSub>
+                      <m:sSubPr>
+                        <m:ctrlPr>
+                          <a:rPr lang="en-US" altLang="zh-CN" i="1">
+                            <a:latin typeface="Cambria Math" panose="02040503050406030204" pitchFamily="18" charset="0"/>
+                          </a:rPr>
+                        </m:ctrlPr>
+                      </m:sSubPr>
+                      <m:e>
+                        <m:r>
+                          <a:rPr lang="en-US" altLang="zh-CN" i="1">
+                            <a:latin typeface="Cambria Math" panose="02040503050406030204" pitchFamily="18" charset="0"/>
+                          </a:rPr>
+                          <m:t>𝜋</m:t>
+                        </m:r>
+                      </m:e>
+                      <m:sub>
+                        <m:r>
+                          <a:rPr lang="en-US" altLang="zh-CN" i="1">
+                            <a:latin typeface="Cambria Math" panose="02040503050406030204" pitchFamily="18" charset="0"/>
+                          </a:rPr>
+                          <m:t>𝜃</m:t>
+                        </m:r>
+                      </m:sub>
+                    </m:sSub>
+                    <m:d>
+                      <m:dPr>
+                        <m:ctrlPr>
+                          <a:rPr lang="en-US" altLang="zh-CN" i="1">
+                            <a:latin typeface="Cambria Math" panose="02040503050406030204" pitchFamily="18" charset="0"/>
+                          </a:rPr>
+                        </m:ctrlPr>
+                      </m:dPr>
+                      <m:e>
+                        <m:r>
+                          <m:rPr>
+                            <m:sty m:val="p"/>
+                          </m:rPr>
+                          <a:rPr lang="en-US" altLang="zh-CN">
+                            <a:latin typeface="Cambria Math" panose="02040503050406030204" pitchFamily="18" charset="0"/>
+                          </a:rPr>
+                          <m:t>s</m:t>
+                        </m:r>
+                        <m:r>
+                          <a:rPr lang="en-US" altLang="zh-CN">
+                            <a:latin typeface="Cambria Math" panose="02040503050406030204" pitchFamily="18" charset="0"/>
+                          </a:rPr>
+                          <m:t>,</m:t>
+                        </m:r>
+                        <m:r>
+                          <m:rPr>
+                            <m:sty m:val="p"/>
+                          </m:rPr>
+                          <a:rPr lang="en-US" altLang="zh-CN">
+                            <a:latin typeface="Cambria Math" panose="02040503050406030204" pitchFamily="18" charset="0"/>
+                          </a:rPr>
+                          <m:t>a</m:t>
+                        </m:r>
+                      </m:e>
+                    </m:d>
+                    <m:r>
+                      <a:rPr lang="en-US" altLang="zh-CN">
+                        <a:latin typeface="Cambria Math" panose="02040503050406030204" pitchFamily="18" charset="0"/>
+                      </a:rPr>
+                      <m:t>  </m:t>
+                    </m:r>
+                    <m:sSup>
+                      <m:sSupPr>
+                        <m:ctrlPr>
+                          <a:rPr lang="en-US" altLang="zh-CN" i="1">
+                            <a:solidFill>
+                              <a:srgbClr val="FF0000"/>
+                            </a:solidFill>
+                            <a:latin typeface="Cambria Math" panose="02040503050406030204" pitchFamily="18" charset="0"/>
+                          </a:rPr>
+                        </m:ctrlPr>
+                      </m:sSupPr>
+                      <m:e>
+                        <m:r>
+                          <a:rPr lang="en-US" altLang="zh-CN" b="0" i="0" smtClean="0">
+                            <a:solidFill>
+                              <a:srgbClr val="FF0000"/>
+                            </a:solidFill>
+                            <a:latin typeface="Cambria Math" panose="02040503050406030204" pitchFamily="18" charset="0"/>
+                          </a:rPr>
+                          <m:t>(</m:t>
+                        </m:r>
+                        <m:r>
+                          <m:rPr>
+                            <m:sty m:val="p"/>
+                          </m:rPr>
+                          <a:rPr lang="en-US" altLang="zh-CN">
+                            <a:solidFill>
+                              <a:srgbClr val="FF0000"/>
+                            </a:solidFill>
+                            <a:latin typeface="Cambria Math" panose="02040503050406030204" pitchFamily="18" charset="0"/>
+                          </a:rPr>
+                          <m:t>Q</m:t>
+                        </m:r>
+                      </m:e>
+                      <m:sup>
+                        <m:sSub>
+                          <m:sSubPr>
+                            <m:ctrlPr>
+                              <a:rPr lang="en-US" altLang="zh-CN" i="1">
+                                <a:solidFill>
+                                  <a:srgbClr val="FF0000"/>
+                                </a:solidFill>
+                                <a:latin typeface="Cambria Math" panose="02040503050406030204" pitchFamily="18" charset="0"/>
+                              </a:rPr>
+                            </m:ctrlPr>
+                          </m:sSubPr>
+                          <m:e>
+                            <m:r>
+                              <a:rPr lang="en-US" altLang="zh-CN" i="1">
+                                <a:solidFill>
+                                  <a:srgbClr val="FF0000"/>
+                                </a:solidFill>
+                                <a:latin typeface="Cambria Math" panose="02040503050406030204" pitchFamily="18" charset="0"/>
+                              </a:rPr>
+                              <m:t>𝜋</m:t>
+                            </m:r>
+                          </m:e>
+                          <m:sub>
+                            <m:r>
+                              <a:rPr lang="en-US" altLang="zh-CN" i="1">
+                                <a:solidFill>
+                                  <a:srgbClr val="FF0000"/>
+                                </a:solidFill>
+                                <a:latin typeface="Cambria Math" panose="02040503050406030204" pitchFamily="18" charset="0"/>
+                              </a:rPr>
+                              <m:t>𝜃</m:t>
+                            </m:r>
+                          </m:sub>
+                        </m:sSub>
+                        <m:r>
+                          <a:rPr lang="en-US" altLang="zh-CN">
+                            <a:solidFill>
+                              <a:srgbClr val="FF0000"/>
+                            </a:solidFill>
+                            <a:latin typeface="Cambria Math" panose="02040503050406030204" pitchFamily="18" charset="0"/>
+                          </a:rPr>
+                          <m:t> </m:t>
+                        </m:r>
+                      </m:sup>
+                    </m:sSup>
+                    <m:d>
+                      <m:dPr>
+                        <m:ctrlPr>
+                          <a:rPr lang="en-US" altLang="zh-CN" i="1">
+                            <a:solidFill>
+                              <a:srgbClr val="FF0000"/>
+                            </a:solidFill>
+                            <a:latin typeface="Cambria Math" panose="02040503050406030204" pitchFamily="18" charset="0"/>
+                          </a:rPr>
+                        </m:ctrlPr>
+                      </m:dPr>
+                      <m:e>
+                        <m:r>
+                          <m:rPr>
+                            <m:sty m:val="p"/>
+                          </m:rPr>
+                          <a:rPr lang="en-US" altLang="zh-CN">
+                            <a:solidFill>
+                              <a:srgbClr val="FF0000"/>
+                            </a:solidFill>
+                            <a:latin typeface="Cambria Math" panose="02040503050406030204" pitchFamily="18" charset="0"/>
+                          </a:rPr>
+                          <m:t>s</m:t>
+                        </m:r>
+                        <m:r>
+                          <a:rPr lang="en-US" altLang="zh-CN">
+                            <a:solidFill>
+                              <a:srgbClr val="FF0000"/>
+                            </a:solidFill>
+                            <a:latin typeface="Cambria Math" panose="02040503050406030204" pitchFamily="18" charset="0"/>
+                          </a:rPr>
+                          <m:t>,</m:t>
+                        </m:r>
+                        <m:r>
+                          <m:rPr>
+                            <m:sty m:val="p"/>
+                          </m:rPr>
+                          <a:rPr lang="en-US" altLang="zh-CN">
+                            <a:solidFill>
+                              <a:srgbClr val="FF0000"/>
+                            </a:solidFill>
+                            <a:latin typeface="Cambria Math" panose="02040503050406030204" pitchFamily="18" charset="0"/>
+                          </a:rPr>
+                          <m:t>a</m:t>
+                        </m:r>
+                      </m:e>
+                    </m:d>
+                    <m:r>
+                      <a:rPr lang="en-US" altLang="zh-CN" b="0" i="0" smtClean="0">
+                        <a:solidFill>
+                          <a:srgbClr val="FF0000"/>
+                        </a:solidFill>
+                        <a:latin typeface="Cambria Math" panose="02040503050406030204" pitchFamily="18" charset="0"/>
+                      </a:rPr>
+                      <m:t>−</m:t>
+                    </m:r>
+                    <m:r>
+                      <m:rPr>
+                        <m:sty m:val="p"/>
+                      </m:rPr>
+                      <a:rPr lang="en-US" altLang="zh-CN" b="0" i="0" smtClean="0">
+                        <a:solidFill>
+                          <a:srgbClr val="FF0000"/>
+                        </a:solidFill>
+                        <a:latin typeface="Cambria Math" panose="02040503050406030204" pitchFamily="18" charset="0"/>
+                      </a:rPr>
+                      <m:t>b</m:t>
+                    </m:r>
+                    <m:d>
+                      <m:dPr>
+                        <m:ctrlPr>
+                          <a:rPr lang="en-US" altLang="zh-CN" b="0" i="0" smtClean="0">
+                            <a:solidFill>
+                              <a:srgbClr val="FF0000"/>
+                            </a:solidFill>
+                            <a:latin typeface="Cambria Math" panose="02040503050406030204" pitchFamily="18" charset="0"/>
+                          </a:rPr>
+                        </m:ctrlPr>
+                      </m:dPr>
+                      <m:e>
+                        <m:r>
+                          <m:rPr>
+                            <m:sty m:val="p"/>
+                          </m:rPr>
+                          <a:rPr lang="en-US" altLang="zh-CN" b="0" i="0" smtClean="0">
+                            <a:solidFill>
+                              <a:srgbClr val="FF0000"/>
+                            </a:solidFill>
+                            <a:latin typeface="Cambria Math" panose="02040503050406030204" pitchFamily="18" charset="0"/>
+                          </a:rPr>
+                          <m:t>s</m:t>
+                        </m:r>
+                      </m:e>
+                    </m:d>
+                    <m:r>
+                      <a:rPr lang="en-US" altLang="zh-CN" b="0" i="0" smtClean="0">
+                        <a:solidFill>
+                          <a:srgbClr val="FF0000"/>
+                        </a:solidFill>
+                        <a:latin typeface="Cambria Math" panose="02040503050406030204" pitchFamily="18" charset="0"/>
+                      </a:rPr>
+                      <m:t>)</m:t>
+                    </m:r>
+                    <m:r>
+                      <a:rPr lang="en-US" altLang="zh-CN">
+                        <a:solidFill>
+                          <a:srgbClr val="FF0000"/>
+                        </a:solidFill>
+                        <a:latin typeface="Cambria Math" panose="02040503050406030204" pitchFamily="18" charset="0"/>
+                      </a:rPr>
+                      <m:t>]</m:t>
+                    </m:r>
+                  </m:oMath>
+                </a14:m>
+                <a:endParaRPr lang="en-US" altLang="zh-CN" dirty="0" smtClean="0"/>
+              </a:p>
+              <a:p>
+                <a:pPr marL="685800" lvl="2">
+                  <a:spcBef>
+                    <a:spcPts val="1000"/>
+                  </a:spcBef>
+                </a:pPr>
+                <a:endParaRPr lang="en-US" altLang="zh-CN" dirty="0"/>
+              </a:p>
+              <a:p>
+                <a:pPr marL="228600" lvl="1">
+                  <a:spcBef>
+                    <a:spcPts val="1000"/>
+                  </a:spcBef>
+                </a:pPr>
+                <a:r>
+                  <a:rPr lang="en-US" altLang="zh-CN" dirty="0" err="1"/>
+                  <a:t>Greensmith</a:t>
+                </a:r>
+                <a:r>
+                  <a:rPr lang="en-US" altLang="zh-CN" dirty="0"/>
+                  <a:t>, Evan, Peter L. Bartlett, and Jonathan Baxter. "Variance reduction techniques for gradient estimates in reinforcement </a:t>
+                </a:r>
+                <a:r>
+                  <a:rPr lang="en-US" altLang="zh-CN" dirty="0" err="1"/>
+                  <a:t>learning."Journal</a:t>
+                </a:r>
+                <a:r>
+                  <a:rPr lang="en-US" altLang="zh-CN" dirty="0"/>
+                  <a:t> of Machine Learning Research 5.Nov (2004): 1471-1530.</a:t>
+                </a:r>
+              </a:p>
+            </p:txBody>
+          </p:sp>
+        </mc:Choice>
+        <mc:Fallback>
+          <p:sp>
+            <p:nvSpPr>
+              <p:cNvPr id="3" name="内容占位符 2"/>
+              <p:cNvSpPr>
+                <a:spLocks noGrp="1" noRot="1" noChangeAspect="1" noMove="1" noResize="1" noEditPoints="1" noAdjustHandles="1" noChangeArrowheads="1" noChangeShapeType="1" noTextEdit="1"/>
+              </p:cNvSpPr>
+              <p:nvPr>
+                <p:ph idx="1"/>
+              </p:nvPr>
+            </p:nvSpPr>
+            <p:spPr>
+              <a:xfrm>
+                <a:off x="838200" y="1462768"/>
+                <a:ext cx="10515600" cy="4351338"/>
+              </a:xfrm>
+              <a:blipFill>
+                <a:blip r:embed="rId2"/>
+                <a:stretch>
+                  <a:fillRect l="-812" t="-1961"/>
+                </a:stretch>
+              </a:blipFill>
+            </p:spPr>
+            <p:txBody>
+              <a:bodyPr/>
+              <a:lstStyle/>
+              <a:p>
+                <a:r>
+                  <a:rPr lang="zh-CN" altLang="en-US">
+                    <a:noFill/>
+                  </a:rPr>
+                  <a:t> </a:t>
+                </a:r>
+              </a:p>
+            </p:txBody>
+          </p:sp>
+        </mc:Fallback>
+      </mc:AlternateContent>
     </p:spTree>
     <p:extLst>
       <p:ext uri="{BB962C8B-B14F-4D97-AF65-F5344CB8AC3E}">
-        <p14:creationId xmlns:p14="http://schemas.microsoft.com/office/powerpoint/2010/main" val="3727563400"/>
+        <p14:creationId xmlns:p14="http://schemas.microsoft.com/office/powerpoint/2010/main" val="908287178"/>
       </p:ext>
     </p:extLst>
   </p:cSld>
@@ -5633,14 +7896,17 @@
         </p:nvSpPr>
         <p:spPr/>
         <p:txBody>
-          <a:bodyPr/>
+          <a:bodyPr>
+            <a:normAutofit/>
+          </a:bodyPr>
           <a:lstStyle/>
           <a:p>
-            <a:r>
-              <a:rPr lang="en-US" dirty="0" smtClean="0"/>
-              <a:t>Other issue</a:t>
-            </a:r>
-            <a:endParaRPr lang="en-US" dirty="0"/>
+            <a:pPr algn="ctr"/>
+            <a:r>
+              <a:rPr lang="en-US" b="1" dirty="0" smtClean="0"/>
+              <a:t>Continuous control	</a:t>
+            </a:r>
+            <a:endParaRPr lang="en-US" b="1" dirty="0"/>
           </a:p>
         </p:txBody>
       </p:sp>
@@ -5661,16 +7927,56 @@
           <a:p>
             <a:r>
               <a:rPr lang="en-US" dirty="0" smtClean="0"/>
-              <a:t>POMDP</a:t>
-            </a:r>
-          </a:p>
-          <a:p>
-            <a:r>
-              <a:rPr lang="en-US" smtClean="0"/>
-              <a:t>Exploration</a:t>
-            </a:r>
-          </a:p>
-          <a:p>
+              <a:t>Policy gradient based</a:t>
+            </a:r>
+          </a:p>
+          <a:p>
+            <a:pPr lvl="1"/>
+            <a:r>
+              <a:rPr lang="en-US" dirty="0" smtClean="0"/>
+              <a:t>DPG</a:t>
+            </a:r>
+          </a:p>
+          <a:p>
+            <a:pPr lvl="1"/>
+            <a:r>
+              <a:rPr lang="en-US" dirty="0" smtClean="0"/>
+              <a:t>DDPG</a:t>
+            </a:r>
+          </a:p>
+          <a:p>
+            <a:pPr lvl="1"/>
+            <a:r>
+              <a:rPr lang="en-US" dirty="0" smtClean="0"/>
+              <a:t>Value </a:t>
+            </a:r>
+            <a:r>
+              <a:rPr lang="en-US" dirty="0" smtClean="0"/>
+              <a:t>gradient(SVG)</a:t>
+            </a:r>
+            <a:endParaRPr lang="en-US" dirty="0" smtClean="0"/>
+          </a:p>
+          <a:p>
+            <a:pPr lvl="1"/>
+            <a:endParaRPr lang="en-US" dirty="0" smtClean="0"/>
+          </a:p>
+          <a:p>
+            <a:pPr marL="228600" lvl="1">
+              <a:spcBef>
+                <a:spcPts val="1000"/>
+              </a:spcBef>
+            </a:pPr>
+            <a:r>
+              <a:rPr lang="en-US" sz="2800" dirty="0"/>
+              <a:t>Q-learning based</a:t>
+            </a:r>
+          </a:p>
+          <a:p>
+            <a:pPr lvl="1"/>
+            <a:r>
+              <a:rPr lang="en-US" dirty="0" smtClean="0"/>
+              <a:t>NAF </a:t>
+            </a:r>
             <a:endParaRPr lang="en-US" dirty="0"/>
           </a:p>
         </p:txBody>
@@ -5678,7 +7984,974 @@
     </p:spTree>
     <p:extLst>
       <p:ext uri="{BB962C8B-B14F-4D97-AF65-F5344CB8AC3E}">
-        <p14:creationId xmlns:p14="http://schemas.microsoft.com/office/powerpoint/2010/main" val="3522652884"/>
+        <p14:creationId xmlns:p14="http://schemas.microsoft.com/office/powerpoint/2010/main" val="2379009383"/>
+      </p:ext>
+    </p:extLst>
+  </p:cSld>
+  <p:clrMapOvr>
+    <a:masterClrMapping/>
+  </p:clrMapOvr>
+  <p:timing>
+    <p:tnLst>
+      <p:par>
+        <p:cTn id="1" dur="indefinite" restart="never" nodeType="tmRoot"/>
+      </p:par>
+    </p:tnLst>
+  </p:timing>
+</p:sld>
+</file>
+
+<file path=ppt/slides/slide18.xml><?xml version="1.0" encoding="utf-8"?>
+<p:sld xmlns:a="http://schemas.openxmlformats.org/drawingml/2006/main" xmlns:r="http://schemas.openxmlformats.org/officeDocument/2006/relationships" xmlns:p="http://schemas.openxmlformats.org/presentationml/2006/main">
+  <p:cSld>
+    <p:spTree>
+      <p:nvGrpSpPr>
+        <p:cNvPr id="1" name=""/>
+        <p:cNvGrpSpPr/>
+        <p:nvPr/>
+      </p:nvGrpSpPr>
+      <p:grpSpPr>
+        <a:xfrm>
+          <a:off x="0" y="0"/>
+          <a:ext cx="0" cy="0"/>
+          <a:chOff x="0" y="0"/>
+          <a:chExt cx="0" cy="0"/>
+        </a:xfrm>
+      </p:grpSpPr>
+      <p:sp>
+        <p:nvSpPr>
+          <p:cNvPr id="5" name="Title 1"/>
+          <p:cNvSpPr>
+            <a:spLocks noGrp="1"/>
+          </p:cNvSpPr>
+          <p:nvPr>
+            <p:ph type="title"/>
+          </p:nvPr>
+        </p:nvSpPr>
+        <p:spPr>
+          <a:xfrm>
+            <a:off x="939800" y="0"/>
+            <a:ext cx="10515600" cy="1325563"/>
+          </a:xfrm>
+        </p:spPr>
+        <p:txBody>
+          <a:bodyPr>
+            <a:normAutofit/>
+          </a:bodyPr>
+          <a:lstStyle/>
+          <a:p>
+            <a:pPr algn="ctr"/>
+            <a:r>
+              <a:rPr lang="en-US" b="1" dirty="0" smtClean="0"/>
+              <a:t>Continuous control	</a:t>
+            </a:r>
+            <a:endParaRPr lang="en-US" b="1" dirty="0"/>
+          </a:p>
+        </p:txBody>
+      </p:sp>
+      <p:pic>
+        <p:nvPicPr>
+          <p:cNvPr id="6" name="图片 5"/>
+          <p:cNvPicPr>
+            <a:picLocks noChangeAspect="1"/>
+          </p:cNvPicPr>
+          <p:nvPr/>
+        </p:nvPicPr>
+        <p:blipFill rotWithShape="1">
+          <a:blip r:embed="rId2"/>
+          <a:srcRect l="4254" t="2754" r="6576" b="2605"/>
+          <a:stretch/>
+        </p:blipFill>
+        <p:spPr>
+          <a:xfrm>
+            <a:off x="316930" y="2032070"/>
+            <a:ext cx="6257065" cy="4696346"/>
+          </a:xfrm>
+          <a:prstGeom prst="rect">
+            <a:avLst/>
+          </a:prstGeom>
+        </p:spPr>
+      </p:pic>
+      <mc:AlternateContent xmlns:mc="http://schemas.openxmlformats.org/markup-compatibility/2006">
+        <mc:Choice xmlns:a14="http://schemas.microsoft.com/office/drawing/2010/main" Requires="a14">
+          <p:sp>
+            <p:nvSpPr>
+              <p:cNvPr id="7" name="矩形 6"/>
+              <p:cNvSpPr/>
+              <p:nvPr/>
+            </p:nvSpPr>
+            <p:spPr>
+              <a:xfrm>
+                <a:off x="678549" y="1447984"/>
+                <a:ext cx="5011308" cy="461665"/>
+              </a:xfrm>
+              <a:prstGeom prst="rect">
+                <a:avLst/>
+              </a:prstGeom>
+            </p:spPr>
+            <p:txBody>
+              <a:bodyPr wrap="none">
+                <a:spAutoFit/>
+              </a:bodyPr>
+              <a:lstStyle/>
+              <a:p>
+                <a14:m>
+                  <m:oMathPara xmlns:m="http://schemas.openxmlformats.org/officeDocument/2006/math">
+                    <m:oMathParaPr>
+                      <m:jc m:val="centerGroup"/>
+                    </m:oMathParaPr>
+                    <m:oMath xmlns:m="http://schemas.openxmlformats.org/officeDocument/2006/math">
+                      <m:sSub>
+                        <m:sSubPr>
+                          <m:ctrlPr>
+                            <a:rPr lang="en-US" altLang="zh-CN" sz="2400" i="1">
+                              <a:latin typeface="Cambria Math" panose="02040503050406030204" pitchFamily="18" charset="0"/>
+                            </a:rPr>
+                          </m:ctrlPr>
+                        </m:sSubPr>
+                        <m:e>
+                          <m:r>
+                            <a:rPr lang="en-US" altLang="zh-CN" sz="2400">
+                              <a:latin typeface="Cambria Math" panose="02040503050406030204" pitchFamily="18" charset="0"/>
+                            </a:rPr>
+                            <m:t>𝛻</m:t>
+                          </m:r>
+                        </m:e>
+                        <m:sub>
+                          <m:r>
+                            <a:rPr lang="en-US" altLang="zh-CN" sz="2400" i="1">
+                              <a:latin typeface="Cambria Math" panose="02040503050406030204" pitchFamily="18" charset="0"/>
+                            </a:rPr>
+                            <m:t>𝜃</m:t>
+                          </m:r>
+                        </m:sub>
+                      </m:sSub>
+                      <m:r>
+                        <m:rPr>
+                          <m:sty m:val="p"/>
+                        </m:rPr>
+                        <a:rPr lang="en-US" altLang="zh-CN" sz="2400">
+                          <a:latin typeface="Cambria Math" panose="02040503050406030204" pitchFamily="18" charset="0"/>
+                        </a:rPr>
+                        <m:t>J</m:t>
+                      </m:r>
+                      <m:d>
+                        <m:dPr>
+                          <m:ctrlPr>
+                            <a:rPr lang="en-US" altLang="zh-CN" sz="2400" i="1">
+                              <a:latin typeface="Cambria Math" panose="02040503050406030204" pitchFamily="18" charset="0"/>
+                            </a:rPr>
+                          </m:ctrlPr>
+                        </m:dPr>
+                        <m:e>
+                          <m:r>
+                            <a:rPr lang="en-US" altLang="zh-CN" sz="2400" i="1">
+                              <a:latin typeface="Cambria Math" panose="02040503050406030204" pitchFamily="18" charset="0"/>
+                            </a:rPr>
+                            <m:t>𝜃</m:t>
+                          </m:r>
+                        </m:e>
+                      </m:d>
+                      <m:r>
+                        <a:rPr lang="en-US" altLang="zh-CN" sz="2400">
+                          <a:latin typeface="Cambria Math" panose="02040503050406030204" pitchFamily="18" charset="0"/>
+                        </a:rPr>
+                        <m:t>=</m:t>
+                      </m:r>
+                      <m:r>
+                        <m:rPr>
+                          <m:sty m:val="p"/>
+                        </m:rPr>
+                        <a:rPr lang="en-US" altLang="zh-CN" sz="2400">
+                          <a:latin typeface="Cambria Math" panose="02040503050406030204" pitchFamily="18" charset="0"/>
+                        </a:rPr>
+                        <m:t>E</m:t>
+                      </m:r>
+                      <m:r>
+                        <a:rPr lang="en-US" altLang="zh-CN" sz="2400">
+                          <a:latin typeface="Cambria Math" panose="02040503050406030204" pitchFamily="18" charset="0"/>
+                        </a:rPr>
+                        <m:t>[</m:t>
+                      </m:r>
+                      <m:sSub>
+                        <m:sSubPr>
+                          <m:ctrlPr>
+                            <a:rPr lang="en-US" altLang="zh-CN" sz="2400" i="1">
+                              <a:latin typeface="Cambria Math" panose="02040503050406030204" pitchFamily="18" charset="0"/>
+                            </a:rPr>
+                          </m:ctrlPr>
+                        </m:sSubPr>
+                        <m:e>
+                          <m:r>
+                            <a:rPr lang="en-US" altLang="zh-CN" sz="2400">
+                              <a:latin typeface="Cambria Math" panose="02040503050406030204" pitchFamily="18" charset="0"/>
+                            </a:rPr>
+                            <m:t>𝛻</m:t>
+                          </m:r>
+                        </m:e>
+                        <m:sub>
+                          <m:r>
+                            <a:rPr lang="en-US" altLang="zh-CN" sz="2400" i="1">
+                              <a:latin typeface="Cambria Math" panose="02040503050406030204" pitchFamily="18" charset="0"/>
+                            </a:rPr>
+                            <m:t>𝜃</m:t>
+                          </m:r>
+                        </m:sub>
+                      </m:sSub>
+                      <m:r>
+                        <a:rPr lang="en-US" altLang="zh-CN" sz="2400" i="1">
+                          <a:latin typeface="Cambria Math" panose="02040503050406030204" pitchFamily="18" charset="0"/>
+                        </a:rPr>
+                        <m:t>𝑙𝑜𝑔</m:t>
+                      </m:r>
+                      <m:sSub>
+                        <m:sSubPr>
+                          <m:ctrlPr>
+                            <a:rPr lang="en-US" altLang="zh-CN" sz="2400" i="1">
+                              <a:latin typeface="Cambria Math" panose="02040503050406030204" pitchFamily="18" charset="0"/>
+                            </a:rPr>
+                          </m:ctrlPr>
+                        </m:sSubPr>
+                        <m:e>
+                          <m:r>
+                            <a:rPr lang="en-US" altLang="zh-CN" sz="2400" i="1">
+                              <a:latin typeface="Cambria Math" panose="02040503050406030204" pitchFamily="18" charset="0"/>
+                            </a:rPr>
+                            <m:t>𝜋</m:t>
+                          </m:r>
+                        </m:e>
+                        <m:sub>
+                          <m:r>
+                            <a:rPr lang="en-US" altLang="zh-CN" sz="2400" i="1">
+                              <a:latin typeface="Cambria Math" panose="02040503050406030204" pitchFamily="18" charset="0"/>
+                            </a:rPr>
+                            <m:t>𝜃</m:t>
+                          </m:r>
+                        </m:sub>
+                      </m:sSub>
+                      <m:d>
+                        <m:dPr>
+                          <m:ctrlPr>
+                            <a:rPr lang="en-US" altLang="zh-CN" sz="2400" i="1">
+                              <a:latin typeface="Cambria Math" panose="02040503050406030204" pitchFamily="18" charset="0"/>
+                            </a:rPr>
+                          </m:ctrlPr>
+                        </m:dPr>
+                        <m:e>
+                          <m:r>
+                            <m:rPr>
+                              <m:sty m:val="p"/>
+                            </m:rPr>
+                            <a:rPr lang="en-US" altLang="zh-CN" sz="2400">
+                              <a:latin typeface="Cambria Math" panose="02040503050406030204" pitchFamily="18" charset="0"/>
+                            </a:rPr>
+                            <m:t>s</m:t>
+                          </m:r>
+                          <m:r>
+                            <a:rPr lang="en-US" altLang="zh-CN" sz="2400">
+                              <a:latin typeface="Cambria Math" panose="02040503050406030204" pitchFamily="18" charset="0"/>
+                            </a:rPr>
+                            <m:t>,</m:t>
+                          </m:r>
+                          <m:r>
+                            <m:rPr>
+                              <m:sty m:val="p"/>
+                            </m:rPr>
+                            <a:rPr lang="en-US" altLang="zh-CN" sz="2400">
+                              <a:latin typeface="Cambria Math" panose="02040503050406030204" pitchFamily="18" charset="0"/>
+                            </a:rPr>
+                            <m:t>a</m:t>
+                          </m:r>
+                        </m:e>
+                      </m:d>
+                      <m:r>
+                        <a:rPr lang="en-US" altLang="zh-CN" sz="2400">
+                          <a:latin typeface="Cambria Math" panose="02040503050406030204" pitchFamily="18" charset="0"/>
+                        </a:rPr>
+                        <m:t>  </m:t>
+                      </m:r>
+                      <m:sSup>
+                        <m:sSupPr>
+                          <m:ctrlPr>
+                            <a:rPr lang="en-US" altLang="zh-CN" sz="2400" i="1">
+                              <a:solidFill>
+                                <a:srgbClr val="FF0000"/>
+                              </a:solidFill>
+                              <a:latin typeface="Cambria Math" panose="02040503050406030204" pitchFamily="18" charset="0"/>
+                            </a:rPr>
+                          </m:ctrlPr>
+                        </m:sSupPr>
+                        <m:e>
+                          <m:r>
+                            <m:rPr>
+                              <m:sty m:val="p"/>
+                            </m:rPr>
+                            <a:rPr lang="en-US" altLang="zh-CN" sz="2400">
+                              <a:solidFill>
+                                <a:srgbClr val="FF0000"/>
+                              </a:solidFill>
+                              <a:latin typeface="Cambria Math" panose="02040503050406030204" pitchFamily="18" charset="0"/>
+                            </a:rPr>
+                            <m:t>Q</m:t>
+                          </m:r>
+                        </m:e>
+                        <m:sup>
+                          <m:sSub>
+                            <m:sSubPr>
+                              <m:ctrlPr>
+                                <a:rPr lang="en-US" altLang="zh-CN" sz="2400" i="1">
+                                  <a:solidFill>
+                                    <a:srgbClr val="FF0000"/>
+                                  </a:solidFill>
+                                  <a:latin typeface="Cambria Math" panose="02040503050406030204" pitchFamily="18" charset="0"/>
+                                </a:rPr>
+                              </m:ctrlPr>
+                            </m:sSubPr>
+                            <m:e>
+                              <m:r>
+                                <a:rPr lang="en-US" altLang="zh-CN" sz="2400" i="1">
+                                  <a:solidFill>
+                                    <a:srgbClr val="FF0000"/>
+                                  </a:solidFill>
+                                  <a:latin typeface="Cambria Math" panose="02040503050406030204" pitchFamily="18" charset="0"/>
+                                </a:rPr>
+                                <m:t>𝜋</m:t>
+                              </m:r>
+                            </m:e>
+                            <m:sub>
+                              <m:r>
+                                <a:rPr lang="en-US" altLang="zh-CN" sz="2400" i="1">
+                                  <a:solidFill>
+                                    <a:srgbClr val="FF0000"/>
+                                  </a:solidFill>
+                                  <a:latin typeface="Cambria Math" panose="02040503050406030204" pitchFamily="18" charset="0"/>
+                                </a:rPr>
+                                <m:t>𝜃</m:t>
+                              </m:r>
+                            </m:sub>
+                          </m:sSub>
+                          <m:r>
+                            <a:rPr lang="en-US" altLang="zh-CN" sz="2400">
+                              <a:solidFill>
+                                <a:srgbClr val="FF0000"/>
+                              </a:solidFill>
+                              <a:latin typeface="Cambria Math" panose="02040503050406030204" pitchFamily="18" charset="0"/>
+                            </a:rPr>
+                            <m:t> </m:t>
+                          </m:r>
+                        </m:sup>
+                      </m:sSup>
+                      <m:r>
+                        <a:rPr lang="en-US" altLang="zh-CN" sz="2400">
+                          <a:solidFill>
+                            <a:srgbClr val="FF0000"/>
+                          </a:solidFill>
+                          <a:latin typeface="Cambria Math" panose="02040503050406030204" pitchFamily="18" charset="0"/>
+                        </a:rPr>
+                        <m:t>(</m:t>
+                      </m:r>
+                      <m:r>
+                        <m:rPr>
+                          <m:sty m:val="p"/>
+                        </m:rPr>
+                        <a:rPr lang="en-US" altLang="zh-CN" sz="2400">
+                          <a:solidFill>
+                            <a:srgbClr val="FF0000"/>
+                          </a:solidFill>
+                          <a:latin typeface="Cambria Math" panose="02040503050406030204" pitchFamily="18" charset="0"/>
+                        </a:rPr>
+                        <m:t>s</m:t>
+                      </m:r>
+                      <m:r>
+                        <a:rPr lang="en-US" altLang="zh-CN" sz="2400">
+                          <a:solidFill>
+                            <a:srgbClr val="FF0000"/>
+                          </a:solidFill>
+                          <a:latin typeface="Cambria Math" panose="02040503050406030204" pitchFamily="18" charset="0"/>
+                        </a:rPr>
+                        <m:t>,</m:t>
+                      </m:r>
+                      <m:r>
+                        <m:rPr>
+                          <m:sty m:val="p"/>
+                        </m:rPr>
+                        <a:rPr lang="en-US" altLang="zh-CN" sz="2400">
+                          <a:solidFill>
+                            <a:srgbClr val="FF0000"/>
+                          </a:solidFill>
+                          <a:latin typeface="Cambria Math" panose="02040503050406030204" pitchFamily="18" charset="0"/>
+                        </a:rPr>
+                        <m:t>a</m:t>
+                      </m:r>
+                      <m:r>
+                        <a:rPr lang="en-US" altLang="zh-CN" sz="2400">
+                          <a:solidFill>
+                            <a:srgbClr val="FF0000"/>
+                          </a:solidFill>
+                          <a:latin typeface="Cambria Math" panose="02040503050406030204" pitchFamily="18" charset="0"/>
+                        </a:rPr>
+                        <m:t>)]</m:t>
+                      </m:r>
+                    </m:oMath>
+                  </m:oMathPara>
+                </a14:m>
+                <a:endParaRPr lang="en-US" altLang="zh-CN" sz="2400" dirty="0"/>
+              </a:p>
+            </p:txBody>
+          </p:sp>
+        </mc:Choice>
+        <mc:Fallback>
+          <p:sp>
+            <p:nvSpPr>
+              <p:cNvPr id="7" name="矩形 6"/>
+              <p:cNvSpPr>
+                <a:spLocks noRot="1" noChangeAspect="1" noMove="1" noResize="1" noEditPoints="1" noAdjustHandles="1" noChangeArrowheads="1" noChangeShapeType="1" noTextEdit="1"/>
+              </p:cNvSpPr>
+              <p:nvPr/>
+            </p:nvSpPr>
+            <p:spPr>
+              <a:xfrm>
+                <a:off x="678549" y="1447984"/>
+                <a:ext cx="5011308" cy="461665"/>
+              </a:xfrm>
+              <a:prstGeom prst="rect">
+                <a:avLst/>
+              </a:prstGeom>
+              <a:blipFill>
+                <a:blip r:embed="rId3"/>
+                <a:stretch>
+                  <a:fillRect b="-18667"/>
+                </a:stretch>
+              </a:blipFill>
+            </p:spPr>
+            <p:txBody>
+              <a:bodyPr/>
+              <a:lstStyle/>
+              <a:p>
+                <a:r>
+                  <a:rPr lang="zh-CN" altLang="en-US">
+                    <a:noFill/>
+                  </a:rPr>
+                  <a:t> </a:t>
+                </a:r>
+              </a:p>
+            </p:txBody>
+          </p:sp>
+        </mc:Fallback>
+      </mc:AlternateContent>
+      <p:pic>
+        <p:nvPicPr>
+          <p:cNvPr id="8" name="图片 7"/>
+          <p:cNvPicPr>
+            <a:picLocks noChangeAspect="1"/>
+          </p:cNvPicPr>
+          <p:nvPr/>
+        </p:nvPicPr>
+        <p:blipFill>
+          <a:blip r:embed="rId4"/>
+          <a:stretch>
+            <a:fillRect/>
+          </a:stretch>
+        </p:blipFill>
+        <p:spPr>
+          <a:xfrm>
+            <a:off x="7563357" y="2418352"/>
+            <a:ext cx="4057143" cy="4152381"/>
+          </a:xfrm>
+          <a:prstGeom prst="rect">
+            <a:avLst/>
+          </a:prstGeom>
+        </p:spPr>
+      </p:pic>
+      <mc:AlternateContent xmlns:mc="http://schemas.openxmlformats.org/markup-compatibility/2006">
+        <mc:Choice xmlns:a14="http://schemas.microsoft.com/office/drawing/2010/main" Requires="a14">
+          <p:sp>
+            <p:nvSpPr>
+              <p:cNvPr id="9" name="文本框 8"/>
+              <p:cNvSpPr txBox="1"/>
+              <p:nvPr/>
+            </p:nvSpPr>
+            <p:spPr>
+              <a:xfrm>
+                <a:off x="8382000" y="1325563"/>
+                <a:ext cx="2019300" cy="1107996"/>
+              </a:xfrm>
+              <a:prstGeom prst="rect">
+                <a:avLst/>
+              </a:prstGeom>
+              <a:noFill/>
+            </p:spPr>
+            <p:txBody>
+              <a:bodyPr wrap="square" lIns="0" tIns="0" rIns="0" bIns="0" rtlCol="0">
+                <a:spAutoFit/>
+              </a:bodyPr>
+              <a:lstStyle/>
+              <a:p>
+                <a:pPr/>
+                <a14:m>
+                  <m:oMathPara xmlns:m="http://schemas.openxmlformats.org/officeDocument/2006/math">
+                    <m:oMathParaPr>
+                      <m:jc m:val="left"/>
+                    </m:oMathParaPr>
+                    <m:oMath xmlns:m="http://schemas.openxmlformats.org/officeDocument/2006/math">
+                      <m:r>
+                        <a:rPr lang="en-US" altLang="zh-CN" b="0" i="1" smtClean="0">
+                          <a:latin typeface="Cambria Math" panose="02040503050406030204" pitchFamily="18" charset="0"/>
+                        </a:rPr>
+                        <m:t>𝑎</m:t>
+                      </m:r>
+                      <m:r>
+                        <a:rPr lang="en-US" altLang="zh-CN" b="0" i="1" smtClean="0">
+                          <a:latin typeface="Cambria Math" panose="02040503050406030204" pitchFamily="18" charset="0"/>
+                        </a:rPr>
+                        <m:t>=</m:t>
+                      </m:r>
+                      <m:r>
+                        <a:rPr lang="en-US" altLang="zh-CN" b="0" i="1" smtClean="0">
+                          <a:latin typeface="Cambria Math" panose="02040503050406030204" pitchFamily="18" charset="0"/>
+                        </a:rPr>
+                        <m:t>𝜋</m:t>
+                      </m:r>
+                      <m:d>
+                        <m:dPr>
+                          <m:ctrlPr>
+                            <a:rPr lang="en-US" altLang="zh-CN" b="0" i="1" smtClean="0">
+                              <a:latin typeface="Cambria Math" panose="02040503050406030204" pitchFamily="18" charset="0"/>
+                            </a:rPr>
+                          </m:ctrlPr>
+                        </m:dPr>
+                        <m:e>
+                          <m:r>
+                            <a:rPr lang="en-US" altLang="zh-CN" b="0" i="1" smtClean="0">
+                              <a:latin typeface="Cambria Math" panose="02040503050406030204" pitchFamily="18" charset="0"/>
+                            </a:rPr>
+                            <m:t>𝑠</m:t>
+                          </m:r>
+                          <m:r>
+                            <a:rPr lang="en-US" altLang="zh-CN" b="0" i="1" smtClean="0">
+                              <a:latin typeface="Cambria Math" panose="02040503050406030204" pitchFamily="18" charset="0"/>
+                            </a:rPr>
+                            <m:t>,</m:t>
+                          </m:r>
+                          <m:r>
+                            <a:rPr lang="en-US" altLang="zh-CN" b="0" i="1" smtClean="0">
+                              <a:latin typeface="Cambria Math" panose="02040503050406030204" pitchFamily="18" charset="0"/>
+                            </a:rPr>
+                            <m:t>𝜂</m:t>
+                          </m:r>
+                          <m:r>
+                            <a:rPr lang="en-US" altLang="zh-CN" b="0" i="1" smtClean="0">
+                              <a:latin typeface="Cambria Math" panose="02040503050406030204" pitchFamily="18" charset="0"/>
+                            </a:rPr>
+                            <m:t>;</m:t>
+                          </m:r>
+                          <m:r>
+                            <a:rPr lang="en-US" altLang="zh-CN" b="0" i="1" smtClean="0">
+                              <a:latin typeface="Cambria Math" panose="02040503050406030204" pitchFamily="18" charset="0"/>
+                            </a:rPr>
+                            <m:t>𝜃</m:t>
+                          </m:r>
+                        </m:e>
+                      </m:d>
+                    </m:oMath>
+                  </m:oMathPara>
+                </a14:m>
+                <a:endParaRPr lang="en-US" altLang="zh-CN" b="0" i="1" dirty="0" smtClean="0">
+                  <a:latin typeface="Cambria Math" panose="02040503050406030204" pitchFamily="18" charset="0"/>
+                </a:endParaRPr>
+              </a:p>
+              <a:p>
+                <a:pPr/>
+                <a14:m>
+                  <m:oMathPara xmlns:m="http://schemas.openxmlformats.org/officeDocument/2006/math">
+                    <m:oMathParaPr>
+                      <m:jc m:val="left"/>
+                    </m:oMathParaPr>
+                    <m:oMath xmlns:m="http://schemas.openxmlformats.org/officeDocument/2006/math">
+                      <m:sSup>
+                        <m:sSupPr>
+                          <m:ctrlPr>
+                            <a:rPr lang="en-US" altLang="zh-CN" i="1">
+                              <a:latin typeface="Cambria Math" panose="02040503050406030204" pitchFamily="18" charset="0"/>
+                            </a:rPr>
+                          </m:ctrlPr>
+                        </m:sSupPr>
+                        <m:e>
+                          <m:r>
+                            <m:rPr>
+                              <m:sty m:val="p"/>
+                            </m:rPr>
+                            <a:rPr lang="en-US" altLang="zh-CN" i="1">
+                              <a:latin typeface="Cambria Math" panose="02040503050406030204" pitchFamily="18" charset="0"/>
+                            </a:rPr>
+                            <m:t>s</m:t>
+                          </m:r>
+                        </m:e>
+                        <m:sup>
+                          <m:r>
+                            <a:rPr lang="en-US" altLang="zh-CN" i="1">
+                              <a:latin typeface="Cambria Math" panose="02040503050406030204" pitchFamily="18" charset="0"/>
+                            </a:rPr>
+                            <m:t>′</m:t>
+                          </m:r>
+                        </m:sup>
+                      </m:sSup>
+                      <m:r>
+                        <a:rPr lang="en-US" altLang="zh-CN" i="1">
+                          <a:latin typeface="Cambria Math" panose="02040503050406030204" pitchFamily="18" charset="0"/>
+                        </a:rPr>
+                        <m:t>=</m:t>
+                      </m:r>
+                      <m:r>
+                        <a:rPr lang="en-US" altLang="zh-CN" i="1">
+                          <a:latin typeface="Cambria Math" panose="02040503050406030204" pitchFamily="18" charset="0"/>
+                        </a:rPr>
+                        <m:t>𝑓</m:t>
+                      </m:r>
+                      <m:d>
+                        <m:dPr>
+                          <m:ctrlPr>
+                            <a:rPr lang="en-US" altLang="zh-CN" i="1">
+                              <a:latin typeface="Cambria Math" panose="02040503050406030204" pitchFamily="18" charset="0"/>
+                            </a:rPr>
+                          </m:ctrlPr>
+                        </m:dPr>
+                        <m:e>
+                          <m:r>
+                            <a:rPr lang="en-US" altLang="zh-CN" i="1">
+                              <a:latin typeface="Cambria Math" panose="02040503050406030204" pitchFamily="18" charset="0"/>
+                            </a:rPr>
+                            <m:t>𝑠</m:t>
+                          </m:r>
+                          <m:r>
+                            <a:rPr lang="en-US" altLang="zh-CN" i="1">
+                              <a:latin typeface="Cambria Math" panose="02040503050406030204" pitchFamily="18" charset="0"/>
+                            </a:rPr>
+                            <m:t>,</m:t>
+                          </m:r>
+                          <m:r>
+                            <a:rPr lang="en-US" altLang="zh-CN" i="1">
+                              <a:latin typeface="Cambria Math" panose="02040503050406030204" pitchFamily="18" charset="0"/>
+                            </a:rPr>
+                            <m:t>𝑎</m:t>
+                          </m:r>
+                        </m:e>
+                      </m:d>
+                      <m:r>
+                        <a:rPr lang="en-US" altLang="zh-CN" i="1">
+                          <a:latin typeface="Cambria Math" panose="02040503050406030204" pitchFamily="18" charset="0"/>
+                        </a:rPr>
+                        <m:t>+</m:t>
+                      </m:r>
+                      <m:r>
+                        <a:rPr lang="en-US" altLang="zh-CN" i="1">
+                          <a:latin typeface="Cambria Math" panose="02040503050406030204" pitchFamily="18" charset="0"/>
+                        </a:rPr>
+                        <m:t>𝜉</m:t>
+                      </m:r>
+                    </m:oMath>
+                  </m:oMathPara>
+                </a14:m>
+                <a:endParaRPr lang="en-US" altLang="zh-CN" i="1" dirty="0">
+                  <a:latin typeface="Cambria Math" panose="02040503050406030204" pitchFamily="18" charset="0"/>
+                </a:endParaRPr>
+              </a:p>
+              <a:p>
+                <a:pPr/>
+                <a14:m>
+                  <m:oMathPara xmlns:m="http://schemas.openxmlformats.org/officeDocument/2006/math">
+                    <m:oMathParaPr>
+                      <m:jc m:val="left"/>
+                    </m:oMathParaPr>
+                    <m:oMath xmlns:m="http://schemas.openxmlformats.org/officeDocument/2006/math">
+                      <m:r>
+                        <a:rPr lang="en-US" altLang="zh-CN" b="0" i="1" smtClean="0">
+                          <a:latin typeface="Cambria Math" panose="02040503050406030204" pitchFamily="18" charset="0"/>
+                        </a:rPr>
+                        <m:t>𝑉</m:t>
+                      </m:r>
+                      <m:r>
+                        <a:rPr lang="en-US" altLang="zh-CN" b="0" i="1" smtClean="0">
+                          <a:latin typeface="Cambria Math" panose="02040503050406030204" pitchFamily="18" charset="0"/>
+                        </a:rPr>
+                        <m:t>=</m:t>
+                      </m:r>
+                      <m:r>
+                        <a:rPr lang="en-US" altLang="zh-CN" b="0" i="1" smtClean="0">
+                          <a:latin typeface="Cambria Math" panose="02040503050406030204" pitchFamily="18" charset="0"/>
+                        </a:rPr>
+                        <m:t>𝑉</m:t>
+                      </m:r>
+                      <m:r>
+                        <a:rPr lang="en-US" altLang="zh-CN" b="0" i="1" smtClean="0">
+                          <a:latin typeface="Cambria Math" panose="02040503050406030204" pitchFamily="18" charset="0"/>
+                        </a:rPr>
+                        <m:t>(</m:t>
+                      </m:r>
+                      <m:r>
+                        <a:rPr lang="en-US" altLang="zh-CN" b="0" i="1" smtClean="0">
+                          <a:latin typeface="Cambria Math" panose="02040503050406030204" pitchFamily="18" charset="0"/>
+                        </a:rPr>
+                        <m:t>𝑠</m:t>
+                      </m:r>
+                      <m:r>
+                        <a:rPr lang="en-US" altLang="zh-CN" b="0" i="1" smtClean="0">
+                          <a:latin typeface="Cambria Math" panose="02040503050406030204" pitchFamily="18" charset="0"/>
+                        </a:rPr>
+                        <m:t>,</m:t>
+                      </m:r>
+                      <m:r>
+                        <a:rPr lang="en-US" altLang="zh-CN" b="0" i="1" smtClean="0">
+                          <a:latin typeface="Cambria Math" panose="02040503050406030204" pitchFamily="18" charset="0"/>
+                        </a:rPr>
+                        <m:t>𝜈</m:t>
+                      </m:r>
+                      <m:r>
+                        <a:rPr lang="en-US" altLang="zh-CN" b="0" i="1" smtClean="0">
+                          <a:latin typeface="Cambria Math" panose="02040503050406030204" pitchFamily="18" charset="0"/>
+                        </a:rPr>
+                        <m:t>)</m:t>
+                      </m:r>
+                    </m:oMath>
+                  </m:oMathPara>
+                </a14:m>
+                <a:endParaRPr lang="en-US" altLang="zh-CN" b="0" dirty="0" smtClean="0"/>
+              </a:p>
+              <a:p>
+                <a:endParaRPr lang="zh-CN" altLang="en-US" dirty="0"/>
+              </a:p>
+            </p:txBody>
+          </p:sp>
+        </mc:Choice>
+        <mc:Fallback>
+          <p:sp>
+            <p:nvSpPr>
+              <p:cNvPr id="9" name="文本框 8"/>
+              <p:cNvSpPr txBox="1">
+                <a:spLocks noRot="1" noChangeAspect="1" noMove="1" noResize="1" noEditPoints="1" noAdjustHandles="1" noChangeArrowheads="1" noChangeShapeType="1" noTextEdit="1"/>
+              </p:cNvSpPr>
+              <p:nvPr/>
+            </p:nvSpPr>
+            <p:spPr>
+              <a:xfrm>
+                <a:off x="8382000" y="1325563"/>
+                <a:ext cx="2019300" cy="1107996"/>
+              </a:xfrm>
+              <a:prstGeom prst="rect">
+                <a:avLst/>
+              </a:prstGeom>
+              <a:blipFill>
+                <a:blip r:embed="rId5"/>
+                <a:stretch>
+                  <a:fillRect l="-3927"/>
+                </a:stretch>
+              </a:blipFill>
+            </p:spPr>
+            <p:txBody>
+              <a:bodyPr/>
+              <a:lstStyle/>
+              <a:p>
+                <a:r>
+                  <a:rPr lang="zh-CN" altLang="en-US">
+                    <a:noFill/>
+                  </a:rPr>
+                  <a:t> </a:t>
+                </a:r>
+              </a:p>
+            </p:txBody>
+          </p:sp>
+        </mc:Fallback>
+      </mc:AlternateContent>
+    </p:spTree>
+    <p:extLst>
+      <p:ext uri="{BB962C8B-B14F-4D97-AF65-F5344CB8AC3E}">
+        <p14:creationId xmlns:p14="http://schemas.microsoft.com/office/powerpoint/2010/main" val="2981268195"/>
+      </p:ext>
+    </p:extLst>
+  </p:cSld>
+  <p:clrMapOvr>
+    <a:masterClrMapping/>
+  </p:clrMapOvr>
+  <p:timing>
+    <p:tnLst>
+      <p:par>
+        <p:cTn id="1" dur="indefinite" restart="never" nodeType="tmRoot"/>
+      </p:par>
+    </p:tnLst>
+  </p:timing>
+</p:sld>
+</file>
+
+<file path=ppt/slides/slide19.xml><?xml version="1.0" encoding="utf-8"?>
+<p:sld xmlns:a="http://schemas.openxmlformats.org/drawingml/2006/main" xmlns:r="http://schemas.openxmlformats.org/officeDocument/2006/relationships" xmlns:p="http://schemas.openxmlformats.org/presentationml/2006/main">
+  <p:cSld>
+    <p:spTree>
+      <p:nvGrpSpPr>
+        <p:cNvPr id="1" name=""/>
+        <p:cNvGrpSpPr/>
+        <p:nvPr/>
+      </p:nvGrpSpPr>
+      <p:grpSpPr>
+        <a:xfrm>
+          <a:off x="0" y="0"/>
+          <a:ext cx="0" cy="0"/>
+          <a:chOff x="0" y="0"/>
+          <a:chExt cx="0" cy="0"/>
+        </a:xfrm>
+      </p:grpSpPr>
+      <p:sp>
+        <p:nvSpPr>
+          <p:cNvPr id="3" name="内容占位符 2"/>
+          <p:cNvSpPr>
+            <a:spLocks noGrp="1"/>
+          </p:cNvSpPr>
+          <p:nvPr>
+            <p:ph idx="1"/>
+          </p:nvPr>
+        </p:nvSpPr>
+        <p:spPr>
+          <a:xfrm>
+            <a:off x="838200" y="1325563"/>
+            <a:ext cx="10515600" cy="4851400"/>
+          </a:xfrm>
+        </p:spPr>
+        <p:txBody>
+          <a:bodyPr/>
+          <a:lstStyle/>
+          <a:p>
+            <a:r>
+              <a:rPr lang="en-US" altLang="zh-CN" dirty="0"/>
+              <a:t>Continuous Q-Learning with Normalized Advantage Functions </a:t>
+            </a:r>
+            <a:endParaRPr lang="zh-CN" altLang="en-US" dirty="0"/>
+          </a:p>
+        </p:txBody>
+      </p:sp>
+      <p:sp>
+        <p:nvSpPr>
+          <p:cNvPr id="4" name="Title 1"/>
+          <p:cNvSpPr txBox="1">
+            <a:spLocks/>
+          </p:cNvSpPr>
+          <p:nvPr/>
+        </p:nvSpPr>
+        <p:spPr>
+          <a:xfrm>
+            <a:off x="939800" y="0"/>
+            <a:ext cx="10515600" cy="1325563"/>
+          </a:xfrm>
+          <a:prstGeom prst="rect">
+            <a:avLst/>
+          </a:prstGeom>
+        </p:spPr>
+        <p:txBody>
+          <a:bodyPr vert="horz" lIns="91440" tIns="45720" rIns="91440" bIns="45720" rtlCol="0" anchor="ctr">
+            <a:normAutofit/>
+          </a:bodyPr>
+          <a:lstStyle>
+            <a:lvl1pPr algn="l" defTabSz="914400" rtl="0" eaLnBrk="1" latinLnBrk="0" hangingPunct="1">
+              <a:lnSpc>
+                <a:spcPct val="90000"/>
+              </a:lnSpc>
+              <a:spcBef>
+                <a:spcPct val="0"/>
+              </a:spcBef>
+              <a:buNone/>
+              <a:defRPr sz="4400" kern="1200">
+                <a:solidFill>
+                  <a:schemeClr val="tx1"/>
+                </a:solidFill>
+                <a:latin typeface="+mj-lt"/>
+                <a:ea typeface="+mj-ea"/>
+                <a:cs typeface="+mj-cs"/>
+              </a:defRPr>
+            </a:lvl1pPr>
+          </a:lstStyle>
+          <a:p>
+            <a:pPr algn="ctr"/>
+            <a:r>
+              <a:rPr lang="en-US" b="1" smtClean="0"/>
+              <a:t>Continuous control	</a:t>
+            </a:r>
+            <a:endParaRPr lang="en-US" b="1" dirty="0"/>
+          </a:p>
+        </p:txBody>
+      </p:sp>
+      <p:pic>
+        <p:nvPicPr>
+          <p:cNvPr id="5" name="图片 4"/>
+          <p:cNvPicPr>
+            <a:picLocks noChangeAspect="1"/>
+          </p:cNvPicPr>
+          <p:nvPr/>
+        </p:nvPicPr>
+        <p:blipFill>
+          <a:blip r:embed="rId2"/>
+          <a:stretch>
+            <a:fillRect/>
+          </a:stretch>
+        </p:blipFill>
+        <p:spPr>
+          <a:xfrm>
+            <a:off x="1092200" y="1848429"/>
+            <a:ext cx="5045522" cy="802697"/>
+          </a:xfrm>
+          <a:prstGeom prst="rect">
+            <a:avLst/>
+          </a:prstGeom>
+        </p:spPr>
+      </p:pic>
+      <p:pic>
+        <p:nvPicPr>
+          <p:cNvPr id="6" name="图片 5"/>
+          <p:cNvPicPr>
+            <a:picLocks noChangeAspect="1"/>
+          </p:cNvPicPr>
+          <p:nvPr/>
+        </p:nvPicPr>
+        <p:blipFill rotWithShape="1">
+          <a:blip r:embed="rId3"/>
+          <a:srcRect t="2184" b="2899"/>
+          <a:stretch/>
+        </p:blipFill>
+        <p:spPr>
+          <a:xfrm>
+            <a:off x="1003300" y="2679701"/>
+            <a:ext cx="4752381" cy="4140200"/>
+          </a:xfrm>
+          <a:prstGeom prst="rect">
+            <a:avLst/>
+          </a:prstGeom>
+        </p:spPr>
+      </p:pic>
+      <p:pic>
+        <p:nvPicPr>
+          <p:cNvPr id="7" name="图片 6"/>
+          <p:cNvPicPr>
+            <a:picLocks noChangeAspect="1"/>
+          </p:cNvPicPr>
+          <p:nvPr/>
+        </p:nvPicPr>
+        <p:blipFill>
+          <a:blip r:embed="rId4"/>
+          <a:stretch>
+            <a:fillRect/>
+          </a:stretch>
+        </p:blipFill>
+        <p:spPr>
+          <a:xfrm>
+            <a:off x="5652706" y="3180579"/>
+            <a:ext cx="6437693" cy="1649370"/>
+          </a:xfrm>
+          <a:prstGeom prst="rect">
+            <a:avLst/>
+          </a:prstGeom>
+        </p:spPr>
+      </p:pic>
+    </p:spTree>
+    <p:extLst>
+      <p:ext uri="{BB962C8B-B14F-4D97-AF65-F5344CB8AC3E}">
+        <p14:creationId xmlns:p14="http://schemas.microsoft.com/office/powerpoint/2010/main" val="1847758407"/>
       </p:ext>
     </p:extLst>
   </p:cSld>
@@ -5720,11 +8993,241 @@
           <a:bodyPr/>
           <a:lstStyle/>
           <a:p>
-            <a:r>
-              <a:rPr lang="en-US" dirty="0" smtClean="0"/>
+            <a:pPr algn="ctr"/>
+            <a:r>
+              <a:rPr lang="en-US" b="1" dirty="0" smtClean="0"/>
               <a:t>content</a:t>
             </a:r>
-            <a:endParaRPr lang="en-US" dirty="0"/>
+            <a:endParaRPr lang="en-US" b="1" dirty="0"/>
+          </a:p>
+        </p:txBody>
+      </p:sp>
+      <p:sp>
+        <p:nvSpPr>
+          <p:cNvPr id="3" name="Content Placeholder 2"/>
+          <p:cNvSpPr>
+            <a:spLocks noGrp="1"/>
+          </p:cNvSpPr>
+          <p:nvPr>
+            <p:ph idx="1"/>
+          </p:nvPr>
+        </p:nvSpPr>
+        <p:spPr/>
+        <p:txBody>
+          <a:bodyPr>
+            <a:normAutofit/>
+          </a:bodyPr>
+          <a:lstStyle/>
+          <a:p>
+            <a:r>
+              <a:rPr lang="en-US" sz="3200" dirty="0" smtClean="0"/>
+              <a:t>RL and classic algorithms</a:t>
+            </a:r>
+          </a:p>
+          <a:p>
+            <a:r>
+              <a:rPr lang="en-US" sz="3200" dirty="0" smtClean="0"/>
+              <a:t>Deep RL introduction</a:t>
+            </a:r>
+          </a:p>
+          <a:p>
+            <a:r>
+              <a:rPr lang="en-US" sz="3200" dirty="0" smtClean="0"/>
+              <a:t>Some </a:t>
+            </a:r>
+            <a:r>
+              <a:rPr lang="en-US" sz="3200" dirty="0" smtClean="0"/>
+              <a:t>topic</a:t>
+            </a:r>
+          </a:p>
+          <a:p>
+            <a:r>
+              <a:rPr lang="en-US" altLang="zh-CN" sz="3200" dirty="0" smtClean="0"/>
+              <a:t>My thinking</a:t>
+            </a:r>
+            <a:endParaRPr lang="en-US" sz="3200" dirty="0" smtClean="0"/>
+          </a:p>
+          <a:p>
+            <a:endParaRPr lang="en-US" sz="3200" dirty="0"/>
+          </a:p>
+        </p:txBody>
+      </p:sp>
+    </p:spTree>
+    <p:extLst>
+      <p:ext uri="{BB962C8B-B14F-4D97-AF65-F5344CB8AC3E}">
+        <p14:creationId xmlns:p14="http://schemas.microsoft.com/office/powerpoint/2010/main" val="2850157237"/>
+      </p:ext>
+    </p:extLst>
+  </p:cSld>
+  <p:clrMapOvr>
+    <a:masterClrMapping/>
+  </p:clrMapOvr>
+</p:sld>
+</file>
+
+<file path=ppt/slides/slide20.xml><?xml version="1.0" encoding="utf-8"?>
+<p:sld xmlns:a="http://schemas.openxmlformats.org/drawingml/2006/main" xmlns:r="http://schemas.openxmlformats.org/officeDocument/2006/relationships" xmlns:p="http://schemas.openxmlformats.org/presentationml/2006/main">
+  <p:cSld>
+    <p:spTree>
+      <p:nvGrpSpPr>
+        <p:cNvPr id="1" name=""/>
+        <p:cNvGrpSpPr/>
+        <p:nvPr/>
+      </p:nvGrpSpPr>
+      <p:grpSpPr>
+        <a:xfrm>
+          <a:off x="0" y="0"/>
+          <a:ext cx="0" cy="0"/>
+          <a:chOff x="0" y="0"/>
+          <a:chExt cx="0" cy="0"/>
+        </a:xfrm>
+      </p:grpSpPr>
+      <p:sp>
+        <p:nvSpPr>
+          <p:cNvPr id="2" name="Title 1"/>
+          <p:cNvSpPr>
+            <a:spLocks noGrp="1"/>
+          </p:cNvSpPr>
+          <p:nvPr>
+            <p:ph type="title"/>
+          </p:nvPr>
+        </p:nvSpPr>
+        <p:spPr/>
+        <p:txBody>
+          <a:bodyPr/>
+          <a:lstStyle/>
+          <a:p>
+            <a:pPr algn="ctr"/>
+            <a:r>
+              <a:rPr lang="en-US" b="1" dirty="0" smtClean="0"/>
+              <a:t>My thinking</a:t>
+            </a:r>
+            <a:endParaRPr lang="en-US" b="1" dirty="0"/>
+          </a:p>
+        </p:txBody>
+      </p:sp>
+      <p:pic>
+        <p:nvPicPr>
+          <p:cNvPr id="4" name="内容占位符 3"/>
+          <p:cNvPicPr>
+            <a:picLocks noGrp="1" noChangeAspect="1"/>
+          </p:cNvPicPr>
+          <p:nvPr>
+            <p:ph idx="1"/>
+          </p:nvPr>
+        </p:nvPicPr>
+        <p:blipFill rotWithShape="1">
+          <a:blip r:embed="rId2"/>
+          <a:srcRect b="13768"/>
+          <a:stretch/>
+        </p:blipFill>
+        <p:spPr>
+          <a:xfrm>
+            <a:off x="2715047" y="1414916"/>
+            <a:ext cx="6761905" cy="3432855"/>
+          </a:xfrm>
+          <a:prstGeom prst="rect">
+            <a:avLst/>
+          </a:prstGeom>
+        </p:spPr>
+      </p:pic>
+      <p:sp>
+        <p:nvSpPr>
+          <p:cNvPr id="5" name="文本框 4"/>
+          <p:cNvSpPr txBox="1"/>
+          <p:nvPr/>
+        </p:nvSpPr>
+        <p:spPr>
+          <a:xfrm>
+            <a:off x="986971" y="5500914"/>
+            <a:ext cx="10842172" cy="892552"/>
+          </a:xfrm>
+          <a:prstGeom prst="rect">
+            <a:avLst/>
+          </a:prstGeom>
+          <a:noFill/>
+        </p:spPr>
+        <p:txBody>
+          <a:bodyPr wrap="square" rtlCol="0">
+            <a:spAutoFit/>
+          </a:bodyPr>
+          <a:lstStyle/>
+          <a:p>
+            <a:r>
+              <a:rPr lang="en-US" altLang="zh-CN" sz="2400" dirty="0" smtClean="0"/>
+              <a:t>Is there any theoretical analysis of the </a:t>
+            </a:r>
+            <a:r>
+              <a:rPr lang="en-US" altLang="zh-CN" sz="2400" dirty="0"/>
+              <a:t>convergence about RL algorithms and </a:t>
+            </a:r>
+            <a:r>
+              <a:rPr lang="en-US" altLang="zh-CN" sz="2800" b="1" dirty="0" smtClean="0">
+                <a:solidFill>
+                  <a:srgbClr val="FF0000"/>
+                </a:solidFill>
+              </a:rPr>
+              <a:t>functional approximation</a:t>
+            </a:r>
+            <a:endParaRPr lang="zh-CN" altLang="en-US" sz="2800" b="1" dirty="0">
+              <a:solidFill>
+                <a:srgbClr val="FF0000"/>
+              </a:solidFill>
+            </a:endParaRPr>
+          </a:p>
+        </p:txBody>
+      </p:sp>
+    </p:spTree>
+    <p:extLst>
+      <p:ext uri="{BB962C8B-B14F-4D97-AF65-F5344CB8AC3E}">
+        <p14:creationId xmlns:p14="http://schemas.microsoft.com/office/powerpoint/2010/main" val="1970740126"/>
+      </p:ext>
+    </p:extLst>
+  </p:cSld>
+  <p:clrMapOvr>
+    <a:masterClrMapping/>
+  </p:clrMapOvr>
+</p:sld>
+</file>
+
+<file path=ppt/slides/slide21.xml><?xml version="1.0" encoding="utf-8"?>
+<p:sld xmlns:a="http://schemas.openxmlformats.org/drawingml/2006/main" xmlns:r="http://schemas.openxmlformats.org/officeDocument/2006/relationships" xmlns:p="http://schemas.openxmlformats.org/presentationml/2006/main" show="0">
+  <p:cSld>
+    <p:spTree>
+      <p:nvGrpSpPr>
+        <p:cNvPr id="1" name=""/>
+        <p:cNvGrpSpPr/>
+        <p:nvPr/>
+      </p:nvGrpSpPr>
+      <p:grpSpPr>
+        <a:xfrm>
+          <a:off x="0" y="0"/>
+          <a:ext cx="0" cy="0"/>
+          <a:chOff x="0" y="0"/>
+          <a:chExt cx="0" cy="0"/>
+        </a:xfrm>
+      </p:grpSpPr>
+      <p:sp>
+        <p:nvSpPr>
+          <p:cNvPr id="2" name="Title 1"/>
+          <p:cNvSpPr>
+            <a:spLocks noGrp="1"/>
+          </p:cNvSpPr>
+          <p:nvPr>
+            <p:ph type="title"/>
+          </p:nvPr>
+        </p:nvSpPr>
+        <p:spPr/>
+        <p:txBody>
+          <a:bodyPr/>
+          <a:lstStyle/>
+          <a:p>
+            <a:pPr algn="ctr"/>
+            <a:r>
+              <a:rPr lang="en-US" b="1" dirty="0" smtClean="0"/>
+              <a:t>Other issue</a:t>
+            </a:r>
+            <a:endParaRPr lang="en-US" b="1" dirty="0"/>
           </a:p>
         </p:txBody>
       </p:sp>
@@ -5745,36 +9248,288 @@
           <a:p>
             <a:r>
               <a:rPr lang="en-US" dirty="0" smtClean="0"/>
-              <a:t>RL and classic algorithms</a:t>
+              <a:t>POMDP</a:t>
             </a:r>
           </a:p>
           <a:p>
             <a:r>
               <a:rPr lang="en-US" dirty="0" smtClean="0"/>
-              <a:t>Deep RL introduction</a:t>
-            </a:r>
-          </a:p>
-          <a:p>
-            <a:r>
-              <a:rPr lang="en-US" dirty="0" smtClean="0"/>
-              <a:t>Some topic</a:t>
-            </a:r>
-          </a:p>
-          <a:p>
-            <a:endParaRPr lang="en-US" dirty="0"/>
+              <a:t>Exploration </a:t>
+            </a:r>
+            <a:r>
+              <a:rPr lang="en-US" altLang="zh-CN" dirty="0" smtClean="0"/>
+              <a:t>and exploitation</a:t>
+            </a:r>
+            <a:endParaRPr lang="en-US" dirty="0" smtClean="0"/>
           </a:p>
         </p:txBody>
       </p:sp>
     </p:spTree>
     <p:extLst>
       <p:ext uri="{BB962C8B-B14F-4D97-AF65-F5344CB8AC3E}">
-        <p14:creationId xmlns:p14="http://schemas.microsoft.com/office/powerpoint/2010/main" val="2850157237"/>
+        <p14:creationId xmlns:p14="http://schemas.microsoft.com/office/powerpoint/2010/main" val="3522652884"/>
       </p:ext>
     </p:extLst>
   </p:cSld>
   <p:clrMapOvr>
     <a:masterClrMapping/>
   </p:clrMapOvr>
+  <mc:AlternateContent xmlns:mc="http://schemas.openxmlformats.org/markup-compatibility/2006">
+    <mc:Choice xmlns:p14="http://schemas.microsoft.com/office/powerpoint/2010/main" Requires="p14">
+      <p:transition spd="slow" p14:dur="2000"/>
+    </mc:Choice>
+    <mc:Fallback>
+      <p:transition spd="slow"/>
+    </mc:Fallback>
+  </mc:AlternateContent>
+  <p:timing>
+    <p:tnLst>
+      <p:par>
+        <p:cTn id="1" dur="indefinite" restart="never" nodeType="tmRoot"/>
+      </p:par>
+    </p:tnLst>
+  </p:timing>
+</p:sld>
+</file>
+
+<file path=ppt/slides/slide22.xml><?xml version="1.0" encoding="utf-8"?>
+<p:sld xmlns:a="http://schemas.openxmlformats.org/drawingml/2006/main" xmlns:r="http://schemas.openxmlformats.org/officeDocument/2006/relationships" xmlns:p="http://schemas.openxmlformats.org/presentationml/2006/main">
+  <p:cSld>
+    <p:spTree>
+      <p:nvGrpSpPr>
+        <p:cNvPr id="1" name=""/>
+        <p:cNvGrpSpPr/>
+        <p:nvPr/>
+      </p:nvGrpSpPr>
+      <p:grpSpPr>
+        <a:xfrm>
+          <a:off x="0" y="0"/>
+          <a:ext cx="0" cy="0"/>
+          <a:chOff x="0" y="0"/>
+          <a:chExt cx="0" cy="0"/>
+        </a:xfrm>
+      </p:grpSpPr>
+      <p:sp>
+        <p:nvSpPr>
+          <p:cNvPr id="3" name="内容占位符 2"/>
+          <p:cNvSpPr>
+            <a:spLocks noGrp="1"/>
+          </p:cNvSpPr>
+          <p:nvPr>
+            <p:ph idx="1"/>
+          </p:nvPr>
+        </p:nvSpPr>
+        <p:spPr/>
+        <p:txBody>
+          <a:bodyPr/>
+          <a:lstStyle/>
+          <a:p>
+            <a:r>
+              <a:rPr lang="en-US" altLang="zh-CN" dirty="0" smtClean="0"/>
+              <a:t>Many tricks and improvements make algorithms work for real task.</a:t>
+            </a:r>
+          </a:p>
+          <a:p>
+            <a:r>
+              <a:rPr lang="en-US" altLang="zh-CN" dirty="0" smtClean="0"/>
+              <a:t>It seems most of them only have intuitive explanation.</a:t>
+            </a:r>
+          </a:p>
+          <a:p>
+            <a:r>
+              <a:rPr lang="en-US" altLang="zh-CN" dirty="0" smtClean="0"/>
+              <a:t>Such as some variance reduce algorithms.</a:t>
+            </a:r>
+            <a:endParaRPr lang="en-US" altLang="zh-CN" dirty="0"/>
+          </a:p>
+          <a:p>
+            <a:endParaRPr lang="en-US" altLang="zh-CN" dirty="0" smtClean="0"/>
+          </a:p>
+          <a:p>
+            <a:r>
+              <a:rPr lang="en-US" altLang="zh-CN" dirty="0" smtClean="0"/>
+              <a:t>Can we give some theoretical explanation about these tricks and improvements.</a:t>
+            </a:r>
+            <a:endParaRPr lang="zh-CN" altLang="en-US" dirty="0"/>
+          </a:p>
+        </p:txBody>
+      </p:sp>
+      <p:sp>
+        <p:nvSpPr>
+          <p:cNvPr id="5" name="Title 1"/>
+          <p:cNvSpPr txBox="1">
+            <a:spLocks/>
+          </p:cNvSpPr>
+          <p:nvPr/>
+        </p:nvSpPr>
+        <p:spPr>
+          <a:xfrm>
+            <a:off x="990600" y="517525"/>
+            <a:ext cx="10515600" cy="1325563"/>
+          </a:xfrm>
+          <a:prstGeom prst="rect">
+            <a:avLst/>
+          </a:prstGeom>
+        </p:spPr>
+        <p:txBody>
+          <a:bodyPr vert="horz" lIns="91440" tIns="45720" rIns="91440" bIns="45720" rtlCol="0" anchor="ctr">
+            <a:normAutofit/>
+          </a:bodyPr>
+          <a:lstStyle>
+            <a:lvl1pPr algn="l" defTabSz="914400" rtl="0" eaLnBrk="1" latinLnBrk="0" hangingPunct="1">
+              <a:lnSpc>
+                <a:spcPct val="90000"/>
+              </a:lnSpc>
+              <a:spcBef>
+                <a:spcPct val="0"/>
+              </a:spcBef>
+              <a:buNone/>
+              <a:defRPr sz="4400" kern="1200">
+                <a:solidFill>
+                  <a:schemeClr val="tx1"/>
+                </a:solidFill>
+                <a:latin typeface="+mj-lt"/>
+                <a:ea typeface="+mj-ea"/>
+                <a:cs typeface="+mj-cs"/>
+              </a:defRPr>
+            </a:lvl1pPr>
+          </a:lstStyle>
+          <a:p>
+            <a:pPr algn="ctr"/>
+            <a:r>
+              <a:rPr lang="en-US" b="1" dirty="0" smtClean="0"/>
+              <a:t>My thinking</a:t>
+            </a:r>
+            <a:endParaRPr lang="en-US" b="1" dirty="0"/>
+          </a:p>
+        </p:txBody>
+      </p:sp>
+    </p:spTree>
+    <p:extLst>
+      <p:ext uri="{BB962C8B-B14F-4D97-AF65-F5344CB8AC3E}">
+        <p14:creationId xmlns:p14="http://schemas.microsoft.com/office/powerpoint/2010/main" val="674717451"/>
+      </p:ext>
+    </p:extLst>
+  </p:cSld>
+  <p:clrMapOvr>
+    <a:masterClrMapping/>
+  </p:clrMapOvr>
+</p:sld>
+</file>
+
+<file path=ppt/slides/slide23.xml><?xml version="1.0" encoding="utf-8"?>
+<p:sld xmlns:a="http://schemas.openxmlformats.org/drawingml/2006/main" xmlns:r="http://schemas.openxmlformats.org/officeDocument/2006/relationships" xmlns:p="http://schemas.openxmlformats.org/presentationml/2006/main" show="0">
+  <p:cSld>
+    <p:spTree>
+      <p:nvGrpSpPr>
+        <p:cNvPr id="1" name=""/>
+        <p:cNvGrpSpPr/>
+        <p:nvPr/>
+      </p:nvGrpSpPr>
+      <p:grpSpPr>
+        <a:xfrm>
+          <a:off x="0" y="0"/>
+          <a:ext cx="0" cy="0"/>
+          <a:chOff x="0" y="0"/>
+          <a:chExt cx="0" cy="0"/>
+        </a:xfrm>
+      </p:grpSpPr>
+      <p:sp>
+        <p:nvSpPr>
+          <p:cNvPr id="2" name="Title 1"/>
+          <p:cNvSpPr>
+            <a:spLocks noGrp="1"/>
+          </p:cNvSpPr>
+          <p:nvPr>
+            <p:ph type="title"/>
+          </p:nvPr>
+        </p:nvSpPr>
+        <p:spPr/>
+        <p:txBody>
+          <a:bodyPr/>
+          <a:lstStyle/>
+          <a:p>
+            <a:pPr algn="ctr"/>
+            <a:r>
+              <a:rPr lang="en-US" b="1" dirty="0" smtClean="0"/>
+              <a:t>Deep reinforcement learning </a:t>
+            </a:r>
+            <a:endParaRPr lang="en-US" dirty="0"/>
+          </a:p>
+        </p:txBody>
+      </p:sp>
+      <p:sp>
+        <p:nvSpPr>
+          <p:cNvPr id="3" name="Content Placeholder 2"/>
+          <p:cNvSpPr>
+            <a:spLocks noGrp="1"/>
+          </p:cNvSpPr>
+          <p:nvPr>
+            <p:ph idx="1"/>
+          </p:nvPr>
+        </p:nvSpPr>
+        <p:spPr/>
+        <p:txBody>
+          <a:bodyPr/>
+          <a:lstStyle/>
+          <a:p>
+            <a:pPr marL="228600" lvl="1">
+              <a:spcBef>
+                <a:spcPts val="1000"/>
+              </a:spcBef>
+            </a:pPr>
+            <a:r>
+              <a:rPr lang="en-US" sz="2800" dirty="0" smtClean="0"/>
+              <a:t>Implementation of DRL</a:t>
+            </a:r>
+          </a:p>
+          <a:p>
+            <a:pPr lvl="1"/>
+            <a:r>
+              <a:rPr lang="en-US" dirty="0" smtClean="0"/>
+              <a:t>DQN(</a:t>
+            </a:r>
+            <a:r>
+              <a:rPr lang="en-US" b="1" dirty="0" smtClean="0">
+                <a:hlinkClick r:id="rId2"/>
+              </a:rPr>
+              <a:t>Playing Atari with Deep Reinforcement Learning</a:t>
+            </a:r>
+            <a:r>
+              <a:rPr lang="en-US" dirty="0" smtClean="0"/>
+              <a:t> )</a:t>
+            </a:r>
+          </a:p>
+          <a:p>
+            <a:endParaRPr lang="en-US" dirty="0"/>
+          </a:p>
+        </p:txBody>
+      </p:sp>
+    </p:spTree>
+    <p:extLst>
+      <p:ext uri="{BB962C8B-B14F-4D97-AF65-F5344CB8AC3E}">
+        <p14:creationId xmlns:p14="http://schemas.microsoft.com/office/powerpoint/2010/main" val="1382197150"/>
+      </p:ext>
+    </p:extLst>
+  </p:cSld>
+  <p:clrMapOvr>
+    <a:masterClrMapping/>
+  </p:clrMapOvr>
+  <mc:AlternateContent xmlns:mc="http://schemas.openxmlformats.org/markup-compatibility/2006" xmlns:p14="http://schemas.microsoft.com/office/powerpoint/2010/main">
+    <mc:Choice Requires="p14">
+      <p:transition spd="slow" p14:dur="2000"/>
+    </mc:Choice>
+    <mc:Fallback xmlns="">
+      <p:transition spd="slow"/>
+    </mc:Fallback>
+  </mc:AlternateContent>
+  <p:timing>
+    <p:tnLst>
+      <p:par>
+        <p:cTn id="1" dur="indefinite" restart="never" nodeType="tmRoot"/>
+      </p:par>
+    </p:tnLst>
+  </p:timing>
 </p:sld>
 </file>
 
@@ -5810,6 +9565,7 @@
           <a:bodyPr/>
           <a:lstStyle/>
           <a:p>
+            <a:pPr algn="ctr"/>
             <a:r>
               <a:rPr lang="en-US" dirty="0" smtClean="0"/>
               <a:t>Recall of reinforcement learning</a:t>
@@ -7179,13 +10935,8 @@
             </a:pPr>
             <a:r>
               <a:rPr lang="en-US" altLang="zh-CN" sz="3200" dirty="0" smtClean="0"/>
-              <a:t>Value function </a:t>
-            </a:r>
-            <a:r>
-              <a:rPr lang="en-US" altLang="zh-CN" sz="3200" dirty="0" smtClean="0"/>
-              <a:t>based</a:t>
-            </a:r>
-            <a:endParaRPr lang="en-US" altLang="zh-CN" sz="3200" dirty="0" smtClean="0"/>
+              <a:t>Value function based</a:t>
+            </a:r>
           </a:p>
           <a:p>
             <a:pPr lvl="1"/>
@@ -7207,7 +10958,6 @@
               <a:rPr lang="en-US" altLang="zh-CN" sz="2400" dirty="0" smtClean="0"/>
               <a:t>Value iteration</a:t>
             </a:r>
-            <a:endParaRPr lang="en-US" altLang="zh-CN" sz="2400" dirty="0" smtClean="0"/>
           </a:p>
           <a:p>
             <a:pPr lvl="1"/>
@@ -7229,7 +10979,6 @@
               <a:rPr lang="en-US" altLang="zh-CN" sz="2400" dirty="0" smtClean="0"/>
               <a:t>Off policy</a:t>
             </a:r>
-            <a:endParaRPr lang="en-US" altLang="zh-CN" sz="2400" dirty="0" smtClean="0"/>
           </a:p>
           <a:p>
             <a:pPr lvl="1"/>
@@ -7252,7 +11001,6 @@
               <a:rPr lang="en-US" altLang="zh-CN" sz="2400" dirty="0" smtClean="0"/>
               <a:t>Q-learning</a:t>
             </a:r>
-            <a:endParaRPr lang="en-US" altLang="zh-CN" sz="2400" dirty="0" smtClean="0"/>
           </a:p>
           <a:p>
             <a:pPr lvl="1"/>
@@ -7265,13 +11013,8 @@
             </a:pPr>
             <a:r>
               <a:rPr lang="en-US" altLang="zh-CN" sz="3200" dirty="0" smtClean="0"/>
-              <a:t>Policy </a:t>
-            </a:r>
-            <a:r>
-              <a:rPr lang="en-US" altLang="zh-CN" sz="3200" dirty="0" smtClean="0"/>
-              <a:t>Gradient</a:t>
-            </a:r>
-            <a:endParaRPr lang="en-US" altLang="zh-CN" sz="3200" dirty="0" smtClean="0"/>
+              <a:t>Policy Gradient</a:t>
+            </a:r>
           </a:p>
           <a:p>
             <a:pPr lvl="1"/>
@@ -7779,8 +11522,8 @@
           </a:p>
         </p:txBody>
       </p:sp>
-      <mc:AlternateContent xmlns:mc="http://schemas.openxmlformats.org/markup-compatibility/2006">
-        <mc:Choice xmlns:a14="http://schemas.microsoft.com/office/drawing/2010/main" Requires="a14">
+      <mc:AlternateContent xmlns:mc="http://schemas.openxmlformats.org/markup-compatibility/2006" xmlns:a14="http://schemas.microsoft.com/office/drawing/2010/main">
+        <mc:Choice Requires="a14">
           <p:sp>
             <p:nvSpPr>
               <p:cNvPr id="3" name="Content Placeholder 2"/>
@@ -8424,7 +12167,7 @@
             </p:txBody>
           </p:sp>
         </mc:Choice>
-        <mc:Fallback>
+        <mc:Fallback xmlns="">
           <p:sp>
             <p:nvSpPr>
               <p:cNvPr id="3" name="Content Placeholder 2"/>
@@ -8512,8 +12255,8 @@
           </a:p>
         </p:txBody>
       </p:sp>
-      <mc:AlternateContent xmlns:mc="http://schemas.openxmlformats.org/markup-compatibility/2006">
-        <mc:Choice xmlns:a14="http://schemas.microsoft.com/office/drawing/2010/main" Requires="a14">
+      <mc:AlternateContent xmlns:mc="http://schemas.openxmlformats.org/markup-compatibility/2006" xmlns:a14="http://schemas.microsoft.com/office/drawing/2010/main">
+        <mc:Choice Requires="a14">
           <p:sp>
             <p:nvSpPr>
               <p:cNvPr id="3" name="Content Placeholder 2"/>
@@ -8623,7 +12366,9 @@
                       <m:t>2,</m:t>
                     </m:r>
                     <m:r>
-                      <a:rPr lang="en-US" b="0" i="1" dirty="0" smtClean="0"/>
+                      <a:rPr lang="en-US" b="0" i="1" dirty="0" smtClean="0">
+                        <a:latin typeface="Cambria Math" panose="02040503050406030204" pitchFamily="18" charset="0"/>
+                      </a:rPr>
                       <m:t>…</m:t>
                     </m:r>
                     <m:r>
@@ -9358,7 +13103,7 @@
             </p:txBody>
           </p:sp>
         </mc:Choice>
-        <mc:Fallback>
+        <mc:Fallback xmlns="">
           <p:sp>
             <p:nvSpPr>
               <p:cNvPr id="3" name="Content Placeholder 2"/>

--- a/FirstSeminar/ThurDRL.pptx
+++ b/FirstSeminar/ThurDRL.pptx
@@ -25,9 +25,11 @@
     <p:sldId id="281" r:id="rId19"/>
     <p:sldId id="282" r:id="rId20"/>
     <p:sldId id="273" r:id="rId21"/>
-    <p:sldId id="272" r:id="rId22"/>
-    <p:sldId id="274" r:id="rId23"/>
-    <p:sldId id="259" r:id="rId24"/>
+    <p:sldId id="274" r:id="rId22"/>
+    <p:sldId id="284" r:id="rId23"/>
+    <p:sldId id="283" r:id="rId24"/>
+    <p:sldId id="272" r:id="rId25"/>
+    <p:sldId id="259" r:id="rId26"/>
   </p:sldIdLst>
   <p:sldSz cx="12192000" cy="6858000"/>
   <p:notesSz cx="6858000" cy="9144000"/>
@@ -132,6 +134,2570 @@
     </p:ext>
   </p:extLst>
 </p:presentation>
+</file>
+
+<file path=ppt/diagrams/colors1.xml><?xml version="1.0" encoding="utf-8"?>
+<dgm:colorsDef xmlns:dgm="http://schemas.openxmlformats.org/drawingml/2006/diagram" xmlns:a="http://schemas.openxmlformats.org/drawingml/2006/main" uniqueId="urn:microsoft.com/office/officeart/2005/8/colors/accent1_2">
+  <dgm:title val=""/>
+  <dgm:desc val=""/>
+  <dgm:catLst>
+    <dgm:cat type="accent1" pri="11200"/>
+  </dgm:catLst>
+  <dgm:styleLbl name="node0">
+    <dgm:fillClrLst meth="repeat">
+      <a:schemeClr val="accent1"/>
+    </dgm:fillClrLst>
+    <dgm:linClrLst meth="repeat">
+      <a:schemeClr val="lt1"/>
+    </dgm:linClrLst>
+    <dgm:effectClrLst/>
+    <dgm:txLinClrLst/>
+    <dgm:txFillClrLst/>
+    <dgm:txEffectClrLst/>
+  </dgm:styleLbl>
+  <dgm:styleLbl name="alignNode1">
+    <dgm:fillClrLst meth="repeat">
+      <a:schemeClr val="accent1"/>
+    </dgm:fillClrLst>
+    <dgm:linClrLst meth="repeat">
+      <a:schemeClr val="accent1"/>
+    </dgm:linClrLst>
+    <dgm:effectClrLst/>
+    <dgm:txLinClrLst/>
+    <dgm:txFillClrLst/>
+    <dgm:txEffectClrLst/>
+  </dgm:styleLbl>
+  <dgm:styleLbl name="node1">
+    <dgm:fillClrLst meth="repeat">
+      <a:schemeClr val="accent1"/>
+    </dgm:fillClrLst>
+    <dgm:linClrLst meth="repeat">
+      <a:schemeClr val="lt1"/>
+    </dgm:linClrLst>
+    <dgm:effectClrLst/>
+    <dgm:txLinClrLst/>
+    <dgm:txFillClrLst/>
+    <dgm:txEffectClrLst/>
+  </dgm:styleLbl>
+  <dgm:styleLbl name="lnNode1">
+    <dgm:fillClrLst meth="repeat">
+      <a:schemeClr val="accent1"/>
+    </dgm:fillClrLst>
+    <dgm:linClrLst meth="repeat">
+      <a:schemeClr val="lt1"/>
+    </dgm:linClrLst>
+    <dgm:effectClrLst/>
+    <dgm:txLinClrLst/>
+    <dgm:txFillClrLst/>
+    <dgm:txEffectClrLst/>
+  </dgm:styleLbl>
+  <dgm:styleLbl name="vennNode1">
+    <dgm:fillClrLst meth="repeat">
+      <a:schemeClr val="accent1">
+        <a:alpha val="50000"/>
+      </a:schemeClr>
+    </dgm:fillClrLst>
+    <dgm:linClrLst meth="repeat">
+      <a:schemeClr val="lt1"/>
+    </dgm:linClrLst>
+    <dgm:effectClrLst/>
+    <dgm:txLinClrLst/>
+    <dgm:txFillClrLst/>
+    <dgm:txEffectClrLst/>
+  </dgm:styleLbl>
+  <dgm:styleLbl name="node2">
+    <dgm:fillClrLst meth="repeat">
+      <a:schemeClr val="accent1"/>
+    </dgm:fillClrLst>
+    <dgm:linClrLst meth="repeat">
+      <a:schemeClr val="lt1"/>
+    </dgm:linClrLst>
+    <dgm:effectClrLst/>
+    <dgm:txLinClrLst/>
+    <dgm:txFillClrLst/>
+    <dgm:txEffectClrLst/>
+  </dgm:styleLbl>
+  <dgm:styleLbl name="node3">
+    <dgm:fillClrLst meth="repeat">
+      <a:schemeClr val="accent1"/>
+    </dgm:fillClrLst>
+    <dgm:linClrLst meth="repeat">
+      <a:schemeClr val="lt1"/>
+    </dgm:linClrLst>
+    <dgm:effectClrLst/>
+    <dgm:txLinClrLst/>
+    <dgm:txFillClrLst/>
+    <dgm:txEffectClrLst/>
+  </dgm:styleLbl>
+  <dgm:styleLbl name="node4">
+    <dgm:fillClrLst meth="repeat">
+      <a:schemeClr val="accent1"/>
+    </dgm:fillClrLst>
+    <dgm:linClrLst meth="repeat">
+      <a:schemeClr val="lt1"/>
+    </dgm:linClrLst>
+    <dgm:effectClrLst/>
+    <dgm:txLinClrLst/>
+    <dgm:txFillClrLst/>
+    <dgm:txEffectClrLst/>
+  </dgm:styleLbl>
+  <dgm:styleLbl name="fgImgPlace1">
+    <dgm:fillClrLst meth="repeat">
+      <a:schemeClr val="accent1">
+        <a:tint val="50000"/>
+      </a:schemeClr>
+    </dgm:fillClrLst>
+    <dgm:linClrLst meth="repeat">
+      <a:schemeClr val="lt1"/>
+    </dgm:linClrLst>
+    <dgm:effectClrLst/>
+    <dgm:txLinClrLst/>
+    <dgm:txFillClrLst meth="repeat">
+      <a:schemeClr val="lt1"/>
+    </dgm:txFillClrLst>
+    <dgm:txEffectClrLst/>
+  </dgm:styleLbl>
+  <dgm:styleLbl name="alignImgPlace1">
+    <dgm:fillClrLst meth="repeat">
+      <a:schemeClr val="accent1">
+        <a:tint val="50000"/>
+      </a:schemeClr>
+    </dgm:fillClrLst>
+    <dgm:linClrLst meth="repeat">
+      <a:schemeClr val="lt1"/>
+    </dgm:linClrLst>
+    <dgm:effectClrLst/>
+    <dgm:txLinClrLst/>
+    <dgm:txFillClrLst meth="repeat">
+      <a:schemeClr val="lt1"/>
+    </dgm:txFillClrLst>
+    <dgm:txEffectClrLst/>
+  </dgm:styleLbl>
+  <dgm:styleLbl name="bgImgPlace1">
+    <dgm:fillClrLst meth="repeat">
+      <a:schemeClr val="accent1">
+        <a:tint val="50000"/>
+      </a:schemeClr>
+    </dgm:fillClrLst>
+    <dgm:linClrLst meth="repeat">
+      <a:schemeClr val="lt1"/>
+    </dgm:linClrLst>
+    <dgm:effectClrLst/>
+    <dgm:txLinClrLst/>
+    <dgm:txFillClrLst meth="repeat">
+      <a:schemeClr val="lt1"/>
+    </dgm:txFillClrLst>
+    <dgm:txEffectClrLst/>
+  </dgm:styleLbl>
+  <dgm:styleLbl name="sibTrans2D1">
+    <dgm:fillClrLst meth="repeat">
+      <a:schemeClr val="accent1">
+        <a:tint val="60000"/>
+      </a:schemeClr>
+    </dgm:fillClrLst>
+    <dgm:linClrLst meth="repeat">
+      <a:schemeClr val="accent1">
+        <a:tint val="60000"/>
+      </a:schemeClr>
+    </dgm:linClrLst>
+    <dgm:effectClrLst/>
+    <dgm:txLinClrLst/>
+    <dgm:txFillClrLst/>
+    <dgm:txEffectClrLst/>
+  </dgm:styleLbl>
+  <dgm:styleLbl name="fgSibTrans2D1">
+    <dgm:fillClrLst meth="repeat">
+      <a:schemeClr val="accent1">
+        <a:tint val="60000"/>
+      </a:schemeClr>
+    </dgm:fillClrLst>
+    <dgm:linClrLst meth="repeat">
+      <a:schemeClr val="accent1">
+        <a:tint val="60000"/>
+      </a:schemeClr>
+    </dgm:linClrLst>
+    <dgm:effectClrLst/>
+    <dgm:txLinClrLst/>
+    <dgm:txFillClrLst/>
+    <dgm:txEffectClrLst/>
+  </dgm:styleLbl>
+  <dgm:styleLbl name="bgSibTrans2D1">
+    <dgm:fillClrLst meth="repeat">
+      <a:schemeClr val="accent1">
+        <a:tint val="60000"/>
+      </a:schemeClr>
+    </dgm:fillClrLst>
+    <dgm:linClrLst meth="repeat">
+      <a:schemeClr val="accent1">
+        <a:tint val="60000"/>
+      </a:schemeClr>
+    </dgm:linClrLst>
+    <dgm:effectClrLst/>
+    <dgm:txLinClrLst/>
+    <dgm:txFillClrLst/>
+    <dgm:txEffectClrLst/>
+  </dgm:styleLbl>
+  <dgm:styleLbl name="sibTrans1D1">
+    <dgm:fillClrLst meth="repeat">
+      <a:schemeClr val="accent1"/>
+    </dgm:fillClrLst>
+    <dgm:linClrLst meth="repeat">
+      <a:schemeClr val="accent1"/>
+    </dgm:linClrLst>
+    <dgm:effectClrLst/>
+    <dgm:txLinClrLst/>
+    <dgm:txFillClrLst meth="repeat">
+      <a:schemeClr val="tx1"/>
+    </dgm:txFillClrLst>
+    <dgm:txEffectClrLst/>
+  </dgm:styleLbl>
+  <dgm:styleLbl name="callout">
+    <dgm:fillClrLst meth="repeat">
+      <a:schemeClr val="accent1"/>
+    </dgm:fillClrLst>
+    <dgm:linClrLst meth="repeat">
+      <a:schemeClr val="accent1">
+        <a:tint val="50000"/>
+      </a:schemeClr>
+    </dgm:linClrLst>
+    <dgm:effectClrLst/>
+    <dgm:txLinClrLst/>
+    <dgm:txFillClrLst meth="repeat">
+      <a:schemeClr val="tx1"/>
+    </dgm:txFillClrLst>
+    <dgm:txEffectClrLst/>
+  </dgm:styleLbl>
+  <dgm:styleLbl name="asst0">
+    <dgm:fillClrLst meth="repeat">
+      <a:schemeClr val="accent1"/>
+    </dgm:fillClrLst>
+    <dgm:linClrLst meth="repeat">
+      <a:schemeClr val="lt1"/>
+    </dgm:linClrLst>
+    <dgm:effectClrLst/>
+    <dgm:txLinClrLst/>
+    <dgm:txFillClrLst/>
+    <dgm:txEffectClrLst/>
+  </dgm:styleLbl>
+  <dgm:styleLbl name="asst1">
+    <dgm:fillClrLst meth="repeat">
+      <a:schemeClr val="accent1"/>
+    </dgm:fillClrLst>
+    <dgm:linClrLst meth="repeat">
+      <a:schemeClr val="lt1"/>
+    </dgm:linClrLst>
+    <dgm:effectClrLst/>
+    <dgm:txLinClrLst/>
+    <dgm:txFillClrLst/>
+    <dgm:txEffectClrLst/>
+  </dgm:styleLbl>
+  <dgm:styleLbl name="asst2">
+    <dgm:fillClrLst meth="repeat">
+      <a:schemeClr val="accent1"/>
+    </dgm:fillClrLst>
+    <dgm:linClrLst meth="repeat">
+      <a:schemeClr val="lt1"/>
+    </dgm:linClrLst>
+    <dgm:effectClrLst/>
+    <dgm:txLinClrLst/>
+    <dgm:txFillClrLst/>
+    <dgm:txEffectClrLst/>
+  </dgm:styleLbl>
+  <dgm:styleLbl name="asst3">
+    <dgm:fillClrLst meth="repeat">
+      <a:schemeClr val="accent1"/>
+    </dgm:fillClrLst>
+    <dgm:linClrLst meth="repeat">
+      <a:schemeClr val="lt1"/>
+    </dgm:linClrLst>
+    <dgm:effectClrLst/>
+    <dgm:txLinClrLst/>
+    <dgm:txFillClrLst/>
+    <dgm:txEffectClrLst/>
+  </dgm:styleLbl>
+  <dgm:styleLbl name="asst4">
+    <dgm:fillClrLst meth="repeat">
+      <a:schemeClr val="accent1"/>
+    </dgm:fillClrLst>
+    <dgm:linClrLst meth="repeat">
+      <a:schemeClr val="lt1"/>
+    </dgm:linClrLst>
+    <dgm:effectClrLst/>
+    <dgm:txLinClrLst/>
+    <dgm:txFillClrLst/>
+    <dgm:txEffectClrLst/>
+  </dgm:styleLbl>
+  <dgm:styleLbl name="parChTrans2D1">
+    <dgm:fillClrLst meth="repeat">
+      <a:schemeClr val="accent1">
+        <a:tint val="60000"/>
+      </a:schemeClr>
+    </dgm:fillClrLst>
+    <dgm:linClrLst meth="repeat">
+      <a:schemeClr val="accent1">
+        <a:tint val="60000"/>
+      </a:schemeClr>
+    </dgm:linClrLst>
+    <dgm:effectClrLst/>
+    <dgm:txLinClrLst/>
+    <dgm:txFillClrLst meth="repeat">
+      <a:schemeClr val="lt1"/>
+    </dgm:txFillClrLst>
+    <dgm:txEffectClrLst/>
+  </dgm:styleLbl>
+  <dgm:styleLbl name="parChTrans2D2">
+    <dgm:fillClrLst meth="repeat">
+      <a:schemeClr val="accent1"/>
+    </dgm:fillClrLst>
+    <dgm:linClrLst meth="repeat">
+      <a:schemeClr val="accent1"/>
+    </dgm:linClrLst>
+    <dgm:effectClrLst/>
+    <dgm:txLinClrLst/>
+    <dgm:txFillClrLst meth="repeat">
+      <a:schemeClr val="lt1"/>
+    </dgm:txFillClrLst>
+    <dgm:txEffectClrLst/>
+  </dgm:styleLbl>
+  <dgm:styleLbl name="parChTrans2D3">
+    <dgm:fillClrLst meth="repeat">
+      <a:schemeClr val="accent1"/>
+    </dgm:fillClrLst>
+    <dgm:linClrLst meth="repeat">
+      <a:schemeClr val="accent1"/>
+    </dgm:linClrLst>
+    <dgm:effectClrLst/>
+    <dgm:txLinClrLst/>
+    <dgm:txFillClrLst meth="repeat">
+      <a:schemeClr val="lt1"/>
+    </dgm:txFillClrLst>
+    <dgm:txEffectClrLst/>
+  </dgm:styleLbl>
+  <dgm:styleLbl name="parChTrans2D4">
+    <dgm:fillClrLst meth="repeat">
+      <a:schemeClr val="accent1"/>
+    </dgm:fillClrLst>
+    <dgm:linClrLst meth="repeat">
+      <a:schemeClr val="accent1"/>
+    </dgm:linClrLst>
+    <dgm:effectClrLst/>
+    <dgm:txLinClrLst/>
+    <dgm:txFillClrLst meth="repeat">
+      <a:schemeClr val="lt1"/>
+    </dgm:txFillClrLst>
+    <dgm:txEffectClrLst/>
+  </dgm:styleLbl>
+  <dgm:styleLbl name="parChTrans1D1">
+    <dgm:fillClrLst meth="repeat">
+      <a:schemeClr val="accent1"/>
+    </dgm:fillClrLst>
+    <dgm:linClrLst meth="repeat">
+      <a:schemeClr val="accent1">
+        <a:shade val="60000"/>
+      </a:schemeClr>
+    </dgm:linClrLst>
+    <dgm:effectClrLst/>
+    <dgm:txLinClrLst/>
+    <dgm:txFillClrLst meth="repeat">
+      <a:schemeClr val="tx1"/>
+    </dgm:txFillClrLst>
+    <dgm:txEffectClrLst/>
+  </dgm:styleLbl>
+  <dgm:styleLbl name="parChTrans1D2">
+    <dgm:fillClrLst meth="repeat">
+      <a:schemeClr val="accent1"/>
+    </dgm:fillClrLst>
+    <dgm:linClrLst meth="repeat">
+      <a:schemeClr val="accent1">
+        <a:shade val="60000"/>
+      </a:schemeClr>
+    </dgm:linClrLst>
+    <dgm:effectClrLst/>
+    <dgm:txLinClrLst/>
+    <dgm:txFillClrLst meth="repeat">
+      <a:schemeClr val="tx1"/>
+    </dgm:txFillClrLst>
+    <dgm:txEffectClrLst/>
+  </dgm:styleLbl>
+  <dgm:styleLbl name="parChTrans1D3">
+    <dgm:fillClrLst meth="repeat">
+      <a:schemeClr val="accent1"/>
+    </dgm:fillClrLst>
+    <dgm:linClrLst meth="repeat">
+      <a:schemeClr val="accent1">
+        <a:shade val="80000"/>
+      </a:schemeClr>
+    </dgm:linClrLst>
+    <dgm:effectClrLst/>
+    <dgm:txLinClrLst/>
+    <dgm:txFillClrLst meth="repeat">
+      <a:schemeClr val="tx1"/>
+    </dgm:txFillClrLst>
+    <dgm:txEffectClrLst/>
+  </dgm:styleLbl>
+  <dgm:styleLbl name="parChTrans1D4">
+    <dgm:fillClrLst meth="repeat">
+      <a:schemeClr val="accent1"/>
+    </dgm:fillClrLst>
+    <dgm:linClrLst meth="repeat">
+      <a:schemeClr val="accent1">
+        <a:shade val="80000"/>
+      </a:schemeClr>
+    </dgm:linClrLst>
+    <dgm:effectClrLst/>
+    <dgm:txLinClrLst/>
+    <dgm:txFillClrLst meth="repeat">
+      <a:schemeClr val="tx1"/>
+    </dgm:txFillClrLst>
+    <dgm:txEffectClrLst/>
+  </dgm:styleLbl>
+  <dgm:styleLbl name="fgAcc1">
+    <dgm:fillClrLst meth="repeat">
+      <a:schemeClr val="lt1">
+        <a:alpha val="90000"/>
+      </a:schemeClr>
+    </dgm:fillClrLst>
+    <dgm:linClrLst meth="repeat">
+      <a:schemeClr val="accent1"/>
+    </dgm:linClrLst>
+    <dgm:effectClrLst/>
+    <dgm:txLinClrLst/>
+    <dgm:txFillClrLst meth="repeat">
+      <a:schemeClr val="dk1"/>
+    </dgm:txFillClrLst>
+    <dgm:txEffectClrLst/>
+  </dgm:styleLbl>
+  <dgm:styleLbl name="conFgAcc1">
+    <dgm:fillClrLst meth="repeat">
+      <a:schemeClr val="lt1">
+        <a:alpha val="90000"/>
+      </a:schemeClr>
+    </dgm:fillClrLst>
+    <dgm:linClrLst meth="repeat">
+      <a:schemeClr val="accent1"/>
+    </dgm:linClrLst>
+    <dgm:effectClrLst/>
+    <dgm:txLinClrLst/>
+    <dgm:txFillClrLst meth="repeat">
+      <a:schemeClr val="dk1"/>
+    </dgm:txFillClrLst>
+    <dgm:txEffectClrLst/>
+  </dgm:styleLbl>
+  <dgm:styleLbl name="alignAcc1">
+    <dgm:fillClrLst meth="repeat">
+      <a:schemeClr val="lt1">
+        <a:alpha val="90000"/>
+      </a:schemeClr>
+    </dgm:fillClrLst>
+    <dgm:linClrLst meth="repeat">
+      <a:schemeClr val="accent1"/>
+    </dgm:linClrLst>
+    <dgm:effectClrLst/>
+    <dgm:txLinClrLst/>
+    <dgm:txFillClrLst meth="repeat">
+      <a:schemeClr val="dk1"/>
+    </dgm:txFillClrLst>
+    <dgm:txEffectClrLst/>
+  </dgm:styleLbl>
+  <dgm:styleLbl name="trAlignAcc1">
+    <dgm:fillClrLst meth="repeat">
+      <a:schemeClr val="lt1">
+        <a:alpha val="40000"/>
+      </a:schemeClr>
+    </dgm:fillClrLst>
+    <dgm:linClrLst meth="repeat">
+      <a:schemeClr val="accent1"/>
+    </dgm:linClrLst>
+    <dgm:effectClrLst/>
+    <dgm:txLinClrLst/>
+    <dgm:txFillClrLst meth="repeat">
+      <a:schemeClr val="dk1"/>
+    </dgm:txFillClrLst>
+    <dgm:txEffectClrLst/>
+  </dgm:styleLbl>
+  <dgm:styleLbl name="bgAcc1">
+    <dgm:fillClrLst meth="repeat">
+      <a:schemeClr val="lt1">
+        <a:alpha val="90000"/>
+      </a:schemeClr>
+    </dgm:fillClrLst>
+    <dgm:linClrLst meth="repeat">
+      <a:schemeClr val="accent1"/>
+    </dgm:linClrLst>
+    <dgm:effectClrLst/>
+    <dgm:txLinClrLst/>
+    <dgm:txFillClrLst meth="repeat">
+      <a:schemeClr val="dk1"/>
+    </dgm:txFillClrLst>
+    <dgm:txEffectClrLst/>
+  </dgm:styleLbl>
+  <dgm:styleLbl name="solidFgAcc1">
+    <dgm:fillClrLst meth="repeat">
+      <a:schemeClr val="lt1"/>
+    </dgm:fillClrLst>
+    <dgm:linClrLst meth="repeat">
+      <a:schemeClr val="accent1"/>
+    </dgm:linClrLst>
+    <dgm:effectClrLst/>
+    <dgm:txLinClrLst/>
+    <dgm:txFillClrLst meth="repeat">
+      <a:schemeClr val="dk1"/>
+    </dgm:txFillClrLst>
+    <dgm:txEffectClrLst/>
+  </dgm:styleLbl>
+  <dgm:styleLbl name="solidAlignAcc1">
+    <dgm:fillClrLst meth="repeat">
+      <a:schemeClr val="lt1"/>
+    </dgm:fillClrLst>
+    <dgm:linClrLst meth="repeat">
+      <a:schemeClr val="accent1"/>
+    </dgm:linClrLst>
+    <dgm:effectClrLst/>
+    <dgm:txLinClrLst/>
+    <dgm:txFillClrLst meth="repeat">
+      <a:schemeClr val="dk1"/>
+    </dgm:txFillClrLst>
+    <dgm:txEffectClrLst/>
+  </dgm:styleLbl>
+  <dgm:styleLbl name="solidBgAcc1">
+    <dgm:fillClrLst meth="repeat">
+      <a:schemeClr val="lt1"/>
+    </dgm:fillClrLst>
+    <dgm:linClrLst meth="repeat">
+      <a:schemeClr val="accent1"/>
+    </dgm:linClrLst>
+    <dgm:effectClrLst/>
+    <dgm:txLinClrLst/>
+    <dgm:txFillClrLst meth="repeat">
+      <a:schemeClr val="dk1"/>
+    </dgm:txFillClrLst>
+    <dgm:txEffectClrLst/>
+  </dgm:styleLbl>
+  <dgm:styleLbl name="fgAccFollowNode1">
+    <dgm:fillClrLst meth="repeat">
+      <a:schemeClr val="accent1">
+        <a:alpha val="90000"/>
+        <a:tint val="40000"/>
+      </a:schemeClr>
+    </dgm:fillClrLst>
+    <dgm:linClrLst meth="repeat">
+      <a:schemeClr val="accent1">
+        <a:alpha val="90000"/>
+        <a:tint val="40000"/>
+      </a:schemeClr>
+    </dgm:linClrLst>
+    <dgm:effectClrLst/>
+    <dgm:txLinClrLst/>
+    <dgm:txFillClrLst meth="repeat">
+      <a:schemeClr val="dk1"/>
+    </dgm:txFillClrLst>
+    <dgm:txEffectClrLst/>
+  </dgm:styleLbl>
+  <dgm:styleLbl name="alignAccFollowNode1">
+    <dgm:fillClrLst meth="repeat">
+      <a:schemeClr val="accent1">
+        <a:alpha val="90000"/>
+        <a:tint val="40000"/>
+      </a:schemeClr>
+    </dgm:fillClrLst>
+    <dgm:linClrLst meth="repeat">
+      <a:schemeClr val="accent1">
+        <a:alpha val="90000"/>
+        <a:tint val="40000"/>
+      </a:schemeClr>
+    </dgm:linClrLst>
+    <dgm:effectClrLst/>
+    <dgm:txLinClrLst/>
+    <dgm:txFillClrLst meth="repeat">
+      <a:schemeClr val="dk1"/>
+    </dgm:txFillClrLst>
+    <dgm:txEffectClrLst/>
+  </dgm:styleLbl>
+  <dgm:styleLbl name="bgAccFollowNode1">
+    <dgm:fillClrLst meth="repeat">
+      <a:schemeClr val="accent1">
+        <a:alpha val="90000"/>
+        <a:tint val="40000"/>
+      </a:schemeClr>
+    </dgm:fillClrLst>
+    <dgm:linClrLst meth="repeat">
+      <a:schemeClr val="accent1">
+        <a:alpha val="90000"/>
+        <a:tint val="40000"/>
+      </a:schemeClr>
+    </dgm:linClrLst>
+    <dgm:effectClrLst/>
+    <dgm:txLinClrLst/>
+    <dgm:txFillClrLst meth="repeat">
+      <a:schemeClr val="dk1"/>
+    </dgm:txFillClrLst>
+    <dgm:txEffectClrLst/>
+  </dgm:styleLbl>
+  <dgm:styleLbl name="fgAcc0">
+    <dgm:fillClrLst meth="repeat">
+      <a:schemeClr val="lt1">
+        <a:alpha val="90000"/>
+      </a:schemeClr>
+    </dgm:fillClrLst>
+    <dgm:linClrLst meth="repeat">
+      <a:schemeClr val="accent1"/>
+    </dgm:linClrLst>
+    <dgm:effectClrLst/>
+    <dgm:txLinClrLst/>
+    <dgm:txFillClrLst meth="repeat">
+      <a:schemeClr val="dk1"/>
+    </dgm:txFillClrLst>
+    <dgm:txEffectClrLst/>
+  </dgm:styleLbl>
+  <dgm:styleLbl name="fgAcc2">
+    <dgm:fillClrLst meth="repeat">
+      <a:schemeClr val="lt1">
+        <a:alpha val="90000"/>
+      </a:schemeClr>
+    </dgm:fillClrLst>
+    <dgm:linClrLst meth="repeat">
+      <a:schemeClr val="accent1"/>
+    </dgm:linClrLst>
+    <dgm:effectClrLst/>
+    <dgm:txLinClrLst/>
+    <dgm:txFillClrLst meth="repeat">
+      <a:schemeClr val="dk1"/>
+    </dgm:txFillClrLst>
+    <dgm:txEffectClrLst/>
+  </dgm:styleLbl>
+  <dgm:styleLbl name="fgAcc3">
+    <dgm:fillClrLst meth="repeat">
+      <a:schemeClr val="lt1">
+        <a:alpha val="90000"/>
+      </a:schemeClr>
+    </dgm:fillClrLst>
+    <dgm:linClrLst meth="repeat">
+      <a:schemeClr val="accent1"/>
+    </dgm:linClrLst>
+    <dgm:effectClrLst/>
+    <dgm:txLinClrLst/>
+    <dgm:txFillClrLst meth="repeat">
+      <a:schemeClr val="dk1"/>
+    </dgm:txFillClrLst>
+    <dgm:txEffectClrLst/>
+  </dgm:styleLbl>
+  <dgm:styleLbl name="fgAcc4">
+    <dgm:fillClrLst meth="repeat">
+      <a:schemeClr val="lt1">
+        <a:alpha val="90000"/>
+      </a:schemeClr>
+    </dgm:fillClrLst>
+    <dgm:linClrLst meth="repeat">
+      <a:schemeClr val="accent1"/>
+    </dgm:linClrLst>
+    <dgm:effectClrLst/>
+    <dgm:txLinClrLst/>
+    <dgm:txFillClrLst meth="repeat">
+      <a:schemeClr val="dk1"/>
+    </dgm:txFillClrLst>
+    <dgm:txEffectClrLst/>
+  </dgm:styleLbl>
+  <dgm:styleLbl name="bgShp">
+    <dgm:fillClrLst meth="repeat">
+      <a:schemeClr val="accent1">
+        <a:tint val="40000"/>
+      </a:schemeClr>
+    </dgm:fillClrLst>
+    <dgm:linClrLst meth="repeat">
+      <a:schemeClr val="accent1"/>
+    </dgm:linClrLst>
+    <dgm:effectClrLst/>
+    <dgm:txLinClrLst/>
+    <dgm:txFillClrLst meth="repeat">
+      <a:schemeClr val="dk1"/>
+    </dgm:txFillClrLst>
+    <dgm:txEffectClrLst/>
+  </dgm:styleLbl>
+  <dgm:styleLbl name="dkBgShp">
+    <dgm:fillClrLst meth="repeat">
+      <a:schemeClr val="accent1">
+        <a:shade val="80000"/>
+      </a:schemeClr>
+    </dgm:fillClrLst>
+    <dgm:linClrLst meth="repeat">
+      <a:schemeClr val="accent1"/>
+    </dgm:linClrLst>
+    <dgm:effectClrLst/>
+    <dgm:txLinClrLst/>
+    <dgm:txFillClrLst meth="repeat">
+      <a:schemeClr val="lt1"/>
+    </dgm:txFillClrLst>
+    <dgm:txEffectClrLst/>
+  </dgm:styleLbl>
+  <dgm:styleLbl name="trBgShp">
+    <dgm:fillClrLst meth="repeat">
+      <a:schemeClr val="accent1">
+        <a:tint val="50000"/>
+        <a:alpha val="40000"/>
+      </a:schemeClr>
+    </dgm:fillClrLst>
+    <dgm:linClrLst meth="repeat">
+      <a:schemeClr val="accent1"/>
+    </dgm:linClrLst>
+    <dgm:effectClrLst/>
+    <dgm:txLinClrLst/>
+    <dgm:txFillClrLst meth="repeat">
+      <a:schemeClr val="lt1"/>
+    </dgm:txFillClrLst>
+    <dgm:txEffectClrLst/>
+  </dgm:styleLbl>
+  <dgm:styleLbl name="fgShp">
+    <dgm:fillClrLst meth="repeat">
+      <a:schemeClr val="accent1">
+        <a:tint val="60000"/>
+      </a:schemeClr>
+    </dgm:fillClrLst>
+    <dgm:linClrLst meth="repeat">
+      <a:schemeClr val="lt1"/>
+    </dgm:linClrLst>
+    <dgm:effectClrLst/>
+    <dgm:txLinClrLst/>
+    <dgm:txFillClrLst meth="repeat">
+      <a:schemeClr val="dk1"/>
+    </dgm:txFillClrLst>
+    <dgm:txEffectClrLst/>
+  </dgm:styleLbl>
+  <dgm:styleLbl name="revTx">
+    <dgm:fillClrLst meth="repeat">
+      <a:schemeClr val="lt1">
+        <a:alpha val="0"/>
+      </a:schemeClr>
+    </dgm:fillClrLst>
+    <dgm:linClrLst meth="repeat">
+      <a:schemeClr val="dk1">
+        <a:alpha val="0"/>
+      </a:schemeClr>
+    </dgm:linClrLst>
+    <dgm:effectClrLst/>
+    <dgm:txLinClrLst/>
+    <dgm:txFillClrLst meth="repeat">
+      <a:schemeClr val="tx1"/>
+    </dgm:txFillClrLst>
+    <dgm:txEffectClrLst/>
+  </dgm:styleLbl>
+</dgm:colorsDef>
+</file>
+
+<file path=ppt/diagrams/data1.xml><?xml version="1.0" encoding="utf-8"?>
+<dgm:dataModel xmlns:dgm="http://schemas.openxmlformats.org/drawingml/2006/diagram" xmlns:a="http://schemas.openxmlformats.org/drawingml/2006/main">
+  <dgm:ptLst>
+    <dgm:pt modelId="{F698C4A6-7200-4C2F-A5FB-72BC1C6795D6}" type="doc">
+      <dgm:prSet loTypeId="urn:microsoft.com/office/officeart/2005/8/layout/process1" loCatId="process" qsTypeId="urn:microsoft.com/office/officeart/2005/8/quickstyle/simple1" qsCatId="simple" csTypeId="urn:microsoft.com/office/officeart/2005/8/colors/accent1_2" csCatId="accent1" phldr="1"/>
+      <dgm:spPr/>
+    </dgm:pt>
+    <dgm:pt modelId="{DB1B26B6-AEE7-4B65-A450-33527B787121}">
+      <dgm:prSet phldrT="[Text]"/>
+      <dgm:spPr/>
+      <dgm:t>
+        <a:bodyPr/>
+        <a:lstStyle/>
+        <a:p>
+          <a:r>
+            <a:rPr lang="en-US" altLang="zh-CN" dirty="0" smtClean="0"/>
+            <a:t>Analysis</a:t>
+          </a:r>
+          <a:endParaRPr lang="en-US" dirty="0"/>
+        </a:p>
+      </dgm:t>
+    </dgm:pt>
+    <dgm:pt modelId="{086E6FD7-4AFC-4A51-81E3-0E6144C5F804}" type="parTrans" cxnId="{DD3597D1-7116-4212-8244-483DD3628174}">
+      <dgm:prSet/>
+      <dgm:spPr/>
+      <dgm:t>
+        <a:bodyPr/>
+        <a:lstStyle/>
+        <a:p>
+          <a:endParaRPr lang="en-US"/>
+        </a:p>
+      </dgm:t>
+    </dgm:pt>
+    <dgm:pt modelId="{C7686C4E-607B-4F12-8932-69B73969CCD2}" type="sibTrans" cxnId="{DD3597D1-7116-4212-8244-483DD3628174}">
+      <dgm:prSet/>
+      <dgm:spPr/>
+      <dgm:t>
+        <a:bodyPr/>
+        <a:lstStyle/>
+        <a:p>
+          <a:endParaRPr lang="en-US"/>
+        </a:p>
+      </dgm:t>
+    </dgm:pt>
+    <dgm:pt modelId="{AD4BF15E-27A8-4AA3-BF58-E21FEF137688}">
+      <dgm:prSet phldrT="[Text]"/>
+      <dgm:spPr/>
+      <dgm:t>
+        <a:bodyPr/>
+        <a:lstStyle/>
+        <a:p>
+          <a:r>
+            <a:rPr lang="en-US" dirty="0" smtClean="0"/>
+            <a:t>Understand </a:t>
+          </a:r>
+          <a:endParaRPr lang="en-US" dirty="0"/>
+        </a:p>
+      </dgm:t>
+    </dgm:pt>
+    <dgm:pt modelId="{961380A1-CCEF-4B84-8D5E-7540F2ECB037}" type="parTrans" cxnId="{6214CA51-0FD4-4934-A617-62F547ECB4EF}">
+      <dgm:prSet/>
+      <dgm:spPr/>
+      <dgm:t>
+        <a:bodyPr/>
+        <a:lstStyle/>
+        <a:p>
+          <a:endParaRPr lang="en-US"/>
+        </a:p>
+      </dgm:t>
+    </dgm:pt>
+    <dgm:pt modelId="{7A426E4B-1B46-4C32-AF0F-30DDA9CB27C8}" type="sibTrans" cxnId="{6214CA51-0FD4-4934-A617-62F547ECB4EF}">
+      <dgm:prSet/>
+      <dgm:spPr/>
+      <dgm:t>
+        <a:bodyPr/>
+        <a:lstStyle/>
+        <a:p>
+          <a:endParaRPr lang="en-US"/>
+        </a:p>
+      </dgm:t>
+    </dgm:pt>
+    <dgm:pt modelId="{318A0BC2-679F-4A33-8C0F-15B7DF4BABE2}">
+      <dgm:prSet phldrT="[Text]"/>
+      <dgm:spPr/>
+      <dgm:t>
+        <a:bodyPr/>
+        <a:lstStyle/>
+        <a:p>
+          <a:r>
+            <a:rPr lang="en-US" dirty="0" smtClean="0"/>
+            <a:t>Improvement</a:t>
+          </a:r>
+          <a:endParaRPr lang="en-US" dirty="0"/>
+        </a:p>
+      </dgm:t>
+    </dgm:pt>
+    <dgm:pt modelId="{7FD82402-CE3D-4FFE-91D8-34DF6246A46D}" type="parTrans" cxnId="{1F9D6AB4-56A9-484C-B4C6-17D6E2F44A05}">
+      <dgm:prSet/>
+      <dgm:spPr/>
+      <dgm:t>
+        <a:bodyPr/>
+        <a:lstStyle/>
+        <a:p>
+          <a:endParaRPr lang="en-US"/>
+        </a:p>
+      </dgm:t>
+    </dgm:pt>
+    <dgm:pt modelId="{B1923983-999B-46CD-ACB4-91847DA8D46D}" type="sibTrans" cxnId="{1F9D6AB4-56A9-484C-B4C6-17D6E2F44A05}">
+      <dgm:prSet/>
+      <dgm:spPr/>
+      <dgm:t>
+        <a:bodyPr/>
+        <a:lstStyle/>
+        <a:p>
+          <a:endParaRPr lang="en-US"/>
+        </a:p>
+      </dgm:t>
+    </dgm:pt>
+    <dgm:pt modelId="{4655C272-1F9C-479D-A4F8-EF7DED7EA268}" type="pres">
+      <dgm:prSet presAssocID="{F698C4A6-7200-4C2F-A5FB-72BC1C6795D6}" presName="Name0" presStyleCnt="0">
+        <dgm:presLayoutVars>
+          <dgm:dir/>
+          <dgm:resizeHandles val="exact"/>
+        </dgm:presLayoutVars>
+      </dgm:prSet>
+      <dgm:spPr/>
+    </dgm:pt>
+    <dgm:pt modelId="{87B5F3D1-8607-49D5-B2EB-37C270F6DCC7}" type="pres">
+      <dgm:prSet presAssocID="{DB1B26B6-AEE7-4B65-A450-33527B787121}" presName="node" presStyleLbl="node1" presStyleIdx="0" presStyleCnt="3">
+        <dgm:presLayoutVars>
+          <dgm:bulletEnabled val="1"/>
+        </dgm:presLayoutVars>
+      </dgm:prSet>
+      <dgm:spPr/>
+      <dgm:t>
+        <a:bodyPr/>
+        <a:lstStyle/>
+        <a:p>
+          <a:endParaRPr lang="en-US"/>
+        </a:p>
+      </dgm:t>
+    </dgm:pt>
+    <dgm:pt modelId="{0091BC3E-0938-4A7F-B174-8AC8FF046B16}" type="pres">
+      <dgm:prSet presAssocID="{C7686C4E-607B-4F12-8932-69B73969CCD2}" presName="sibTrans" presStyleLbl="sibTrans2D1" presStyleIdx="0" presStyleCnt="2"/>
+      <dgm:spPr/>
+      <dgm:t>
+        <a:bodyPr/>
+        <a:lstStyle/>
+        <a:p>
+          <a:endParaRPr lang="en-US"/>
+        </a:p>
+      </dgm:t>
+    </dgm:pt>
+    <dgm:pt modelId="{DFEF807C-BEC4-4F45-BE09-5836EE428BAC}" type="pres">
+      <dgm:prSet presAssocID="{C7686C4E-607B-4F12-8932-69B73969CCD2}" presName="connectorText" presStyleLbl="sibTrans2D1" presStyleIdx="0" presStyleCnt="2"/>
+      <dgm:spPr/>
+      <dgm:t>
+        <a:bodyPr/>
+        <a:lstStyle/>
+        <a:p>
+          <a:endParaRPr lang="en-US"/>
+        </a:p>
+      </dgm:t>
+    </dgm:pt>
+    <dgm:pt modelId="{CAE7A09D-D1AF-432C-ABFF-50ED1563607A}" type="pres">
+      <dgm:prSet presAssocID="{AD4BF15E-27A8-4AA3-BF58-E21FEF137688}" presName="node" presStyleLbl="node1" presStyleIdx="1" presStyleCnt="3">
+        <dgm:presLayoutVars>
+          <dgm:bulletEnabled val="1"/>
+        </dgm:presLayoutVars>
+      </dgm:prSet>
+      <dgm:spPr/>
+      <dgm:t>
+        <a:bodyPr/>
+        <a:lstStyle/>
+        <a:p>
+          <a:endParaRPr lang="en-US"/>
+        </a:p>
+      </dgm:t>
+    </dgm:pt>
+    <dgm:pt modelId="{302EEEF4-D13A-44D7-B042-45968EF45577}" type="pres">
+      <dgm:prSet presAssocID="{7A426E4B-1B46-4C32-AF0F-30DDA9CB27C8}" presName="sibTrans" presStyleLbl="sibTrans2D1" presStyleIdx="1" presStyleCnt="2"/>
+      <dgm:spPr/>
+      <dgm:t>
+        <a:bodyPr/>
+        <a:lstStyle/>
+        <a:p>
+          <a:endParaRPr lang="en-US"/>
+        </a:p>
+      </dgm:t>
+    </dgm:pt>
+    <dgm:pt modelId="{3285488A-2127-479A-BEAE-50E251709124}" type="pres">
+      <dgm:prSet presAssocID="{7A426E4B-1B46-4C32-AF0F-30DDA9CB27C8}" presName="connectorText" presStyleLbl="sibTrans2D1" presStyleIdx="1" presStyleCnt="2"/>
+      <dgm:spPr/>
+      <dgm:t>
+        <a:bodyPr/>
+        <a:lstStyle/>
+        <a:p>
+          <a:endParaRPr lang="en-US"/>
+        </a:p>
+      </dgm:t>
+    </dgm:pt>
+    <dgm:pt modelId="{7F84E9D2-6222-4A95-822A-FCF0B34A3B5B}" type="pres">
+      <dgm:prSet presAssocID="{318A0BC2-679F-4A33-8C0F-15B7DF4BABE2}" presName="node" presStyleLbl="node1" presStyleIdx="2" presStyleCnt="3">
+        <dgm:presLayoutVars>
+          <dgm:bulletEnabled val="1"/>
+        </dgm:presLayoutVars>
+      </dgm:prSet>
+      <dgm:spPr/>
+      <dgm:t>
+        <a:bodyPr/>
+        <a:lstStyle/>
+        <a:p>
+          <a:endParaRPr lang="en-US"/>
+        </a:p>
+      </dgm:t>
+    </dgm:pt>
+  </dgm:ptLst>
+  <dgm:cxnLst>
+    <dgm:cxn modelId="{F2A31F74-9A89-4E6B-B679-0020F085B15A}" type="presOf" srcId="{7A426E4B-1B46-4C32-AF0F-30DDA9CB27C8}" destId="{3285488A-2127-479A-BEAE-50E251709124}" srcOrd="1" destOrd="0" presId="urn:microsoft.com/office/officeart/2005/8/layout/process1"/>
+    <dgm:cxn modelId="{01681DAB-103F-46A5-825F-2D9D7CDF9DE8}" type="presOf" srcId="{AD4BF15E-27A8-4AA3-BF58-E21FEF137688}" destId="{CAE7A09D-D1AF-432C-ABFF-50ED1563607A}" srcOrd="0" destOrd="0" presId="urn:microsoft.com/office/officeart/2005/8/layout/process1"/>
+    <dgm:cxn modelId="{DD3597D1-7116-4212-8244-483DD3628174}" srcId="{F698C4A6-7200-4C2F-A5FB-72BC1C6795D6}" destId="{DB1B26B6-AEE7-4B65-A450-33527B787121}" srcOrd="0" destOrd="0" parTransId="{086E6FD7-4AFC-4A51-81E3-0E6144C5F804}" sibTransId="{C7686C4E-607B-4F12-8932-69B73969CCD2}"/>
+    <dgm:cxn modelId="{04EA05E4-ACDD-4929-B26F-D7AD13CADB47}" type="presOf" srcId="{C7686C4E-607B-4F12-8932-69B73969CCD2}" destId="{DFEF807C-BEC4-4F45-BE09-5836EE428BAC}" srcOrd="1" destOrd="0" presId="urn:microsoft.com/office/officeart/2005/8/layout/process1"/>
+    <dgm:cxn modelId="{F53ABDEC-CA70-4CA6-89C2-61D95868F572}" type="presOf" srcId="{F698C4A6-7200-4C2F-A5FB-72BC1C6795D6}" destId="{4655C272-1F9C-479D-A4F8-EF7DED7EA268}" srcOrd="0" destOrd="0" presId="urn:microsoft.com/office/officeart/2005/8/layout/process1"/>
+    <dgm:cxn modelId="{874AD93D-144F-4F03-8ED4-BDC929995825}" type="presOf" srcId="{C7686C4E-607B-4F12-8932-69B73969CCD2}" destId="{0091BC3E-0938-4A7F-B174-8AC8FF046B16}" srcOrd="0" destOrd="0" presId="urn:microsoft.com/office/officeart/2005/8/layout/process1"/>
+    <dgm:cxn modelId="{F51D17A2-E71F-4240-B4CE-72ABE24AFBCC}" type="presOf" srcId="{7A426E4B-1B46-4C32-AF0F-30DDA9CB27C8}" destId="{302EEEF4-D13A-44D7-B042-45968EF45577}" srcOrd="0" destOrd="0" presId="urn:microsoft.com/office/officeart/2005/8/layout/process1"/>
+    <dgm:cxn modelId="{1F9D6AB4-56A9-484C-B4C6-17D6E2F44A05}" srcId="{F698C4A6-7200-4C2F-A5FB-72BC1C6795D6}" destId="{318A0BC2-679F-4A33-8C0F-15B7DF4BABE2}" srcOrd="2" destOrd="0" parTransId="{7FD82402-CE3D-4FFE-91D8-34DF6246A46D}" sibTransId="{B1923983-999B-46CD-ACB4-91847DA8D46D}"/>
+    <dgm:cxn modelId="{6214CA51-0FD4-4934-A617-62F547ECB4EF}" srcId="{F698C4A6-7200-4C2F-A5FB-72BC1C6795D6}" destId="{AD4BF15E-27A8-4AA3-BF58-E21FEF137688}" srcOrd="1" destOrd="0" parTransId="{961380A1-CCEF-4B84-8D5E-7540F2ECB037}" sibTransId="{7A426E4B-1B46-4C32-AF0F-30DDA9CB27C8}"/>
+    <dgm:cxn modelId="{7125CBEB-71B7-40C7-A3A0-70F989D58FC6}" type="presOf" srcId="{DB1B26B6-AEE7-4B65-A450-33527B787121}" destId="{87B5F3D1-8607-49D5-B2EB-37C270F6DCC7}" srcOrd="0" destOrd="0" presId="urn:microsoft.com/office/officeart/2005/8/layout/process1"/>
+    <dgm:cxn modelId="{CD549383-8A21-4355-A97D-FF37EE9BE2C3}" type="presOf" srcId="{318A0BC2-679F-4A33-8C0F-15B7DF4BABE2}" destId="{7F84E9D2-6222-4A95-822A-FCF0B34A3B5B}" srcOrd="0" destOrd="0" presId="urn:microsoft.com/office/officeart/2005/8/layout/process1"/>
+    <dgm:cxn modelId="{9431A8A2-3328-4C85-AC83-0FFA4D6007FD}" type="presParOf" srcId="{4655C272-1F9C-479D-A4F8-EF7DED7EA268}" destId="{87B5F3D1-8607-49D5-B2EB-37C270F6DCC7}" srcOrd="0" destOrd="0" presId="urn:microsoft.com/office/officeart/2005/8/layout/process1"/>
+    <dgm:cxn modelId="{3B0C7BDC-CD4B-4F0B-8EF9-F6E67E77B572}" type="presParOf" srcId="{4655C272-1F9C-479D-A4F8-EF7DED7EA268}" destId="{0091BC3E-0938-4A7F-B174-8AC8FF046B16}" srcOrd="1" destOrd="0" presId="urn:microsoft.com/office/officeart/2005/8/layout/process1"/>
+    <dgm:cxn modelId="{B4DDEB43-E81B-4FC3-87D1-6EC7D70D6936}" type="presParOf" srcId="{0091BC3E-0938-4A7F-B174-8AC8FF046B16}" destId="{DFEF807C-BEC4-4F45-BE09-5836EE428BAC}" srcOrd="0" destOrd="0" presId="urn:microsoft.com/office/officeart/2005/8/layout/process1"/>
+    <dgm:cxn modelId="{B534E84D-96A4-4A7B-9CDE-CC78CB785920}" type="presParOf" srcId="{4655C272-1F9C-479D-A4F8-EF7DED7EA268}" destId="{CAE7A09D-D1AF-432C-ABFF-50ED1563607A}" srcOrd="2" destOrd="0" presId="urn:microsoft.com/office/officeart/2005/8/layout/process1"/>
+    <dgm:cxn modelId="{436EC65B-7D92-45A0-A4D2-C869AF9E3C3A}" type="presParOf" srcId="{4655C272-1F9C-479D-A4F8-EF7DED7EA268}" destId="{302EEEF4-D13A-44D7-B042-45968EF45577}" srcOrd="3" destOrd="0" presId="urn:microsoft.com/office/officeart/2005/8/layout/process1"/>
+    <dgm:cxn modelId="{DF9F50B9-1E8F-4506-9F9E-121BE1BD1281}" type="presParOf" srcId="{302EEEF4-D13A-44D7-B042-45968EF45577}" destId="{3285488A-2127-479A-BEAE-50E251709124}" srcOrd="0" destOrd="0" presId="urn:microsoft.com/office/officeart/2005/8/layout/process1"/>
+    <dgm:cxn modelId="{70C6CEAC-5FB4-4C73-8297-2849AEFCC8AB}" type="presParOf" srcId="{4655C272-1F9C-479D-A4F8-EF7DED7EA268}" destId="{7F84E9D2-6222-4A95-822A-FCF0B34A3B5B}" srcOrd="4" destOrd="0" presId="urn:microsoft.com/office/officeart/2005/8/layout/process1"/>
+  </dgm:cxnLst>
+  <dgm:bg/>
+  <dgm:whole/>
+  <dgm:extLst>
+    <a:ext uri="http://schemas.microsoft.com/office/drawing/2008/diagram">
+      <dsp:dataModelExt xmlns:dsp="http://schemas.microsoft.com/office/drawing/2008/diagram" relId="rId6" minVer="http://schemas.openxmlformats.org/drawingml/2006/diagram"/>
+    </a:ext>
+  </dgm:extLst>
+</dgm:dataModel>
+</file>
+
+<file path=ppt/diagrams/drawing1.xml><?xml version="1.0" encoding="utf-8"?>
+<dsp:drawing xmlns:dgm="http://schemas.openxmlformats.org/drawingml/2006/diagram" xmlns:dsp="http://schemas.microsoft.com/office/drawing/2008/diagram" xmlns:a="http://schemas.openxmlformats.org/drawingml/2006/main">
+  <dsp:spTree>
+    <dsp:nvGrpSpPr>
+      <dsp:cNvPr id="0" name=""/>
+      <dsp:cNvGrpSpPr/>
+    </dsp:nvGrpSpPr>
+    <dsp:grpSpPr/>
+    <dsp:sp modelId="{87B5F3D1-8607-49D5-B2EB-37C270F6DCC7}">
+      <dsp:nvSpPr>
+        <dsp:cNvPr id="0" name=""/>
+        <dsp:cNvSpPr/>
+      </dsp:nvSpPr>
+      <dsp:spPr>
+        <a:xfrm>
+          <a:off x="7983" y="1993461"/>
+          <a:ext cx="2386238" cy="1431743"/>
+        </a:xfrm>
+        <a:prstGeom prst="roundRect">
+          <a:avLst>
+            <a:gd name="adj" fmla="val 10000"/>
+          </a:avLst>
+        </a:prstGeom>
+        <a:solidFill>
+          <a:schemeClr val="accent1">
+            <a:hueOff val="0"/>
+            <a:satOff val="0"/>
+            <a:lumOff val="0"/>
+            <a:alphaOff val="0"/>
+          </a:schemeClr>
+        </a:solidFill>
+        <a:ln w="12700" cap="flat" cmpd="sng" algn="ctr">
+          <a:solidFill>
+            <a:schemeClr val="lt1">
+              <a:hueOff val="0"/>
+              <a:satOff val="0"/>
+              <a:lumOff val="0"/>
+              <a:alphaOff val="0"/>
+            </a:schemeClr>
+          </a:solidFill>
+          <a:prstDash val="solid"/>
+          <a:miter lim="800000"/>
+        </a:ln>
+        <a:effectLst/>
+      </dsp:spPr>
+      <dsp:style>
+        <a:lnRef idx="2">
+          <a:scrgbClr r="0" g="0" b="0"/>
+        </a:lnRef>
+        <a:fillRef idx="1">
+          <a:scrgbClr r="0" g="0" b="0"/>
+        </a:fillRef>
+        <a:effectRef idx="0">
+          <a:scrgbClr r="0" g="0" b="0"/>
+        </a:effectRef>
+        <a:fontRef idx="minor">
+          <a:schemeClr val="lt1"/>
+        </a:fontRef>
+      </dsp:style>
+      <dsp:txBody>
+        <a:bodyPr spcFirstLastPara="0" vert="horz" wrap="square" lIns="110490" tIns="110490" rIns="110490" bIns="110490" numCol="1" spcCol="1270" anchor="ctr" anchorCtr="0">
+          <a:noAutofit/>
+        </a:bodyPr>
+        <a:lstStyle/>
+        <a:p>
+          <a:pPr lvl="0" algn="ctr" defTabSz="1289050">
+            <a:lnSpc>
+              <a:spcPct val="90000"/>
+            </a:lnSpc>
+            <a:spcBef>
+              <a:spcPct val="0"/>
+            </a:spcBef>
+            <a:spcAft>
+              <a:spcPct val="35000"/>
+            </a:spcAft>
+          </a:pPr>
+          <a:r>
+            <a:rPr lang="en-US" altLang="zh-CN" sz="2900" kern="1200" dirty="0" smtClean="0"/>
+            <a:t>Analysis</a:t>
+          </a:r>
+          <a:endParaRPr lang="en-US" sz="2900" kern="1200" dirty="0"/>
+        </a:p>
+      </dsp:txBody>
+      <dsp:txXfrm>
+        <a:off x="49917" y="2035395"/>
+        <a:ext cx="2302370" cy="1347875"/>
+      </dsp:txXfrm>
+    </dsp:sp>
+    <dsp:sp modelId="{0091BC3E-0938-4A7F-B174-8AC8FF046B16}">
+      <dsp:nvSpPr>
+        <dsp:cNvPr id="0" name=""/>
+        <dsp:cNvSpPr/>
+      </dsp:nvSpPr>
+      <dsp:spPr>
+        <a:xfrm>
+          <a:off x="2632846" y="2413439"/>
+          <a:ext cx="505882" cy="591787"/>
+        </a:xfrm>
+        <a:prstGeom prst="rightArrow">
+          <a:avLst>
+            <a:gd name="adj1" fmla="val 60000"/>
+            <a:gd name="adj2" fmla="val 50000"/>
+          </a:avLst>
+        </a:prstGeom>
+        <a:solidFill>
+          <a:schemeClr val="accent1">
+            <a:tint val="60000"/>
+            <a:hueOff val="0"/>
+            <a:satOff val="0"/>
+            <a:lumOff val="0"/>
+            <a:alphaOff val="0"/>
+          </a:schemeClr>
+        </a:solidFill>
+        <a:ln>
+          <a:noFill/>
+        </a:ln>
+        <a:effectLst/>
+      </dsp:spPr>
+      <dsp:style>
+        <a:lnRef idx="0">
+          <a:scrgbClr r="0" g="0" b="0"/>
+        </a:lnRef>
+        <a:fillRef idx="1">
+          <a:scrgbClr r="0" g="0" b="0"/>
+        </a:fillRef>
+        <a:effectRef idx="0">
+          <a:scrgbClr r="0" g="0" b="0"/>
+        </a:effectRef>
+        <a:fontRef idx="minor">
+          <a:schemeClr val="lt1"/>
+        </a:fontRef>
+      </dsp:style>
+      <dsp:txBody>
+        <a:bodyPr spcFirstLastPara="0" vert="horz" wrap="square" lIns="0" tIns="0" rIns="0" bIns="0" numCol="1" spcCol="1270" anchor="ctr" anchorCtr="0">
+          <a:noAutofit/>
+        </a:bodyPr>
+        <a:lstStyle/>
+        <a:p>
+          <a:pPr lvl="0" algn="ctr" defTabSz="1022350">
+            <a:lnSpc>
+              <a:spcPct val="90000"/>
+            </a:lnSpc>
+            <a:spcBef>
+              <a:spcPct val="0"/>
+            </a:spcBef>
+            <a:spcAft>
+              <a:spcPct val="35000"/>
+            </a:spcAft>
+          </a:pPr>
+          <a:endParaRPr lang="en-US" sz="2300" kern="1200"/>
+        </a:p>
+      </dsp:txBody>
+      <dsp:txXfrm>
+        <a:off x="2632846" y="2531796"/>
+        <a:ext cx="354117" cy="355073"/>
+      </dsp:txXfrm>
+    </dsp:sp>
+    <dsp:sp modelId="{CAE7A09D-D1AF-432C-ABFF-50ED1563607A}">
+      <dsp:nvSpPr>
+        <dsp:cNvPr id="0" name=""/>
+        <dsp:cNvSpPr/>
+      </dsp:nvSpPr>
+      <dsp:spPr>
+        <a:xfrm>
+          <a:off x="3348718" y="1993461"/>
+          <a:ext cx="2386238" cy="1431743"/>
+        </a:xfrm>
+        <a:prstGeom prst="roundRect">
+          <a:avLst>
+            <a:gd name="adj" fmla="val 10000"/>
+          </a:avLst>
+        </a:prstGeom>
+        <a:solidFill>
+          <a:schemeClr val="accent1">
+            <a:hueOff val="0"/>
+            <a:satOff val="0"/>
+            <a:lumOff val="0"/>
+            <a:alphaOff val="0"/>
+          </a:schemeClr>
+        </a:solidFill>
+        <a:ln w="12700" cap="flat" cmpd="sng" algn="ctr">
+          <a:solidFill>
+            <a:schemeClr val="lt1">
+              <a:hueOff val="0"/>
+              <a:satOff val="0"/>
+              <a:lumOff val="0"/>
+              <a:alphaOff val="0"/>
+            </a:schemeClr>
+          </a:solidFill>
+          <a:prstDash val="solid"/>
+          <a:miter lim="800000"/>
+        </a:ln>
+        <a:effectLst/>
+      </dsp:spPr>
+      <dsp:style>
+        <a:lnRef idx="2">
+          <a:scrgbClr r="0" g="0" b="0"/>
+        </a:lnRef>
+        <a:fillRef idx="1">
+          <a:scrgbClr r="0" g="0" b="0"/>
+        </a:fillRef>
+        <a:effectRef idx="0">
+          <a:scrgbClr r="0" g="0" b="0"/>
+        </a:effectRef>
+        <a:fontRef idx="minor">
+          <a:schemeClr val="lt1"/>
+        </a:fontRef>
+      </dsp:style>
+      <dsp:txBody>
+        <a:bodyPr spcFirstLastPara="0" vert="horz" wrap="square" lIns="110490" tIns="110490" rIns="110490" bIns="110490" numCol="1" spcCol="1270" anchor="ctr" anchorCtr="0">
+          <a:noAutofit/>
+        </a:bodyPr>
+        <a:lstStyle/>
+        <a:p>
+          <a:pPr lvl="0" algn="ctr" defTabSz="1289050">
+            <a:lnSpc>
+              <a:spcPct val="90000"/>
+            </a:lnSpc>
+            <a:spcBef>
+              <a:spcPct val="0"/>
+            </a:spcBef>
+            <a:spcAft>
+              <a:spcPct val="35000"/>
+            </a:spcAft>
+          </a:pPr>
+          <a:r>
+            <a:rPr lang="en-US" sz="2900" kern="1200" dirty="0" smtClean="0"/>
+            <a:t>Understand </a:t>
+          </a:r>
+          <a:endParaRPr lang="en-US" sz="2900" kern="1200" dirty="0"/>
+        </a:p>
+      </dsp:txBody>
+      <dsp:txXfrm>
+        <a:off x="3390652" y="2035395"/>
+        <a:ext cx="2302370" cy="1347875"/>
+      </dsp:txXfrm>
+    </dsp:sp>
+    <dsp:sp modelId="{302EEEF4-D13A-44D7-B042-45968EF45577}">
+      <dsp:nvSpPr>
+        <dsp:cNvPr id="0" name=""/>
+        <dsp:cNvSpPr/>
+      </dsp:nvSpPr>
+      <dsp:spPr>
+        <a:xfrm>
+          <a:off x="5973580" y="2413439"/>
+          <a:ext cx="505882" cy="591787"/>
+        </a:xfrm>
+        <a:prstGeom prst="rightArrow">
+          <a:avLst>
+            <a:gd name="adj1" fmla="val 60000"/>
+            <a:gd name="adj2" fmla="val 50000"/>
+          </a:avLst>
+        </a:prstGeom>
+        <a:solidFill>
+          <a:schemeClr val="accent1">
+            <a:tint val="60000"/>
+            <a:hueOff val="0"/>
+            <a:satOff val="0"/>
+            <a:lumOff val="0"/>
+            <a:alphaOff val="0"/>
+          </a:schemeClr>
+        </a:solidFill>
+        <a:ln>
+          <a:noFill/>
+        </a:ln>
+        <a:effectLst/>
+      </dsp:spPr>
+      <dsp:style>
+        <a:lnRef idx="0">
+          <a:scrgbClr r="0" g="0" b="0"/>
+        </a:lnRef>
+        <a:fillRef idx="1">
+          <a:scrgbClr r="0" g="0" b="0"/>
+        </a:fillRef>
+        <a:effectRef idx="0">
+          <a:scrgbClr r="0" g="0" b="0"/>
+        </a:effectRef>
+        <a:fontRef idx="minor">
+          <a:schemeClr val="lt1"/>
+        </a:fontRef>
+      </dsp:style>
+      <dsp:txBody>
+        <a:bodyPr spcFirstLastPara="0" vert="horz" wrap="square" lIns="0" tIns="0" rIns="0" bIns="0" numCol="1" spcCol="1270" anchor="ctr" anchorCtr="0">
+          <a:noAutofit/>
+        </a:bodyPr>
+        <a:lstStyle/>
+        <a:p>
+          <a:pPr lvl="0" algn="ctr" defTabSz="1022350">
+            <a:lnSpc>
+              <a:spcPct val="90000"/>
+            </a:lnSpc>
+            <a:spcBef>
+              <a:spcPct val="0"/>
+            </a:spcBef>
+            <a:spcAft>
+              <a:spcPct val="35000"/>
+            </a:spcAft>
+          </a:pPr>
+          <a:endParaRPr lang="en-US" sz="2300" kern="1200"/>
+        </a:p>
+      </dsp:txBody>
+      <dsp:txXfrm>
+        <a:off x="5973580" y="2531796"/>
+        <a:ext cx="354117" cy="355073"/>
+      </dsp:txXfrm>
+    </dsp:sp>
+    <dsp:sp modelId="{7F84E9D2-6222-4A95-822A-FCF0B34A3B5B}">
+      <dsp:nvSpPr>
+        <dsp:cNvPr id="0" name=""/>
+        <dsp:cNvSpPr/>
+      </dsp:nvSpPr>
+      <dsp:spPr>
+        <a:xfrm>
+          <a:off x="6689452" y="1993461"/>
+          <a:ext cx="2386238" cy="1431743"/>
+        </a:xfrm>
+        <a:prstGeom prst="roundRect">
+          <a:avLst>
+            <a:gd name="adj" fmla="val 10000"/>
+          </a:avLst>
+        </a:prstGeom>
+        <a:solidFill>
+          <a:schemeClr val="accent1">
+            <a:hueOff val="0"/>
+            <a:satOff val="0"/>
+            <a:lumOff val="0"/>
+            <a:alphaOff val="0"/>
+          </a:schemeClr>
+        </a:solidFill>
+        <a:ln w="12700" cap="flat" cmpd="sng" algn="ctr">
+          <a:solidFill>
+            <a:schemeClr val="lt1">
+              <a:hueOff val="0"/>
+              <a:satOff val="0"/>
+              <a:lumOff val="0"/>
+              <a:alphaOff val="0"/>
+            </a:schemeClr>
+          </a:solidFill>
+          <a:prstDash val="solid"/>
+          <a:miter lim="800000"/>
+        </a:ln>
+        <a:effectLst/>
+      </dsp:spPr>
+      <dsp:style>
+        <a:lnRef idx="2">
+          <a:scrgbClr r="0" g="0" b="0"/>
+        </a:lnRef>
+        <a:fillRef idx="1">
+          <a:scrgbClr r="0" g="0" b="0"/>
+        </a:fillRef>
+        <a:effectRef idx="0">
+          <a:scrgbClr r="0" g="0" b="0"/>
+        </a:effectRef>
+        <a:fontRef idx="minor">
+          <a:schemeClr val="lt1"/>
+        </a:fontRef>
+      </dsp:style>
+      <dsp:txBody>
+        <a:bodyPr spcFirstLastPara="0" vert="horz" wrap="square" lIns="110490" tIns="110490" rIns="110490" bIns="110490" numCol="1" spcCol="1270" anchor="ctr" anchorCtr="0">
+          <a:noAutofit/>
+        </a:bodyPr>
+        <a:lstStyle/>
+        <a:p>
+          <a:pPr lvl="0" algn="ctr" defTabSz="1289050">
+            <a:lnSpc>
+              <a:spcPct val="90000"/>
+            </a:lnSpc>
+            <a:spcBef>
+              <a:spcPct val="0"/>
+            </a:spcBef>
+            <a:spcAft>
+              <a:spcPct val="35000"/>
+            </a:spcAft>
+          </a:pPr>
+          <a:r>
+            <a:rPr lang="en-US" sz="2900" kern="1200" dirty="0" smtClean="0"/>
+            <a:t>Improvement</a:t>
+          </a:r>
+          <a:endParaRPr lang="en-US" sz="2900" kern="1200" dirty="0"/>
+        </a:p>
+      </dsp:txBody>
+      <dsp:txXfrm>
+        <a:off x="6731386" y="2035395"/>
+        <a:ext cx="2302370" cy="1347875"/>
+      </dsp:txXfrm>
+    </dsp:sp>
+  </dsp:spTree>
+</dsp:drawing>
+</file>
+
+<file path=ppt/diagrams/layout1.xml><?xml version="1.0" encoding="utf-8"?>
+<dgm:layoutDef xmlns:dgm="http://schemas.openxmlformats.org/drawingml/2006/diagram" xmlns:a="http://schemas.openxmlformats.org/drawingml/2006/main" uniqueId="urn:microsoft.com/office/officeart/2005/8/layout/process1">
+  <dgm:title val=""/>
+  <dgm:desc val=""/>
+  <dgm:catLst>
+    <dgm:cat type="process" pri="1000"/>
+    <dgm:cat type="convert" pri="15000"/>
+  </dgm:catLst>
+  <dgm:sampData useDef="1">
+    <dgm:dataModel>
+      <dgm:ptLst/>
+      <dgm:bg/>
+      <dgm:whole/>
+    </dgm:dataModel>
+  </dgm:sampData>
+  <dgm:styleData>
+    <dgm:dataModel>
+      <dgm:ptLst>
+        <dgm:pt modelId="0" type="doc"/>
+        <dgm:pt modelId="1"/>
+        <dgm:pt modelId="2"/>
+      </dgm:ptLst>
+      <dgm:cxnLst>
+        <dgm:cxn modelId="3" srcId="0" destId="1" srcOrd="0" destOrd="0"/>
+        <dgm:cxn modelId="4" srcId="0" destId="2" srcOrd="1" destOrd="0"/>
+      </dgm:cxnLst>
+      <dgm:bg/>
+      <dgm:whole/>
+    </dgm:dataModel>
+  </dgm:styleData>
+  <dgm:clrData>
+    <dgm:dataModel>
+      <dgm:ptLst>
+        <dgm:pt modelId="0" type="doc"/>
+        <dgm:pt modelId="1"/>
+        <dgm:pt modelId="2"/>
+        <dgm:pt modelId="3"/>
+        <dgm:pt modelId="4"/>
+      </dgm:ptLst>
+      <dgm:cxnLst>
+        <dgm:cxn modelId="5" srcId="0" destId="1" srcOrd="0" destOrd="0"/>
+        <dgm:cxn modelId="6" srcId="0" destId="2" srcOrd="1" destOrd="0"/>
+        <dgm:cxn modelId="7" srcId="0" destId="3" srcOrd="2" destOrd="0"/>
+        <dgm:cxn modelId="8" srcId="0" destId="4" srcOrd="3" destOrd="0"/>
+      </dgm:cxnLst>
+      <dgm:bg/>
+      <dgm:whole/>
+    </dgm:dataModel>
+  </dgm:clrData>
+  <dgm:layoutNode name="Name0">
+    <dgm:varLst>
+      <dgm:dir/>
+      <dgm:resizeHandles val="exact"/>
+    </dgm:varLst>
+    <dgm:choose name="Name1">
+      <dgm:if name="Name2" func="var" arg="dir" op="equ" val="norm">
+        <dgm:alg type="lin"/>
+      </dgm:if>
+      <dgm:else name="Name3">
+        <dgm:alg type="lin">
+          <dgm:param type="linDir" val="fromR"/>
+        </dgm:alg>
+      </dgm:else>
+    </dgm:choose>
+    <dgm:shape xmlns:r="http://schemas.openxmlformats.org/officeDocument/2006/relationships" r:blip="">
+      <dgm:adjLst/>
+    </dgm:shape>
+    <dgm:presOf/>
+    <dgm:constrLst>
+      <dgm:constr type="w" for="ch" ptType="node" refType="w"/>
+      <dgm:constr type="h" for="ch" ptType="node" op="equ"/>
+      <dgm:constr type="primFontSz" for="ch" ptType="node" op="equ" val="65"/>
+      <dgm:constr type="w" for="ch" ptType="sibTrans" refType="w" refFor="ch" refPtType="node" op="equ" fact="0.4"/>
+      <dgm:constr type="h" for="ch" ptType="sibTrans" op="equ"/>
+      <dgm:constr type="primFontSz" for="des" forName="connectorText" op="equ" val="55"/>
+      <dgm:constr type="primFontSz" for="des" forName="connectorText" refType="primFontSz" refFor="ch" refPtType="node" op="lte" fact="0.8"/>
+    </dgm:constrLst>
+    <dgm:ruleLst/>
+    <dgm:forEach name="nodesForEach" axis="ch" ptType="node">
+      <dgm:layoutNode name="node">
+        <dgm:varLst>
+          <dgm:bulletEnabled val="1"/>
+        </dgm:varLst>
+        <dgm:alg type="tx"/>
+        <dgm:shape xmlns:r="http://schemas.openxmlformats.org/officeDocument/2006/relationships" type="roundRect" r:blip="">
+          <dgm:adjLst>
+            <dgm:adj idx="1" val="0.1"/>
+          </dgm:adjLst>
+        </dgm:shape>
+        <dgm:presOf axis="desOrSelf" ptType="node"/>
+        <dgm:constrLst>
+          <dgm:constr type="h" refType="w" fact="0.6"/>
+          <dgm:constr type="tMarg" refType="primFontSz" fact="0.3"/>
+          <dgm:constr type="bMarg" refType="primFontSz" fact="0.3"/>
+          <dgm:constr type="lMarg" refType="primFontSz" fact="0.3"/>
+          <dgm:constr type="rMarg" refType="primFontSz" fact="0.3"/>
+        </dgm:constrLst>
+        <dgm:ruleLst>
+          <dgm:rule type="primFontSz" val="18" fact="NaN" max="NaN"/>
+          <dgm:rule type="h" val="NaN" fact="1.5" max="NaN"/>
+          <dgm:rule type="primFontSz" val="5" fact="NaN" max="NaN"/>
+          <dgm:rule type="h" val="INF" fact="NaN" max="NaN"/>
+        </dgm:ruleLst>
+      </dgm:layoutNode>
+      <dgm:forEach name="sibTransForEach" axis="followSib" ptType="sibTrans" cnt="1">
+        <dgm:layoutNode name="sibTrans">
+          <dgm:alg type="conn">
+            <dgm:param type="begPts" val="auto"/>
+            <dgm:param type="endPts" val="auto"/>
+          </dgm:alg>
+          <dgm:shape xmlns:r="http://schemas.openxmlformats.org/officeDocument/2006/relationships" type="conn" r:blip="">
+            <dgm:adjLst/>
+          </dgm:shape>
+          <dgm:presOf axis="self"/>
+          <dgm:constrLst>
+            <dgm:constr type="h" refType="w" fact="0.62"/>
+            <dgm:constr type="connDist"/>
+            <dgm:constr type="begPad" refType="connDist" fact="0.25"/>
+            <dgm:constr type="endPad" refType="connDist" fact="0.22"/>
+          </dgm:constrLst>
+          <dgm:ruleLst/>
+          <dgm:layoutNode name="connectorText">
+            <dgm:alg type="tx">
+              <dgm:param type="autoTxRot" val="grav"/>
+            </dgm:alg>
+            <dgm:shape xmlns:r="http://schemas.openxmlformats.org/officeDocument/2006/relationships" type="conn" r:blip="" hideGeom="1">
+              <dgm:adjLst/>
+            </dgm:shape>
+            <dgm:presOf axis="self"/>
+            <dgm:constrLst>
+              <dgm:constr type="lMarg"/>
+              <dgm:constr type="rMarg"/>
+              <dgm:constr type="tMarg"/>
+              <dgm:constr type="bMarg"/>
+            </dgm:constrLst>
+            <dgm:ruleLst>
+              <dgm:rule type="primFontSz" val="5" fact="NaN" max="NaN"/>
+            </dgm:ruleLst>
+          </dgm:layoutNode>
+        </dgm:layoutNode>
+      </dgm:forEach>
+    </dgm:forEach>
+  </dgm:layoutNode>
+</dgm:layoutDef>
+</file>
+
+<file path=ppt/diagrams/quickStyle1.xml><?xml version="1.0" encoding="utf-8"?>
+<dgm:styleDef xmlns:dgm="http://schemas.openxmlformats.org/drawingml/2006/diagram" xmlns:a="http://schemas.openxmlformats.org/drawingml/2006/main" uniqueId="urn:microsoft.com/office/officeart/2005/8/quickstyle/simple1">
+  <dgm:title val=""/>
+  <dgm:desc val=""/>
+  <dgm:catLst>
+    <dgm:cat type="simple" pri="10100"/>
+  </dgm:catLst>
+  <dgm:scene3d>
+    <a:camera prst="orthographicFront"/>
+    <a:lightRig rig="threePt" dir="t"/>
+  </dgm:scene3d>
+  <dgm:styleLbl name="node0">
+    <dgm:scene3d>
+      <a:camera prst="orthographicFront"/>
+      <a:lightRig rig="threePt" dir="t"/>
+    </dgm:scene3d>
+    <dgm:sp3d/>
+    <dgm:txPr/>
+    <dgm:style>
+      <a:lnRef idx="2">
+        <a:scrgbClr r="0" g="0" b="0"/>
+      </a:lnRef>
+      <a:fillRef idx="1">
+        <a:scrgbClr r="0" g="0" b="0"/>
+      </a:fillRef>
+      <a:effectRef idx="0">
+        <a:scrgbClr r="0" g="0" b="0"/>
+      </a:effectRef>
+      <a:fontRef idx="minor">
+        <a:schemeClr val="lt1"/>
+      </a:fontRef>
+    </dgm:style>
+  </dgm:styleLbl>
+  <dgm:styleLbl name="lnNode1">
+    <dgm:scene3d>
+      <a:camera prst="orthographicFront"/>
+      <a:lightRig rig="threePt" dir="t"/>
+    </dgm:scene3d>
+    <dgm:sp3d/>
+    <dgm:txPr/>
+    <dgm:style>
+      <a:lnRef idx="2">
+        <a:scrgbClr r="0" g="0" b="0"/>
+      </a:lnRef>
+      <a:fillRef idx="1">
+        <a:scrgbClr r="0" g="0" b="0"/>
+      </a:fillRef>
+      <a:effectRef idx="0">
+        <a:scrgbClr r="0" g="0" b="0"/>
+      </a:effectRef>
+      <a:fontRef idx="minor">
+        <a:schemeClr val="lt1"/>
+      </a:fontRef>
+    </dgm:style>
+  </dgm:styleLbl>
+  <dgm:styleLbl name="vennNode1">
+    <dgm:scene3d>
+      <a:camera prst="orthographicFront"/>
+      <a:lightRig rig="threePt" dir="t"/>
+    </dgm:scene3d>
+    <dgm:sp3d/>
+    <dgm:txPr/>
+    <dgm:style>
+      <a:lnRef idx="2">
+        <a:scrgbClr r="0" g="0" b="0"/>
+      </a:lnRef>
+      <a:fillRef idx="1">
+        <a:scrgbClr r="0" g="0" b="0"/>
+      </a:fillRef>
+      <a:effectRef idx="0">
+        <a:scrgbClr r="0" g="0" b="0"/>
+      </a:effectRef>
+      <a:fontRef idx="minor">
+        <a:schemeClr val="tx1"/>
+      </a:fontRef>
+    </dgm:style>
+  </dgm:styleLbl>
+  <dgm:styleLbl name="alignNode1">
+    <dgm:scene3d>
+      <a:camera prst="orthographicFront"/>
+      <a:lightRig rig="threePt" dir="t"/>
+    </dgm:scene3d>
+    <dgm:sp3d/>
+    <dgm:txPr/>
+    <dgm:style>
+      <a:lnRef idx="2">
+        <a:scrgbClr r="0" g="0" b="0"/>
+      </a:lnRef>
+      <a:fillRef idx="1">
+        <a:scrgbClr r="0" g="0" b="0"/>
+      </a:fillRef>
+      <a:effectRef idx="0">
+        <a:scrgbClr r="0" g="0" b="0"/>
+      </a:effectRef>
+      <a:fontRef idx="minor">
+        <a:schemeClr val="lt1"/>
+      </a:fontRef>
+    </dgm:style>
+  </dgm:styleLbl>
+  <dgm:styleLbl name="node1">
+    <dgm:scene3d>
+      <a:camera prst="orthographicFront"/>
+      <a:lightRig rig="threePt" dir="t"/>
+    </dgm:scene3d>
+    <dgm:sp3d/>
+    <dgm:txPr/>
+    <dgm:style>
+      <a:lnRef idx="2">
+        <a:scrgbClr r="0" g="0" b="0"/>
+      </a:lnRef>
+      <a:fillRef idx="1">
+        <a:scrgbClr r="0" g="0" b="0"/>
+      </a:fillRef>
+      <a:effectRef idx="0">
+        <a:scrgbClr r="0" g="0" b="0"/>
+      </a:effectRef>
+      <a:fontRef idx="minor">
+        <a:schemeClr val="lt1"/>
+      </a:fontRef>
+    </dgm:style>
+  </dgm:styleLbl>
+  <dgm:styleLbl name="node2">
+    <dgm:scene3d>
+      <a:camera prst="orthographicFront"/>
+      <a:lightRig rig="threePt" dir="t"/>
+    </dgm:scene3d>
+    <dgm:sp3d/>
+    <dgm:txPr/>
+    <dgm:style>
+      <a:lnRef idx="2">
+        <a:scrgbClr r="0" g="0" b="0"/>
+      </a:lnRef>
+      <a:fillRef idx="1">
+        <a:scrgbClr r="0" g="0" b="0"/>
+      </a:fillRef>
+      <a:effectRef idx="0">
+        <a:scrgbClr r="0" g="0" b="0"/>
+      </a:effectRef>
+      <a:fontRef idx="minor">
+        <a:schemeClr val="lt1"/>
+      </a:fontRef>
+    </dgm:style>
+  </dgm:styleLbl>
+  <dgm:styleLbl name="node3">
+    <dgm:scene3d>
+      <a:camera prst="orthographicFront"/>
+      <a:lightRig rig="threePt" dir="t"/>
+    </dgm:scene3d>
+    <dgm:sp3d/>
+    <dgm:txPr/>
+    <dgm:style>
+      <a:lnRef idx="2">
+        <a:scrgbClr r="0" g="0" b="0"/>
+      </a:lnRef>
+      <a:fillRef idx="1">
+        <a:scrgbClr r="0" g="0" b="0"/>
+      </a:fillRef>
+      <a:effectRef idx="0">
+        <a:scrgbClr r="0" g="0" b="0"/>
+      </a:effectRef>
+      <a:fontRef idx="minor">
+        <a:schemeClr val="lt1"/>
+      </a:fontRef>
+    </dgm:style>
+  </dgm:styleLbl>
+  <dgm:styleLbl name="node4">
+    <dgm:scene3d>
+      <a:camera prst="orthographicFront"/>
+      <a:lightRig rig="threePt" dir="t"/>
+    </dgm:scene3d>
+    <dgm:sp3d/>
+    <dgm:txPr/>
+    <dgm:style>
+      <a:lnRef idx="2">
+        <a:scrgbClr r="0" g="0" b="0"/>
+      </a:lnRef>
+      <a:fillRef idx="1">
+        <a:scrgbClr r="0" g="0" b="0"/>
+      </a:fillRef>
+      <a:effectRef idx="0">
+        <a:scrgbClr r="0" g="0" b="0"/>
+      </a:effectRef>
+      <a:fontRef idx="minor">
+        <a:schemeClr val="lt1"/>
+      </a:fontRef>
+    </dgm:style>
+  </dgm:styleLbl>
+  <dgm:styleLbl name="fgImgPlace1">
+    <dgm:scene3d>
+      <a:camera prst="orthographicFront"/>
+      <a:lightRig rig="threePt" dir="t"/>
+    </dgm:scene3d>
+    <dgm:sp3d/>
+    <dgm:txPr/>
+    <dgm:style>
+      <a:lnRef idx="2">
+        <a:scrgbClr r="0" g="0" b="0"/>
+      </a:lnRef>
+      <a:fillRef idx="1">
+        <a:scrgbClr r="0" g="0" b="0"/>
+      </a:fillRef>
+      <a:effectRef idx="0">
+        <a:scrgbClr r="0" g="0" b="0"/>
+      </a:effectRef>
+      <a:fontRef idx="minor"/>
+    </dgm:style>
+  </dgm:styleLbl>
+  <dgm:styleLbl name="alignImgPlace1">
+    <dgm:scene3d>
+      <a:camera prst="orthographicFront"/>
+      <a:lightRig rig="threePt" dir="t"/>
+    </dgm:scene3d>
+    <dgm:sp3d/>
+    <dgm:txPr/>
+    <dgm:style>
+      <a:lnRef idx="2">
+        <a:scrgbClr r="0" g="0" b="0"/>
+      </a:lnRef>
+      <a:fillRef idx="1">
+        <a:scrgbClr r="0" g="0" b="0"/>
+      </a:fillRef>
+      <a:effectRef idx="0">
+        <a:scrgbClr r="0" g="0" b="0"/>
+      </a:effectRef>
+      <a:fontRef idx="minor"/>
+    </dgm:style>
+  </dgm:styleLbl>
+  <dgm:styleLbl name="bgImgPlace1">
+    <dgm:scene3d>
+      <a:camera prst="orthographicFront"/>
+      <a:lightRig rig="threePt" dir="t"/>
+    </dgm:scene3d>
+    <dgm:sp3d/>
+    <dgm:txPr/>
+    <dgm:style>
+      <a:lnRef idx="2">
+        <a:scrgbClr r="0" g="0" b="0"/>
+      </a:lnRef>
+      <a:fillRef idx="1">
+        <a:scrgbClr r="0" g="0" b="0"/>
+      </a:fillRef>
+      <a:effectRef idx="0">
+        <a:scrgbClr r="0" g="0" b="0"/>
+      </a:effectRef>
+      <a:fontRef idx="minor"/>
+    </dgm:style>
+  </dgm:styleLbl>
+  <dgm:styleLbl name="sibTrans2D1">
+    <dgm:scene3d>
+      <a:camera prst="orthographicFront"/>
+      <a:lightRig rig="threePt" dir="t"/>
+    </dgm:scene3d>
+    <dgm:sp3d/>
+    <dgm:txPr/>
+    <dgm:style>
+      <a:lnRef idx="0">
+        <a:scrgbClr r="0" g="0" b="0"/>
+      </a:lnRef>
+      <a:fillRef idx="1">
+        <a:scrgbClr r="0" g="0" b="0"/>
+      </a:fillRef>
+      <a:effectRef idx="0">
+        <a:scrgbClr r="0" g="0" b="0"/>
+      </a:effectRef>
+      <a:fontRef idx="minor">
+        <a:schemeClr val="lt1"/>
+      </a:fontRef>
+    </dgm:style>
+  </dgm:styleLbl>
+  <dgm:styleLbl name="fgSibTrans2D1">
+    <dgm:scene3d>
+      <a:camera prst="orthographicFront"/>
+      <a:lightRig rig="threePt" dir="t"/>
+    </dgm:scene3d>
+    <dgm:sp3d/>
+    <dgm:txPr/>
+    <dgm:style>
+      <a:lnRef idx="0">
+        <a:scrgbClr r="0" g="0" b="0"/>
+      </a:lnRef>
+      <a:fillRef idx="1">
+        <a:scrgbClr r="0" g="0" b="0"/>
+      </a:fillRef>
+      <a:effectRef idx="0">
+        <a:scrgbClr r="0" g="0" b="0"/>
+      </a:effectRef>
+      <a:fontRef idx="minor">
+        <a:schemeClr val="lt1"/>
+      </a:fontRef>
+    </dgm:style>
+  </dgm:styleLbl>
+  <dgm:styleLbl name="bgSibTrans2D1">
+    <dgm:scene3d>
+      <a:camera prst="orthographicFront"/>
+      <a:lightRig rig="threePt" dir="t"/>
+    </dgm:scene3d>
+    <dgm:sp3d/>
+    <dgm:txPr/>
+    <dgm:style>
+      <a:lnRef idx="0">
+        <a:scrgbClr r="0" g="0" b="0"/>
+      </a:lnRef>
+      <a:fillRef idx="1">
+        <a:scrgbClr r="0" g="0" b="0"/>
+      </a:fillRef>
+      <a:effectRef idx="0">
+        <a:scrgbClr r="0" g="0" b="0"/>
+      </a:effectRef>
+      <a:fontRef idx="minor">
+        <a:schemeClr val="lt1"/>
+      </a:fontRef>
+    </dgm:style>
+  </dgm:styleLbl>
+  <dgm:styleLbl name="sibTrans1D1">
+    <dgm:scene3d>
+      <a:camera prst="orthographicFront"/>
+      <a:lightRig rig="threePt" dir="t"/>
+    </dgm:scene3d>
+    <dgm:sp3d/>
+    <dgm:txPr/>
+    <dgm:style>
+      <a:lnRef idx="1">
+        <a:scrgbClr r="0" g="0" b="0"/>
+      </a:lnRef>
+      <a:fillRef idx="0">
+        <a:scrgbClr r="0" g="0" b="0"/>
+      </a:fillRef>
+      <a:effectRef idx="0">
+        <a:scrgbClr r="0" g="0" b="0"/>
+      </a:effectRef>
+      <a:fontRef idx="minor"/>
+    </dgm:style>
+  </dgm:styleLbl>
+  <dgm:styleLbl name="callout">
+    <dgm:scene3d>
+      <a:camera prst="orthographicFront"/>
+      <a:lightRig rig="threePt" dir="t"/>
+    </dgm:scene3d>
+    <dgm:sp3d/>
+    <dgm:txPr/>
+    <dgm:style>
+      <a:lnRef idx="2">
+        <a:scrgbClr r="0" g="0" b="0"/>
+      </a:lnRef>
+      <a:fillRef idx="1">
+        <a:scrgbClr r="0" g="0" b="0"/>
+      </a:fillRef>
+      <a:effectRef idx="0">
+        <a:scrgbClr r="0" g="0" b="0"/>
+      </a:effectRef>
+      <a:fontRef idx="minor"/>
+    </dgm:style>
+  </dgm:styleLbl>
+  <dgm:styleLbl name="asst0">
+    <dgm:scene3d>
+      <a:camera prst="orthographicFront"/>
+      <a:lightRig rig="threePt" dir="t"/>
+    </dgm:scene3d>
+    <dgm:sp3d/>
+    <dgm:txPr/>
+    <dgm:style>
+      <a:lnRef idx="2">
+        <a:scrgbClr r="0" g="0" b="0"/>
+      </a:lnRef>
+      <a:fillRef idx="1">
+        <a:scrgbClr r="0" g="0" b="0"/>
+      </a:fillRef>
+      <a:effectRef idx="0">
+        <a:scrgbClr r="0" g="0" b="0"/>
+      </a:effectRef>
+      <a:fontRef idx="minor">
+        <a:schemeClr val="lt1"/>
+      </a:fontRef>
+    </dgm:style>
+  </dgm:styleLbl>
+  <dgm:styleLbl name="asst1">
+    <dgm:scene3d>
+      <a:camera prst="orthographicFront"/>
+      <a:lightRig rig="threePt" dir="t"/>
+    </dgm:scene3d>
+    <dgm:sp3d/>
+    <dgm:txPr/>
+    <dgm:style>
+      <a:lnRef idx="2">
+        <a:scrgbClr r="0" g="0" b="0"/>
+      </a:lnRef>
+      <a:fillRef idx="1">
+        <a:scrgbClr r="0" g="0" b="0"/>
+      </a:fillRef>
+      <a:effectRef idx="0">
+        <a:scrgbClr r="0" g="0" b="0"/>
+      </a:effectRef>
+      <a:fontRef idx="minor">
+        <a:schemeClr val="lt1"/>
+      </a:fontRef>
+    </dgm:style>
+  </dgm:styleLbl>
+  <dgm:styleLbl name="asst2">
+    <dgm:scene3d>
+      <a:camera prst="orthographicFront"/>
+      <a:lightRig rig="threePt" dir="t"/>
+    </dgm:scene3d>
+    <dgm:sp3d/>
+    <dgm:txPr/>
+    <dgm:style>
+      <a:lnRef idx="2">
+        <a:scrgbClr r="0" g="0" b="0"/>
+      </a:lnRef>
+      <a:fillRef idx="1">
+        <a:scrgbClr r="0" g="0" b="0"/>
+      </a:fillRef>
+      <a:effectRef idx="0">
+        <a:scrgbClr r="0" g="0" b="0"/>
+      </a:effectRef>
+      <a:fontRef idx="minor">
+        <a:schemeClr val="lt1"/>
+      </a:fontRef>
+    </dgm:style>
+  </dgm:styleLbl>
+  <dgm:styleLbl name="asst3">
+    <dgm:scene3d>
+      <a:camera prst="orthographicFront"/>
+      <a:lightRig rig="threePt" dir="t"/>
+    </dgm:scene3d>
+    <dgm:sp3d/>
+    <dgm:txPr/>
+    <dgm:style>
+      <a:lnRef idx="2">
+        <a:scrgbClr r="0" g="0" b="0"/>
+      </a:lnRef>
+      <a:fillRef idx="1">
+        <a:scrgbClr r="0" g="0" b="0"/>
+      </a:fillRef>
+      <a:effectRef idx="0">
+        <a:scrgbClr r="0" g="0" b="0"/>
+      </a:effectRef>
+      <a:fontRef idx="minor">
+        <a:schemeClr val="lt1"/>
+      </a:fontRef>
+    </dgm:style>
+  </dgm:styleLbl>
+  <dgm:styleLbl name="asst4">
+    <dgm:scene3d>
+      <a:camera prst="orthographicFront"/>
+      <a:lightRig rig="threePt" dir="t"/>
+    </dgm:scene3d>
+    <dgm:sp3d/>
+    <dgm:txPr/>
+    <dgm:style>
+      <a:lnRef idx="2">
+        <a:scrgbClr r="0" g="0" b="0"/>
+      </a:lnRef>
+      <a:fillRef idx="1">
+        <a:scrgbClr r="0" g="0" b="0"/>
+      </a:fillRef>
+      <a:effectRef idx="0">
+        <a:scrgbClr r="0" g="0" b="0"/>
+      </a:effectRef>
+      <a:fontRef idx="minor">
+        <a:schemeClr val="lt1"/>
+      </a:fontRef>
+    </dgm:style>
+  </dgm:styleLbl>
+  <dgm:styleLbl name="parChTrans2D1">
+    <dgm:scene3d>
+      <a:camera prst="orthographicFront"/>
+      <a:lightRig rig="threePt" dir="t"/>
+    </dgm:scene3d>
+    <dgm:sp3d/>
+    <dgm:txPr/>
+    <dgm:style>
+      <a:lnRef idx="2">
+        <a:scrgbClr r="0" g="0" b="0"/>
+      </a:lnRef>
+      <a:fillRef idx="1">
+        <a:scrgbClr r="0" g="0" b="0"/>
+      </a:fillRef>
+      <a:effectRef idx="0">
+        <a:scrgbClr r="0" g="0" b="0"/>
+      </a:effectRef>
+      <a:fontRef idx="minor">
+        <a:schemeClr val="lt1"/>
+      </a:fontRef>
+    </dgm:style>
+  </dgm:styleLbl>
+  <dgm:styleLbl name="parChTrans2D2">
+    <dgm:scene3d>
+      <a:camera prst="orthographicFront"/>
+      <a:lightRig rig="threePt" dir="t"/>
+    </dgm:scene3d>
+    <dgm:sp3d/>
+    <dgm:txPr/>
+    <dgm:style>
+      <a:lnRef idx="2">
+        <a:scrgbClr r="0" g="0" b="0"/>
+      </a:lnRef>
+      <a:fillRef idx="1">
+        <a:scrgbClr r="0" g="0" b="0"/>
+      </a:fillRef>
+      <a:effectRef idx="0">
+        <a:scrgbClr r="0" g="0" b="0"/>
+      </a:effectRef>
+      <a:fontRef idx="minor">
+        <a:schemeClr val="lt1"/>
+      </a:fontRef>
+    </dgm:style>
+  </dgm:styleLbl>
+  <dgm:styleLbl name="parChTrans2D3">
+    <dgm:scene3d>
+      <a:camera prst="orthographicFront"/>
+      <a:lightRig rig="threePt" dir="t"/>
+    </dgm:scene3d>
+    <dgm:sp3d/>
+    <dgm:txPr/>
+    <dgm:style>
+      <a:lnRef idx="2">
+        <a:scrgbClr r="0" g="0" b="0"/>
+      </a:lnRef>
+      <a:fillRef idx="1">
+        <a:scrgbClr r="0" g="0" b="0"/>
+      </a:fillRef>
+      <a:effectRef idx="0">
+        <a:scrgbClr r="0" g="0" b="0"/>
+      </a:effectRef>
+      <a:fontRef idx="minor">
+        <a:schemeClr val="lt1"/>
+      </a:fontRef>
+    </dgm:style>
+  </dgm:styleLbl>
+  <dgm:styleLbl name="parChTrans2D4">
+    <dgm:scene3d>
+      <a:camera prst="orthographicFront"/>
+      <a:lightRig rig="threePt" dir="t"/>
+    </dgm:scene3d>
+    <dgm:sp3d/>
+    <dgm:txPr/>
+    <dgm:style>
+      <a:lnRef idx="2">
+        <a:scrgbClr r="0" g="0" b="0"/>
+      </a:lnRef>
+      <a:fillRef idx="1">
+        <a:scrgbClr r="0" g="0" b="0"/>
+      </a:fillRef>
+      <a:effectRef idx="0">
+        <a:scrgbClr r="0" g="0" b="0"/>
+      </a:effectRef>
+      <a:fontRef idx="minor">
+        <a:schemeClr val="lt1"/>
+      </a:fontRef>
+    </dgm:style>
+  </dgm:styleLbl>
+  <dgm:styleLbl name="parChTrans1D1">
+    <dgm:scene3d>
+      <a:camera prst="orthographicFront"/>
+      <a:lightRig rig="threePt" dir="t"/>
+    </dgm:scene3d>
+    <dgm:sp3d/>
+    <dgm:txPr/>
+    <dgm:style>
+      <a:lnRef idx="2">
+        <a:scrgbClr r="0" g="0" b="0"/>
+      </a:lnRef>
+      <a:fillRef idx="0">
+        <a:scrgbClr r="0" g="0" b="0"/>
+      </a:fillRef>
+      <a:effectRef idx="0">
+        <a:scrgbClr r="0" g="0" b="0"/>
+      </a:effectRef>
+      <a:fontRef idx="minor"/>
+    </dgm:style>
+  </dgm:styleLbl>
+  <dgm:styleLbl name="parChTrans1D2">
+    <dgm:scene3d>
+      <a:camera prst="orthographicFront"/>
+      <a:lightRig rig="threePt" dir="t"/>
+    </dgm:scene3d>
+    <dgm:sp3d/>
+    <dgm:txPr/>
+    <dgm:style>
+      <a:lnRef idx="2">
+        <a:scrgbClr r="0" g="0" b="0"/>
+      </a:lnRef>
+      <a:fillRef idx="0">
+        <a:scrgbClr r="0" g="0" b="0"/>
+      </a:fillRef>
+      <a:effectRef idx="0">
+        <a:scrgbClr r="0" g="0" b="0"/>
+      </a:effectRef>
+      <a:fontRef idx="minor"/>
+    </dgm:style>
+  </dgm:styleLbl>
+  <dgm:styleLbl name="parChTrans1D3">
+    <dgm:scene3d>
+      <a:camera prst="orthographicFront"/>
+      <a:lightRig rig="threePt" dir="t"/>
+    </dgm:scene3d>
+    <dgm:sp3d/>
+    <dgm:txPr/>
+    <dgm:style>
+      <a:lnRef idx="2">
+        <a:scrgbClr r="0" g="0" b="0"/>
+      </a:lnRef>
+      <a:fillRef idx="0">
+        <a:scrgbClr r="0" g="0" b="0"/>
+      </a:fillRef>
+      <a:effectRef idx="0">
+        <a:scrgbClr r="0" g="0" b="0"/>
+      </a:effectRef>
+      <a:fontRef idx="minor"/>
+    </dgm:style>
+  </dgm:styleLbl>
+  <dgm:styleLbl name="parChTrans1D4">
+    <dgm:scene3d>
+      <a:camera prst="orthographicFront"/>
+      <a:lightRig rig="threePt" dir="t"/>
+    </dgm:scene3d>
+    <dgm:sp3d/>
+    <dgm:txPr/>
+    <dgm:style>
+      <a:lnRef idx="2">
+        <a:scrgbClr r="0" g="0" b="0"/>
+      </a:lnRef>
+      <a:fillRef idx="0">
+        <a:scrgbClr r="0" g="0" b="0"/>
+      </a:fillRef>
+      <a:effectRef idx="0">
+        <a:scrgbClr r="0" g="0" b="0"/>
+      </a:effectRef>
+      <a:fontRef idx="minor"/>
+    </dgm:style>
+  </dgm:styleLbl>
+  <dgm:styleLbl name="fgAcc1">
+    <dgm:scene3d>
+      <a:camera prst="orthographicFront"/>
+      <a:lightRig rig="threePt" dir="t"/>
+    </dgm:scene3d>
+    <dgm:sp3d/>
+    <dgm:txPr/>
+    <dgm:style>
+      <a:lnRef idx="2">
+        <a:scrgbClr r="0" g="0" b="0"/>
+      </a:lnRef>
+      <a:fillRef idx="1">
+        <a:scrgbClr r="0" g="0" b="0"/>
+      </a:fillRef>
+      <a:effectRef idx="0">
+        <a:scrgbClr r="0" g="0" b="0"/>
+      </a:effectRef>
+      <a:fontRef idx="minor"/>
+    </dgm:style>
+  </dgm:styleLbl>
+  <dgm:styleLbl name="conFgAcc1">
+    <dgm:scene3d>
+      <a:camera prst="orthographicFront"/>
+      <a:lightRig rig="threePt" dir="t"/>
+    </dgm:scene3d>
+    <dgm:sp3d/>
+    <dgm:txPr/>
+    <dgm:style>
+      <a:lnRef idx="2">
+        <a:scrgbClr r="0" g="0" b="0"/>
+      </a:lnRef>
+      <a:fillRef idx="1">
+        <a:scrgbClr r="0" g="0" b="0"/>
+      </a:fillRef>
+      <a:effectRef idx="0">
+        <a:scrgbClr r="0" g="0" b="0"/>
+      </a:effectRef>
+      <a:fontRef idx="minor"/>
+    </dgm:style>
+  </dgm:styleLbl>
+  <dgm:styleLbl name="alignAcc1">
+    <dgm:scene3d>
+      <a:camera prst="orthographicFront"/>
+      <a:lightRig rig="threePt" dir="t"/>
+    </dgm:scene3d>
+    <dgm:sp3d/>
+    <dgm:txPr/>
+    <dgm:style>
+      <a:lnRef idx="2">
+        <a:scrgbClr r="0" g="0" b="0"/>
+      </a:lnRef>
+      <a:fillRef idx="1">
+        <a:scrgbClr r="0" g="0" b="0"/>
+      </a:fillRef>
+      <a:effectRef idx="0">
+        <a:scrgbClr r="0" g="0" b="0"/>
+      </a:effectRef>
+      <a:fontRef idx="minor"/>
+    </dgm:style>
+  </dgm:styleLbl>
+  <dgm:styleLbl name="trAlignAcc1">
+    <dgm:scene3d>
+      <a:camera prst="orthographicFront"/>
+      <a:lightRig rig="threePt" dir="t"/>
+    </dgm:scene3d>
+    <dgm:sp3d/>
+    <dgm:txPr/>
+    <dgm:style>
+      <a:lnRef idx="1">
+        <a:scrgbClr r="0" g="0" b="0"/>
+      </a:lnRef>
+      <a:fillRef idx="1">
+        <a:scrgbClr r="0" g="0" b="0"/>
+      </a:fillRef>
+      <a:effectRef idx="0">
+        <a:scrgbClr r="0" g="0" b="0"/>
+      </a:effectRef>
+      <a:fontRef idx="minor"/>
+    </dgm:style>
+  </dgm:styleLbl>
+  <dgm:styleLbl name="bgAcc1">
+    <dgm:scene3d>
+      <a:camera prst="orthographicFront"/>
+      <a:lightRig rig="threePt" dir="t"/>
+    </dgm:scene3d>
+    <dgm:sp3d/>
+    <dgm:txPr/>
+    <dgm:style>
+      <a:lnRef idx="2">
+        <a:scrgbClr r="0" g="0" b="0"/>
+      </a:lnRef>
+      <a:fillRef idx="1">
+        <a:scrgbClr r="0" g="0" b="0"/>
+      </a:fillRef>
+      <a:effectRef idx="0">
+        <a:scrgbClr r="0" g="0" b="0"/>
+      </a:effectRef>
+      <a:fontRef idx="minor"/>
+    </dgm:style>
+  </dgm:styleLbl>
+  <dgm:styleLbl name="solidFgAcc1">
+    <dgm:scene3d>
+      <a:camera prst="orthographicFront"/>
+      <a:lightRig rig="threePt" dir="t"/>
+    </dgm:scene3d>
+    <dgm:sp3d/>
+    <dgm:txPr/>
+    <dgm:style>
+      <a:lnRef idx="2">
+        <a:scrgbClr r="0" g="0" b="0"/>
+      </a:lnRef>
+      <a:fillRef idx="1">
+        <a:scrgbClr r="0" g="0" b="0"/>
+      </a:fillRef>
+      <a:effectRef idx="0">
+        <a:scrgbClr r="0" g="0" b="0"/>
+      </a:effectRef>
+      <a:fontRef idx="minor"/>
+    </dgm:style>
+  </dgm:styleLbl>
+  <dgm:styleLbl name="solidAlignAcc1">
+    <dgm:scene3d>
+      <a:camera prst="orthographicFront"/>
+      <a:lightRig rig="threePt" dir="t"/>
+    </dgm:scene3d>
+    <dgm:sp3d/>
+    <dgm:txPr/>
+    <dgm:style>
+      <a:lnRef idx="2">
+        <a:scrgbClr r="0" g="0" b="0"/>
+      </a:lnRef>
+      <a:fillRef idx="1">
+        <a:scrgbClr r="0" g="0" b="0"/>
+      </a:fillRef>
+      <a:effectRef idx="0">
+        <a:scrgbClr r="0" g="0" b="0"/>
+      </a:effectRef>
+      <a:fontRef idx="minor"/>
+    </dgm:style>
+  </dgm:styleLbl>
+  <dgm:styleLbl name="solidBgAcc1">
+    <dgm:scene3d>
+      <a:camera prst="orthographicFront"/>
+      <a:lightRig rig="threePt" dir="t"/>
+    </dgm:scene3d>
+    <dgm:sp3d/>
+    <dgm:txPr/>
+    <dgm:style>
+      <a:lnRef idx="2">
+        <a:scrgbClr r="0" g="0" b="0"/>
+      </a:lnRef>
+      <a:fillRef idx="1">
+        <a:scrgbClr r="0" g="0" b="0"/>
+      </a:fillRef>
+      <a:effectRef idx="0">
+        <a:scrgbClr r="0" g="0" b="0"/>
+      </a:effectRef>
+      <a:fontRef idx="minor"/>
+    </dgm:style>
+  </dgm:styleLbl>
+  <dgm:styleLbl name="fgAccFollowNode1">
+    <dgm:scene3d>
+      <a:camera prst="orthographicFront"/>
+      <a:lightRig rig="threePt" dir="t"/>
+    </dgm:scene3d>
+    <dgm:sp3d/>
+    <dgm:txPr/>
+    <dgm:style>
+      <a:lnRef idx="2">
+        <a:scrgbClr r="0" g="0" b="0"/>
+      </a:lnRef>
+      <a:fillRef idx="1">
+        <a:scrgbClr r="0" g="0" b="0"/>
+      </a:fillRef>
+      <a:effectRef idx="0">
+        <a:scrgbClr r="0" g="0" b="0"/>
+      </a:effectRef>
+      <a:fontRef idx="minor"/>
+    </dgm:style>
+  </dgm:styleLbl>
+  <dgm:styleLbl name="alignAccFollowNode1">
+    <dgm:scene3d>
+      <a:camera prst="orthographicFront"/>
+      <a:lightRig rig="threePt" dir="t"/>
+    </dgm:scene3d>
+    <dgm:sp3d/>
+    <dgm:txPr/>
+    <dgm:style>
+      <a:lnRef idx="2">
+        <a:scrgbClr r="0" g="0" b="0"/>
+      </a:lnRef>
+      <a:fillRef idx="1">
+        <a:scrgbClr r="0" g="0" b="0"/>
+      </a:fillRef>
+      <a:effectRef idx="0">
+        <a:scrgbClr r="0" g="0" b="0"/>
+      </a:effectRef>
+      <a:fontRef idx="minor"/>
+    </dgm:style>
+  </dgm:styleLbl>
+  <dgm:styleLbl name="bgAccFollowNode1">
+    <dgm:scene3d>
+      <a:camera prst="orthographicFront"/>
+      <a:lightRig rig="threePt" dir="t"/>
+    </dgm:scene3d>
+    <dgm:sp3d/>
+    <dgm:txPr/>
+    <dgm:style>
+      <a:lnRef idx="2">
+        <a:scrgbClr r="0" g="0" b="0"/>
+      </a:lnRef>
+      <a:fillRef idx="1">
+        <a:scrgbClr r="0" g="0" b="0"/>
+      </a:fillRef>
+      <a:effectRef idx="0">
+        <a:scrgbClr r="0" g="0" b="0"/>
+      </a:effectRef>
+      <a:fontRef idx="minor"/>
+    </dgm:style>
+  </dgm:styleLbl>
+  <dgm:styleLbl name="fgAcc0">
+    <dgm:scene3d>
+      <a:camera prst="orthographicFront"/>
+      <a:lightRig rig="threePt" dir="t"/>
+    </dgm:scene3d>
+    <dgm:sp3d/>
+    <dgm:txPr/>
+    <dgm:style>
+      <a:lnRef idx="2">
+        <a:scrgbClr r="0" g="0" b="0"/>
+      </a:lnRef>
+      <a:fillRef idx="1">
+        <a:scrgbClr r="0" g="0" b="0"/>
+      </a:fillRef>
+      <a:effectRef idx="0">
+        <a:scrgbClr r="0" g="0" b="0"/>
+      </a:effectRef>
+      <a:fontRef idx="minor"/>
+    </dgm:style>
+  </dgm:styleLbl>
+  <dgm:styleLbl name="fgAcc2">
+    <dgm:scene3d>
+      <a:camera prst="orthographicFront"/>
+      <a:lightRig rig="threePt" dir="t"/>
+    </dgm:scene3d>
+    <dgm:sp3d/>
+    <dgm:txPr/>
+    <dgm:style>
+      <a:lnRef idx="2">
+        <a:scrgbClr r="0" g="0" b="0"/>
+      </a:lnRef>
+      <a:fillRef idx="1">
+        <a:scrgbClr r="0" g="0" b="0"/>
+      </a:fillRef>
+      <a:effectRef idx="0">
+        <a:scrgbClr r="0" g="0" b="0"/>
+      </a:effectRef>
+      <a:fontRef idx="minor"/>
+    </dgm:style>
+  </dgm:styleLbl>
+  <dgm:styleLbl name="fgAcc3">
+    <dgm:scene3d>
+      <a:camera prst="orthographicFront"/>
+      <a:lightRig rig="threePt" dir="t"/>
+    </dgm:scene3d>
+    <dgm:sp3d/>
+    <dgm:txPr/>
+    <dgm:style>
+      <a:lnRef idx="2">
+        <a:scrgbClr r="0" g="0" b="0"/>
+      </a:lnRef>
+      <a:fillRef idx="1">
+        <a:scrgbClr r="0" g="0" b="0"/>
+      </a:fillRef>
+      <a:effectRef idx="0">
+        <a:scrgbClr r="0" g="0" b="0"/>
+      </a:effectRef>
+      <a:fontRef idx="minor"/>
+    </dgm:style>
+  </dgm:styleLbl>
+  <dgm:styleLbl name="fgAcc4">
+    <dgm:scene3d>
+      <a:camera prst="orthographicFront"/>
+      <a:lightRig rig="threePt" dir="t"/>
+    </dgm:scene3d>
+    <dgm:sp3d/>
+    <dgm:txPr/>
+    <dgm:style>
+      <a:lnRef idx="2">
+        <a:scrgbClr r="0" g="0" b="0"/>
+      </a:lnRef>
+      <a:fillRef idx="1">
+        <a:scrgbClr r="0" g="0" b="0"/>
+      </a:fillRef>
+      <a:effectRef idx="0">
+        <a:scrgbClr r="0" g="0" b="0"/>
+      </a:effectRef>
+      <a:fontRef idx="minor"/>
+    </dgm:style>
+  </dgm:styleLbl>
+  <dgm:styleLbl name="bgShp">
+    <dgm:scene3d>
+      <a:camera prst="orthographicFront"/>
+      <a:lightRig rig="threePt" dir="t"/>
+    </dgm:scene3d>
+    <dgm:sp3d/>
+    <dgm:txPr/>
+    <dgm:style>
+      <a:lnRef idx="0">
+        <a:scrgbClr r="0" g="0" b="0"/>
+      </a:lnRef>
+      <a:fillRef idx="1">
+        <a:scrgbClr r="0" g="0" b="0"/>
+      </a:fillRef>
+      <a:effectRef idx="0">
+        <a:scrgbClr r="0" g="0" b="0"/>
+      </a:effectRef>
+      <a:fontRef idx="minor"/>
+    </dgm:style>
+  </dgm:styleLbl>
+  <dgm:styleLbl name="dkBgShp">
+    <dgm:scene3d>
+      <a:camera prst="orthographicFront"/>
+      <a:lightRig rig="threePt" dir="t"/>
+    </dgm:scene3d>
+    <dgm:sp3d/>
+    <dgm:txPr/>
+    <dgm:style>
+      <a:lnRef idx="0">
+        <a:scrgbClr r="0" g="0" b="0"/>
+      </a:lnRef>
+      <a:fillRef idx="1">
+        <a:scrgbClr r="0" g="0" b="0"/>
+      </a:fillRef>
+      <a:effectRef idx="0">
+        <a:scrgbClr r="0" g="0" b="0"/>
+      </a:effectRef>
+      <a:fontRef idx="minor"/>
+    </dgm:style>
+  </dgm:styleLbl>
+  <dgm:styleLbl name="trBgShp">
+    <dgm:scene3d>
+      <a:camera prst="orthographicFront"/>
+      <a:lightRig rig="threePt" dir="t"/>
+    </dgm:scene3d>
+    <dgm:sp3d/>
+    <dgm:txPr/>
+    <dgm:style>
+      <a:lnRef idx="0">
+        <a:scrgbClr r="0" g="0" b="0"/>
+      </a:lnRef>
+      <a:fillRef idx="1">
+        <a:scrgbClr r="0" g="0" b="0"/>
+      </a:fillRef>
+      <a:effectRef idx="0">
+        <a:scrgbClr r="0" g="0" b="0"/>
+      </a:effectRef>
+      <a:fontRef idx="minor"/>
+    </dgm:style>
+  </dgm:styleLbl>
+  <dgm:styleLbl name="fgShp">
+    <dgm:scene3d>
+      <a:camera prst="orthographicFront"/>
+      <a:lightRig rig="threePt" dir="t"/>
+    </dgm:scene3d>
+    <dgm:sp3d/>
+    <dgm:txPr/>
+    <dgm:style>
+      <a:lnRef idx="2">
+        <a:scrgbClr r="0" g="0" b="0"/>
+      </a:lnRef>
+      <a:fillRef idx="1">
+        <a:scrgbClr r="0" g="0" b="0"/>
+      </a:fillRef>
+      <a:effectRef idx="0">
+        <a:scrgbClr r="0" g="0" b="0"/>
+      </a:effectRef>
+      <a:fontRef idx="minor"/>
+    </dgm:style>
+  </dgm:styleLbl>
+  <dgm:styleLbl name="revTx">
+    <dgm:scene3d>
+      <a:camera prst="orthographicFront"/>
+      <a:lightRig rig="threePt" dir="t"/>
+    </dgm:scene3d>
+    <dgm:sp3d/>
+    <dgm:txPr/>
+    <dgm:style>
+      <a:lnRef idx="0">
+        <a:scrgbClr r="0" g="0" b="0"/>
+      </a:lnRef>
+      <a:fillRef idx="0">
+        <a:scrgbClr r="0" g="0" b="0"/>
+      </a:fillRef>
+      <a:effectRef idx="0">
+        <a:scrgbClr r="0" g="0" b="0"/>
+      </a:effectRef>
+      <a:fontRef idx="minor"/>
+    </dgm:style>
+  </dgm:styleLbl>
+</dgm:styleDef>
 </file>
 
 <file path=ppt/slideLayouts/slideLayout1.xml><?xml version="1.0" encoding="utf-8"?>
@@ -265,7 +2831,7 @@
           <a:p>
             <a:fld id="{2B7D50D7-97F6-4887-B034-63EF8A2E9BDF}" type="datetimeFigureOut">
               <a:rPr lang="en-US" smtClean="0"/>
-              <a:t>10/12/2016</a:t>
+              <a:t>10/13/2016</a:t>
             </a:fld>
             <a:endParaRPr lang="en-US"/>
           </a:p>
@@ -435,7 +3001,7 @@
           <a:p>
             <a:fld id="{2B7D50D7-97F6-4887-B034-63EF8A2E9BDF}" type="datetimeFigureOut">
               <a:rPr lang="en-US" smtClean="0"/>
-              <a:t>10/12/2016</a:t>
+              <a:t>10/13/2016</a:t>
             </a:fld>
             <a:endParaRPr lang="en-US"/>
           </a:p>
@@ -615,7 +3181,7 @@
           <a:p>
             <a:fld id="{2B7D50D7-97F6-4887-B034-63EF8A2E9BDF}" type="datetimeFigureOut">
               <a:rPr lang="en-US" smtClean="0"/>
-              <a:t>10/12/2016</a:t>
+              <a:t>10/13/2016</a:t>
             </a:fld>
             <a:endParaRPr lang="en-US"/>
           </a:p>
@@ -785,7 +3351,7 @@
           <a:p>
             <a:fld id="{2B7D50D7-97F6-4887-B034-63EF8A2E9BDF}" type="datetimeFigureOut">
               <a:rPr lang="en-US" smtClean="0"/>
-              <a:t>10/12/2016</a:t>
+              <a:t>10/13/2016</a:t>
             </a:fld>
             <a:endParaRPr lang="en-US"/>
           </a:p>
@@ -1031,7 +3597,7 @@
           <a:p>
             <a:fld id="{2B7D50D7-97F6-4887-B034-63EF8A2E9BDF}" type="datetimeFigureOut">
               <a:rPr lang="en-US" smtClean="0"/>
-              <a:t>10/12/2016</a:t>
+              <a:t>10/13/2016</a:t>
             </a:fld>
             <a:endParaRPr lang="en-US"/>
           </a:p>
@@ -1263,7 +3829,7 @@
           <a:p>
             <a:fld id="{2B7D50D7-97F6-4887-B034-63EF8A2E9BDF}" type="datetimeFigureOut">
               <a:rPr lang="en-US" smtClean="0"/>
-              <a:t>10/12/2016</a:t>
+              <a:t>10/13/2016</a:t>
             </a:fld>
             <a:endParaRPr lang="en-US"/>
           </a:p>
@@ -1630,7 +4196,7 @@
           <a:p>
             <a:fld id="{2B7D50D7-97F6-4887-B034-63EF8A2E9BDF}" type="datetimeFigureOut">
               <a:rPr lang="en-US" smtClean="0"/>
-              <a:t>10/12/2016</a:t>
+              <a:t>10/13/2016</a:t>
             </a:fld>
             <a:endParaRPr lang="en-US"/>
           </a:p>
@@ -1748,7 +4314,7 @@
           <a:p>
             <a:fld id="{2B7D50D7-97F6-4887-B034-63EF8A2E9BDF}" type="datetimeFigureOut">
               <a:rPr lang="en-US" smtClean="0"/>
-              <a:t>10/12/2016</a:t>
+              <a:t>10/13/2016</a:t>
             </a:fld>
             <a:endParaRPr lang="en-US"/>
           </a:p>
@@ -1843,7 +4409,7 @@
           <a:p>
             <a:fld id="{2B7D50D7-97F6-4887-B034-63EF8A2E9BDF}" type="datetimeFigureOut">
               <a:rPr lang="en-US" smtClean="0"/>
-              <a:t>10/12/2016</a:t>
+              <a:t>10/13/2016</a:t>
             </a:fld>
             <a:endParaRPr lang="en-US"/>
           </a:p>
@@ -2120,7 +4686,7 @@
           <a:p>
             <a:fld id="{2B7D50D7-97F6-4887-B034-63EF8A2E9BDF}" type="datetimeFigureOut">
               <a:rPr lang="en-US" smtClean="0"/>
-              <a:t>10/12/2016</a:t>
+              <a:t>10/13/2016</a:t>
             </a:fld>
             <a:endParaRPr lang="en-US"/>
           </a:p>
@@ -2373,7 +4939,7 @@
           <a:p>
             <a:fld id="{2B7D50D7-97F6-4887-B034-63EF8A2E9BDF}" type="datetimeFigureOut">
               <a:rPr lang="en-US" smtClean="0"/>
-              <a:t>10/12/2016</a:t>
+              <a:t>10/13/2016</a:t>
             </a:fld>
             <a:endParaRPr lang="en-US"/>
           </a:p>
@@ -2586,7 +5152,7 @@
           <a:p>
             <a:fld id="{2B7D50D7-97F6-4887-B034-63EF8A2E9BDF}" type="datetimeFigureOut">
               <a:rPr lang="en-US" smtClean="0"/>
-              <a:t>10/12/2016</a:t>
+              <a:t>10/13/2016</a:t>
             </a:fld>
             <a:endParaRPr lang="en-US"/>
           </a:p>
@@ -3055,6 +5621,13 @@
   <p:clrMapOvr>
     <a:masterClrMapping/>
   </p:clrMapOvr>
+  <p:timing>
+    <p:tnLst>
+      <p:par>
+        <p:cTn id="1" dur="indefinite" restart="never" nodeType="tmRoot"/>
+      </p:par>
+    </p:tnLst>
+  </p:timing>
 </p:sld>
 </file>
 
@@ -4111,6 +6684,13 @@
   <p:clrMapOvr>
     <a:masterClrMapping/>
   </p:clrMapOvr>
+  <p:timing>
+    <p:tnLst>
+      <p:par>
+        <p:cTn id="1" dur="indefinite" restart="never" nodeType="tmRoot"/>
+      </p:par>
+    </p:tnLst>
+  </p:timing>
 </p:sld>
 </file>
 
@@ -4295,7 +6875,7 @@
                           <a:rPr lang="en-US" b="0" i="1" smtClean="0">
                             <a:latin typeface="Cambria Math" panose="02040503050406030204" pitchFamily="18" charset="0"/>
                           </a:rPr>
-                          <m:t>,</m:t>
+                          <m:t>;</m:t>
                         </m:r>
                         <m:r>
                           <a:rPr lang="en-US" b="0" i="1" smtClean="0">
@@ -4901,8 +7481,8 @@
           </p:sp>
         </mc:Fallback>
       </mc:AlternateContent>
-      <mc:AlternateContent xmlns:mc="http://schemas.openxmlformats.org/markup-compatibility/2006">
-        <mc:Choice xmlns:a14="http://schemas.microsoft.com/office/drawing/2010/main" Requires="a14">
+      <mc:AlternateContent xmlns:mc="http://schemas.openxmlformats.org/markup-compatibility/2006" xmlns:a14="http://schemas.microsoft.com/office/drawing/2010/main">
+        <mc:Choice Requires="a14">
           <p:sp>
             <p:nvSpPr>
               <p:cNvPr id="4" name="Rectangle 3"/>
@@ -4927,11 +7507,7 @@
                 <a:pPr lvl="1"/>
                 <a:r>
                   <a:rPr lang="en-US" altLang="zh-CN" sz="2800" dirty="0" smtClean="0"/>
-                  <a:t>Reinforce algorithm (MC based</a:t>
-                </a:r>
-                <a:r>
-                  <a:rPr lang="en-US" altLang="zh-CN" sz="2800" dirty="0" smtClean="0"/>
-                  <a:t>)</a:t>
+                  <a:t>Reinforce algorithm (MC based)</a:t>
                 </a:r>
               </a:p>
               <a:p>
@@ -4962,7 +7538,7 @@
             </p:txBody>
           </p:sp>
         </mc:Choice>
-        <mc:Fallback>
+        <mc:Fallback xmlns="">
           <p:sp>
             <p:nvSpPr>
               <p:cNvPr id="4" name="Rectangle 3"/>
@@ -5093,24 +7669,15 @@
             <a:pPr lvl="1"/>
             <a:r>
               <a:rPr lang="en-US" dirty="0" smtClean="0"/>
-              <a:t>Deep neural network to approximate functions in </a:t>
-            </a:r>
-            <a:r>
-              <a:rPr lang="en-US" dirty="0" smtClean="0"/>
-              <a:t>RL</a:t>
+              <a:t>Deep neural network to approximate functions in RL</a:t>
             </a:r>
           </a:p>
           <a:p>
             <a:pPr lvl="1"/>
             <a:r>
               <a:rPr lang="en-US" dirty="0" smtClean="0"/>
-              <a:t>Express abstract and complex function</a:t>
+              <a:t>Express abstract and complex function relation</a:t>
             </a:r>
-            <a:r>
-              <a:rPr lang="en-US" dirty="0" smtClean="0"/>
-              <a:t> relation</a:t>
-            </a:r>
-            <a:endParaRPr lang="en-US" dirty="0" smtClean="0"/>
           </a:p>
           <a:p>
             <a:pPr lvl="1"/>
@@ -5165,17 +7732,16 @@
             </a:pPr>
             <a:r>
               <a:rPr lang="en-US" sz="2400" dirty="0" smtClean="0"/>
-              <a:t>Deep </a:t>
+              <a:t>Deep value </a:t>
             </a:r>
             <a:r>
               <a:rPr lang="en-US" sz="2400" dirty="0" smtClean="0"/>
-              <a:t>value </a:t>
+              <a:t>function		(</a:t>
             </a:r>
             <a:r>
               <a:rPr lang="en-US" sz="2400" dirty="0" smtClean="0"/>
-              <a:t>function(DQN)</a:t>
+              <a:t>DQN)</a:t>
             </a:r>
-            <a:endParaRPr lang="en-US" sz="2400" dirty="0" smtClean="0"/>
           </a:p>
           <a:p>
             <a:pPr marL="685800" lvl="2">
@@ -5189,7 +7755,11 @@
             </a:r>
             <a:r>
               <a:rPr lang="en-US" sz="2400" dirty="0" smtClean="0"/>
-              <a:t>approximation(DDPG)</a:t>
+              <a:t>approximation	(</a:t>
+            </a:r>
+            <a:r>
+              <a:rPr lang="en-US" sz="2400" dirty="0" smtClean="0"/>
+              <a:t>DDPG)</a:t>
             </a:r>
           </a:p>
           <a:p>
@@ -5211,11 +7781,7 @@
             <a:pPr lvl="1"/>
             <a:r>
               <a:rPr lang="en-US" altLang="zh-CN" dirty="0" smtClean="0"/>
-              <a:t>No convergence </a:t>
-            </a:r>
-            <a:r>
-              <a:rPr lang="en-US" altLang="zh-CN" dirty="0" smtClean="0"/>
-              <a:t>guarantee</a:t>
+              <a:t>No convergence guarantee</a:t>
             </a:r>
           </a:p>
           <a:p>
@@ -5224,7 +7790,6 @@
               <a:rPr lang="en-US" altLang="zh-CN" dirty="0" smtClean="0"/>
               <a:t>Train slowly</a:t>
             </a:r>
-            <a:endParaRPr lang="en-US" altLang="zh-CN" dirty="0" smtClean="0"/>
           </a:p>
           <a:p>
             <a:pPr lvl="1"/>
@@ -5253,7 +7818,1345 @@
   <p:timing>
     <p:tnLst>
       <p:par>
-        <p:cTn id="1" dur="indefinite" restart="never" nodeType="tmRoot"/>
+        <p:cTn id="1" dur="indefinite" restart="never" nodeType="tmRoot">
+          <p:childTnLst>
+            <p:seq concurrent="1" nextAc="seek">
+              <p:cTn id="2" dur="indefinite" nodeType="mainSeq">
+                <p:childTnLst>
+                  <p:par>
+                    <p:cTn id="3" fill="hold">
+                      <p:stCondLst>
+                        <p:cond delay="indefinite"/>
+                      </p:stCondLst>
+                      <p:childTnLst>
+                        <p:par>
+                          <p:cTn id="4" fill="hold">
+                            <p:stCondLst>
+                              <p:cond delay="0"/>
+                            </p:stCondLst>
+                            <p:childTnLst>
+                              <p:par>
+                                <p:cTn id="5" presetID="42" presetClass="entr" presetSubtype="0" fill="hold" nodeType="clickEffect">
+                                  <p:stCondLst>
+                                    <p:cond delay="0"/>
+                                  </p:stCondLst>
+                                  <p:childTnLst>
+                                    <p:set>
+                                      <p:cBhvr>
+                                        <p:cTn id="6" dur="1" fill="hold">
+                                          <p:stCondLst>
+                                            <p:cond delay="0"/>
+                                          </p:stCondLst>
+                                        </p:cTn>
+                                        <p:tgtEl>
+                                          <p:spTgt spid="3">
+                                            <p:txEl>
+                                              <p:pRg st="0" end="0"/>
+                                            </p:txEl>
+                                          </p:spTgt>
+                                        </p:tgtEl>
+                                        <p:attrNameLst>
+                                          <p:attrName>style.visibility</p:attrName>
+                                        </p:attrNameLst>
+                                      </p:cBhvr>
+                                      <p:to>
+                                        <p:strVal val="visible"/>
+                                      </p:to>
+                                    </p:set>
+                                    <p:animEffect transition="in" filter="fade">
+                                      <p:cBhvr>
+                                        <p:cTn id="7" dur="1000"/>
+                                        <p:tgtEl>
+                                          <p:spTgt spid="3">
+                                            <p:txEl>
+                                              <p:pRg st="0" end="0"/>
+                                            </p:txEl>
+                                          </p:spTgt>
+                                        </p:tgtEl>
+                                      </p:cBhvr>
+                                    </p:animEffect>
+                                    <p:anim calcmode="lin" valueType="num">
+                                      <p:cBhvr>
+                                        <p:cTn id="8" dur="1000" fill="hold"/>
+                                        <p:tgtEl>
+                                          <p:spTgt spid="3">
+                                            <p:txEl>
+                                              <p:pRg st="0" end="0"/>
+                                            </p:txEl>
+                                          </p:spTgt>
+                                        </p:tgtEl>
+                                        <p:attrNameLst>
+                                          <p:attrName>ppt_x</p:attrName>
+                                        </p:attrNameLst>
+                                      </p:cBhvr>
+                                      <p:tavLst>
+                                        <p:tav tm="0">
+                                          <p:val>
+                                            <p:strVal val="#ppt_x"/>
+                                          </p:val>
+                                        </p:tav>
+                                        <p:tav tm="100000">
+                                          <p:val>
+                                            <p:strVal val="#ppt_x"/>
+                                          </p:val>
+                                        </p:tav>
+                                      </p:tavLst>
+                                    </p:anim>
+                                    <p:anim calcmode="lin" valueType="num">
+                                      <p:cBhvr>
+                                        <p:cTn id="9" dur="1000" fill="hold"/>
+                                        <p:tgtEl>
+                                          <p:spTgt spid="3">
+                                            <p:txEl>
+                                              <p:pRg st="0" end="0"/>
+                                            </p:txEl>
+                                          </p:spTgt>
+                                        </p:tgtEl>
+                                        <p:attrNameLst>
+                                          <p:attrName>ppt_y</p:attrName>
+                                        </p:attrNameLst>
+                                      </p:cBhvr>
+                                      <p:tavLst>
+                                        <p:tav tm="0">
+                                          <p:val>
+                                            <p:strVal val="#ppt_y+.1"/>
+                                          </p:val>
+                                        </p:tav>
+                                        <p:tav tm="100000">
+                                          <p:val>
+                                            <p:strVal val="#ppt_y"/>
+                                          </p:val>
+                                        </p:tav>
+                                      </p:tavLst>
+                                    </p:anim>
+                                  </p:childTnLst>
+                                </p:cTn>
+                              </p:par>
+                              <p:par>
+                                <p:cTn id="10" presetID="42" presetClass="entr" presetSubtype="0" fill="hold" nodeType="withEffect">
+                                  <p:stCondLst>
+                                    <p:cond delay="0"/>
+                                  </p:stCondLst>
+                                  <p:childTnLst>
+                                    <p:set>
+                                      <p:cBhvr>
+                                        <p:cTn id="11" dur="1" fill="hold">
+                                          <p:stCondLst>
+                                            <p:cond delay="0"/>
+                                          </p:stCondLst>
+                                        </p:cTn>
+                                        <p:tgtEl>
+                                          <p:spTgt spid="3">
+                                            <p:txEl>
+                                              <p:pRg st="1" end="1"/>
+                                            </p:txEl>
+                                          </p:spTgt>
+                                        </p:tgtEl>
+                                        <p:attrNameLst>
+                                          <p:attrName>style.visibility</p:attrName>
+                                        </p:attrNameLst>
+                                      </p:cBhvr>
+                                      <p:to>
+                                        <p:strVal val="visible"/>
+                                      </p:to>
+                                    </p:set>
+                                    <p:animEffect transition="in" filter="fade">
+                                      <p:cBhvr>
+                                        <p:cTn id="12" dur="1000"/>
+                                        <p:tgtEl>
+                                          <p:spTgt spid="3">
+                                            <p:txEl>
+                                              <p:pRg st="1" end="1"/>
+                                            </p:txEl>
+                                          </p:spTgt>
+                                        </p:tgtEl>
+                                      </p:cBhvr>
+                                    </p:animEffect>
+                                    <p:anim calcmode="lin" valueType="num">
+                                      <p:cBhvr>
+                                        <p:cTn id="13" dur="1000" fill="hold"/>
+                                        <p:tgtEl>
+                                          <p:spTgt spid="3">
+                                            <p:txEl>
+                                              <p:pRg st="1" end="1"/>
+                                            </p:txEl>
+                                          </p:spTgt>
+                                        </p:tgtEl>
+                                        <p:attrNameLst>
+                                          <p:attrName>ppt_x</p:attrName>
+                                        </p:attrNameLst>
+                                      </p:cBhvr>
+                                      <p:tavLst>
+                                        <p:tav tm="0">
+                                          <p:val>
+                                            <p:strVal val="#ppt_x"/>
+                                          </p:val>
+                                        </p:tav>
+                                        <p:tav tm="100000">
+                                          <p:val>
+                                            <p:strVal val="#ppt_x"/>
+                                          </p:val>
+                                        </p:tav>
+                                      </p:tavLst>
+                                    </p:anim>
+                                    <p:anim calcmode="lin" valueType="num">
+                                      <p:cBhvr>
+                                        <p:cTn id="14" dur="1000" fill="hold"/>
+                                        <p:tgtEl>
+                                          <p:spTgt spid="3">
+                                            <p:txEl>
+                                              <p:pRg st="1" end="1"/>
+                                            </p:txEl>
+                                          </p:spTgt>
+                                        </p:tgtEl>
+                                        <p:attrNameLst>
+                                          <p:attrName>ppt_y</p:attrName>
+                                        </p:attrNameLst>
+                                      </p:cBhvr>
+                                      <p:tavLst>
+                                        <p:tav tm="0">
+                                          <p:val>
+                                            <p:strVal val="#ppt_y+.1"/>
+                                          </p:val>
+                                        </p:tav>
+                                        <p:tav tm="100000">
+                                          <p:val>
+                                            <p:strVal val="#ppt_y"/>
+                                          </p:val>
+                                        </p:tav>
+                                      </p:tavLst>
+                                    </p:anim>
+                                  </p:childTnLst>
+                                </p:cTn>
+                              </p:par>
+                              <p:par>
+                                <p:cTn id="15" presetID="42" presetClass="entr" presetSubtype="0" fill="hold" nodeType="withEffect">
+                                  <p:stCondLst>
+                                    <p:cond delay="0"/>
+                                  </p:stCondLst>
+                                  <p:childTnLst>
+                                    <p:set>
+                                      <p:cBhvr>
+                                        <p:cTn id="16" dur="1" fill="hold">
+                                          <p:stCondLst>
+                                            <p:cond delay="0"/>
+                                          </p:stCondLst>
+                                        </p:cTn>
+                                        <p:tgtEl>
+                                          <p:spTgt spid="3">
+                                            <p:txEl>
+                                              <p:pRg st="2" end="2"/>
+                                            </p:txEl>
+                                          </p:spTgt>
+                                        </p:tgtEl>
+                                        <p:attrNameLst>
+                                          <p:attrName>style.visibility</p:attrName>
+                                        </p:attrNameLst>
+                                      </p:cBhvr>
+                                      <p:to>
+                                        <p:strVal val="visible"/>
+                                      </p:to>
+                                    </p:set>
+                                    <p:animEffect transition="in" filter="fade">
+                                      <p:cBhvr>
+                                        <p:cTn id="17" dur="1000"/>
+                                        <p:tgtEl>
+                                          <p:spTgt spid="3">
+                                            <p:txEl>
+                                              <p:pRg st="2" end="2"/>
+                                            </p:txEl>
+                                          </p:spTgt>
+                                        </p:tgtEl>
+                                      </p:cBhvr>
+                                    </p:animEffect>
+                                    <p:anim calcmode="lin" valueType="num">
+                                      <p:cBhvr>
+                                        <p:cTn id="18" dur="1000" fill="hold"/>
+                                        <p:tgtEl>
+                                          <p:spTgt spid="3">
+                                            <p:txEl>
+                                              <p:pRg st="2" end="2"/>
+                                            </p:txEl>
+                                          </p:spTgt>
+                                        </p:tgtEl>
+                                        <p:attrNameLst>
+                                          <p:attrName>ppt_x</p:attrName>
+                                        </p:attrNameLst>
+                                      </p:cBhvr>
+                                      <p:tavLst>
+                                        <p:tav tm="0">
+                                          <p:val>
+                                            <p:strVal val="#ppt_x"/>
+                                          </p:val>
+                                        </p:tav>
+                                        <p:tav tm="100000">
+                                          <p:val>
+                                            <p:strVal val="#ppt_x"/>
+                                          </p:val>
+                                        </p:tav>
+                                      </p:tavLst>
+                                    </p:anim>
+                                    <p:anim calcmode="lin" valueType="num">
+                                      <p:cBhvr>
+                                        <p:cTn id="19" dur="1000" fill="hold"/>
+                                        <p:tgtEl>
+                                          <p:spTgt spid="3">
+                                            <p:txEl>
+                                              <p:pRg st="2" end="2"/>
+                                            </p:txEl>
+                                          </p:spTgt>
+                                        </p:tgtEl>
+                                        <p:attrNameLst>
+                                          <p:attrName>ppt_y</p:attrName>
+                                        </p:attrNameLst>
+                                      </p:cBhvr>
+                                      <p:tavLst>
+                                        <p:tav tm="0">
+                                          <p:val>
+                                            <p:strVal val="#ppt_y+.1"/>
+                                          </p:val>
+                                        </p:tav>
+                                        <p:tav tm="100000">
+                                          <p:val>
+                                            <p:strVal val="#ppt_y"/>
+                                          </p:val>
+                                        </p:tav>
+                                      </p:tavLst>
+                                    </p:anim>
+                                  </p:childTnLst>
+                                </p:cTn>
+                              </p:par>
+                              <p:par>
+                                <p:cTn id="20" presetID="42" presetClass="entr" presetSubtype="0" fill="hold" nodeType="withEffect">
+                                  <p:stCondLst>
+                                    <p:cond delay="0"/>
+                                  </p:stCondLst>
+                                  <p:childTnLst>
+                                    <p:set>
+                                      <p:cBhvr>
+                                        <p:cTn id="21" dur="1" fill="hold">
+                                          <p:stCondLst>
+                                            <p:cond delay="0"/>
+                                          </p:stCondLst>
+                                        </p:cTn>
+                                        <p:tgtEl>
+                                          <p:spTgt spid="3">
+                                            <p:txEl>
+                                              <p:pRg st="3" end="3"/>
+                                            </p:txEl>
+                                          </p:spTgt>
+                                        </p:tgtEl>
+                                        <p:attrNameLst>
+                                          <p:attrName>style.visibility</p:attrName>
+                                        </p:attrNameLst>
+                                      </p:cBhvr>
+                                      <p:to>
+                                        <p:strVal val="visible"/>
+                                      </p:to>
+                                    </p:set>
+                                    <p:animEffect transition="in" filter="fade">
+                                      <p:cBhvr>
+                                        <p:cTn id="22" dur="1000"/>
+                                        <p:tgtEl>
+                                          <p:spTgt spid="3">
+                                            <p:txEl>
+                                              <p:pRg st="3" end="3"/>
+                                            </p:txEl>
+                                          </p:spTgt>
+                                        </p:tgtEl>
+                                      </p:cBhvr>
+                                    </p:animEffect>
+                                    <p:anim calcmode="lin" valueType="num">
+                                      <p:cBhvr>
+                                        <p:cTn id="23" dur="1000" fill="hold"/>
+                                        <p:tgtEl>
+                                          <p:spTgt spid="3">
+                                            <p:txEl>
+                                              <p:pRg st="3" end="3"/>
+                                            </p:txEl>
+                                          </p:spTgt>
+                                        </p:tgtEl>
+                                        <p:attrNameLst>
+                                          <p:attrName>ppt_x</p:attrName>
+                                        </p:attrNameLst>
+                                      </p:cBhvr>
+                                      <p:tavLst>
+                                        <p:tav tm="0">
+                                          <p:val>
+                                            <p:strVal val="#ppt_x"/>
+                                          </p:val>
+                                        </p:tav>
+                                        <p:tav tm="100000">
+                                          <p:val>
+                                            <p:strVal val="#ppt_x"/>
+                                          </p:val>
+                                        </p:tav>
+                                      </p:tavLst>
+                                    </p:anim>
+                                    <p:anim calcmode="lin" valueType="num">
+                                      <p:cBhvr>
+                                        <p:cTn id="24" dur="1000" fill="hold"/>
+                                        <p:tgtEl>
+                                          <p:spTgt spid="3">
+                                            <p:txEl>
+                                              <p:pRg st="3" end="3"/>
+                                            </p:txEl>
+                                          </p:spTgt>
+                                        </p:tgtEl>
+                                        <p:attrNameLst>
+                                          <p:attrName>ppt_y</p:attrName>
+                                        </p:attrNameLst>
+                                      </p:cBhvr>
+                                      <p:tavLst>
+                                        <p:tav tm="0">
+                                          <p:val>
+                                            <p:strVal val="#ppt_y+.1"/>
+                                          </p:val>
+                                        </p:tav>
+                                        <p:tav tm="100000">
+                                          <p:val>
+                                            <p:strVal val="#ppt_y"/>
+                                          </p:val>
+                                        </p:tav>
+                                      </p:tavLst>
+                                    </p:anim>
+                                  </p:childTnLst>
+                                </p:cTn>
+                              </p:par>
+                              <p:par>
+                                <p:cTn id="25" presetID="42" presetClass="entr" presetSubtype="0" fill="hold" nodeType="withEffect">
+                                  <p:stCondLst>
+                                    <p:cond delay="0"/>
+                                  </p:stCondLst>
+                                  <p:childTnLst>
+                                    <p:set>
+                                      <p:cBhvr>
+                                        <p:cTn id="26" dur="1" fill="hold">
+                                          <p:stCondLst>
+                                            <p:cond delay="0"/>
+                                          </p:stCondLst>
+                                        </p:cTn>
+                                        <p:tgtEl>
+                                          <p:spTgt spid="3">
+                                            <p:txEl>
+                                              <p:pRg st="4" end="4"/>
+                                            </p:txEl>
+                                          </p:spTgt>
+                                        </p:tgtEl>
+                                        <p:attrNameLst>
+                                          <p:attrName>style.visibility</p:attrName>
+                                        </p:attrNameLst>
+                                      </p:cBhvr>
+                                      <p:to>
+                                        <p:strVal val="visible"/>
+                                      </p:to>
+                                    </p:set>
+                                    <p:animEffect transition="in" filter="fade">
+                                      <p:cBhvr>
+                                        <p:cTn id="27" dur="1000"/>
+                                        <p:tgtEl>
+                                          <p:spTgt spid="3">
+                                            <p:txEl>
+                                              <p:pRg st="4" end="4"/>
+                                            </p:txEl>
+                                          </p:spTgt>
+                                        </p:tgtEl>
+                                      </p:cBhvr>
+                                    </p:animEffect>
+                                    <p:anim calcmode="lin" valueType="num">
+                                      <p:cBhvr>
+                                        <p:cTn id="28" dur="1000" fill="hold"/>
+                                        <p:tgtEl>
+                                          <p:spTgt spid="3">
+                                            <p:txEl>
+                                              <p:pRg st="4" end="4"/>
+                                            </p:txEl>
+                                          </p:spTgt>
+                                        </p:tgtEl>
+                                        <p:attrNameLst>
+                                          <p:attrName>ppt_x</p:attrName>
+                                        </p:attrNameLst>
+                                      </p:cBhvr>
+                                      <p:tavLst>
+                                        <p:tav tm="0">
+                                          <p:val>
+                                            <p:strVal val="#ppt_x"/>
+                                          </p:val>
+                                        </p:tav>
+                                        <p:tav tm="100000">
+                                          <p:val>
+                                            <p:strVal val="#ppt_x"/>
+                                          </p:val>
+                                        </p:tav>
+                                      </p:tavLst>
+                                    </p:anim>
+                                    <p:anim calcmode="lin" valueType="num">
+                                      <p:cBhvr>
+                                        <p:cTn id="29" dur="1000" fill="hold"/>
+                                        <p:tgtEl>
+                                          <p:spTgt spid="3">
+                                            <p:txEl>
+                                              <p:pRg st="4" end="4"/>
+                                            </p:txEl>
+                                          </p:spTgt>
+                                        </p:tgtEl>
+                                        <p:attrNameLst>
+                                          <p:attrName>ppt_y</p:attrName>
+                                        </p:attrNameLst>
+                                      </p:cBhvr>
+                                      <p:tavLst>
+                                        <p:tav tm="0">
+                                          <p:val>
+                                            <p:strVal val="#ppt_y+.1"/>
+                                          </p:val>
+                                        </p:tav>
+                                        <p:tav tm="100000">
+                                          <p:val>
+                                            <p:strVal val="#ppt_y"/>
+                                          </p:val>
+                                        </p:tav>
+                                      </p:tavLst>
+                                    </p:anim>
+                                  </p:childTnLst>
+                                </p:cTn>
+                              </p:par>
+                            </p:childTnLst>
+                          </p:cTn>
+                        </p:par>
+                      </p:childTnLst>
+                    </p:cTn>
+                  </p:par>
+                  <p:par>
+                    <p:cTn id="30" fill="hold">
+                      <p:stCondLst>
+                        <p:cond delay="indefinite"/>
+                      </p:stCondLst>
+                      <p:childTnLst>
+                        <p:par>
+                          <p:cTn id="31" fill="hold">
+                            <p:stCondLst>
+                              <p:cond delay="0"/>
+                            </p:stCondLst>
+                            <p:childTnLst>
+                              <p:par>
+                                <p:cTn id="32" presetID="42" presetClass="entr" presetSubtype="0" fill="hold" nodeType="clickEffect">
+                                  <p:stCondLst>
+                                    <p:cond delay="0"/>
+                                  </p:stCondLst>
+                                  <p:childTnLst>
+                                    <p:set>
+                                      <p:cBhvr>
+                                        <p:cTn id="33" dur="1" fill="hold">
+                                          <p:stCondLst>
+                                            <p:cond delay="0"/>
+                                          </p:stCondLst>
+                                        </p:cTn>
+                                        <p:tgtEl>
+                                          <p:spTgt spid="3">
+                                            <p:txEl>
+                                              <p:pRg st="5" end="5"/>
+                                            </p:txEl>
+                                          </p:spTgt>
+                                        </p:tgtEl>
+                                        <p:attrNameLst>
+                                          <p:attrName>style.visibility</p:attrName>
+                                        </p:attrNameLst>
+                                      </p:cBhvr>
+                                      <p:to>
+                                        <p:strVal val="visible"/>
+                                      </p:to>
+                                    </p:set>
+                                    <p:animEffect transition="in" filter="fade">
+                                      <p:cBhvr>
+                                        <p:cTn id="34" dur="1000"/>
+                                        <p:tgtEl>
+                                          <p:spTgt spid="3">
+                                            <p:txEl>
+                                              <p:pRg st="5" end="5"/>
+                                            </p:txEl>
+                                          </p:spTgt>
+                                        </p:tgtEl>
+                                      </p:cBhvr>
+                                    </p:animEffect>
+                                    <p:anim calcmode="lin" valueType="num">
+                                      <p:cBhvr>
+                                        <p:cTn id="35" dur="1000" fill="hold"/>
+                                        <p:tgtEl>
+                                          <p:spTgt spid="3">
+                                            <p:txEl>
+                                              <p:pRg st="5" end="5"/>
+                                            </p:txEl>
+                                          </p:spTgt>
+                                        </p:tgtEl>
+                                        <p:attrNameLst>
+                                          <p:attrName>ppt_x</p:attrName>
+                                        </p:attrNameLst>
+                                      </p:cBhvr>
+                                      <p:tavLst>
+                                        <p:tav tm="0">
+                                          <p:val>
+                                            <p:strVal val="#ppt_x"/>
+                                          </p:val>
+                                        </p:tav>
+                                        <p:tav tm="100000">
+                                          <p:val>
+                                            <p:strVal val="#ppt_x"/>
+                                          </p:val>
+                                        </p:tav>
+                                      </p:tavLst>
+                                    </p:anim>
+                                    <p:anim calcmode="lin" valueType="num">
+                                      <p:cBhvr>
+                                        <p:cTn id="36" dur="1000" fill="hold"/>
+                                        <p:tgtEl>
+                                          <p:spTgt spid="3">
+                                            <p:txEl>
+                                              <p:pRg st="5" end="5"/>
+                                            </p:txEl>
+                                          </p:spTgt>
+                                        </p:tgtEl>
+                                        <p:attrNameLst>
+                                          <p:attrName>ppt_y</p:attrName>
+                                        </p:attrNameLst>
+                                      </p:cBhvr>
+                                      <p:tavLst>
+                                        <p:tav tm="0">
+                                          <p:val>
+                                            <p:strVal val="#ppt_y+.1"/>
+                                          </p:val>
+                                        </p:tav>
+                                        <p:tav tm="100000">
+                                          <p:val>
+                                            <p:strVal val="#ppt_y"/>
+                                          </p:val>
+                                        </p:tav>
+                                      </p:tavLst>
+                                    </p:anim>
+                                  </p:childTnLst>
+                                </p:cTn>
+                              </p:par>
+                              <p:par>
+                                <p:cTn id="37" presetID="42" presetClass="entr" presetSubtype="0" fill="hold" nodeType="withEffect">
+                                  <p:stCondLst>
+                                    <p:cond delay="0"/>
+                                  </p:stCondLst>
+                                  <p:childTnLst>
+                                    <p:set>
+                                      <p:cBhvr>
+                                        <p:cTn id="38" dur="1" fill="hold">
+                                          <p:stCondLst>
+                                            <p:cond delay="0"/>
+                                          </p:stCondLst>
+                                        </p:cTn>
+                                        <p:tgtEl>
+                                          <p:spTgt spid="3">
+                                            <p:txEl>
+                                              <p:pRg st="6" end="6"/>
+                                            </p:txEl>
+                                          </p:spTgt>
+                                        </p:tgtEl>
+                                        <p:attrNameLst>
+                                          <p:attrName>style.visibility</p:attrName>
+                                        </p:attrNameLst>
+                                      </p:cBhvr>
+                                      <p:to>
+                                        <p:strVal val="visible"/>
+                                      </p:to>
+                                    </p:set>
+                                    <p:animEffect transition="in" filter="fade">
+                                      <p:cBhvr>
+                                        <p:cTn id="39" dur="1000"/>
+                                        <p:tgtEl>
+                                          <p:spTgt spid="3">
+                                            <p:txEl>
+                                              <p:pRg st="6" end="6"/>
+                                            </p:txEl>
+                                          </p:spTgt>
+                                        </p:tgtEl>
+                                      </p:cBhvr>
+                                    </p:animEffect>
+                                    <p:anim calcmode="lin" valueType="num">
+                                      <p:cBhvr>
+                                        <p:cTn id="40" dur="1000" fill="hold"/>
+                                        <p:tgtEl>
+                                          <p:spTgt spid="3">
+                                            <p:txEl>
+                                              <p:pRg st="6" end="6"/>
+                                            </p:txEl>
+                                          </p:spTgt>
+                                        </p:tgtEl>
+                                        <p:attrNameLst>
+                                          <p:attrName>ppt_x</p:attrName>
+                                        </p:attrNameLst>
+                                      </p:cBhvr>
+                                      <p:tavLst>
+                                        <p:tav tm="0">
+                                          <p:val>
+                                            <p:strVal val="#ppt_x"/>
+                                          </p:val>
+                                        </p:tav>
+                                        <p:tav tm="100000">
+                                          <p:val>
+                                            <p:strVal val="#ppt_x"/>
+                                          </p:val>
+                                        </p:tav>
+                                      </p:tavLst>
+                                    </p:anim>
+                                    <p:anim calcmode="lin" valueType="num">
+                                      <p:cBhvr>
+                                        <p:cTn id="41" dur="1000" fill="hold"/>
+                                        <p:tgtEl>
+                                          <p:spTgt spid="3">
+                                            <p:txEl>
+                                              <p:pRg st="6" end="6"/>
+                                            </p:txEl>
+                                          </p:spTgt>
+                                        </p:tgtEl>
+                                        <p:attrNameLst>
+                                          <p:attrName>ppt_y</p:attrName>
+                                        </p:attrNameLst>
+                                      </p:cBhvr>
+                                      <p:tavLst>
+                                        <p:tav tm="0">
+                                          <p:val>
+                                            <p:strVal val="#ppt_y+.1"/>
+                                          </p:val>
+                                        </p:tav>
+                                        <p:tav tm="100000">
+                                          <p:val>
+                                            <p:strVal val="#ppt_y"/>
+                                          </p:val>
+                                        </p:tav>
+                                      </p:tavLst>
+                                    </p:anim>
+                                  </p:childTnLst>
+                                </p:cTn>
+                              </p:par>
+                              <p:par>
+                                <p:cTn id="42" presetID="42" presetClass="entr" presetSubtype="0" fill="hold" nodeType="withEffect">
+                                  <p:stCondLst>
+                                    <p:cond delay="0"/>
+                                  </p:stCondLst>
+                                  <p:childTnLst>
+                                    <p:set>
+                                      <p:cBhvr>
+                                        <p:cTn id="43" dur="1" fill="hold">
+                                          <p:stCondLst>
+                                            <p:cond delay="0"/>
+                                          </p:stCondLst>
+                                        </p:cTn>
+                                        <p:tgtEl>
+                                          <p:spTgt spid="3">
+                                            <p:txEl>
+                                              <p:pRg st="7" end="7"/>
+                                            </p:txEl>
+                                          </p:spTgt>
+                                        </p:tgtEl>
+                                        <p:attrNameLst>
+                                          <p:attrName>style.visibility</p:attrName>
+                                        </p:attrNameLst>
+                                      </p:cBhvr>
+                                      <p:to>
+                                        <p:strVal val="visible"/>
+                                      </p:to>
+                                    </p:set>
+                                    <p:animEffect transition="in" filter="fade">
+                                      <p:cBhvr>
+                                        <p:cTn id="44" dur="1000"/>
+                                        <p:tgtEl>
+                                          <p:spTgt spid="3">
+                                            <p:txEl>
+                                              <p:pRg st="7" end="7"/>
+                                            </p:txEl>
+                                          </p:spTgt>
+                                        </p:tgtEl>
+                                      </p:cBhvr>
+                                    </p:animEffect>
+                                    <p:anim calcmode="lin" valueType="num">
+                                      <p:cBhvr>
+                                        <p:cTn id="45" dur="1000" fill="hold"/>
+                                        <p:tgtEl>
+                                          <p:spTgt spid="3">
+                                            <p:txEl>
+                                              <p:pRg st="7" end="7"/>
+                                            </p:txEl>
+                                          </p:spTgt>
+                                        </p:tgtEl>
+                                        <p:attrNameLst>
+                                          <p:attrName>ppt_x</p:attrName>
+                                        </p:attrNameLst>
+                                      </p:cBhvr>
+                                      <p:tavLst>
+                                        <p:tav tm="0">
+                                          <p:val>
+                                            <p:strVal val="#ppt_x"/>
+                                          </p:val>
+                                        </p:tav>
+                                        <p:tav tm="100000">
+                                          <p:val>
+                                            <p:strVal val="#ppt_x"/>
+                                          </p:val>
+                                        </p:tav>
+                                      </p:tavLst>
+                                    </p:anim>
+                                    <p:anim calcmode="lin" valueType="num">
+                                      <p:cBhvr>
+                                        <p:cTn id="46" dur="1000" fill="hold"/>
+                                        <p:tgtEl>
+                                          <p:spTgt spid="3">
+                                            <p:txEl>
+                                              <p:pRg st="7" end="7"/>
+                                            </p:txEl>
+                                          </p:spTgt>
+                                        </p:tgtEl>
+                                        <p:attrNameLst>
+                                          <p:attrName>ppt_y</p:attrName>
+                                        </p:attrNameLst>
+                                      </p:cBhvr>
+                                      <p:tavLst>
+                                        <p:tav tm="0">
+                                          <p:val>
+                                            <p:strVal val="#ppt_y+.1"/>
+                                          </p:val>
+                                        </p:tav>
+                                        <p:tav tm="100000">
+                                          <p:val>
+                                            <p:strVal val="#ppt_y"/>
+                                          </p:val>
+                                        </p:tav>
+                                      </p:tavLst>
+                                    </p:anim>
+                                  </p:childTnLst>
+                                </p:cTn>
+                              </p:par>
+                              <p:par>
+                                <p:cTn id="47" presetID="42" presetClass="entr" presetSubtype="0" fill="hold" nodeType="withEffect">
+                                  <p:stCondLst>
+                                    <p:cond delay="0"/>
+                                  </p:stCondLst>
+                                  <p:childTnLst>
+                                    <p:set>
+                                      <p:cBhvr>
+                                        <p:cTn id="48" dur="1" fill="hold">
+                                          <p:stCondLst>
+                                            <p:cond delay="0"/>
+                                          </p:stCondLst>
+                                        </p:cTn>
+                                        <p:tgtEl>
+                                          <p:spTgt spid="3">
+                                            <p:txEl>
+                                              <p:pRg st="8" end="8"/>
+                                            </p:txEl>
+                                          </p:spTgt>
+                                        </p:tgtEl>
+                                        <p:attrNameLst>
+                                          <p:attrName>style.visibility</p:attrName>
+                                        </p:attrNameLst>
+                                      </p:cBhvr>
+                                      <p:to>
+                                        <p:strVal val="visible"/>
+                                      </p:to>
+                                    </p:set>
+                                    <p:animEffect transition="in" filter="fade">
+                                      <p:cBhvr>
+                                        <p:cTn id="49" dur="1000"/>
+                                        <p:tgtEl>
+                                          <p:spTgt spid="3">
+                                            <p:txEl>
+                                              <p:pRg st="8" end="8"/>
+                                            </p:txEl>
+                                          </p:spTgt>
+                                        </p:tgtEl>
+                                      </p:cBhvr>
+                                    </p:animEffect>
+                                    <p:anim calcmode="lin" valueType="num">
+                                      <p:cBhvr>
+                                        <p:cTn id="50" dur="1000" fill="hold"/>
+                                        <p:tgtEl>
+                                          <p:spTgt spid="3">
+                                            <p:txEl>
+                                              <p:pRg st="8" end="8"/>
+                                            </p:txEl>
+                                          </p:spTgt>
+                                        </p:tgtEl>
+                                        <p:attrNameLst>
+                                          <p:attrName>ppt_x</p:attrName>
+                                        </p:attrNameLst>
+                                      </p:cBhvr>
+                                      <p:tavLst>
+                                        <p:tav tm="0">
+                                          <p:val>
+                                            <p:strVal val="#ppt_x"/>
+                                          </p:val>
+                                        </p:tav>
+                                        <p:tav tm="100000">
+                                          <p:val>
+                                            <p:strVal val="#ppt_x"/>
+                                          </p:val>
+                                        </p:tav>
+                                      </p:tavLst>
+                                    </p:anim>
+                                    <p:anim calcmode="lin" valueType="num">
+                                      <p:cBhvr>
+                                        <p:cTn id="51" dur="1000" fill="hold"/>
+                                        <p:tgtEl>
+                                          <p:spTgt spid="3">
+                                            <p:txEl>
+                                              <p:pRg st="8" end="8"/>
+                                            </p:txEl>
+                                          </p:spTgt>
+                                        </p:tgtEl>
+                                        <p:attrNameLst>
+                                          <p:attrName>ppt_y</p:attrName>
+                                        </p:attrNameLst>
+                                      </p:cBhvr>
+                                      <p:tavLst>
+                                        <p:tav tm="0">
+                                          <p:val>
+                                            <p:strVal val="#ppt_y+.1"/>
+                                          </p:val>
+                                        </p:tav>
+                                        <p:tav tm="100000">
+                                          <p:val>
+                                            <p:strVal val="#ppt_y"/>
+                                          </p:val>
+                                        </p:tav>
+                                      </p:tavLst>
+                                    </p:anim>
+                                  </p:childTnLst>
+                                </p:cTn>
+                              </p:par>
+                            </p:childTnLst>
+                          </p:cTn>
+                        </p:par>
+                      </p:childTnLst>
+                    </p:cTn>
+                  </p:par>
+                  <p:par>
+                    <p:cTn id="52" fill="hold">
+                      <p:stCondLst>
+                        <p:cond delay="indefinite"/>
+                      </p:stCondLst>
+                      <p:childTnLst>
+                        <p:par>
+                          <p:cTn id="53" fill="hold">
+                            <p:stCondLst>
+                              <p:cond delay="0"/>
+                            </p:stCondLst>
+                            <p:childTnLst>
+                              <p:par>
+                                <p:cTn id="54" presetID="42" presetClass="entr" presetSubtype="0" fill="hold" nodeType="clickEffect">
+                                  <p:stCondLst>
+                                    <p:cond delay="0"/>
+                                  </p:stCondLst>
+                                  <p:childTnLst>
+                                    <p:set>
+                                      <p:cBhvr>
+                                        <p:cTn id="55" dur="1" fill="hold">
+                                          <p:stCondLst>
+                                            <p:cond delay="0"/>
+                                          </p:stCondLst>
+                                        </p:cTn>
+                                        <p:tgtEl>
+                                          <p:spTgt spid="3">
+                                            <p:txEl>
+                                              <p:pRg st="9" end="9"/>
+                                            </p:txEl>
+                                          </p:spTgt>
+                                        </p:tgtEl>
+                                        <p:attrNameLst>
+                                          <p:attrName>style.visibility</p:attrName>
+                                        </p:attrNameLst>
+                                      </p:cBhvr>
+                                      <p:to>
+                                        <p:strVal val="visible"/>
+                                      </p:to>
+                                    </p:set>
+                                    <p:animEffect transition="in" filter="fade">
+                                      <p:cBhvr>
+                                        <p:cTn id="56" dur="1000"/>
+                                        <p:tgtEl>
+                                          <p:spTgt spid="3">
+                                            <p:txEl>
+                                              <p:pRg st="9" end="9"/>
+                                            </p:txEl>
+                                          </p:spTgt>
+                                        </p:tgtEl>
+                                      </p:cBhvr>
+                                    </p:animEffect>
+                                    <p:anim calcmode="lin" valueType="num">
+                                      <p:cBhvr>
+                                        <p:cTn id="57" dur="1000" fill="hold"/>
+                                        <p:tgtEl>
+                                          <p:spTgt spid="3">
+                                            <p:txEl>
+                                              <p:pRg st="9" end="9"/>
+                                            </p:txEl>
+                                          </p:spTgt>
+                                        </p:tgtEl>
+                                        <p:attrNameLst>
+                                          <p:attrName>ppt_x</p:attrName>
+                                        </p:attrNameLst>
+                                      </p:cBhvr>
+                                      <p:tavLst>
+                                        <p:tav tm="0">
+                                          <p:val>
+                                            <p:strVal val="#ppt_x"/>
+                                          </p:val>
+                                        </p:tav>
+                                        <p:tav tm="100000">
+                                          <p:val>
+                                            <p:strVal val="#ppt_x"/>
+                                          </p:val>
+                                        </p:tav>
+                                      </p:tavLst>
+                                    </p:anim>
+                                    <p:anim calcmode="lin" valueType="num">
+                                      <p:cBhvr>
+                                        <p:cTn id="58" dur="1000" fill="hold"/>
+                                        <p:tgtEl>
+                                          <p:spTgt spid="3">
+                                            <p:txEl>
+                                              <p:pRg st="9" end="9"/>
+                                            </p:txEl>
+                                          </p:spTgt>
+                                        </p:tgtEl>
+                                        <p:attrNameLst>
+                                          <p:attrName>ppt_y</p:attrName>
+                                        </p:attrNameLst>
+                                      </p:cBhvr>
+                                      <p:tavLst>
+                                        <p:tav tm="0">
+                                          <p:val>
+                                            <p:strVal val="#ppt_y+.1"/>
+                                          </p:val>
+                                        </p:tav>
+                                        <p:tav tm="100000">
+                                          <p:val>
+                                            <p:strVal val="#ppt_y"/>
+                                          </p:val>
+                                        </p:tav>
+                                      </p:tavLst>
+                                    </p:anim>
+                                  </p:childTnLst>
+                                </p:cTn>
+                              </p:par>
+                              <p:par>
+                                <p:cTn id="59" presetID="42" presetClass="entr" presetSubtype="0" fill="hold" nodeType="withEffect">
+                                  <p:stCondLst>
+                                    <p:cond delay="0"/>
+                                  </p:stCondLst>
+                                  <p:childTnLst>
+                                    <p:set>
+                                      <p:cBhvr>
+                                        <p:cTn id="60" dur="1" fill="hold">
+                                          <p:stCondLst>
+                                            <p:cond delay="0"/>
+                                          </p:stCondLst>
+                                        </p:cTn>
+                                        <p:tgtEl>
+                                          <p:spTgt spid="3">
+                                            <p:txEl>
+                                              <p:pRg st="10" end="10"/>
+                                            </p:txEl>
+                                          </p:spTgt>
+                                        </p:tgtEl>
+                                        <p:attrNameLst>
+                                          <p:attrName>style.visibility</p:attrName>
+                                        </p:attrNameLst>
+                                      </p:cBhvr>
+                                      <p:to>
+                                        <p:strVal val="visible"/>
+                                      </p:to>
+                                    </p:set>
+                                    <p:animEffect transition="in" filter="fade">
+                                      <p:cBhvr>
+                                        <p:cTn id="61" dur="1000"/>
+                                        <p:tgtEl>
+                                          <p:spTgt spid="3">
+                                            <p:txEl>
+                                              <p:pRg st="10" end="10"/>
+                                            </p:txEl>
+                                          </p:spTgt>
+                                        </p:tgtEl>
+                                      </p:cBhvr>
+                                    </p:animEffect>
+                                    <p:anim calcmode="lin" valueType="num">
+                                      <p:cBhvr>
+                                        <p:cTn id="62" dur="1000" fill="hold"/>
+                                        <p:tgtEl>
+                                          <p:spTgt spid="3">
+                                            <p:txEl>
+                                              <p:pRg st="10" end="10"/>
+                                            </p:txEl>
+                                          </p:spTgt>
+                                        </p:tgtEl>
+                                        <p:attrNameLst>
+                                          <p:attrName>ppt_x</p:attrName>
+                                        </p:attrNameLst>
+                                      </p:cBhvr>
+                                      <p:tavLst>
+                                        <p:tav tm="0">
+                                          <p:val>
+                                            <p:strVal val="#ppt_x"/>
+                                          </p:val>
+                                        </p:tav>
+                                        <p:tav tm="100000">
+                                          <p:val>
+                                            <p:strVal val="#ppt_x"/>
+                                          </p:val>
+                                        </p:tav>
+                                      </p:tavLst>
+                                    </p:anim>
+                                    <p:anim calcmode="lin" valueType="num">
+                                      <p:cBhvr>
+                                        <p:cTn id="63" dur="1000" fill="hold"/>
+                                        <p:tgtEl>
+                                          <p:spTgt spid="3">
+                                            <p:txEl>
+                                              <p:pRg st="10" end="10"/>
+                                            </p:txEl>
+                                          </p:spTgt>
+                                        </p:tgtEl>
+                                        <p:attrNameLst>
+                                          <p:attrName>ppt_y</p:attrName>
+                                        </p:attrNameLst>
+                                      </p:cBhvr>
+                                      <p:tavLst>
+                                        <p:tav tm="0">
+                                          <p:val>
+                                            <p:strVal val="#ppt_y+.1"/>
+                                          </p:val>
+                                        </p:tav>
+                                        <p:tav tm="100000">
+                                          <p:val>
+                                            <p:strVal val="#ppt_y"/>
+                                          </p:val>
+                                        </p:tav>
+                                      </p:tavLst>
+                                    </p:anim>
+                                  </p:childTnLst>
+                                </p:cTn>
+                              </p:par>
+                              <p:par>
+                                <p:cTn id="64" presetID="42" presetClass="entr" presetSubtype="0" fill="hold" nodeType="withEffect">
+                                  <p:stCondLst>
+                                    <p:cond delay="0"/>
+                                  </p:stCondLst>
+                                  <p:childTnLst>
+                                    <p:set>
+                                      <p:cBhvr>
+                                        <p:cTn id="65" dur="1" fill="hold">
+                                          <p:stCondLst>
+                                            <p:cond delay="0"/>
+                                          </p:stCondLst>
+                                        </p:cTn>
+                                        <p:tgtEl>
+                                          <p:spTgt spid="3">
+                                            <p:txEl>
+                                              <p:pRg st="11" end="11"/>
+                                            </p:txEl>
+                                          </p:spTgt>
+                                        </p:tgtEl>
+                                        <p:attrNameLst>
+                                          <p:attrName>style.visibility</p:attrName>
+                                        </p:attrNameLst>
+                                      </p:cBhvr>
+                                      <p:to>
+                                        <p:strVal val="visible"/>
+                                      </p:to>
+                                    </p:set>
+                                    <p:animEffect transition="in" filter="fade">
+                                      <p:cBhvr>
+                                        <p:cTn id="66" dur="1000"/>
+                                        <p:tgtEl>
+                                          <p:spTgt spid="3">
+                                            <p:txEl>
+                                              <p:pRg st="11" end="11"/>
+                                            </p:txEl>
+                                          </p:spTgt>
+                                        </p:tgtEl>
+                                      </p:cBhvr>
+                                    </p:animEffect>
+                                    <p:anim calcmode="lin" valueType="num">
+                                      <p:cBhvr>
+                                        <p:cTn id="67" dur="1000" fill="hold"/>
+                                        <p:tgtEl>
+                                          <p:spTgt spid="3">
+                                            <p:txEl>
+                                              <p:pRg st="11" end="11"/>
+                                            </p:txEl>
+                                          </p:spTgt>
+                                        </p:tgtEl>
+                                        <p:attrNameLst>
+                                          <p:attrName>ppt_x</p:attrName>
+                                        </p:attrNameLst>
+                                      </p:cBhvr>
+                                      <p:tavLst>
+                                        <p:tav tm="0">
+                                          <p:val>
+                                            <p:strVal val="#ppt_x"/>
+                                          </p:val>
+                                        </p:tav>
+                                        <p:tav tm="100000">
+                                          <p:val>
+                                            <p:strVal val="#ppt_x"/>
+                                          </p:val>
+                                        </p:tav>
+                                      </p:tavLst>
+                                    </p:anim>
+                                    <p:anim calcmode="lin" valueType="num">
+                                      <p:cBhvr>
+                                        <p:cTn id="68" dur="1000" fill="hold"/>
+                                        <p:tgtEl>
+                                          <p:spTgt spid="3">
+                                            <p:txEl>
+                                              <p:pRg st="11" end="11"/>
+                                            </p:txEl>
+                                          </p:spTgt>
+                                        </p:tgtEl>
+                                        <p:attrNameLst>
+                                          <p:attrName>ppt_y</p:attrName>
+                                        </p:attrNameLst>
+                                      </p:cBhvr>
+                                      <p:tavLst>
+                                        <p:tav tm="0">
+                                          <p:val>
+                                            <p:strVal val="#ppt_y+.1"/>
+                                          </p:val>
+                                        </p:tav>
+                                        <p:tav tm="100000">
+                                          <p:val>
+                                            <p:strVal val="#ppt_y"/>
+                                          </p:val>
+                                        </p:tav>
+                                      </p:tavLst>
+                                    </p:anim>
+                                  </p:childTnLst>
+                                </p:cTn>
+                              </p:par>
+                              <p:par>
+                                <p:cTn id="69" presetID="42" presetClass="entr" presetSubtype="0" fill="hold" nodeType="withEffect">
+                                  <p:stCondLst>
+                                    <p:cond delay="0"/>
+                                  </p:stCondLst>
+                                  <p:childTnLst>
+                                    <p:set>
+                                      <p:cBhvr>
+                                        <p:cTn id="70" dur="1" fill="hold">
+                                          <p:stCondLst>
+                                            <p:cond delay="0"/>
+                                          </p:stCondLst>
+                                        </p:cTn>
+                                        <p:tgtEl>
+                                          <p:spTgt spid="3">
+                                            <p:txEl>
+                                              <p:pRg st="12" end="12"/>
+                                            </p:txEl>
+                                          </p:spTgt>
+                                        </p:tgtEl>
+                                        <p:attrNameLst>
+                                          <p:attrName>style.visibility</p:attrName>
+                                        </p:attrNameLst>
+                                      </p:cBhvr>
+                                      <p:to>
+                                        <p:strVal val="visible"/>
+                                      </p:to>
+                                    </p:set>
+                                    <p:animEffect transition="in" filter="fade">
+                                      <p:cBhvr>
+                                        <p:cTn id="71" dur="1000"/>
+                                        <p:tgtEl>
+                                          <p:spTgt spid="3">
+                                            <p:txEl>
+                                              <p:pRg st="12" end="12"/>
+                                            </p:txEl>
+                                          </p:spTgt>
+                                        </p:tgtEl>
+                                      </p:cBhvr>
+                                    </p:animEffect>
+                                    <p:anim calcmode="lin" valueType="num">
+                                      <p:cBhvr>
+                                        <p:cTn id="72" dur="1000" fill="hold"/>
+                                        <p:tgtEl>
+                                          <p:spTgt spid="3">
+                                            <p:txEl>
+                                              <p:pRg st="12" end="12"/>
+                                            </p:txEl>
+                                          </p:spTgt>
+                                        </p:tgtEl>
+                                        <p:attrNameLst>
+                                          <p:attrName>ppt_x</p:attrName>
+                                        </p:attrNameLst>
+                                      </p:cBhvr>
+                                      <p:tavLst>
+                                        <p:tav tm="0">
+                                          <p:val>
+                                            <p:strVal val="#ppt_x"/>
+                                          </p:val>
+                                        </p:tav>
+                                        <p:tav tm="100000">
+                                          <p:val>
+                                            <p:strVal val="#ppt_x"/>
+                                          </p:val>
+                                        </p:tav>
+                                      </p:tavLst>
+                                    </p:anim>
+                                    <p:anim calcmode="lin" valueType="num">
+                                      <p:cBhvr>
+                                        <p:cTn id="73" dur="1000" fill="hold"/>
+                                        <p:tgtEl>
+                                          <p:spTgt spid="3">
+                                            <p:txEl>
+                                              <p:pRg st="12" end="12"/>
+                                            </p:txEl>
+                                          </p:spTgt>
+                                        </p:tgtEl>
+                                        <p:attrNameLst>
+                                          <p:attrName>ppt_y</p:attrName>
+                                        </p:attrNameLst>
+                                      </p:cBhvr>
+                                      <p:tavLst>
+                                        <p:tav tm="0">
+                                          <p:val>
+                                            <p:strVal val="#ppt_y+.1"/>
+                                          </p:val>
+                                        </p:tav>
+                                        <p:tav tm="100000">
+                                          <p:val>
+                                            <p:strVal val="#ppt_y"/>
+                                          </p:val>
+                                        </p:tav>
+                                      </p:tavLst>
+                                    </p:anim>
+                                  </p:childTnLst>
+                                </p:cTn>
+                              </p:par>
+                            </p:childTnLst>
+                          </p:cTn>
+                        </p:par>
+                      </p:childTnLst>
+                    </p:cTn>
+                  </p:par>
+                </p:childTnLst>
+              </p:cTn>
+              <p:prevCondLst>
+                <p:cond evt="onPrev" delay="0">
+                  <p:tgtEl>
+                    <p:sldTgt/>
+                  </p:tgtEl>
+                </p:cond>
+              </p:prevCondLst>
+              <p:nextCondLst>
+                <p:cond evt="onNext" delay="0">
+                  <p:tgtEl>
+                    <p:sldTgt/>
+                  </p:tgtEl>
+                </p:cond>
+              </p:nextCondLst>
+            </p:seq>
+          </p:childTnLst>
+        </p:cTn>
       </p:par>
     </p:tnLst>
   </p:timing>
@@ -5360,6 +9263,13 @@
   <p:clrMapOvr>
     <a:masterClrMapping/>
   </p:clrMapOvr>
+  <p:timing>
+    <p:tnLst>
+      <p:par>
+        <p:cTn id="1" dur="indefinite" restart="never" nodeType="tmRoot"/>
+      </p:par>
+    </p:tnLst>
+  </p:timing>
 </p:sld>
 </file>
 
@@ -6333,26 +10243,7 @@
                   </a:spcBef>
                 </a:pPr>
                 <a:r>
-                  <a:rPr lang="en-US" altLang="zh-CN" sz="2800" dirty="0" smtClean="0"/>
-                  <a:t>Clip </a:t>
-                </a:r>
-                <a:r>
                   <a:rPr lang="en-US" altLang="zh-CN" sz="2800" dirty="0"/>
-                  <a:t>rewards or normalize </a:t>
-                </a:r>
-                <a:r>
-                  <a:rPr lang="en-US" altLang="zh-CN" sz="2800" dirty="0" smtClean="0"/>
-                  <a:t>network</a:t>
-                </a:r>
-              </a:p>
-              <a:p>
-                <a:pPr marL="228600" lvl="1">
-                  <a:spcBef>
-                    <a:spcPts val="1000"/>
-                  </a:spcBef>
-                </a:pPr>
-                <a:r>
-                  <a:rPr lang="en-US" altLang="zh-CN" sz="2800" dirty="0" smtClean="0"/>
                   <a:t>Double Q-learning</a:t>
                 </a:r>
               </a:p>
@@ -6367,317 +10258,6 @@
                     <m:sSubSup>
                       <m:sSubSupPr>
                         <m:ctrlPr>
-                          <a:rPr lang="en-US" altLang="zh-CN" sz="2400" b="0" i="1" smtClean="0">
-                            <a:latin typeface="Cambria Math" panose="02040503050406030204" pitchFamily="18" charset="0"/>
-                          </a:rPr>
-                        </m:ctrlPr>
-                      </m:sSubSupPr>
-                      <m:e>
-                        <m:r>
-                          <a:rPr lang="en-US" altLang="zh-CN" sz="2400" b="0" i="1" smtClean="0">
-                            <a:latin typeface="Cambria Math" panose="02040503050406030204" pitchFamily="18" charset="0"/>
-                          </a:rPr>
-                          <m:t>𝑌</m:t>
-                        </m:r>
-                      </m:e>
-                      <m:sub>
-                        <m:r>
-                          <a:rPr lang="en-US" altLang="zh-CN" sz="2400" b="0" i="1" smtClean="0">
-                            <a:latin typeface="Cambria Math" panose="02040503050406030204" pitchFamily="18" charset="0"/>
-                          </a:rPr>
-                          <m:t>𝑡</m:t>
-                        </m:r>
-                      </m:sub>
-                      <m:sup>
-                        <m:r>
-                          <a:rPr lang="en-US" altLang="zh-CN" sz="2400" b="0" i="1" smtClean="0">
-                            <a:latin typeface="Cambria Math" panose="02040503050406030204" pitchFamily="18" charset="0"/>
-                          </a:rPr>
-                          <m:t>𝑄</m:t>
-                        </m:r>
-                      </m:sup>
-                    </m:sSubSup>
-                    <m:r>
-                      <a:rPr lang="en-US" altLang="zh-CN" sz="2400" b="0" i="1" smtClean="0">
-                        <a:latin typeface="Cambria Math" panose="02040503050406030204" pitchFamily="18" charset="0"/>
-                      </a:rPr>
-                      <m:t>=</m:t>
-                    </m:r>
-                    <m:sSub>
-                      <m:sSubPr>
-                        <m:ctrlPr>
-                          <a:rPr lang="en-US" altLang="zh-CN" sz="2400" b="0" i="1" smtClean="0">
-                            <a:latin typeface="Cambria Math" panose="02040503050406030204" pitchFamily="18" charset="0"/>
-                          </a:rPr>
-                        </m:ctrlPr>
-                      </m:sSubPr>
-                      <m:e>
-                        <m:r>
-                          <a:rPr lang="en-US" altLang="zh-CN" sz="2400" b="0" i="1" smtClean="0">
-                            <a:latin typeface="Cambria Math" panose="02040503050406030204" pitchFamily="18" charset="0"/>
-                          </a:rPr>
-                          <m:t>𝑅</m:t>
-                        </m:r>
-                      </m:e>
-                      <m:sub>
-                        <m:r>
-                          <a:rPr lang="en-US" altLang="zh-CN" sz="2400" b="0" i="1" smtClean="0">
-                            <a:latin typeface="Cambria Math" panose="02040503050406030204" pitchFamily="18" charset="0"/>
-                          </a:rPr>
-                          <m:t>𝑡</m:t>
-                        </m:r>
-                        <m:r>
-                          <a:rPr lang="en-US" altLang="zh-CN" sz="2400" b="0" i="1" smtClean="0">
-                            <a:latin typeface="Cambria Math" panose="02040503050406030204" pitchFamily="18" charset="0"/>
-                          </a:rPr>
-                          <m:t>+1</m:t>
-                        </m:r>
-                      </m:sub>
-                    </m:sSub>
-                    <m:r>
-                      <a:rPr lang="en-US" altLang="zh-CN" sz="2400" b="0" i="1" smtClean="0">
-                        <a:latin typeface="Cambria Math" panose="02040503050406030204" pitchFamily="18" charset="0"/>
-                      </a:rPr>
-                      <m:t>+</m:t>
-                    </m:r>
-                    <m:r>
-                      <a:rPr lang="en-US" altLang="zh-CN" sz="2400" b="0" i="1" smtClean="0">
-                        <a:latin typeface="Cambria Math" panose="02040503050406030204" pitchFamily="18" charset="0"/>
-                      </a:rPr>
-                      <m:t>𝛾</m:t>
-                    </m:r>
-                    <m:r>
-                      <a:rPr lang="en-US" altLang="zh-CN" sz="2400" b="0" i="1" smtClean="0">
-                        <a:latin typeface="Cambria Math" panose="02040503050406030204" pitchFamily="18" charset="0"/>
-                      </a:rPr>
-                      <m:t>𝑄</m:t>
-                    </m:r>
-                    <m:r>
-                      <a:rPr lang="en-US" altLang="zh-CN" sz="2400" b="0" i="1" smtClean="0">
-                        <a:latin typeface="Cambria Math" panose="02040503050406030204" pitchFamily="18" charset="0"/>
-                      </a:rPr>
-                      <m:t>(</m:t>
-                    </m:r>
-                    <m:sSub>
-                      <m:sSubPr>
-                        <m:ctrlPr>
-                          <a:rPr lang="en-US" altLang="zh-CN" sz="2400" b="0" i="1" smtClean="0">
-                            <a:latin typeface="Cambria Math" panose="02040503050406030204" pitchFamily="18" charset="0"/>
-                          </a:rPr>
-                        </m:ctrlPr>
-                      </m:sSubPr>
-                      <m:e>
-                        <m:r>
-                          <a:rPr lang="en-US" altLang="zh-CN" sz="2400" b="0" i="1" smtClean="0">
-                            <a:latin typeface="Cambria Math" panose="02040503050406030204" pitchFamily="18" charset="0"/>
-                          </a:rPr>
-                          <m:t>𝑆</m:t>
-                        </m:r>
-                      </m:e>
-                      <m:sub>
-                        <m:r>
-                          <a:rPr lang="en-US" altLang="zh-CN" sz="2400" b="0" i="1" smtClean="0">
-                            <a:latin typeface="Cambria Math" panose="02040503050406030204" pitchFamily="18" charset="0"/>
-                          </a:rPr>
-                          <m:t>𝑡</m:t>
-                        </m:r>
-                        <m:r>
-                          <a:rPr lang="en-US" altLang="zh-CN" sz="2400" b="0" i="1" smtClean="0">
-                            <a:latin typeface="Cambria Math" panose="02040503050406030204" pitchFamily="18" charset="0"/>
-                          </a:rPr>
-                          <m:t>+1</m:t>
-                        </m:r>
-                      </m:sub>
-                    </m:sSub>
-                    <m:r>
-                      <a:rPr lang="en-US" altLang="zh-CN" sz="2400" b="0" i="1" smtClean="0">
-                        <a:latin typeface="Cambria Math" panose="02040503050406030204" pitchFamily="18" charset="0"/>
-                      </a:rPr>
-                      <m:t>,</m:t>
-                    </m:r>
-                    <m:r>
-                      <a:rPr lang="en-US" altLang="zh-CN" sz="2400" b="0" i="1" smtClean="0">
-                        <a:latin typeface="Cambria Math" panose="02040503050406030204" pitchFamily="18" charset="0"/>
-                      </a:rPr>
-                      <m:t>𝑎𝑟𝑔𝑚𝑎</m:t>
-                    </m:r>
-                    <m:sSub>
-                      <m:sSubPr>
-                        <m:ctrlPr>
-                          <a:rPr lang="en-US" altLang="zh-CN" sz="2400" b="0" i="1" smtClean="0">
-                            <a:latin typeface="Cambria Math" panose="02040503050406030204" pitchFamily="18" charset="0"/>
-                          </a:rPr>
-                        </m:ctrlPr>
-                      </m:sSubPr>
-                      <m:e>
-                        <m:r>
-                          <a:rPr lang="en-US" altLang="zh-CN" sz="2400" b="0" i="1" smtClean="0">
-                            <a:latin typeface="Cambria Math" panose="02040503050406030204" pitchFamily="18" charset="0"/>
-                          </a:rPr>
-                          <m:t>𝑥</m:t>
-                        </m:r>
-                      </m:e>
-                      <m:sub>
-                        <m:r>
-                          <a:rPr lang="en-US" altLang="zh-CN" sz="2400" b="0" i="1" smtClean="0">
-                            <a:latin typeface="Cambria Math" panose="02040503050406030204" pitchFamily="18" charset="0"/>
-                          </a:rPr>
-                          <m:t>𝑎</m:t>
-                        </m:r>
-                      </m:sub>
-                    </m:sSub>
-                    <m:r>
-                      <a:rPr lang="en-US" altLang="zh-CN" sz="2400" b="0" i="1" smtClean="0">
-                        <a:latin typeface="Cambria Math" panose="02040503050406030204" pitchFamily="18" charset="0"/>
-                      </a:rPr>
-                      <m:t>𝑄</m:t>
-                    </m:r>
-                    <m:d>
-                      <m:dPr>
-                        <m:ctrlPr>
-                          <a:rPr lang="en-US" altLang="zh-CN" sz="2400" b="0" i="1" smtClean="0">
-                            <a:latin typeface="Cambria Math" panose="02040503050406030204" pitchFamily="18" charset="0"/>
-                          </a:rPr>
-                        </m:ctrlPr>
-                      </m:dPr>
-                      <m:e>
-                        <m:sSub>
-                          <m:sSubPr>
-                            <m:ctrlPr>
-                              <a:rPr lang="en-US" altLang="zh-CN" sz="2400" b="0" i="1" smtClean="0">
-                                <a:latin typeface="Cambria Math" panose="02040503050406030204" pitchFamily="18" charset="0"/>
-                              </a:rPr>
-                            </m:ctrlPr>
-                          </m:sSubPr>
-                          <m:e>
-                            <m:r>
-                              <a:rPr lang="en-US" altLang="zh-CN" sz="2400" b="0" i="1" smtClean="0">
-                                <a:latin typeface="Cambria Math" panose="02040503050406030204" pitchFamily="18" charset="0"/>
-                              </a:rPr>
-                              <m:t>𝑆</m:t>
-                            </m:r>
-                          </m:e>
-                          <m:sub>
-                            <m:r>
-                              <a:rPr lang="en-US" altLang="zh-CN" sz="2400" b="0" i="1" smtClean="0">
-                                <a:latin typeface="Cambria Math" panose="02040503050406030204" pitchFamily="18" charset="0"/>
-                              </a:rPr>
-                              <m:t>𝑡</m:t>
-                            </m:r>
-                            <m:r>
-                              <a:rPr lang="en-US" altLang="zh-CN" sz="2400" b="0" i="1" smtClean="0">
-                                <a:latin typeface="Cambria Math" panose="02040503050406030204" pitchFamily="18" charset="0"/>
-                              </a:rPr>
-                              <m:t>+1</m:t>
-                            </m:r>
-                          </m:sub>
-                        </m:sSub>
-                        <m:r>
-                          <a:rPr lang="en-US" altLang="zh-CN" sz="2400" b="0" i="1" smtClean="0">
-                            <a:latin typeface="Cambria Math" panose="02040503050406030204" pitchFamily="18" charset="0"/>
-                          </a:rPr>
-                          <m:t>,</m:t>
-                        </m:r>
-                        <m:r>
-                          <a:rPr lang="en-US" altLang="zh-CN" sz="2400" b="0" i="1" smtClean="0">
-                            <a:latin typeface="Cambria Math" panose="02040503050406030204" pitchFamily="18" charset="0"/>
-                          </a:rPr>
-                          <m:t>𝑎</m:t>
-                        </m:r>
-                        <m:r>
-                          <a:rPr lang="en-US" altLang="zh-CN" sz="2400" b="0" i="1" smtClean="0">
-                            <a:latin typeface="Cambria Math" panose="02040503050406030204" pitchFamily="18" charset="0"/>
-                          </a:rPr>
-                          <m:t>;</m:t>
-                        </m:r>
-                        <m:sSub>
-                          <m:sSubPr>
-                            <m:ctrlPr>
-                              <a:rPr lang="en-US" altLang="zh-CN" sz="2400" b="0" i="1" smtClean="0">
-                                <a:latin typeface="Cambria Math" panose="02040503050406030204" pitchFamily="18" charset="0"/>
-                              </a:rPr>
-                            </m:ctrlPr>
-                          </m:sSubPr>
-                          <m:e>
-                            <m:r>
-                              <a:rPr lang="en-US" altLang="zh-CN" sz="2400" b="0" i="1" smtClean="0">
-                                <a:latin typeface="Cambria Math" panose="02040503050406030204" pitchFamily="18" charset="0"/>
-                              </a:rPr>
-                              <m:t>𝜃</m:t>
-                            </m:r>
-                          </m:e>
-                          <m:sub>
-                            <m:r>
-                              <a:rPr lang="en-US" altLang="zh-CN" sz="2400" b="0" i="1" smtClean="0">
-                                <a:latin typeface="Cambria Math" panose="02040503050406030204" pitchFamily="18" charset="0"/>
-                              </a:rPr>
-                              <m:t>𝑡</m:t>
-                            </m:r>
-                          </m:sub>
-                        </m:sSub>
-                      </m:e>
-                    </m:d>
-                    <m:r>
-                      <a:rPr lang="en-US" altLang="zh-CN" sz="2400" b="0" i="1" smtClean="0">
-                        <a:latin typeface="Cambria Math" panose="02040503050406030204" pitchFamily="18" charset="0"/>
-                      </a:rPr>
-                      <m:t>;</m:t>
-                    </m:r>
-                    <m:sSub>
-                      <m:sSubPr>
-                        <m:ctrlPr>
-                          <a:rPr lang="en-US" altLang="zh-CN" sz="2400" b="0" i="1" smtClean="0">
-                            <a:solidFill>
-                              <a:srgbClr val="FF0000"/>
-                            </a:solidFill>
-                            <a:latin typeface="Cambria Math" panose="02040503050406030204" pitchFamily="18" charset="0"/>
-                          </a:rPr>
-                        </m:ctrlPr>
-                      </m:sSubPr>
-                      <m:e>
-                        <m:r>
-                          <a:rPr lang="en-US" altLang="zh-CN" sz="2400" b="0" i="1" smtClean="0">
-                            <a:solidFill>
-                              <a:srgbClr val="FF0000"/>
-                            </a:solidFill>
-                            <a:latin typeface="Cambria Math" panose="02040503050406030204" pitchFamily="18" charset="0"/>
-                          </a:rPr>
-                          <m:t>𝜃</m:t>
-                        </m:r>
-                      </m:e>
-                      <m:sub>
-                        <m:r>
-                          <a:rPr lang="en-US" altLang="zh-CN" sz="2400" b="0" i="1" smtClean="0">
-                            <a:solidFill>
-                              <a:srgbClr val="FF0000"/>
-                            </a:solidFill>
-                            <a:latin typeface="Cambria Math" panose="02040503050406030204" pitchFamily="18" charset="0"/>
-                          </a:rPr>
-                          <m:t>𝑡</m:t>
-                        </m:r>
-                      </m:sub>
-                    </m:sSub>
-                    <m:r>
-                      <a:rPr lang="en-US" altLang="zh-CN" sz="2400" b="0" i="1" smtClean="0">
-                        <a:latin typeface="Cambria Math" panose="02040503050406030204" pitchFamily="18" charset="0"/>
-                      </a:rPr>
-                      <m:t>)</m:t>
-                    </m:r>
-                  </m:oMath>
-                </a14:m>
-                <a:endParaRPr lang="en-US" altLang="zh-CN" sz="2400" b="0" dirty="0" smtClean="0"/>
-              </a:p>
-              <a:p>
-                <a:pPr marL="685800" lvl="2">
-                  <a:spcBef>
-                    <a:spcPts val="1000"/>
-                  </a:spcBef>
-                </a:pPr>
-                <a14:m>
-                  <m:oMath xmlns:m="http://schemas.openxmlformats.org/officeDocument/2006/math">
-                    <m:sSubSup>
-                      <m:sSubSupPr>
-                        <m:ctrlPr>
                           <a:rPr lang="en-US" altLang="zh-CN" sz="2400" i="1">
                             <a:latin typeface="Cambria Math" panose="02040503050406030204" pitchFamily="18" charset="0"/>
                           </a:rPr>
@@ -6700,12 +10280,6 @@
                         </m:r>
                       </m:sub>
                       <m:sup>
-                        <m:r>
-                          <a:rPr lang="en-US" altLang="zh-CN" sz="2400" b="0" i="1" smtClean="0">
-                            <a:latin typeface="Cambria Math" panose="02040503050406030204" pitchFamily="18" charset="0"/>
-                          </a:rPr>
-                          <m:t>𝐷𝑜𝑢𝑏𝑙𝑒</m:t>
-                        </m:r>
                         <m:r>
                           <a:rPr lang="en-US" altLang="zh-CN" sz="2400" i="1">
                             <a:latin typeface="Cambria Math" panose="02040503050406030204" pitchFamily="18" charset="0"/>
@@ -6943,7 +10517,7 @@
                     <m:sSub>
                       <m:sSubPr>
                         <m:ctrlPr>
-                          <a:rPr lang="en-US" altLang="zh-CN" sz="2400" i="1" smtClean="0">
+                          <a:rPr lang="en-US" altLang="zh-CN" sz="2400" i="1">
                             <a:solidFill>
                               <a:srgbClr val="FF0000"/>
                             </a:solidFill>
@@ -6960,15 +10534,6 @@
                             <a:latin typeface="Cambria Math" panose="02040503050406030204" pitchFamily="18" charset="0"/>
                           </a:rPr>
                           <m:t>𝜃</m:t>
-                        </m:r>
-                        <m:r>
-                          <a:rPr lang="en-US" altLang="zh-CN" sz="2400" b="0" i="1" smtClean="0">
-                            <a:solidFill>
-                              <a:srgbClr val="FF0000"/>
-                            </a:solidFill>
-                            <a:latin typeface="Cambria Math" panose="02040503050406030204" pitchFamily="18" charset="0"/>
-                          </a:rPr>
-                          <m:t>′</m:t>
                         </m:r>
                       </m:e>
                       <m:sub>
@@ -6991,7 +10556,337 @@
                     </m:r>
                   </m:oMath>
                 </a14:m>
-                <a:endParaRPr lang="en-US" altLang="zh-CN" sz="2400" dirty="0" smtClean="0"/>
+                <a:endParaRPr lang="en-US" altLang="zh-CN" sz="2400" dirty="0"/>
+              </a:p>
+              <a:p>
+                <a:pPr marL="685800" lvl="2">
+                  <a:spcBef>
+                    <a:spcPts val="1000"/>
+                  </a:spcBef>
+                </a:pPr>
+                <a14:m>
+                  <m:oMath xmlns:m="http://schemas.openxmlformats.org/officeDocument/2006/math">
+                    <m:sSubSup>
+                      <m:sSubSupPr>
+                        <m:ctrlPr>
+                          <a:rPr lang="en-US" altLang="zh-CN" sz="2400" i="1">
+                            <a:latin typeface="Cambria Math" panose="02040503050406030204" pitchFamily="18" charset="0"/>
+                          </a:rPr>
+                        </m:ctrlPr>
+                      </m:sSubSupPr>
+                      <m:e>
+                        <m:r>
+                          <a:rPr lang="en-US" altLang="zh-CN" sz="2400" i="1">
+                            <a:latin typeface="Cambria Math" panose="02040503050406030204" pitchFamily="18" charset="0"/>
+                          </a:rPr>
+                          <m:t>𝑌</m:t>
+                        </m:r>
+                      </m:e>
+                      <m:sub>
+                        <m:r>
+                          <a:rPr lang="en-US" altLang="zh-CN" sz="2400" i="1">
+                            <a:latin typeface="Cambria Math" panose="02040503050406030204" pitchFamily="18" charset="0"/>
+                          </a:rPr>
+                          <m:t>𝑡</m:t>
+                        </m:r>
+                      </m:sub>
+                      <m:sup>
+                        <m:r>
+                          <a:rPr lang="en-US" altLang="zh-CN" sz="2400" i="1">
+                            <a:latin typeface="Cambria Math" panose="02040503050406030204" pitchFamily="18" charset="0"/>
+                          </a:rPr>
+                          <m:t>𝐷𝑜𝑢𝑏𝑙𝑒</m:t>
+                        </m:r>
+                        <m:r>
+                          <a:rPr lang="en-US" altLang="zh-CN" sz="2400" i="1">
+                            <a:latin typeface="Cambria Math" panose="02040503050406030204" pitchFamily="18" charset="0"/>
+                          </a:rPr>
+                          <m:t>𝑄</m:t>
+                        </m:r>
+                      </m:sup>
+                    </m:sSubSup>
+                    <m:r>
+                      <a:rPr lang="en-US" altLang="zh-CN" sz="2400" i="1">
+                        <a:latin typeface="Cambria Math" panose="02040503050406030204" pitchFamily="18" charset="0"/>
+                      </a:rPr>
+                      <m:t>=</m:t>
+                    </m:r>
+                    <m:sSub>
+                      <m:sSubPr>
+                        <m:ctrlPr>
+                          <a:rPr lang="en-US" altLang="zh-CN" sz="2400" i="1">
+                            <a:latin typeface="Cambria Math" panose="02040503050406030204" pitchFamily="18" charset="0"/>
+                          </a:rPr>
+                        </m:ctrlPr>
+                      </m:sSubPr>
+                      <m:e>
+                        <m:r>
+                          <a:rPr lang="en-US" altLang="zh-CN" sz="2400" i="1">
+                            <a:latin typeface="Cambria Math" panose="02040503050406030204" pitchFamily="18" charset="0"/>
+                          </a:rPr>
+                          <m:t>𝑅</m:t>
+                        </m:r>
+                      </m:e>
+                      <m:sub>
+                        <m:r>
+                          <a:rPr lang="en-US" altLang="zh-CN" sz="2400" i="1">
+                            <a:latin typeface="Cambria Math" panose="02040503050406030204" pitchFamily="18" charset="0"/>
+                          </a:rPr>
+                          <m:t>𝑡</m:t>
+                        </m:r>
+                        <m:r>
+                          <a:rPr lang="en-US" altLang="zh-CN" sz="2400" i="1">
+                            <a:latin typeface="Cambria Math" panose="02040503050406030204" pitchFamily="18" charset="0"/>
+                          </a:rPr>
+                          <m:t>+1</m:t>
+                        </m:r>
+                      </m:sub>
+                    </m:sSub>
+                    <m:r>
+                      <a:rPr lang="en-US" altLang="zh-CN" sz="2400" i="1">
+                        <a:latin typeface="Cambria Math" panose="02040503050406030204" pitchFamily="18" charset="0"/>
+                      </a:rPr>
+                      <m:t>+</m:t>
+                    </m:r>
+                    <m:r>
+                      <a:rPr lang="en-US" altLang="zh-CN" sz="2400" i="1">
+                        <a:latin typeface="Cambria Math" panose="02040503050406030204" pitchFamily="18" charset="0"/>
+                      </a:rPr>
+                      <m:t>𝛾</m:t>
+                    </m:r>
+                    <m:r>
+                      <a:rPr lang="en-US" altLang="zh-CN" sz="2400" i="1">
+                        <a:latin typeface="Cambria Math" panose="02040503050406030204" pitchFamily="18" charset="0"/>
+                      </a:rPr>
+                      <m:t>𝑄</m:t>
+                    </m:r>
+                    <m:r>
+                      <a:rPr lang="en-US" altLang="zh-CN" sz="2400" i="1">
+                        <a:latin typeface="Cambria Math" panose="02040503050406030204" pitchFamily="18" charset="0"/>
+                      </a:rPr>
+                      <m:t>(</m:t>
+                    </m:r>
+                    <m:sSub>
+                      <m:sSubPr>
+                        <m:ctrlPr>
+                          <a:rPr lang="en-US" altLang="zh-CN" sz="2400" i="1">
+                            <a:latin typeface="Cambria Math" panose="02040503050406030204" pitchFamily="18" charset="0"/>
+                          </a:rPr>
+                        </m:ctrlPr>
+                      </m:sSubPr>
+                      <m:e>
+                        <m:r>
+                          <a:rPr lang="en-US" altLang="zh-CN" sz="2400" i="1">
+                            <a:latin typeface="Cambria Math" panose="02040503050406030204" pitchFamily="18" charset="0"/>
+                          </a:rPr>
+                          <m:t>𝑆</m:t>
+                        </m:r>
+                      </m:e>
+                      <m:sub>
+                        <m:r>
+                          <a:rPr lang="en-US" altLang="zh-CN" sz="2400" i="1">
+                            <a:latin typeface="Cambria Math" panose="02040503050406030204" pitchFamily="18" charset="0"/>
+                          </a:rPr>
+                          <m:t>𝑡</m:t>
+                        </m:r>
+                        <m:r>
+                          <a:rPr lang="en-US" altLang="zh-CN" sz="2400" i="1">
+                            <a:latin typeface="Cambria Math" panose="02040503050406030204" pitchFamily="18" charset="0"/>
+                          </a:rPr>
+                          <m:t>+1</m:t>
+                        </m:r>
+                      </m:sub>
+                    </m:sSub>
+                    <m:r>
+                      <a:rPr lang="en-US" altLang="zh-CN" sz="2400" i="1">
+                        <a:latin typeface="Cambria Math" panose="02040503050406030204" pitchFamily="18" charset="0"/>
+                      </a:rPr>
+                      <m:t>,</m:t>
+                    </m:r>
+                    <m:r>
+                      <a:rPr lang="en-US" altLang="zh-CN" sz="2400" i="1">
+                        <a:latin typeface="Cambria Math" panose="02040503050406030204" pitchFamily="18" charset="0"/>
+                      </a:rPr>
+                      <m:t>𝑎𝑟𝑔𝑚𝑎</m:t>
+                    </m:r>
+                    <m:sSub>
+                      <m:sSubPr>
+                        <m:ctrlPr>
+                          <a:rPr lang="en-US" altLang="zh-CN" sz="2400" i="1">
+                            <a:latin typeface="Cambria Math" panose="02040503050406030204" pitchFamily="18" charset="0"/>
+                          </a:rPr>
+                        </m:ctrlPr>
+                      </m:sSubPr>
+                      <m:e>
+                        <m:r>
+                          <a:rPr lang="en-US" altLang="zh-CN" sz="2400" i="1">
+                            <a:latin typeface="Cambria Math" panose="02040503050406030204" pitchFamily="18" charset="0"/>
+                          </a:rPr>
+                          <m:t>𝑥</m:t>
+                        </m:r>
+                      </m:e>
+                      <m:sub>
+                        <m:r>
+                          <a:rPr lang="en-US" altLang="zh-CN" sz="2400" i="1">
+                            <a:latin typeface="Cambria Math" panose="02040503050406030204" pitchFamily="18" charset="0"/>
+                          </a:rPr>
+                          <m:t>𝑎</m:t>
+                        </m:r>
+                      </m:sub>
+                    </m:sSub>
+                    <m:r>
+                      <a:rPr lang="en-US" altLang="zh-CN" sz="2400" i="1">
+                        <a:latin typeface="Cambria Math" panose="02040503050406030204" pitchFamily="18" charset="0"/>
+                      </a:rPr>
+                      <m:t>𝑄</m:t>
+                    </m:r>
+                    <m:d>
+                      <m:dPr>
+                        <m:ctrlPr>
+                          <a:rPr lang="en-US" altLang="zh-CN" sz="2400" i="1">
+                            <a:latin typeface="Cambria Math" panose="02040503050406030204" pitchFamily="18" charset="0"/>
+                          </a:rPr>
+                        </m:ctrlPr>
+                      </m:dPr>
+                      <m:e>
+                        <m:sSub>
+                          <m:sSubPr>
+                            <m:ctrlPr>
+                              <a:rPr lang="en-US" altLang="zh-CN" sz="2400" i="1">
+                                <a:latin typeface="Cambria Math" panose="02040503050406030204" pitchFamily="18" charset="0"/>
+                              </a:rPr>
+                            </m:ctrlPr>
+                          </m:sSubPr>
+                          <m:e>
+                            <m:r>
+                              <a:rPr lang="en-US" altLang="zh-CN" sz="2400" i="1">
+                                <a:latin typeface="Cambria Math" panose="02040503050406030204" pitchFamily="18" charset="0"/>
+                              </a:rPr>
+                              <m:t>𝑆</m:t>
+                            </m:r>
+                          </m:e>
+                          <m:sub>
+                            <m:r>
+                              <a:rPr lang="en-US" altLang="zh-CN" sz="2400" i="1">
+                                <a:latin typeface="Cambria Math" panose="02040503050406030204" pitchFamily="18" charset="0"/>
+                              </a:rPr>
+                              <m:t>𝑡</m:t>
+                            </m:r>
+                            <m:r>
+                              <a:rPr lang="en-US" altLang="zh-CN" sz="2400" i="1">
+                                <a:latin typeface="Cambria Math" panose="02040503050406030204" pitchFamily="18" charset="0"/>
+                              </a:rPr>
+                              <m:t>+1</m:t>
+                            </m:r>
+                          </m:sub>
+                        </m:sSub>
+                        <m:r>
+                          <a:rPr lang="en-US" altLang="zh-CN" sz="2400" i="1">
+                            <a:latin typeface="Cambria Math" panose="02040503050406030204" pitchFamily="18" charset="0"/>
+                          </a:rPr>
+                          <m:t>,</m:t>
+                        </m:r>
+                        <m:r>
+                          <a:rPr lang="en-US" altLang="zh-CN" sz="2400" i="1">
+                            <a:latin typeface="Cambria Math" panose="02040503050406030204" pitchFamily="18" charset="0"/>
+                          </a:rPr>
+                          <m:t>𝑎</m:t>
+                        </m:r>
+                        <m:r>
+                          <a:rPr lang="en-US" altLang="zh-CN" sz="2400" i="1">
+                            <a:latin typeface="Cambria Math" panose="02040503050406030204" pitchFamily="18" charset="0"/>
+                          </a:rPr>
+                          <m:t>;</m:t>
+                        </m:r>
+                        <m:sSub>
+                          <m:sSubPr>
+                            <m:ctrlPr>
+                              <a:rPr lang="en-US" altLang="zh-CN" sz="2400" i="1">
+                                <a:latin typeface="Cambria Math" panose="02040503050406030204" pitchFamily="18" charset="0"/>
+                              </a:rPr>
+                            </m:ctrlPr>
+                          </m:sSubPr>
+                          <m:e>
+                            <m:r>
+                              <a:rPr lang="en-US" altLang="zh-CN" sz="2400" i="1">
+                                <a:latin typeface="Cambria Math" panose="02040503050406030204" pitchFamily="18" charset="0"/>
+                              </a:rPr>
+                              <m:t>𝜃</m:t>
+                            </m:r>
+                          </m:e>
+                          <m:sub>
+                            <m:r>
+                              <a:rPr lang="en-US" altLang="zh-CN" sz="2400" i="1">
+                                <a:latin typeface="Cambria Math" panose="02040503050406030204" pitchFamily="18" charset="0"/>
+                              </a:rPr>
+                              <m:t>𝑡</m:t>
+                            </m:r>
+                          </m:sub>
+                        </m:sSub>
+                      </m:e>
+                    </m:d>
+                    <m:r>
+                      <a:rPr lang="en-US" altLang="zh-CN" sz="2400" i="1">
+                        <a:latin typeface="Cambria Math" panose="02040503050406030204" pitchFamily="18" charset="0"/>
+                      </a:rPr>
+                      <m:t>;</m:t>
+                    </m:r>
+                    <m:sSub>
+                      <m:sSubPr>
+                        <m:ctrlPr>
+                          <a:rPr lang="en-US" altLang="zh-CN" sz="2400" i="1">
+                            <a:solidFill>
+                              <a:srgbClr val="FF0000"/>
+                            </a:solidFill>
+                            <a:latin typeface="Cambria Math" panose="02040503050406030204" pitchFamily="18" charset="0"/>
+                          </a:rPr>
+                        </m:ctrlPr>
+                      </m:sSubPr>
+                      <m:e>
+                        <m:r>
+                          <a:rPr lang="en-US" altLang="zh-CN" sz="2400" i="1">
+                            <a:solidFill>
+                              <a:srgbClr val="FF0000"/>
+                            </a:solidFill>
+                            <a:latin typeface="Cambria Math" panose="02040503050406030204" pitchFamily="18" charset="0"/>
+                          </a:rPr>
+                          <m:t>𝜃</m:t>
+                        </m:r>
+                        <m:r>
+                          <a:rPr lang="en-US" altLang="zh-CN" sz="2400" i="1">
+                            <a:solidFill>
+                              <a:srgbClr val="FF0000"/>
+                            </a:solidFill>
+                            <a:latin typeface="Cambria Math" panose="02040503050406030204" pitchFamily="18" charset="0"/>
+                          </a:rPr>
+                          <m:t>′</m:t>
+                        </m:r>
+                      </m:e>
+                      <m:sub>
+                        <m:r>
+                          <a:rPr lang="en-US" altLang="zh-CN" sz="2400" i="1">
+                            <a:solidFill>
+                              <a:srgbClr val="FF0000"/>
+                            </a:solidFill>
+                            <a:latin typeface="Cambria Math" panose="02040503050406030204" pitchFamily="18" charset="0"/>
+                          </a:rPr>
+                          <m:t>𝑡</m:t>
+                        </m:r>
+                      </m:sub>
+                    </m:sSub>
+                    <m:r>
+                      <a:rPr lang="en-US" altLang="zh-CN" sz="2400" i="1">
+                        <a:latin typeface="Cambria Math" panose="02040503050406030204" pitchFamily="18" charset="0"/>
+                      </a:rPr>
+                      <m:t>)</m:t>
+                    </m:r>
+                  </m:oMath>
+                </a14:m>
+                <a:endParaRPr lang="en-US" altLang="zh-CN" dirty="0" smtClean="0">
+                  <a:solidFill>
+                    <a:schemeClr val="tx1"/>
+                  </a:solidFill>
+                </a:endParaRPr>
               </a:p>
               <a:p>
                 <a:pPr marL="228600" lvl="1">
@@ -7001,7 +10896,30 @@
                 </a:pPr>
                 <a:r>
                   <a:rPr lang="en-US" altLang="zh-CN" sz="2800" dirty="0" smtClean="0"/>
-                  <a:t>Advantage decompose</a:t>
+                  <a:t>Clip </a:t>
+                </a:r>
+                <a:r>
+                  <a:rPr lang="en-US" altLang="zh-CN" sz="2800" dirty="0"/>
+                  <a:t>rewards or normalize </a:t>
+                </a:r>
+                <a:r>
+                  <a:rPr lang="en-US" altLang="zh-CN" sz="2800" dirty="0" smtClean="0"/>
+                  <a:t>network</a:t>
+                </a:r>
+              </a:p>
+              <a:p>
+                <a:pPr marL="228600" lvl="1">
+                  <a:spcBef>
+                    <a:spcPts val="1000"/>
+                  </a:spcBef>
+                </a:pPr>
+                <a:r>
+                  <a:rPr lang="en-US" altLang="zh-CN" sz="2800" dirty="0" smtClean="0"/>
+                  <a:t>Advantage </a:t>
+                </a:r>
+                <a:r>
+                  <a:rPr lang="en-US" altLang="zh-CN" sz="2800" dirty="0" smtClean="0"/>
+                  <a:t>decompose</a:t>
                 </a:r>
               </a:p>
               <a:p>
@@ -7120,22 +11038,6 @@
                     </m:r>
                   </m:oMath>
                 </a14:m>
-                <a:endParaRPr lang="en-US" altLang="zh-CN" sz="2400" dirty="0" smtClean="0"/>
-              </a:p>
-              <a:p>
-                <a:pPr marL="685800" lvl="2">
-                  <a:spcBef>
-                    <a:spcPts val="1000"/>
-                  </a:spcBef>
-                </a:pPr>
-                <a:endParaRPr lang="en-US" altLang="zh-CN" sz="2400" dirty="0"/>
-              </a:p>
-              <a:p>
-                <a:pPr lvl="1"/>
-                <a:endParaRPr lang="en-US" altLang="zh-CN" dirty="0"/>
-              </a:p>
-              <a:p>
-                <a:pPr lvl="1"/>
                 <a:endParaRPr lang="zh-CN" altLang="en-US" dirty="0"/>
               </a:p>
             </p:txBody>
@@ -7169,7 +11071,7 @@
               <a:lstStyle/>
               <a:p>
                 <a:r>
-                  <a:rPr lang="zh-CN" altLang="en-US">
+                  <a:rPr lang="en-US">
                     <a:noFill/>
                   </a:rPr>
                   <a:t> </a:t>
@@ -7189,6 +11091,1369 @@
   <p:clrMapOvr>
     <a:masterClrMapping/>
   </p:clrMapOvr>
+  <p:timing>
+    <p:tnLst>
+      <p:par>
+        <p:cTn id="1" dur="indefinite" restart="never" nodeType="tmRoot">
+          <p:childTnLst>
+            <p:seq concurrent="1" nextAc="seek">
+              <p:cTn id="2" dur="indefinite" nodeType="mainSeq">
+                <p:childTnLst>
+                  <p:par>
+                    <p:cTn id="3" fill="hold">
+                      <p:stCondLst>
+                        <p:cond delay="indefinite"/>
+                      </p:stCondLst>
+                      <p:childTnLst>
+                        <p:par>
+                          <p:cTn id="4" fill="hold">
+                            <p:stCondLst>
+                              <p:cond delay="0"/>
+                            </p:stCondLst>
+                            <p:childTnLst>
+                              <p:par>
+                                <p:cTn id="5" presetID="42" presetClass="entr" presetSubtype="0" fill="hold" nodeType="clickEffect">
+                                  <p:stCondLst>
+                                    <p:cond delay="0"/>
+                                  </p:stCondLst>
+                                  <p:childTnLst>
+                                    <p:set>
+                                      <p:cBhvr>
+                                        <p:cTn id="6" dur="1" fill="hold">
+                                          <p:stCondLst>
+                                            <p:cond delay="0"/>
+                                          </p:stCondLst>
+                                        </p:cTn>
+                                        <p:tgtEl>
+                                          <p:spTgt spid="3">
+                                            <p:txEl>
+                                              <p:pRg st="0" end="0"/>
+                                            </p:txEl>
+                                          </p:spTgt>
+                                        </p:tgtEl>
+                                        <p:attrNameLst>
+                                          <p:attrName>style.visibility</p:attrName>
+                                        </p:attrNameLst>
+                                      </p:cBhvr>
+                                      <p:to>
+                                        <p:strVal val="visible"/>
+                                      </p:to>
+                                    </p:set>
+                                    <p:animEffect transition="in" filter="fade">
+                                      <p:cBhvr>
+                                        <p:cTn id="7" dur="1000"/>
+                                        <p:tgtEl>
+                                          <p:spTgt spid="3">
+                                            <p:txEl>
+                                              <p:pRg st="0" end="0"/>
+                                            </p:txEl>
+                                          </p:spTgt>
+                                        </p:tgtEl>
+                                      </p:cBhvr>
+                                    </p:animEffect>
+                                    <p:anim calcmode="lin" valueType="num">
+                                      <p:cBhvr>
+                                        <p:cTn id="8" dur="1000" fill="hold"/>
+                                        <p:tgtEl>
+                                          <p:spTgt spid="3">
+                                            <p:txEl>
+                                              <p:pRg st="0" end="0"/>
+                                            </p:txEl>
+                                          </p:spTgt>
+                                        </p:tgtEl>
+                                        <p:attrNameLst>
+                                          <p:attrName>ppt_x</p:attrName>
+                                        </p:attrNameLst>
+                                      </p:cBhvr>
+                                      <p:tavLst>
+                                        <p:tav tm="0">
+                                          <p:val>
+                                            <p:strVal val="#ppt_x"/>
+                                          </p:val>
+                                        </p:tav>
+                                        <p:tav tm="100000">
+                                          <p:val>
+                                            <p:strVal val="#ppt_x"/>
+                                          </p:val>
+                                        </p:tav>
+                                      </p:tavLst>
+                                    </p:anim>
+                                    <p:anim calcmode="lin" valueType="num">
+                                      <p:cBhvr>
+                                        <p:cTn id="9" dur="1000" fill="hold"/>
+                                        <p:tgtEl>
+                                          <p:spTgt spid="3">
+                                            <p:txEl>
+                                              <p:pRg st="0" end="0"/>
+                                            </p:txEl>
+                                          </p:spTgt>
+                                        </p:tgtEl>
+                                        <p:attrNameLst>
+                                          <p:attrName>ppt_y</p:attrName>
+                                        </p:attrNameLst>
+                                      </p:cBhvr>
+                                      <p:tavLst>
+                                        <p:tav tm="0">
+                                          <p:val>
+                                            <p:strVal val="#ppt_y+.1"/>
+                                          </p:val>
+                                        </p:tav>
+                                        <p:tav tm="100000">
+                                          <p:val>
+                                            <p:strVal val="#ppt_y"/>
+                                          </p:val>
+                                        </p:tav>
+                                      </p:tavLst>
+                                    </p:anim>
+                                  </p:childTnLst>
+                                </p:cTn>
+                              </p:par>
+                              <p:par>
+                                <p:cTn id="10" presetID="42" presetClass="entr" presetSubtype="0" fill="hold" nodeType="withEffect">
+                                  <p:stCondLst>
+                                    <p:cond delay="0"/>
+                                  </p:stCondLst>
+                                  <p:childTnLst>
+                                    <p:set>
+                                      <p:cBhvr>
+                                        <p:cTn id="11" dur="1" fill="hold">
+                                          <p:stCondLst>
+                                            <p:cond delay="0"/>
+                                          </p:stCondLst>
+                                        </p:cTn>
+                                        <p:tgtEl>
+                                          <p:spTgt spid="3">
+                                            <p:txEl>
+                                              <p:pRg st="1" end="1"/>
+                                            </p:txEl>
+                                          </p:spTgt>
+                                        </p:tgtEl>
+                                        <p:attrNameLst>
+                                          <p:attrName>style.visibility</p:attrName>
+                                        </p:attrNameLst>
+                                      </p:cBhvr>
+                                      <p:to>
+                                        <p:strVal val="visible"/>
+                                      </p:to>
+                                    </p:set>
+                                    <p:animEffect transition="in" filter="fade">
+                                      <p:cBhvr>
+                                        <p:cTn id="12" dur="1000"/>
+                                        <p:tgtEl>
+                                          <p:spTgt spid="3">
+                                            <p:txEl>
+                                              <p:pRg st="1" end="1"/>
+                                            </p:txEl>
+                                          </p:spTgt>
+                                        </p:tgtEl>
+                                      </p:cBhvr>
+                                    </p:animEffect>
+                                    <p:anim calcmode="lin" valueType="num">
+                                      <p:cBhvr>
+                                        <p:cTn id="13" dur="1000" fill="hold"/>
+                                        <p:tgtEl>
+                                          <p:spTgt spid="3">
+                                            <p:txEl>
+                                              <p:pRg st="1" end="1"/>
+                                            </p:txEl>
+                                          </p:spTgt>
+                                        </p:tgtEl>
+                                        <p:attrNameLst>
+                                          <p:attrName>ppt_x</p:attrName>
+                                        </p:attrNameLst>
+                                      </p:cBhvr>
+                                      <p:tavLst>
+                                        <p:tav tm="0">
+                                          <p:val>
+                                            <p:strVal val="#ppt_x"/>
+                                          </p:val>
+                                        </p:tav>
+                                        <p:tav tm="100000">
+                                          <p:val>
+                                            <p:strVal val="#ppt_x"/>
+                                          </p:val>
+                                        </p:tav>
+                                      </p:tavLst>
+                                    </p:anim>
+                                    <p:anim calcmode="lin" valueType="num">
+                                      <p:cBhvr>
+                                        <p:cTn id="14" dur="1000" fill="hold"/>
+                                        <p:tgtEl>
+                                          <p:spTgt spid="3">
+                                            <p:txEl>
+                                              <p:pRg st="1" end="1"/>
+                                            </p:txEl>
+                                          </p:spTgt>
+                                        </p:tgtEl>
+                                        <p:attrNameLst>
+                                          <p:attrName>ppt_y</p:attrName>
+                                        </p:attrNameLst>
+                                      </p:cBhvr>
+                                      <p:tavLst>
+                                        <p:tav tm="0">
+                                          <p:val>
+                                            <p:strVal val="#ppt_y+.1"/>
+                                          </p:val>
+                                        </p:tav>
+                                        <p:tav tm="100000">
+                                          <p:val>
+                                            <p:strVal val="#ppt_y"/>
+                                          </p:val>
+                                        </p:tav>
+                                      </p:tavLst>
+                                    </p:anim>
+                                  </p:childTnLst>
+                                </p:cTn>
+                              </p:par>
+                              <p:par>
+                                <p:cTn id="15" presetID="42" presetClass="entr" presetSubtype="0" fill="hold" nodeType="withEffect">
+                                  <p:stCondLst>
+                                    <p:cond delay="0"/>
+                                  </p:stCondLst>
+                                  <p:childTnLst>
+                                    <p:set>
+                                      <p:cBhvr>
+                                        <p:cTn id="16" dur="1" fill="hold">
+                                          <p:stCondLst>
+                                            <p:cond delay="0"/>
+                                          </p:stCondLst>
+                                        </p:cTn>
+                                        <p:tgtEl>
+                                          <p:spTgt spid="3">
+                                            <p:txEl>
+                                              <p:pRg st="2" end="2"/>
+                                            </p:txEl>
+                                          </p:spTgt>
+                                        </p:tgtEl>
+                                        <p:attrNameLst>
+                                          <p:attrName>style.visibility</p:attrName>
+                                        </p:attrNameLst>
+                                      </p:cBhvr>
+                                      <p:to>
+                                        <p:strVal val="visible"/>
+                                      </p:to>
+                                    </p:set>
+                                    <p:animEffect transition="in" filter="fade">
+                                      <p:cBhvr>
+                                        <p:cTn id="17" dur="1000"/>
+                                        <p:tgtEl>
+                                          <p:spTgt spid="3">
+                                            <p:txEl>
+                                              <p:pRg st="2" end="2"/>
+                                            </p:txEl>
+                                          </p:spTgt>
+                                        </p:tgtEl>
+                                      </p:cBhvr>
+                                    </p:animEffect>
+                                    <p:anim calcmode="lin" valueType="num">
+                                      <p:cBhvr>
+                                        <p:cTn id="18" dur="1000" fill="hold"/>
+                                        <p:tgtEl>
+                                          <p:spTgt spid="3">
+                                            <p:txEl>
+                                              <p:pRg st="2" end="2"/>
+                                            </p:txEl>
+                                          </p:spTgt>
+                                        </p:tgtEl>
+                                        <p:attrNameLst>
+                                          <p:attrName>ppt_x</p:attrName>
+                                        </p:attrNameLst>
+                                      </p:cBhvr>
+                                      <p:tavLst>
+                                        <p:tav tm="0">
+                                          <p:val>
+                                            <p:strVal val="#ppt_x"/>
+                                          </p:val>
+                                        </p:tav>
+                                        <p:tav tm="100000">
+                                          <p:val>
+                                            <p:strVal val="#ppt_x"/>
+                                          </p:val>
+                                        </p:tav>
+                                      </p:tavLst>
+                                    </p:anim>
+                                    <p:anim calcmode="lin" valueType="num">
+                                      <p:cBhvr>
+                                        <p:cTn id="19" dur="1000" fill="hold"/>
+                                        <p:tgtEl>
+                                          <p:spTgt spid="3">
+                                            <p:txEl>
+                                              <p:pRg st="2" end="2"/>
+                                            </p:txEl>
+                                          </p:spTgt>
+                                        </p:tgtEl>
+                                        <p:attrNameLst>
+                                          <p:attrName>ppt_y</p:attrName>
+                                        </p:attrNameLst>
+                                      </p:cBhvr>
+                                      <p:tavLst>
+                                        <p:tav tm="0">
+                                          <p:val>
+                                            <p:strVal val="#ppt_y+.1"/>
+                                          </p:val>
+                                        </p:tav>
+                                        <p:tav tm="100000">
+                                          <p:val>
+                                            <p:strVal val="#ppt_y"/>
+                                          </p:val>
+                                        </p:tav>
+                                      </p:tavLst>
+                                    </p:anim>
+                                  </p:childTnLst>
+                                </p:cTn>
+                              </p:par>
+                              <p:par>
+                                <p:cTn id="20" presetID="42" presetClass="entr" presetSubtype="0" fill="hold" nodeType="withEffect">
+                                  <p:stCondLst>
+                                    <p:cond delay="0"/>
+                                  </p:stCondLst>
+                                  <p:childTnLst>
+                                    <p:set>
+                                      <p:cBhvr>
+                                        <p:cTn id="21" dur="1" fill="hold">
+                                          <p:stCondLst>
+                                            <p:cond delay="0"/>
+                                          </p:stCondLst>
+                                        </p:cTn>
+                                        <p:tgtEl>
+                                          <p:spTgt spid="3">
+                                            <p:txEl>
+                                              <p:pRg st="3" end="3"/>
+                                            </p:txEl>
+                                          </p:spTgt>
+                                        </p:tgtEl>
+                                        <p:attrNameLst>
+                                          <p:attrName>style.visibility</p:attrName>
+                                        </p:attrNameLst>
+                                      </p:cBhvr>
+                                      <p:to>
+                                        <p:strVal val="visible"/>
+                                      </p:to>
+                                    </p:set>
+                                    <p:animEffect transition="in" filter="fade">
+                                      <p:cBhvr>
+                                        <p:cTn id="22" dur="1000"/>
+                                        <p:tgtEl>
+                                          <p:spTgt spid="3">
+                                            <p:txEl>
+                                              <p:pRg st="3" end="3"/>
+                                            </p:txEl>
+                                          </p:spTgt>
+                                        </p:tgtEl>
+                                      </p:cBhvr>
+                                    </p:animEffect>
+                                    <p:anim calcmode="lin" valueType="num">
+                                      <p:cBhvr>
+                                        <p:cTn id="23" dur="1000" fill="hold"/>
+                                        <p:tgtEl>
+                                          <p:spTgt spid="3">
+                                            <p:txEl>
+                                              <p:pRg st="3" end="3"/>
+                                            </p:txEl>
+                                          </p:spTgt>
+                                        </p:tgtEl>
+                                        <p:attrNameLst>
+                                          <p:attrName>ppt_x</p:attrName>
+                                        </p:attrNameLst>
+                                      </p:cBhvr>
+                                      <p:tavLst>
+                                        <p:tav tm="0">
+                                          <p:val>
+                                            <p:strVal val="#ppt_x"/>
+                                          </p:val>
+                                        </p:tav>
+                                        <p:tav tm="100000">
+                                          <p:val>
+                                            <p:strVal val="#ppt_x"/>
+                                          </p:val>
+                                        </p:tav>
+                                      </p:tavLst>
+                                    </p:anim>
+                                    <p:anim calcmode="lin" valueType="num">
+                                      <p:cBhvr>
+                                        <p:cTn id="24" dur="1000" fill="hold"/>
+                                        <p:tgtEl>
+                                          <p:spTgt spid="3">
+                                            <p:txEl>
+                                              <p:pRg st="3" end="3"/>
+                                            </p:txEl>
+                                          </p:spTgt>
+                                        </p:tgtEl>
+                                        <p:attrNameLst>
+                                          <p:attrName>ppt_y</p:attrName>
+                                        </p:attrNameLst>
+                                      </p:cBhvr>
+                                      <p:tavLst>
+                                        <p:tav tm="0">
+                                          <p:val>
+                                            <p:strVal val="#ppt_y+.1"/>
+                                          </p:val>
+                                        </p:tav>
+                                        <p:tav tm="100000">
+                                          <p:val>
+                                            <p:strVal val="#ppt_y"/>
+                                          </p:val>
+                                        </p:tav>
+                                      </p:tavLst>
+                                    </p:anim>
+                                  </p:childTnLst>
+                                </p:cTn>
+                              </p:par>
+                            </p:childTnLst>
+                          </p:cTn>
+                        </p:par>
+                      </p:childTnLst>
+                    </p:cTn>
+                  </p:par>
+                  <p:par>
+                    <p:cTn id="25" fill="hold">
+                      <p:stCondLst>
+                        <p:cond delay="indefinite"/>
+                      </p:stCondLst>
+                      <p:childTnLst>
+                        <p:par>
+                          <p:cTn id="26" fill="hold">
+                            <p:stCondLst>
+                              <p:cond delay="0"/>
+                            </p:stCondLst>
+                            <p:childTnLst>
+                              <p:par>
+                                <p:cTn id="27" presetID="42" presetClass="entr" presetSubtype="0" fill="hold" nodeType="clickEffect">
+                                  <p:stCondLst>
+                                    <p:cond delay="0"/>
+                                  </p:stCondLst>
+                                  <p:childTnLst>
+                                    <p:set>
+                                      <p:cBhvr>
+                                        <p:cTn id="28" dur="1" fill="hold">
+                                          <p:stCondLst>
+                                            <p:cond delay="0"/>
+                                          </p:stCondLst>
+                                        </p:cTn>
+                                        <p:tgtEl>
+                                          <p:spTgt spid="3">
+                                            <p:txEl>
+                                              <p:pRg st="4" end="4"/>
+                                            </p:txEl>
+                                          </p:spTgt>
+                                        </p:tgtEl>
+                                        <p:attrNameLst>
+                                          <p:attrName>style.visibility</p:attrName>
+                                        </p:attrNameLst>
+                                      </p:cBhvr>
+                                      <p:to>
+                                        <p:strVal val="visible"/>
+                                      </p:to>
+                                    </p:set>
+                                    <p:animEffect transition="in" filter="fade">
+                                      <p:cBhvr>
+                                        <p:cTn id="29" dur="1000"/>
+                                        <p:tgtEl>
+                                          <p:spTgt spid="3">
+                                            <p:txEl>
+                                              <p:pRg st="4" end="4"/>
+                                            </p:txEl>
+                                          </p:spTgt>
+                                        </p:tgtEl>
+                                      </p:cBhvr>
+                                    </p:animEffect>
+                                    <p:anim calcmode="lin" valueType="num">
+                                      <p:cBhvr>
+                                        <p:cTn id="30" dur="1000" fill="hold"/>
+                                        <p:tgtEl>
+                                          <p:spTgt spid="3">
+                                            <p:txEl>
+                                              <p:pRg st="4" end="4"/>
+                                            </p:txEl>
+                                          </p:spTgt>
+                                        </p:tgtEl>
+                                        <p:attrNameLst>
+                                          <p:attrName>ppt_x</p:attrName>
+                                        </p:attrNameLst>
+                                      </p:cBhvr>
+                                      <p:tavLst>
+                                        <p:tav tm="0">
+                                          <p:val>
+                                            <p:strVal val="#ppt_x"/>
+                                          </p:val>
+                                        </p:tav>
+                                        <p:tav tm="100000">
+                                          <p:val>
+                                            <p:strVal val="#ppt_x"/>
+                                          </p:val>
+                                        </p:tav>
+                                      </p:tavLst>
+                                    </p:anim>
+                                    <p:anim calcmode="lin" valueType="num">
+                                      <p:cBhvr>
+                                        <p:cTn id="31" dur="1000" fill="hold"/>
+                                        <p:tgtEl>
+                                          <p:spTgt spid="3">
+                                            <p:txEl>
+                                              <p:pRg st="4" end="4"/>
+                                            </p:txEl>
+                                          </p:spTgt>
+                                        </p:tgtEl>
+                                        <p:attrNameLst>
+                                          <p:attrName>ppt_y</p:attrName>
+                                        </p:attrNameLst>
+                                      </p:cBhvr>
+                                      <p:tavLst>
+                                        <p:tav tm="0">
+                                          <p:val>
+                                            <p:strVal val="#ppt_y+.1"/>
+                                          </p:val>
+                                        </p:tav>
+                                        <p:tav tm="100000">
+                                          <p:val>
+                                            <p:strVal val="#ppt_y"/>
+                                          </p:val>
+                                        </p:tav>
+                                      </p:tavLst>
+                                    </p:anim>
+                                  </p:childTnLst>
+                                </p:cTn>
+                              </p:par>
+                              <p:par>
+                                <p:cTn id="32" presetID="42" presetClass="entr" presetSubtype="0" fill="hold" nodeType="withEffect">
+                                  <p:stCondLst>
+                                    <p:cond delay="0"/>
+                                  </p:stCondLst>
+                                  <p:childTnLst>
+                                    <p:set>
+                                      <p:cBhvr>
+                                        <p:cTn id="33" dur="1" fill="hold">
+                                          <p:stCondLst>
+                                            <p:cond delay="0"/>
+                                          </p:stCondLst>
+                                        </p:cTn>
+                                        <p:tgtEl>
+                                          <p:spTgt spid="3">
+                                            <p:txEl>
+                                              <p:pRg st="5" end="5"/>
+                                            </p:txEl>
+                                          </p:spTgt>
+                                        </p:tgtEl>
+                                        <p:attrNameLst>
+                                          <p:attrName>style.visibility</p:attrName>
+                                        </p:attrNameLst>
+                                      </p:cBhvr>
+                                      <p:to>
+                                        <p:strVal val="visible"/>
+                                      </p:to>
+                                    </p:set>
+                                    <p:animEffect transition="in" filter="fade">
+                                      <p:cBhvr>
+                                        <p:cTn id="34" dur="1000"/>
+                                        <p:tgtEl>
+                                          <p:spTgt spid="3">
+                                            <p:txEl>
+                                              <p:pRg st="5" end="5"/>
+                                            </p:txEl>
+                                          </p:spTgt>
+                                        </p:tgtEl>
+                                      </p:cBhvr>
+                                    </p:animEffect>
+                                    <p:anim calcmode="lin" valueType="num">
+                                      <p:cBhvr>
+                                        <p:cTn id="35" dur="1000" fill="hold"/>
+                                        <p:tgtEl>
+                                          <p:spTgt spid="3">
+                                            <p:txEl>
+                                              <p:pRg st="5" end="5"/>
+                                            </p:txEl>
+                                          </p:spTgt>
+                                        </p:tgtEl>
+                                        <p:attrNameLst>
+                                          <p:attrName>ppt_x</p:attrName>
+                                        </p:attrNameLst>
+                                      </p:cBhvr>
+                                      <p:tavLst>
+                                        <p:tav tm="0">
+                                          <p:val>
+                                            <p:strVal val="#ppt_x"/>
+                                          </p:val>
+                                        </p:tav>
+                                        <p:tav tm="100000">
+                                          <p:val>
+                                            <p:strVal val="#ppt_x"/>
+                                          </p:val>
+                                        </p:tav>
+                                      </p:tavLst>
+                                    </p:anim>
+                                    <p:anim calcmode="lin" valueType="num">
+                                      <p:cBhvr>
+                                        <p:cTn id="36" dur="1000" fill="hold"/>
+                                        <p:tgtEl>
+                                          <p:spTgt spid="3">
+                                            <p:txEl>
+                                              <p:pRg st="5" end="5"/>
+                                            </p:txEl>
+                                          </p:spTgt>
+                                        </p:tgtEl>
+                                        <p:attrNameLst>
+                                          <p:attrName>ppt_y</p:attrName>
+                                        </p:attrNameLst>
+                                      </p:cBhvr>
+                                      <p:tavLst>
+                                        <p:tav tm="0">
+                                          <p:val>
+                                            <p:strVal val="#ppt_y+.1"/>
+                                          </p:val>
+                                        </p:tav>
+                                        <p:tav tm="100000">
+                                          <p:val>
+                                            <p:strVal val="#ppt_y"/>
+                                          </p:val>
+                                        </p:tav>
+                                      </p:tavLst>
+                                    </p:anim>
+                                  </p:childTnLst>
+                                </p:cTn>
+                              </p:par>
+                              <p:par>
+                                <p:cTn id="37" presetID="42" presetClass="entr" presetSubtype="0" fill="hold" nodeType="withEffect">
+                                  <p:stCondLst>
+                                    <p:cond delay="0"/>
+                                  </p:stCondLst>
+                                  <p:childTnLst>
+                                    <p:set>
+                                      <p:cBhvr>
+                                        <p:cTn id="38" dur="1" fill="hold">
+                                          <p:stCondLst>
+                                            <p:cond delay="0"/>
+                                          </p:stCondLst>
+                                        </p:cTn>
+                                        <p:tgtEl>
+                                          <p:spTgt spid="3">
+                                            <p:txEl>
+                                              <p:pRg st="6" end="6"/>
+                                            </p:txEl>
+                                          </p:spTgt>
+                                        </p:tgtEl>
+                                        <p:attrNameLst>
+                                          <p:attrName>style.visibility</p:attrName>
+                                        </p:attrNameLst>
+                                      </p:cBhvr>
+                                      <p:to>
+                                        <p:strVal val="visible"/>
+                                      </p:to>
+                                    </p:set>
+                                    <p:animEffect transition="in" filter="fade">
+                                      <p:cBhvr>
+                                        <p:cTn id="39" dur="1000"/>
+                                        <p:tgtEl>
+                                          <p:spTgt spid="3">
+                                            <p:txEl>
+                                              <p:pRg st="6" end="6"/>
+                                            </p:txEl>
+                                          </p:spTgt>
+                                        </p:tgtEl>
+                                      </p:cBhvr>
+                                    </p:animEffect>
+                                    <p:anim calcmode="lin" valueType="num">
+                                      <p:cBhvr>
+                                        <p:cTn id="40" dur="1000" fill="hold"/>
+                                        <p:tgtEl>
+                                          <p:spTgt spid="3">
+                                            <p:txEl>
+                                              <p:pRg st="6" end="6"/>
+                                            </p:txEl>
+                                          </p:spTgt>
+                                        </p:tgtEl>
+                                        <p:attrNameLst>
+                                          <p:attrName>ppt_x</p:attrName>
+                                        </p:attrNameLst>
+                                      </p:cBhvr>
+                                      <p:tavLst>
+                                        <p:tav tm="0">
+                                          <p:val>
+                                            <p:strVal val="#ppt_x"/>
+                                          </p:val>
+                                        </p:tav>
+                                        <p:tav tm="100000">
+                                          <p:val>
+                                            <p:strVal val="#ppt_x"/>
+                                          </p:val>
+                                        </p:tav>
+                                      </p:tavLst>
+                                    </p:anim>
+                                    <p:anim calcmode="lin" valueType="num">
+                                      <p:cBhvr>
+                                        <p:cTn id="41" dur="1000" fill="hold"/>
+                                        <p:tgtEl>
+                                          <p:spTgt spid="3">
+                                            <p:txEl>
+                                              <p:pRg st="6" end="6"/>
+                                            </p:txEl>
+                                          </p:spTgt>
+                                        </p:tgtEl>
+                                        <p:attrNameLst>
+                                          <p:attrName>ppt_y</p:attrName>
+                                        </p:attrNameLst>
+                                      </p:cBhvr>
+                                      <p:tavLst>
+                                        <p:tav tm="0">
+                                          <p:val>
+                                            <p:strVal val="#ppt_y+.1"/>
+                                          </p:val>
+                                        </p:tav>
+                                        <p:tav tm="100000">
+                                          <p:val>
+                                            <p:strVal val="#ppt_y"/>
+                                          </p:val>
+                                        </p:tav>
+                                      </p:tavLst>
+                                    </p:anim>
+                                  </p:childTnLst>
+                                </p:cTn>
+                              </p:par>
+                              <p:par>
+                                <p:cTn id="42" presetID="42" presetClass="entr" presetSubtype="0" fill="hold" nodeType="withEffect">
+                                  <p:stCondLst>
+                                    <p:cond delay="0"/>
+                                  </p:stCondLst>
+                                  <p:childTnLst>
+                                    <p:set>
+                                      <p:cBhvr>
+                                        <p:cTn id="43" dur="1" fill="hold">
+                                          <p:stCondLst>
+                                            <p:cond delay="0"/>
+                                          </p:stCondLst>
+                                        </p:cTn>
+                                        <p:tgtEl>
+                                          <p:spTgt spid="3">
+                                            <p:txEl>
+                                              <p:pRg st="7" end="7"/>
+                                            </p:txEl>
+                                          </p:spTgt>
+                                        </p:tgtEl>
+                                        <p:attrNameLst>
+                                          <p:attrName>style.visibility</p:attrName>
+                                        </p:attrNameLst>
+                                      </p:cBhvr>
+                                      <p:to>
+                                        <p:strVal val="visible"/>
+                                      </p:to>
+                                    </p:set>
+                                    <p:animEffect transition="in" filter="fade">
+                                      <p:cBhvr>
+                                        <p:cTn id="44" dur="1000"/>
+                                        <p:tgtEl>
+                                          <p:spTgt spid="3">
+                                            <p:txEl>
+                                              <p:pRg st="7" end="7"/>
+                                            </p:txEl>
+                                          </p:spTgt>
+                                        </p:tgtEl>
+                                      </p:cBhvr>
+                                    </p:animEffect>
+                                    <p:anim calcmode="lin" valueType="num">
+                                      <p:cBhvr>
+                                        <p:cTn id="45" dur="1000" fill="hold"/>
+                                        <p:tgtEl>
+                                          <p:spTgt spid="3">
+                                            <p:txEl>
+                                              <p:pRg st="7" end="7"/>
+                                            </p:txEl>
+                                          </p:spTgt>
+                                        </p:tgtEl>
+                                        <p:attrNameLst>
+                                          <p:attrName>ppt_x</p:attrName>
+                                        </p:attrNameLst>
+                                      </p:cBhvr>
+                                      <p:tavLst>
+                                        <p:tav tm="0">
+                                          <p:val>
+                                            <p:strVal val="#ppt_x"/>
+                                          </p:val>
+                                        </p:tav>
+                                        <p:tav tm="100000">
+                                          <p:val>
+                                            <p:strVal val="#ppt_x"/>
+                                          </p:val>
+                                        </p:tav>
+                                      </p:tavLst>
+                                    </p:anim>
+                                    <p:anim calcmode="lin" valueType="num">
+                                      <p:cBhvr>
+                                        <p:cTn id="46" dur="1000" fill="hold"/>
+                                        <p:tgtEl>
+                                          <p:spTgt spid="3">
+                                            <p:txEl>
+                                              <p:pRg st="7" end="7"/>
+                                            </p:txEl>
+                                          </p:spTgt>
+                                        </p:tgtEl>
+                                        <p:attrNameLst>
+                                          <p:attrName>ppt_y</p:attrName>
+                                        </p:attrNameLst>
+                                      </p:cBhvr>
+                                      <p:tavLst>
+                                        <p:tav tm="0">
+                                          <p:val>
+                                            <p:strVal val="#ppt_y+.1"/>
+                                          </p:val>
+                                        </p:tav>
+                                        <p:tav tm="100000">
+                                          <p:val>
+                                            <p:strVal val="#ppt_y"/>
+                                          </p:val>
+                                        </p:tav>
+                                      </p:tavLst>
+                                    </p:anim>
+                                  </p:childTnLst>
+                                </p:cTn>
+                              </p:par>
+                              <p:par>
+                                <p:cTn id="47" presetID="42" presetClass="entr" presetSubtype="0" fill="hold" nodeType="withEffect">
+                                  <p:stCondLst>
+                                    <p:cond delay="0"/>
+                                  </p:stCondLst>
+                                  <p:childTnLst>
+                                    <p:set>
+                                      <p:cBhvr>
+                                        <p:cTn id="48" dur="1" fill="hold">
+                                          <p:stCondLst>
+                                            <p:cond delay="0"/>
+                                          </p:stCondLst>
+                                        </p:cTn>
+                                        <p:tgtEl>
+                                          <p:spTgt spid="3">
+                                            <p:txEl>
+                                              <p:pRg st="8" end="8"/>
+                                            </p:txEl>
+                                          </p:spTgt>
+                                        </p:tgtEl>
+                                        <p:attrNameLst>
+                                          <p:attrName>style.visibility</p:attrName>
+                                        </p:attrNameLst>
+                                      </p:cBhvr>
+                                      <p:to>
+                                        <p:strVal val="visible"/>
+                                      </p:to>
+                                    </p:set>
+                                    <p:animEffect transition="in" filter="fade">
+                                      <p:cBhvr>
+                                        <p:cTn id="49" dur="1000"/>
+                                        <p:tgtEl>
+                                          <p:spTgt spid="3">
+                                            <p:txEl>
+                                              <p:pRg st="8" end="8"/>
+                                            </p:txEl>
+                                          </p:spTgt>
+                                        </p:tgtEl>
+                                      </p:cBhvr>
+                                    </p:animEffect>
+                                    <p:anim calcmode="lin" valueType="num">
+                                      <p:cBhvr>
+                                        <p:cTn id="50" dur="1000" fill="hold"/>
+                                        <p:tgtEl>
+                                          <p:spTgt spid="3">
+                                            <p:txEl>
+                                              <p:pRg st="8" end="8"/>
+                                            </p:txEl>
+                                          </p:spTgt>
+                                        </p:tgtEl>
+                                        <p:attrNameLst>
+                                          <p:attrName>ppt_x</p:attrName>
+                                        </p:attrNameLst>
+                                      </p:cBhvr>
+                                      <p:tavLst>
+                                        <p:tav tm="0">
+                                          <p:val>
+                                            <p:strVal val="#ppt_x"/>
+                                          </p:val>
+                                        </p:tav>
+                                        <p:tav tm="100000">
+                                          <p:val>
+                                            <p:strVal val="#ppt_x"/>
+                                          </p:val>
+                                        </p:tav>
+                                      </p:tavLst>
+                                    </p:anim>
+                                    <p:anim calcmode="lin" valueType="num">
+                                      <p:cBhvr>
+                                        <p:cTn id="51" dur="1000" fill="hold"/>
+                                        <p:tgtEl>
+                                          <p:spTgt spid="3">
+                                            <p:txEl>
+                                              <p:pRg st="8" end="8"/>
+                                            </p:txEl>
+                                          </p:spTgt>
+                                        </p:tgtEl>
+                                        <p:attrNameLst>
+                                          <p:attrName>ppt_y</p:attrName>
+                                        </p:attrNameLst>
+                                      </p:cBhvr>
+                                      <p:tavLst>
+                                        <p:tav tm="0">
+                                          <p:val>
+                                            <p:strVal val="#ppt_y+.1"/>
+                                          </p:val>
+                                        </p:tav>
+                                        <p:tav tm="100000">
+                                          <p:val>
+                                            <p:strVal val="#ppt_y"/>
+                                          </p:val>
+                                        </p:tav>
+                                      </p:tavLst>
+                                    </p:anim>
+                                  </p:childTnLst>
+                                </p:cTn>
+                              </p:par>
+                              <p:par>
+                                <p:cTn id="52" presetID="42" presetClass="entr" presetSubtype="0" fill="hold" nodeType="withEffect">
+                                  <p:stCondLst>
+                                    <p:cond delay="0"/>
+                                  </p:stCondLst>
+                                  <p:childTnLst>
+                                    <p:set>
+                                      <p:cBhvr>
+                                        <p:cTn id="53" dur="1" fill="hold">
+                                          <p:stCondLst>
+                                            <p:cond delay="0"/>
+                                          </p:stCondLst>
+                                        </p:cTn>
+                                        <p:tgtEl>
+                                          <p:spTgt spid="3">
+                                            <p:txEl>
+                                              <p:pRg st="9" end="9"/>
+                                            </p:txEl>
+                                          </p:spTgt>
+                                        </p:tgtEl>
+                                        <p:attrNameLst>
+                                          <p:attrName>style.visibility</p:attrName>
+                                        </p:attrNameLst>
+                                      </p:cBhvr>
+                                      <p:to>
+                                        <p:strVal val="visible"/>
+                                      </p:to>
+                                    </p:set>
+                                    <p:animEffect transition="in" filter="fade">
+                                      <p:cBhvr>
+                                        <p:cTn id="54" dur="1000"/>
+                                        <p:tgtEl>
+                                          <p:spTgt spid="3">
+                                            <p:txEl>
+                                              <p:pRg st="9" end="9"/>
+                                            </p:txEl>
+                                          </p:spTgt>
+                                        </p:tgtEl>
+                                      </p:cBhvr>
+                                    </p:animEffect>
+                                    <p:anim calcmode="lin" valueType="num">
+                                      <p:cBhvr>
+                                        <p:cTn id="55" dur="1000" fill="hold"/>
+                                        <p:tgtEl>
+                                          <p:spTgt spid="3">
+                                            <p:txEl>
+                                              <p:pRg st="9" end="9"/>
+                                            </p:txEl>
+                                          </p:spTgt>
+                                        </p:tgtEl>
+                                        <p:attrNameLst>
+                                          <p:attrName>ppt_x</p:attrName>
+                                        </p:attrNameLst>
+                                      </p:cBhvr>
+                                      <p:tavLst>
+                                        <p:tav tm="0">
+                                          <p:val>
+                                            <p:strVal val="#ppt_x"/>
+                                          </p:val>
+                                        </p:tav>
+                                        <p:tav tm="100000">
+                                          <p:val>
+                                            <p:strVal val="#ppt_x"/>
+                                          </p:val>
+                                        </p:tav>
+                                      </p:tavLst>
+                                    </p:anim>
+                                    <p:anim calcmode="lin" valueType="num">
+                                      <p:cBhvr>
+                                        <p:cTn id="56" dur="1000" fill="hold"/>
+                                        <p:tgtEl>
+                                          <p:spTgt spid="3">
+                                            <p:txEl>
+                                              <p:pRg st="9" end="9"/>
+                                            </p:txEl>
+                                          </p:spTgt>
+                                        </p:tgtEl>
+                                        <p:attrNameLst>
+                                          <p:attrName>ppt_y</p:attrName>
+                                        </p:attrNameLst>
+                                      </p:cBhvr>
+                                      <p:tavLst>
+                                        <p:tav tm="0">
+                                          <p:val>
+                                            <p:strVal val="#ppt_y+.1"/>
+                                          </p:val>
+                                        </p:tav>
+                                        <p:tav tm="100000">
+                                          <p:val>
+                                            <p:strVal val="#ppt_y"/>
+                                          </p:val>
+                                        </p:tav>
+                                      </p:tavLst>
+                                    </p:anim>
+                                  </p:childTnLst>
+                                </p:cTn>
+                              </p:par>
+                            </p:childTnLst>
+                          </p:cTn>
+                        </p:par>
+                      </p:childTnLst>
+                    </p:cTn>
+                  </p:par>
+                  <p:par>
+                    <p:cTn id="57" fill="hold">
+                      <p:stCondLst>
+                        <p:cond delay="indefinite"/>
+                      </p:stCondLst>
+                      <p:childTnLst>
+                        <p:par>
+                          <p:cTn id="58" fill="hold">
+                            <p:stCondLst>
+                              <p:cond delay="0"/>
+                            </p:stCondLst>
+                            <p:childTnLst>
+                              <p:par>
+                                <p:cTn id="59" presetID="42" presetClass="entr" presetSubtype="0" fill="hold" nodeType="clickEffect">
+                                  <p:stCondLst>
+                                    <p:cond delay="0"/>
+                                  </p:stCondLst>
+                                  <p:childTnLst>
+                                    <p:set>
+                                      <p:cBhvr>
+                                        <p:cTn id="60" dur="1" fill="hold">
+                                          <p:stCondLst>
+                                            <p:cond delay="0"/>
+                                          </p:stCondLst>
+                                        </p:cTn>
+                                        <p:tgtEl>
+                                          <p:spTgt spid="3">
+                                            <p:txEl>
+                                              <p:pRg st="10" end="10"/>
+                                            </p:txEl>
+                                          </p:spTgt>
+                                        </p:tgtEl>
+                                        <p:attrNameLst>
+                                          <p:attrName>style.visibility</p:attrName>
+                                        </p:attrNameLst>
+                                      </p:cBhvr>
+                                      <p:to>
+                                        <p:strVal val="visible"/>
+                                      </p:to>
+                                    </p:set>
+                                    <p:animEffect transition="in" filter="fade">
+                                      <p:cBhvr>
+                                        <p:cTn id="61" dur="1000"/>
+                                        <p:tgtEl>
+                                          <p:spTgt spid="3">
+                                            <p:txEl>
+                                              <p:pRg st="10" end="10"/>
+                                            </p:txEl>
+                                          </p:spTgt>
+                                        </p:tgtEl>
+                                      </p:cBhvr>
+                                    </p:animEffect>
+                                    <p:anim calcmode="lin" valueType="num">
+                                      <p:cBhvr>
+                                        <p:cTn id="62" dur="1000" fill="hold"/>
+                                        <p:tgtEl>
+                                          <p:spTgt spid="3">
+                                            <p:txEl>
+                                              <p:pRg st="10" end="10"/>
+                                            </p:txEl>
+                                          </p:spTgt>
+                                        </p:tgtEl>
+                                        <p:attrNameLst>
+                                          <p:attrName>ppt_x</p:attrName>
+                                        </p:attrNameLst>
+                                      </p:cBhvr>
+                                      <p:tavLst>
+                                        <p:tav tm="0">
+                                          <p:val>
+                                            <p:strVal val="#ppt_x"/>
+                                          </p:val>
+                                        </p:tav>
+                                        <p:tav tm="100000">
+                                          <p:val>
+                                            <p:strVal val="#ppt_x"/>
+                                          </p:val>
+                                        </p:tav>
+                                      </p:tavLst>
+                                    </p:anim>
+                                    <p:anim calcmode="lin" valueType="num">
+                                      <p:cBhvr>
+                                        <p:cTn id="63" dur="1000" fill="hold"/>
+                                        <p:tgtEl>
+                                          <p:spTgt spid="3">
+                                            <p:txEl>
+                                              <p:pRg st="10" end="10"/>
+                                            </p:txEl>
+                                          </p:spTgt>
+                                        </p:tgtEl>
+                                        <p:attrNameLst>
+                                          <p:attrName>ppt_y</p:attrName>
+                                        </p:attrNameLst>
+                                      </p:cBhvr>
+                                      <p:tavLst>
+                                        <p:tav tm="0">
+                                          <p:val>
+                                            <p:strVal val="#ppt_y+.1"/>
+                                          </p:val>
+                                        </p:tav>
+                                        <p:tav tm="100000">
+                                          <p:val>
+                                            <p:strVal val="#ppt_y"/>
+                                          </p:val>
+                                        </p:tav>
+                                      </p:tavLst>
+                                    </p:anim>
+                                  </p:childTnLst>
+                                </p:cTn>
+                              </p:par>
+                            </p:childTnLst>
+                          </p:cTn>
+                        </p:par>
+                      </p:childTnLst>
+                    </p:cTn>
+                  </p:par>
+                  <p:par>
+                    <p:cTn id="64" fill="hold">
+                      <p:stCondLst>
+                        <p:cond delay="indefinite"/>
+                      </p:stCondLst>
+                      <p:childTnLst>
+                        <p:par>
+                          <p:cTn id="65" fill="hold">
+                            <p:stCondLst>
+                              <p:cond delay="0"/>
+                            </p:stCondLst>
+                            <p:childTnLst>
+                              <p:par>
+                                <p:cTn id="66" presetID="42" presetClass="entr" presetSubtype="0" fill="hold" nodeType="clickEffect">
+                                  <p:stCondLst>
+                                    <p:cond delay="0"/>
+                                  </p:stCondLst>
+                                  <p:childTnLst>
+                                    <p:set>
+                                      <p:cBhvr>
+                                        <p:cTn id="67" dur="1" fill="hold">
+                                          <p:stCondLst>
+                                            <p:cond delay="0"/>
+                                          </p:stCondLst>
+                                        </p:cTn>
+                                        <p:tgtEl>
+                                          <p:spTgt spid="3">
+                                            <p:txEl>
+                                              <p:pRg st="11" end="11"/>
+                                            </p:txEl>
+                                          </p:spTgt>
+                                        </p:tgtEl>
+                                        <p:attrNameLst>
+                                          <p:attrName>style.visibility</p:attrName>
+                                        </p:attrNameLst>
+                                      </p:cBhvr>
+                                      <p:to>
+                                        <p:strVal val="visible"/>
+                                      </p:to>
+                                    </p:set>
+                                    <p:animEffect transition="in" filter="fade">
+                                      <p:cBhvr>
+                                        <p:cTn id="68" dur="1000"/>
+                                        <p:tgtEl>
+                                          <p:spTgt spid="3">
+                                            <p:txEl>
+                                              <p:pRg st="11" end="11"/>
+                                            </p:txEl>
+                                          </p:spTgt>
+                                        </p:tgtEl>
+                                      </p:cBhvr>
+                                    </p:animEffect>
+                                    <p:anim calcmode="lin" valueType="num">
+                                      <p:cBhvr>
+                                        <p:cTn id="69" dur="1000" fill="hold"/>
+                                        <p:tgtEl>
+                                          <p:spTgt spid="3">
+                                            <p:txEl>
+                                              <p:pRg st="11" end="11"/>
+                                            </p:txEl>
+                                          </p:spTgt>
+                                        </p:tgtEl>
+                                        <p:attrNameLst>
+                                          <p:attrName>ppt_x</p:attrName>
+                                        </p:attrNameLst>
+                                      </p:cBhvr>
+                                      <p:tavLst>
+                                        <p:tav tm="0">
+                                          <p:val>
+                                            <p:strVal val="#ppt_x"/>
+                                          </p:val>
+                                        </p:tav>
+                                        <p:tav tm="100000">
+                                          <p:val>
+                                            <p:strVal val="#ppt_x"/>
+                                          </p:val>
+                                        </p:tav>
+                                      </p:tavLst>
+                                    </p:anim>
+                                    <p:anim calcmode="lin" valueType="num">
+                                      <p:cBhvr>
+                                        <p:cTn id="70" dur="1000" fill="hold"/>
+                                        <p:tgtEl>
+                                          <p:spTgt spid="3">
+                                            <p:txEl>
+                                              <p:pRg st="11" end="11"/>
+                                            </p:txEl>
+                                          </p:spTgt>
+                                        </p:tgtEl>
+                                        <p:attrNameLst>
+                                          <p:attrName>ppt_y</p:attrName>
+                                        </p:attrNameLst>
+                                      </p:cBhvr>
+                                      <p:tavLst>
+                                        <p:tav tm="0">
+                                          <p:val>
+                                            <p:strVal val="#ppt_y+.1"/>
+                                          </p:val>
+                                        </p:tav>
+                                        <p:tav tm="100000">
+                                          <p:val>
+                                            <p:strVal val="#ppt_y"/>
+                                          </p:val>
+                                        </p:tav>
+                                      </p:tavLst>
+                                    </p:anim>
+                                  </p:childTnLst>
+                                </p:cTn>
+                              </p:par>
+                              <p:par>
+                                <p:cTn id="71" presetID="42" presetClass="entr" presetSubtype="0" fill="hold" nodeType="withEffect">
+                                  <p:stCondLst>
+                                    <p:cond delay="0"/>
+                                  </p:stCondLst>
+                                  <p:childTnLst>
+                                    <p:set>
+                                      <p:cBhvr>
+                                        <p:cTn id="72" dur="1" fill="hold">
+                                          <p:stCondLst>
+                                            <p:cond delay="0"/>
+                                          </p:stCondLst>
+                                        </p:cTn>
+                                        <p:tgtEl>
+                                          <p:spTgt spid="3">
+                                            <p:txEl>
+                                              <p:pRg st="12" end="12"/>
+                                            </p:txEl>
+                                          </p:spTgt>
+                                        </p:tgtEl>
+                                        <p:attrNameLst>
+                                          <p:attrName>style.visibility</p:attrName>
+                                        </p:attrNameLst>
+                                      </p:cBhvr>
+                                      <p:to>
+                                        <p:strVal val="visible"/>
+                                      </p:to>
+                                    </p:set>
+                                    <p:animEffect transition="in" filter="fade">
+                                      <p:cBhvr>
+                                        <p:cTn id="73" dur="1000"/>
+                                        <p:tgtEl>
+                                          <p:spTgt spid="3">
+                                            <p:txEl>
+                                              <p:pRg st="12" end="12"/>
+                                            </p:txEl>
+                                          </p:spTgt>
+                                        </p:tgtEl>
+                                      </p:cBhvr>
+                                    </p:animEffect>
+                                    <p:anim calcmode="lin" valueType="num">
+                                      <p:cBhvr>
+                                        <p:cTn id="74" dur="1000" fill="hold"/>
+                                        <p:tgtEl>
+                                          <p:spTgt spid="3">
+                                            <p:txEl>
+                                              <p:pRg st="12" end="12"/>
+                                            </p:txEl>
+                                          </p:spTgt>
+                                        </p:tgtEl>
+                                        <p:attrNameLst>
+                                          <p:attrName>ppt_x</p:attrName>
+                                        </p:attrNameLst>
+                                      </p:cBhvr>
+                                      <p:tavLst>
+                                        <p:tav tm="0">
+                                          <p:val>
+                                            <p:strVal val="#ppt_x"/>
+                                          </p:val>
+                                        </p:tav>
+                                        <p:tav tm="100000">
+                                          <p:val>
+                                            <p:strVal val="#ppt_x"/>
+                                          </p:val>
+                                        </p:tav>
+                                      </p:tavLst>
+                                    </p:anim>
+                                    <p:anim calcmode="lin" valueType="num">
+                                      <p:cBhvr>
+                                        <p:cTn id="75" dur="1000" fill="hold"/>
+                                        <p:tgtEl>
+                                          <p:spTgt spid="3">
+                                            <p:txEl>
+                                              <p:pRg st="12" end="12"/>
+                                            </p:txEl>
+                                          </p:spTgt>
+                                        </p:tgtEl>
+                                        <p:attrNameLst>
+                                          <p:attrName>ppt_y</p:attrName>
+                                        </p:attrNameLst>
+                                      </p:cBhvr>
+                                      <p:tavLst>
+                                        <p:tav tm="0">
+                                          <p:val>
+                                            <p:strVal val="#ppt_y+.1"/>
+                                          </p:val>
+                                        </p:tav>
+                                        <p:tav tm="100000">
+                                          <p:val>
+                                            <p:strVal val="#ppt_y"/>
+                                          </p:val>
+                                        </p:tav>
+                                      </p:tavLst>
+                                    </p:anim>
+                                  </p:childTnLst>
+                                </p:cTn>
+                              </p:par>
+                            </p:childTnLst>
+                          </p:cTn>
+                        </p:par>
+                      </p:childTnLst>
+                    </p:cTn>
+                  </p:par>
+                </p:childTnLst>
+              </p:cTn>
+              <p:prevCondLst>
+                <p:cond evt="onPrev" delay="0">
+                  <p:tgtEl>
+                    <p:sldTgt/>
+                  </p:tgtEl>
+                </p:cond>
+              </p:prevCondLst>
+              <p:nextCondLst>
+                <p:cond evt="onNext" delay="0">
+                  <p:tgtEl>
+                    <p:sldTgt/>
+                  </p:tgtEl>
+                </p:cond>
+              </p:nextCondLst>
+            </p:seq>
+          </p:childTnLst>
+        </p:cTn>
+      </p:par>
+    </p:tnLst>
+  </p:timing>
 </p:sld>
 </file>
 
@@ -7245,16 +12510,46 @@
         </p:nvSpPr>
         <p:spPr/>
         <p:txBody>
-          <a:bodyPr/>
+          <a:bodyPr>
+            <a:normAutofit/>
+          </a:bodyPr>
           <a:lstStyle/>
           <a:p>
-            <a:endParaRPr lang="zh-CN" altLang="en-US" dirty="0"/>
+            <a:r>
+              <a:rPr lang="en-US" sz="2400" dirty="0" err="1"/>
+              <a:t>Mnih</a:t>
+            </a:r>
+            <a:r>
+              <a:rPr lang="en-US" sz="2400" dirty="0"/>
+              <a:t>, </a:t>
+            </a:r>
+            <a:r>
+              <a:rPr lang="en-US" sz="2400" dirty="0" err="1"/>
+              <a:t>Volodymyr</a:t>
+            </a:r>
+            <a:r>
+              <a:rPr lang="en-US" sz="2400" dirty="0"/>
+              <a:t>, et al. "Asynchronous methods for deep reinforcement learning." </a:t>
+            </a:r>
+            <a:r>
+              <a:rPr lang="en-US" sz="2400" i="1" dirty="0" err="1"/>
+              <a:t>arXiv</a:t>
+            </a:r>
+            <a:r>
+              <a:rPr lang="en-US" sz="2400" i="1" dirty="0"/>
+              <a:t> preprint arXiv:1602.01783</a:t>
+            </a:r>
+            <a:r>
+              <a:rPr lang="en-US" sz="2400" dirty="0"/>
+              <a:t> (2016).</a:t>
+            </a:r>
+            <a:endParaRPr lang="zh-CN" altLang="en-US" sz="2400" dirty="0"/>
           </a:p>
         </p:txBody>
       </p:sp>
       <p:pic>
         <p:nvPicPr>
-          <p:cNvPr id="4" name="图片 3"/>
+          <p:cNvPr id="5" name="Picture 4"/>
           <p:cNvPicPr>
             <a:picLocks noChangeAspect="1"/>
           </p:cNvPicPr>
@@ -7268,8 +12563,8 @@
         </p:blipFill>
         <p:spPr>
           <a:xfrm>
-            <a:off x="3667428" y="1567960"/>
-            <a:ext cx="4857143" cy="4866667"/>
+            <a:off x="1144299" y="1531268"/>
+            <a:ext cx="9068481" cy="5238315"/>
           </a:xfrm>
           <a:prstGeom prst="rect">
             <a:avLst/>
@@ -7286,6 +12581,135 @@
   <p:clrMapOvr>
     <a:masterClrMapping/>
   </p:clrMapOvr>
+  <p:timing>
+    <p:tnLst>
+      <p:par>
+        <p:cTn id="1" dur="indefinite" restart="never" nodeType="tmRoot">
+          <p:childTnLst>
+            <p:seq concurrent="1" nextAc="seek">
+              <p:cTn id="2" dur="indefinite" nodeType="mainSeq">
+                <p:childTnLst>
+                  <p:par>
+                    <p:cTn id="3" fill="hold">
+                      <p:stCondLst>
+                        <p:cond delay="indefinite"/>
+                      </p:stCondLst>
+                      <p:childTnLst>
+                        <p:par>
+                          <p:cTn id="4" fill="hold">
+                            <p:stCondLst>
+                              <p:cond delay="0"/>
+                            </p:stCondLst>
+                            <p:childTnLst>
+                              <p:par>
+                                <p:cTn id="5" presetID="42" presetClass="entr" presetSubtype="0" fill="hold" nodeType="clickEffect">
+                                  <p:stCondLst>
+                                    <p:cond delay="0"/>
+                                  </p:stCondLst>
+                                  <p:childTnLst>
+                                    <p:set>
+                                      <p:cBhvr>
+                                        <p:cTn id="6" dur="1" fill="hold">
+                                          <p:stCondLst>
+                                            <p:cond delay="0"/>
+                                          </p:stCondLst>
+                                        </p:cTn>
+                                        <p:tgtEl>
+                                          <p:spTgt spid="5"/>
+                                        </p:tgtEl>
+                                        <p:attrNameLst>
+                                          <p:attrName>style.visibility</p:attrName>
+                                        </p:attrNameLst>
+                                      </p:cBhvr>
+                                      <p:to>
+                                        <p:strVal val="visible"/>
+                                      </p:to>
+                                    </p:set>
+                                    <p:animEffect transition="in" filter="fade">
+                                      <p:cBhvr>
+                                        <p:cTn id="7" dur="1000"/>
+                                        <p:tgtEl>
+                                          <p:spTgt spid="5"/>
+                                        </p:tgtEl>
+                                      </p:cBhvr>
+                                    </p:animEffect>
+                                    <p:anim calcmode="lin" valueType="num">
+                                      <p:cBhvr>
+                                        <p:cTn id="8" dur="1000" fill="hold"/>
+                                        <p:tgtEl>
+                                          <p:spTgt spid="5"/>
+                                        </p:tgtEl>
+                                        <p:attrNameLst>
+                                          <p:attrName>ppt_x</p:attrName>
+                                        </p:attrNameLst>
+                                      </p:cBhvr>
+                                      <p:tavLst>
+                                        <p:tav tm="0">
+                                          <p:val>
+                                            <p:strVal val="#ppt_x"/>
+                                          </p:val>
+                                        </p:tav>
+                                        <p:tav tm="100000">
+                                          <p:val>
+                                            <p:strVal val="#ppt_x"/>
+                                          </p:val>
+                                        </p:tav>
+                                      </p:tavLst>
+                                    </p:anim>
+                                    <p:anim calcmode="lin" valueType="num">
+                                      <p:cBhvr>
+                                        <p:cTn id="9" dur="1000" fill="hold"/>
+                                        <p:tgtEl>
+                                          <p:spTgt spid="5"/>
+                                        </p:tgtEl>
+                                        <p:attrNameLst>
+                                          <p:attrName>ppt_y</p:attrName>
+                                        </p:attrNameLst>
+                                      </p:cBhvr>
+                                      <p:tavLst>
+                                        <p:tav tm="0">
+                                          <p:val>
+                                            <p:strVal val="#ppt_y+.1"/>
+                                          </p:val>
+                                        </p:tav>
+                                        <p:tav tm="100000">
+                                          <p:val>
+                                            <p:strVal val="#ppt_y"/>
+                                          </p:val>
+                                        </p:tav>
+                                      </p:tavLst>
+                                    </p:anim>
+                                  </p:childTnLst>
+                                </p:cTn>
+                              </p:par>
+                            </p:childTnLst>
+                          </p:cTn>
+                        </p:par>
+                      </p:childTnLst>
+                    </p:cTn>
+                  </p:par>
+                </p:childTnLst>
+              </p:cTn>
+              <p:prevCondLst>
+                <p:cond evt="onPrev" delay="0">
+                  <p:tgtEl>
+                    <p:sldTgt/>
+                  </p:tgtEl>
+                </p:cond>
+              </p:prevCondLst>
+              <p:nextCondLst>
+                <p:cond evt="onNext" delay="0">
+                  <p:tgtEl>
+                    <p:sldTgt/>
+                  </p:tgtEl>
+                </p:cond>
+              </p:nextCondLst>
+            </p:seq>
+          </p:childTnLst>
+        </p:cTn>
+      </p:par>
+    </p:tnLst>
+  </p:timing>
 </p:sld>
 </file>
 
@@ -7334,8 +12758,8 @@
           </a:p>
         </p:txBody>
       </p:sp>
-      <mc:AlternateContent xmlns:mc="http://schemas.openxmlformats.org/markup-compatibility/2006">
-        <mc:Choice xmlns:a14="http://schemas.microsoft.com/office/drawing/2010/main" Requires="a14">
+      <mc:AlternateContent xmlns:mc="http://schemas.openxmlformats.org/markup-compatibility/2006" xmlns:a14="http://schemas.microsoft.com/office/drawing/2010/main">
+        <mc:Choice Requires="a14">
           <p:sp>
             <p:nvSpPr>
               <p:cNvPr id="3" name="内容占位符 2"/>
@@ -7737,7 +13161,7 @@
                     <m:d>
                       <m:dPr>
                         <m:ctrlPr>
-                          <a:rPr lang="en-US" altLang="zh-CN" b="0" i="0" smtClean="0">
+                          <a:rPr lang="en-US" altLang="zh-CN" b="0" i="1" smtClean="0">
                             <a:solidFill>
                               <a:srgbClr val="FF0000"/>
                             </a:solidFill>
@@ -7816,7 +13240,7 @@
             </p:txBody>
           </p:sp>
         </mc:Choice>
-        <mc:Fallback>
+        <mc:Fallback xmlns="">
           <p:sp>
             <p:nvSpPr>
               <p:cNvPr id="3" name="内容占位符 2"/>
@@ -7864,6 +13288,13 @@
   <p:clrMapOvr>
     <a:masterClrMapping/>
   </p:clrMapOvr>
+  <p:timing>
+    <p:tnLst>
+      <p:par>
+        <p:cTn id="1" dur="indefinite" restart="never" nodeType="tmRoot"/>
+      </p:par>
+    </p:tnLst>
+  </p:timing>
 </p:sld>
 </file>
 
@@ -7948,13 +13379,8 @@
             <a:pPr lvl="1"/>
             <a:r>
               <a:rPr lang="en-US" dirty="0" smtClean="0"/>
-              <a:t>Value </a:t>
+              <a:t>Value gradient(SVG)</a:t>
             </a:r>
-            <a:r>
-              <a:rPr lang="en-US" dirty="0" smtClean="0"/>
-              <a:t>gradient(SVG)</a:t>
-            </a:r>
-            <a:endParaRPr lang="en-US" dirty="0" smtClean="0"/>
           </a:p>
           <a:p>
             <a:pPr lvl="1"/>
@@ -8072,8 +13498,8 @@
           </a:prstGeom>
         </p:spPr>
       </p:pic>
-      <mc:AlternateContent xmlns:mc="http://schemas.openxmlformats.org/markup-compatibility/2006">
-        <mc:Choice xmlns:a14="http://schemas.microsoft.com/office/drawing/2010/main" Requires="a14">
+      <mc:AlternateContent xmlns:mc="http://schemas.openxmlformats.org/markup-compatibility/2006" xmlns:a14="http://schemas.microsoft.com/office/drawing/2010/main">
+        <mc:Choice Requires="a14">
           <p:sp>
             <p:nvSpPr>
               <p:cNvPr id="7" name="矩形 6"/>
@@ -8095,6 +13521,7 @@
               </a:bodyPr>
               <a:lstStyle/>
               <a:p>
+                <a:pPr/>
                 <a14:m>
                   <m:oMathPara xmlns:m="http://schemas.openxmlformats.org/officeDocument/2006/math">
                     <m:oMathParaPr>
@@ -8400,7 +13827,7 @@
             </p:txBody>
           </p:sp>
         </mc:Choice>
-        <mc:Fallback>
+        <mc:Fallback xmlns="">
           <p:sp>
             <p:nvSpPr>
               <p:cNvPr id="7" name="矩形 6"/>
@@ -8463,8 +13890,8 @@
           </a:prstGeom>
         </p:spPr>
       </p:pic>
-      <mc:AlternateContent xmlns:mc="http://schemas.openxmlformats.org/markup-compatibility/2006">
-        <mc:Choice xmlns:a14="http://schemas.microsoft.com/office/drawing/2010/main" Requires="a14">
+      <mc:AlternateContent xmlns:mc="http://schemas.openxmlformats.org/markup-compatibility/2006" xmlns:a14="http://schemas.microsoft.com/office/drawing/2010/main">
+        <mc:Choice Requires="a14">
           <p:sp>
             <p:nvSpPr>
               <p:cNvPr id="9" name="文本框 8"/>
@@ -8698,7 +14125,7 @@
                         <a:rPr lang="en-US" altLang="zh-CN" b="0" i="1" smtClean="0">
                           <a:latin typeface="Cambria Math" panose="02040503050406030204" pitchFamily="18" charset="0"/>
                         </a:rPr>
-                        <m:t>,</m:t>
+                        <m:t>;</m:t>
                       </m:r>
                       <m:r>
                         <a:rPr lang="en-US" altLang="zh-CN" b="0" i="1" smtClean="0">
@@ -8723,7 +14150,7 @@
             </p:txBody>
           </p:sp>
         </mc:Choice>
-        <mc:Fallback>
+        <mc:Fallback xmlns="">
           <p:sp>
             <p:nvSpPr>
               <p:cNvPr id="9" name="文本框 8"/>
@@ -8752,7 +14179,7 @@
               <a:lstStyle/>
               <a:p>
                 <a:r>
-                  <a:rPr lang="zh-CN" altLang="en-US">
+                  <a:rPr lang="en-US">
                     <a:noFill/>
                   </a:rPr>
                   <a:t> </a:t>
@@ -8948,6 +14375,362 @@
           </a:prstGeom>
         </p:spPr>
       </p:pic>
+      <mc:AlternateContent xmlns:mc="http://schemas.openxmlformats.org/markup-compatibility/2006" xmlns:a14="http://schemas.microsoft.com/office/drawing/2010/main">
+        <mc:Choice Requires="a14">
+          <p:sp>
+            <p:nvSpPr>
+              <p:cNvPr id="2" name="Rectangle 1"/>
+              <p:cNvSpPr/>
+              <p:nvPr/>
+            </p:nvSpPr>
+            <p:spPr>
+              <a:xfrm>
+                <a:off x="5776848" y="5192754"/>
+                <a:ext cx="6215128" cy="454740"/>
+              </a:xfrm>
+              <a:prstGeom prst="rect">
+                <a:avLst/>
+              </a:prstGeom>
+            </p:spPr>
+            <p:txBody>
+              <a:bodyPr wrap="square">
+                <a:spAutoFit/>
+              </a:bodyPr>
+              <a:lstStyle/>
+              <a:p>
+                <a:pPr marL="685800" lvl="2">
+                  <a:spcBef>
+                    <a:spcPts val="1000"/>
+                  </a:spcBef>
+                </a:pPr>
+                <a14:m>
+                  <m:oMathPara xmlns:m="http://schemas.openxmlformats.org/officeDocument/2006/math">
+                    <m:oMathParaPr>
+                      <m:jc m:val="centerGroup"/>
+                    </m:oMathParaPr>
+                    <m:oMath xmlns:m="http://schemas.openxmlformats.org/officeDocument/2006/math">
+                      <m:r>
+                        <a:rPr lang="en-US" i="1">
+                          <a:latin typeface="Cambria Math" panose="02040503050406030204" pitchFamily="18" charset="0"/>
+                        </a:rPr>
+                        <m:t>𝑄</m:t>
+                      </m:r>
+                      <m:d>
+                        <m:dPr>
+                          <m:ctrlPr>
+                            <a:rPr lang="en-US" i="1">
+                              <a:latin typeface="Cambria Math" panose="02040503050406030204" pitchFamily="18" charset="0"/>
+                            </a:rPr>
+                          </m:ctrlPr>
+                        </m:dPr>
+                        <m:e>
+                          <m:r>
+                            <a:rPr lang="en-US" i="1">
+                              <a:latin typeface="Cambria Math" panose="02040503050406030204" pitchFamily="18" charset="0"/>
+                            </a:rPr>
+                            <m:t>𝑆</m:t>
+                          </m:r>
+                          <m:r>
+                            <a:rPr lang="en-US" i="1">
+                              <a:latin typeface="Cambria Math" panose="02040503050406030204" pitchFamily="18" charset="0"/>
+                            </a:rPr>
+                            <m:t>,</m:t>
+                          </m:r>
+                          <m:r>
+                            <a:rPr lang="en-US" i="1">
+                              <a:latin typeface="Cambria Math" panose="02040503050406030204" pitchFamily="18" charset="0"/>
+                            </a:rPr>
+                            <m:t>𝐴</m:t>
+                          </m:r>
+                        </m:e>
+                      </m:d>
+                      <m:r>
+                        <a:rPr lang="en-US" i="1">
+                          <a:latin typeface="Cambria Math" panose="02040503050406030204" pitchFamily="18" charset="0"/>
+                        </a:rPr>
+                        <m:t>←</m:t>
+                      </m:r>
+                      <m:r>
+                        <a:rPr lang="en-US" i="1">
+                          <a:latin typeface="Cambria Math" panose="02040503050406030204" pitchFamily="18" charset="0"/>
+                        </a:rPr>
+                        <m:t>𝑄</m:t>
+                      </m:r>
+                      <m:d>
+                        <m:dPr>
+                          <m:ctrlPr>
+                            <a:rPr lang="en-US" i="1">
+                              <a:latin typeface="Cambria Math" panose="02040503050406030204" pitchFamily="18" charset="0"/>
+                            </a:rPr>
+                          </m:ctrlPr>
+                        </m:dPr>
+                        <m:e>
+                          <m:r>
+                            <a:rPr lang="en-US" i="1">
+                              <a:latin typeface="Cambria Math" panose="02040503050406030204" pitchFamily="18" charset="0"/>
+                            </a:rPr>
+                            <m:t>𝑆</m:t>
+                          </m:r>
+                          <m:r>
+                            <a:rPr lang="en-US" i="1">
+                              <a:latin typeface="Cambria Math" panose="02040503050406030204" pitchFamily="18" charset="0"/>
+                            </a:rPr>
+                            <m:t>,</m:t>
+                          </m:r>
+                          <m:r>
+                            <a:rPr lang="en-US" i="1">
+                              <a:latin typeface="Cambria Math" panose="02040503050406030204" pitchFamily="18" charset="0"/>
+                            </a:rPr>
+                            <m:t>𝐴</m:t>
+                          </m:r>
+                        </m:e>
+                      </m:d>
+                      <m:r>
+                        <a:rPr lang="en-US" i="1">
+                          <a:latin typeface="Cambria Math" panose="02040503050406030204" pitchFamily="18" charset="0"/>
+                        </a:rPr>
+                        <m:t>+</m:t>
+                      </m:r>
+                      <m:r>
+                        <a:rPr lang="en-US" i="1">
+                          <a:latin typeface="Cambria Math" panose="02040503050406030204" pitchFamily="18" charset="0"/>
+                        </a:rPr>
+                        <m:t>𝛼</m:t>
+                      </m:r>
+                      <m:r>
+                        <a:rPr lang="en-US" i="1">
+                          <a:latin typeface="Cambria Math" panose="02040503050406030204" pitchFamily="18" charset="0"/>
+                        </a:rPr>
+                        <m:t>[</m:t>
+                      </m:r>
+                      <m:r>
+                        <a:rPr lang="en-US" i="1">
+                          <a:solidFill>
+                            <a:srgbClr val="FF0000"/>
+                          </a:solidFill>
+                          <a:latin typeface="Cambria Math" panose="02040503050406030204" pitchFamily="18" charset="0"/>
+                        </a:rPr>
+                        <m:t>𝑅</m:t>
+                      </m:r>
+                      <m:r>
+                        <a:rPr lang="en-US" i="1">
+                          <a:solidFill>
+                            <a:srgbClr val="FF0000"/>
+                          </a:solidFill>
+                          <a:latin typeface="Cambria Math" panose="02040503050406030204" pitchFamily="18" charset="0"/>
+                        </a:rPr>
+                        <m:t>+</m:t>
+                      </m:r>
+                      <m:r>
+                        <a:rPr lang="en-US" i="1">
+                          <a:solidFill>
+                            <a:srgbClr val="FF0000"/>
+                          </a:solidFill>
+                          <a:latin typeface="Cambria Math" panose="02040503050406030204" pitchFamily="18" charset="0"/>
+                        </a:rPr>
+                        <m:t>𝛾</m:t>
+                      </m:r>
+                      <m:limLow>
+                        <m:limLowPr>
+                          <m:ctrlPr>
+                            <a:rPr lang="en-US" altLang="zh-CN" i="1">
+                              <a:solidFill>
+                                <a:srgbClr val="FF0000"/>
+                              </a:solidFill>
+                              <a:latin typeface="Cambria Math" panose="02040503050406030204" pitchFamily="18" charset="0"/>
+                            </a:rPr>
+                          </m:ctrlPr>
+                        </m:limLowPr>
+                        <m:e>
+                          <m:r>
+                            <m:rPr>
+                              <m:sty m:val="p"/>
+                            </m:rPr>
+                            <a:rPr lang="en-US" altLang="zh-CN">
+                              <a:solidFill>
+                                <a:srgbClr val="FF0000"/>
+                              </a:solidFill>
+                              <a:latin typeface="Cambria Math" panose="02040503050406030204" pitchFamily="18" charset="0"/>
+                            </a:rPr>
+                            <m:t>max</m:t>
+                          </m:r>
+                        </m:e>
+                        <m:lim>
+                          <m:r>
+                            <a:rPr lang="en-US" altLang="zh-CN" i="1">
+                              <a:solidFill>
+                                <a:srgbClr val="FF0000"/>
+                              </a:solidFill>
+                              <a:latin typeface="Cambria Math" panose="02040503050406030204" pitchFamily="18" charset="0"/>
+                            </a:rPr>
+                            <m:t>𝑎</m:t>
+                          </m:r>
+                        </m:lim>
+                      </m:limLow>
+                      <m:r>
+                        <a:rPr lang="en-US" i="1">
+                          <a:solidFill>
+                            <a:srgbClr val="FF0000"/>
+                          </a:solidFill>
+                          <a:latin typeface="Cambria Math" panose="02040503050406030204" pitchFamily="18" charset="0"/>
+                        </a:rPr>
+                        <m:t>𝑄</m:t>
+                      </m:r>
+                      <m:d>
+                        <m:dPr>
+                          <m:ctrlPr>
+                            <a:rPr lang="en-US" i="1">
+                              <a:solidFill>
+                                <a:srgbClr val="FF0000"/>
+                              </a:solidFill>
+                              <a:latin typeface="Cambria Math" panose="02040503050406030204" pitchFamily="18" charset="0"/>
+                            </a:rPr>
+                          </m:ctrlPr>
+                        </m:dPr>
+                        <m:e>
+                          <m:sSup>
+                            <m:sSupPr>
+                              <m:ctrlPr>
+                                <a:rPr lang="en-US" i="1">
+                                  <a:solidFill>
+                                    <a:srgbClr val="FF0000"/>
+                                  </a:solidFill>
+                                  <a:latin typeface="Cambria Math" panose="02040503050406030204" pitchFamily="18" charset="0"/>
+                                </a:rPr>
+                              </m:ctrlPr>
+                            </m:sSupPr>
+                            <m:e>
+                              <m:r>
+                                <a:rPr lang="en-US" i="1">
+                                  <a:solidFill>
+                                    <a:srgbClr val="FF0000"/>
+                                  </a:solidFill>
+                                  <a:latin typeface="Cambria Math" panose="02040503050406030204" pitchFamily="18" charset="0"/>
+                                </a:rPr>
+                                <m:t>𝑆</m:t>
+                              </m:r>
+                            </m:e>
+                            <m:sup>
+                              <m:r>
+                                <a:rPr lang="en-US" i="1">
+                                  <a:solidFill>
+                                    <a:srgbClr val="FF0000"/>
+                                  </a:solidFill>
+                                  <a:latin typeface="Cambria Math" panose="02040503050406030204" pitchFamily="18" charset="0"/>
+                                </a:rPr>
+                                <m:t>′</m:t>
+                              </m:r>
+                            </m:sup>
+                          </m:sSup>
+                          <m:r>
+                            <a:rPr lang="en-US" i="1">
+                              <a:solidFill>
+                                <a:srgbClr val="FF0000"/>
+                              </a:solidFill>
+                              <a:latin typeface="Cambria Math" panose="02040503050406030204" pitchFamily="18" charset="0"/>
+                            </a:rPr>
+                            <m:t>,</m:t>
+                          </m:r>
+                          <m:r>
+                            <a:rPr lang="en-US" i="1">
+                              <a:solidFill>
+                                <a:srgbClr val="FF0000"/>
+                              </a:solidFill>
+                              <a:latin typeface="Cambria Math" panose="02040503050406030204" pitchFamily="18" charset="0"/>
+                            </a:rPr>
+                            <m:t>𝑎</m:t>
+                          </m:r>
+                        </m:e>
+                      </m:d>
+                      <m:r>
+                        <a:rPr lang="en-US" i="1">
+                          <a:latin typeface="Cambria Math" panose="02040503050406030204" pitchFamily="18" charset="0"/>
+                        </a:rPr>
+                        <m:t>−</m:t>
+                      </m:r>
+                      <m:r>
+                        <a:rPr lang="en-US" i="1">
+                          <a:latin typeface="Cambria Math" panose="02040503050406030204" pitchFamily="18" charset="0"/>
+                        </a:rPr>
+                        <m:t>𝑄</m:t>
+                      </m:r>
+                      <m:r>
+                        <a:rPr lang="en-US" i="1">
+                          <a:latin typeface="Cambria Math" panose="02040503050406030204" pitchFamily="18" charset="0"/>
+                        </a:rPr>
+                        <m:t>(</m:t>
+                      </m:r>
+                      <m:r>
+                        <a:rPr lang="en-US" i="1">
+                          <a:latin typeface="Cambria Math" panose="02040503050406030204" pitchFamily="18" charset="0"/>
+                        </a:rPr>
+                        <m:t>𝑆</m:t>
+                      </m:r>
+                      <m:r>
+                        <a:rPr lang="en-US" i="1">
+                          <a:latin typeface="Cambria Math" panose="02040503050406030204" pitchFamily="18" charset="0"/>
+                        </a:rPr>
+                        <m:t>,</m:t>
+                      </m:r>
+                      <m:r>
+                        <a:rPr lang="en-US" i="1">
+                          <a:latin typeface="Cambria Math" panose="02040503050406030204" pitchFamily="18" charset="0"/>
+                        </a:rPr>
+                        <m:t>𝐴</m:t>
+                      </m:r>
+                      <m:r>
+                        <a:rPr lang="en-US" i="1">
+                          <a:latin typeface="Cambria Math" panose="02040503050406030204" pitchFamily="18" charset="0"/>
+                        </a:rPr>
+                        <m:t>)]</m:t>
+                      </m:r>
+                    </m:oMath>
+                  </m:oMathPara>
+                </a14:m>
+                <a:endParaRPr lang="en-US" dirty="0"/>
+              </a:p>
+            </p:txBody>
+          </p:sp>
+        </mc:Choice>
+        <mc:Fallback xmlns="">
+          <p:sp>
+            <p:nvSpPr>
+              <p:cNvPr id="2" name="Rectangle 1"/>
+              <p:cNvSpPr>
+                <a:spLocks noRot="1" noChangeAspect="1" noMove="1" noResize="1" noEditPoints="1" noAdjustHandles="1" noChangeArrowheads="1" noChangeShapeType="1" noTextEdit="1"/>
+              </p:cNvSpPr>
+              <p:nvPr/>
+            </p:nvSpPr>
+            <p:spPr>
+              <a:xfrm>
+                <a:off x="5776848" y="5192754"/>
+                <a:ext cx="6215128" cy="454740"/>
+              </a:xfrm>
+              <a:prstGeom prst="rect">
+                <a:avLst/>
+              </a:prstGeom>
+              <a:blipFill>
+                <a:blip r:embed="rId5"/>
+                <a:stretch>
+                  <a:fillRect/>
+                </a:stretch>
+              </a:blipFill>
+            </p:spPr>
+            <p:txBody>
+              <a:bodyPr/>
+              <a:lstStyle/>
+              <a:p>
+                <a:r>
+                  <a:rPr lang="en-US">
+                    <a:noFill/>
+                  </a:rPr>
+                  <a:t> </a:t>
+                </a:r>
+              </a:p>
+            </p:txBody>
+          </p:sp>
+        </mc:Fallback>
+      </mc:AlternateContent>
     </p:spTree>
     <p:extLst>
       <p:ext uri="{BB962C8B-B14F-4D97-AF65-F5344CB8AC3E}">
@@ -8958,6 +14741,515 @@
   <p:clrMapOvr>
     <a:masterClrMapping/>
   </p:clrMapOvr>
+  <p:timing>
+    <p:tnLst>
+      <p:par>
+        <p:cTn id="1" dur="indefinite" restart="never" nodeType="tmRoot">
+          <p:childTnLst>
+            <p:seq concurrent="1" nextAc="seek">
+              <p:cTn id="2" dur="indefinite" nodeType="mainSeq">
+                <p:childTnLst>
+                  <p:par>
+                    <p:cTn id="3" fill="hold">
+                      <p:stCondLst>
+                        <p:cond delay="indefinite"/>
+                      </p:stCondLst>
+                      <p:childTnLst>
+                        <p:par>
+                          <p:cTn id="4" fill="hold">
+                            <p:stCondLst>
+                              <p:cond delay="0"/>
+                            </p:stCondLst>
+                            <p:childTnLst>
+                              <p:par>
+                                <p:cTn id="5" presetID="42" presetClass="entr" presetSubtype="0" fill="hold" grpId="0" nodeType="clickEffect">
+                                  <p:stCondLst>
+                                    <p:cond delay="0"/>
+                                  </p:stCondLst>
+                                  <p:childTnLst>
+                                    <p:set>
+                                      <p:cBhvr>
+                                        <p:cTn id="6" dur="1" fill="hold">
+                                          <p:stCondLst>
+                                            <p:cond delay="0"/>
+                                          </p:stCondLst>
+                                        </p:cTn>
+                                        <p:tgtEl>
+                                          <p:spTgt spid="3">
+                                            <p:txEl>
+                                              <p:pRg st="0" end="0"/>
+                                            </p:txEl>
+                                          </p:spTgt>
+                                        </p:tgtEl>
+                                        <p:attrNameLst>
+                                          <p:attrName>style.visibility</p:attrName>
+                                        </p:attrNameLst>
+                                      </p:cBhvr>
+                                      <p:to>
+                                        <p:strVal val="visible"/>
+                                      </p:to>
+                                    </p:set>
+                                    <p:animEffect transition="in" filter="fade">
+                                      <p:cBhvr>
+                                        <p:cTn id="7" dur="1000"/>
+                                        <p:tgtEl>
+                                          <p:spTgt spid="3">
+                                            <p:txEl>
+                                              <p:pRg st="0" end="0"/>
+                                            </p:txEl>
+                                          </p:spTgt>
+                                        </p:tgtEl>
+                                      </p:cBhvr>
+                                    </p:animEffect>
+                                    <p:anim calcmode="lin" valueType="num">
+                                      <p:cBhvr>
+                                        <p:cTn id="8" dur="1000" fill="hold"/>
+                                        <p:tgtEl>
+                                          <p:spTgt spid="3">
+                                            <p:txEl>
+                                              <p:pRg st="0" end="0"/>
+                                            </p:txEl>
+                                          </p:spTgt>
+                                        </p:tgtEl>
+                                        <p:attrNameLst>
+                                          <p:attrName>ppt_x</p:attrName>
+                                        </p:attrNameLst>
+                                      </p:cBhvr>
+                                      <p:tavLst>
+                                        <p:tav tm="0">
+                                          <p:val>
+                                            <p:strVal val="#ppt_x"/>
+                                          </p:val>
+                                        </p:tav>
+                                        <p:tav tm="100000">
+                                          <p:val>
+                                            <p:strVal val="#ppt_x"/>
+                                          </p:val>
+                                        </p:tav>
+                                      </p:tavLst>
+                                    </p:anim>
+                                    <p:anim calcmode="lin" valueType="num">
+                                      <p:cBhvr>
+                                        <p:cTn id="9" dur="1000" fill="hold"/>
+                                        <p:tgtEl>
+                                          <p:spTgt spid="3">
+                                            <p:txEl>
+                                              <p:pRg st="0" end="0"/>
+                                            </p:txEl>
+                                          </p:spTgt>
+                                        </p:tgtEl>
+                                        <p:attrNameLst>
+                                          <p:attrName>ppt_y</p:attrName>
+                                        </p:attrNameLst>
+                                      </p:cBhvr>
+                                      <p:tavLst>
+                                        <p:tav tm="0">
+                                          <p:val>
+                                            <p:strVal val="#ppt_y+.1"/>
+                                          </p:val>
+                                        </p:tav>
+                                        <p:tav tm="100000">
+                                          <p:val>
+                                            <p:strVal val="#ppt_y"/>
+                                          </p:val>
+                                        </p:tav>
+                                      </p:tavLst>
+                                    </p:anim>
+                                  </p:childTnLst>
+                                </p:cTn>
+                              </p:par>
+                            </p:childTnLst>
+                          </p:cTn>
+                        </p:par>
+                      </p:childTnLst>
+                    </p:cTn>
+                  </p:par>
+                  <p:par>
+                    <p:cTn id="10" fill="hold">
+                      <p:stCondLst>
+                        <p:cond delay="indefinite"/>
+                      </p:stCondLst>
+                      <p:childTnLst>
+                        <p:par>
+                          <p:cTn id="11" fill="hold">
+                            <p:stCondLst>
+                              <p:cond delay="0"/>
+                            </p:stCondLst>
+                            <p:childTnLst>
+                              <p:par>
+                                <p:cTn id="12" presetID="42" presetClass="entr" presetSubtype="0" fill="hold" grpId="0" nodeType="clickEffect">
+                                  <p:stCondLst>
+                                    <p:cond delay="0"/>
+                                  </p:stCondLst>
+                                  <p:childTnLst>
+                                    <p:set>
+                                      <p:cBhvr>
+                                        <p:cTn id="13" dur="1" fill="hold">
+                                          <p:stCondLst>
+                                            <p:cond delay="0"/>
+                                          </p:stCondLst>
+                                        </p:cTn>
+                                        <p:tgtEl>
+                                          <p:spTgt spid="2"/>
+                                        </p:tgtEl>
+                                        <p:attrNameLst>
+                                          <p:attrName>style.visibility</p:attrName>
+                                        </p:attrNameLst>
+                                      </p:cBhvr>
+                                      <p:to>
+                                        <p:strVal val="visible"/>
+                                      </p:to>
+                                    </p:set>
+                                    <p:animEffect transition="in" filter="fade">
+                                      <p:cBhvr>
+                                        <p:cTn id="14" dur="1000"/>
+                                        <p:tgtEl>
+                                          <p:spTgt spid="2"/>
+                                        </p:tgtEl>
+                                      </p:cBhvr>
+                                    </p:animEffect>
+                                    <p:anim calcmode="lin" valueType="num">
+                                      <p:cBhvr>
+                                        <p:cTn id="15" dur="1000" fill="hold"/>
+                                        <p:tgtEl>
+                                          <p:spTgt spid="2"/>
+                                        </p:tgtEl>
+                                        <p:attrNameLst>
+                                          <p:attrName>ppt_x</p:attrName>
+                                        </p:attrNameLst>
+                                      </p:cBhvr>
+                                      <p:tavLst>
+                                        <p:tav tm="0">
+                                          <p:val>
+                                            <p:strVal val="#ppt_x"/>
+                                          </p:val>
+                                        </p:tav>
+                                        <p:tav tm="100000">
+                                          <p:val>
+                                            <p:strVal val="#ppt_x"/>
+                                          </p:val>
+                                        </p:tav>
+                                      </p:tavLst>
+                                    </p:anim>
+                                    <p:anim calcmode="lin" valueType="num">
+                                      <p:cBhvr>
+                                        <p:cTn id="16" dur="1000" fill="hold"/>
+                                        <p:tgtEl>
+                                          <p:spTgt spid="2"/>
+                                        </p:tgtEl>
+                                        <p:attrNameLst>
+                                          <p:attrName>ppt_y</p:attrName>
+                                        </p:attrNameLst>
+                                      </p:cBhvr>
+                                      <p:tavLst>
+                                        <p:tav tm="0">
+                                          <p:val>
+                                            <p:strVal val="#ppt_y+.1"/>
+                                          </p:val>
+                                        </p:tav>
+                                        <p:tav tm="100000">
+                                          <p:val>
+                                            <p:strVal val="#ppt_y"/>
+                                          </p:val>
+                                        </p:tav>
+                                      </p:tavLst>
+                                    </p:anim>
+                                  </p:childTnLst>
+                                </p:cTn>
+                              </p:par>
+                            </p:childTnLst>
+                          </p:cTn>
+                        </p:par>
+                      </p:childTnLst>
+                    </p:cTn>
+                  </p:par>
+                  <p:par>
+                    <p:cTn id="17" fill="hold">
+                      <p:stCondLst>
+                        <p:cond delay="indefinite"/>
+                      </p:stCondLst>
+                      <p:childTnLst>
+                        <p:par>
+                          <p:cTn id="18" fill="hold">
+                            <p:stCondLst>
+                              <p:cond delay="0"/>
+                            </p:stCondLst>
+                            <p:childTnLst>
+                              <p:par>
+                                <p:cTn id="19" presetID="42" presetClass="entr" presetSubtype="0" fill="hold" nodeType="clickEffect">
+                                  <p:stCondLst>
+                                    <p:cond delay="0"/>
+                                  </p:stCondLst>
+                                  <p:childTnLst>
+                                    <p:set>
+                                      <p:cBhvr>
+                                        <p:cTn id="20" dur="1" fill="hold">
+                                          <p:stCondLst>
+                                            <p:cond delay="0"/>
+                                          </p:stCondLst>
+                                        </p:cTn>
+                                        <p:tgtEl>
+                                          <p:spTgt spid="6"/>
+                                        </p:tgtEl>
+                                        <p:attrNameLst>
+                                          <p:attrName>style.visibility</p:attrName>
+                                        </p:attrNameLst>
+                                      </p:cBhvr>
+                                      <p:to>
+                                        <p:strVal val="visible"/>
+                                      </p:to>
+                                    </p:set>
+                                    <p:animEffect transition="in" filter="fade">
+                                      <p:cBhvr>
+                                        <p:cTn id="21" dur="1000"/>
+                                        <p:tgtEl>
+                                          <p:spTgt spid="6"/>
+                                        </p:tgtEl>
+                                      </p:cBhvr>
+                                    </p:animEffect>
+                                    <p:anim calcmode="lin" valueType="num">
+                                      <p:cBhvr>
+                                        <p:cTn id="22" dur="1000" fill="hold"/>
+                                        <p:tgtEl>
+                                          <p:spTgt spid="6"/>
+                                        </p:tgtEl>
+                                        <p:attrNameLst>
+                                          <p:attrName>ppt_x</p:attrName>
+                                        </p:attrNameLst>
+                                      </p:cBhvr>
+                                      <p:tavLst>
+                                        <p:tav tm="0">
+                                          <p:val>
+                                            <p:strVal val="#ppt_x"/>
+                                          </p:val>
+                                        </p:tav>
+                                        <p:tav tm="100000">
+                                          <p:val>
+                                            <p:strVal val="#ppt_x"/>
+                                          </p:val>
+                                        </p:tav>
+                                      </p:tavLst>
+                                    </p:anim>
+                                    <p:anim calcmode="lin" valueType="num">
+                                      <p:cBhvr>
+                                        <p:cTn id="23" dur="1000" fill="hold"/>
+                                        <p:tgtEl>
+                                          <p:spTgt spid="6"/>
+                                        </p:tgtEl>
+                                        <p:attrNameLst>
+                                          <p:attrName>ppt_y</p:attrName>
+                                        </p:attrNameLst>
+                                      </p:cBhvr>
+                                      <p:tavLst>
+                                        <p:tav tm="0">
+                                          <p:val>
+                                            <p:strVal val="#ppt_y+.1"/>
+                                          </p:val>
+                                        </p:tav>
+                                        <p:tav tm="100000">
+                                          <p:val>
+                                            <p:strVal val="#ppt_y"/>
+                                          </p:val>
+                                        </p:tav>
+                                      </p:tavLst>
+                                    </p:anim>
+                                  </p:childTnLst>
+                                </p:cTn>
+                              </p:par>
+                              <p:par>
+                                <p:cTn id="24" presetID="42" presetClass="entr" presetSubtype="0" fill="hold" nodeType="withEffect">
+                                  <p:stCondLst>
+                                    <p:cond delay="0"/>
+                                  </p:stCondLst>
+                                  <p:childTnLst>
+                                    <p:set>
+                                      <p:cBhvr>
+                                        <p:cTn id="25" dur="1" fill="hold">
+                                          <p:stCondLst>
+                                            <p:cond delay="0"/>
+                                          </p:stCondLst>
+                                        </p:cTn>
+                                        <p:tgtEl>
+                                          <p:spTgt spid="5"/>
+                                        </p:tgtEl>
+                                        <p:attrNameLst>
+                                          <p:attrName>style.visibility</p:attrName>
+                                        </p:attrNameLst>
+                                      </p:cBhvr>
+                                      <p:to>
+                                        <p:strVal val="visible"/>
+                                      </p:to>
+                                    </p:set>
+                                    <p:animEffect transition="in" filter="fade">
+                                      <p:cBhvr>
+                                        <p:cTn id="26" dur="1000"/>
+                                        <p:tgtEl>
+                                          <p:spTgt spid="5"/>
+                                        </p:tgtEl>
+                                      </p:cBhvr>
+                                    </p:animEffect>
+                                    <p:anim calcmode="lin" valueType="num">
+                                      <p:cBhvr>
+                                        <p:cTn id="27" dur="1000" fill="hold"/>
+                                        <p:tgtEl>
+                                          <p:spTgt spid="5"/>
+                                        </p:tgtEl>
+                                        <p:attrNameLst>
+                                          <p:attrName>ppt_x</p:attrName>
+                                        </p:attrNameLst>
+                                      </p:cBhvr>
+                                      <p:tavLst>
+                                        <p:tav tm="0">
+                                          <p:val>
+                                            <p:strVal val="#ppt_x"/>
+                                          </p:val>
+                                        </p:tav>
+                                        <p:tav tm="100000">
+                                          <p:val>
+                                            <p:strVal val="#ppt_x"/>
+                                          </p:val>
+                                        </p:tav>
+                                      </p:tavLst>
+                                    </p:anim>
+                                    <p:anim calcmode="lin" valueType="num">
+                                      <p:cBhvr>
+                                        <p:cTn id="28" dur="1000" fill="hold"/>
+                                        <p:tgtEl>
+                                          <p:spTgt spid="5"/>
+                                        </p:tgtEl>
+                                        <p:attrNameLst>
+                                          <p:attrName>ppt_y</p:attrName>
+                                        </p:attrNameLst>
+                                      </p:cBhvr>
+                                      <p:tavLst>
+                                        <p:tav tm="0">
+                                          <p:val>
+                                            <p:strVal val="#ppt_y+.1"/>
+                                          </p:val>
+                                        </p:tav>
+                                        <p:tav tm="100000">
+                                          <p:val>
+                                            <p:strVal val="#ppt_y"/>
+                                          </p:val>
+                                        </p:tav>
+                                      </p:tavLst>
+                                    </p:anim>
+                                  </p:childTnLst>
+                                </p:cTn>
+                              </p:par>
+                              <p:par>
+                                <p:cTn id="29" presetID="42" presetClass="entr" presetSubtype="0" fill="hold" nodeType="withEffect">
+                                  <p:stCondLst>
+                                    <p:cond delay="0"/>
+                                  </p:stCondLst>
+                                  <p:childTnLst>
+                                    <p:set>
+                                      <p:cBhvr>
+                                        <p:cTn id="30" dur="1" fill="hold">
+                                          <p:stCondLst>
+                                            <p:cond delay="0"/>
+                                          </p:stCondLst>
+                                        </p:cTn>
+                                        <p:tgtEl>
+                                          <p:spTgt spid="7"/>
+                                        </p:tgtEl>
+                                        <p:attrNameLst>
+                                          <p:attrName>style.visibility</p:attrName>
+                                        </p:attrNameLst>
+                                      </p:cBhvr>
+                                      <p:to>
+                                        <p:strVal val="visible"/>
+                                      </p:to>
+                                    </p:set>
+                                    <p:animEffect transition="in" filter="fade">
+                                      <p:cBhvr>
+                                        <p:cTn id="31" dur="1000"/>
+                                        <p:tgtEl>
+                                          <p:spTgt spid="7"/>
+                                        </p:tgtEl>
+                                      </p:cBhvr>
+                                    </p:animEffect>
+                                    <p:anim calcmode="lin" valueType="num">
+                                      <p:cBhvr>
+                                        <p:cTn id="32" dur="1000" fill="hold"/>
+                                        <p:tgtEl>
+                                          <p:spTgt spid="7"/>
+                                        </p:tgtEl>
+                                        <p:attrNameLst>
+                                          <p:attrName>ppt_x</p:attrName>
+                                        </p:attrNameLst>
+                                      </p:cBhvr>
+                                      <p:tavLst>
+                                        <p:tav tm="0">
+                                          <p:val>
+                                            <p:strVal val="#ppt_x"/>
+                                          </p:val>
+                                        </p:tav>
+                                        <p:tav tm="100000">
+                                          <p:val>
+                                            <p:strVal val="#ppt_x"/>
+                                          </p:val>
+                                        </p:tav>
+                                      </p:tavLst>
+                                    </p:anim>
+                                    <p:anim calcmode="lin" valueType="num">
+                                      <p:cBhvr>
+                                        <p:cTn id="33" dur="1000" fill="hold"/>
+                                        <p:tgtEl>
+                                          <p:spTgt spid="7"/>
+                                        </p:tgtEl>
+                                        <p:attrNameLst>
+                                          <p:attrName>ppt_y</p:attrName>
+                                        </p:attrNameLst>
+                                      </p:cBhvr>
+                                      <p:tavLst>
+                                        <p:tav tm="0">
+                                          <p:val>
+                                            <p:strVal val="#ppt_y+.1"/>
+                                          </p:val>
+                                        </p:tav>
+                                        <p:tav tm="100000">
+                                          <p:val>
+                                            <p:strVal val="#ppt_y"/>
+                                          </p:val>
+                                        </p:tav>
+                                      </p:tavLst>
+                                    </p:anim>
+                                  </p:childTnLst>
+                                </p:cTn>
+                              </p:par>
+                            </p:childTnLst>
+                          </p:cTn>
+                        </p:par>
+                      </p:childTnLst>
+                    </p:cTn>
+                  </p:par>
+                </p:childTnLst>
+              </p:cTn>
+              <p:prevCondLst>
+                <p:cond evt="onPrev" delay="0">
+                  <p:tgtEl>
+                    <p:sldTgt/>
+                  </p:tgtEl>
+                </p:cond>
+              </p:prevCondLst>
+              <p:nextCondLst>
+                <p:cond evt="onNext" delay="0">
+                  <p:tgtEl>
+                    <p:sldTgt/>
+                  </p:tgtEl>
+                </p:cond>
+              </p:nextCondLst>
+            </p:seq>
+          </p:childTnLst>
+        </p:cTn>
+      </p:par>
+    </p:tnLst>
+    <p:bldLst>
+      <p:bldP spid="3" grpId="0" build="p"/>
+      <p:bldP spid="2" grpId="0"/>
+    </p:bldLst>
+  </p:timing>
 </p:sld>
 </file>
 
@@ -9033,11 +15325,7 @@
           <a:p>
             <a:r>
               <a:rPr lang="en-US" sz="3200" dirty="0" smtClean="0"/>
-              <a:t>Some </a:t>
-            </a:r>
-            <a:r>
-              <a:rPr lang="en-US" sz="3200" dirty="0" smtClean="0"/>
-              <a:t>topic</a:t>
+              <a:t>Some topic</a:t>
             </a:r>
           </a:p>
           <a:p>
@@ -9062,6 +15350,13 @@
   <p:clrMapOvr>
     <a:masterClrMapping/>
   </p:clrMapOvr>
+  <p:timing>
+    <p:tnLst>
+      <p:par>
+        <p:cTn id="1" dur="indefinite" restart="never" nodeType="tmRoot"/>
+      </p:par>
+    </p:tnLst>
+  </p:timing>
 </p:sld>
 </file>
 
@@ -9187,10 +15482,330 @@
   <p:clrMapOvr>
     <a:masterClrMapping/>
   </p:clrMapOvr>
+  <p:timing>
+    <p:tnLst>
+      <p:par>
+        <p:cTn id="1" dur="indefinite" restart="never" nodeType="tmRoot"/>
+      </p:par>
+    </p:tnLst>
+  </p:timing>
 </p:sld>
 </file>
 
 <file path=ppt/slides/slide21.xml><?xml version="1.0" encoding="utf-8"?>
+<p:sld xmlns:a="http://schemas.openxmlformats.org/drawingml/2006/main" xmlns:r="http://schemas.openxmlformats.org/officeDocument/2006/relationships" xmlns:p="http://schemas.openxmlformats.org/presentationml/2006/main">
+  <p:cSld>
+    <p:spTree>
+      <p:nvGrpSpPr>
+        <p:cNvPr id="1" name=""/>
+        <p:cNvGrpSpPr/>
+        <p:nvPr/>
+      </p:nvGrpSpPr>
+      <p:grpSpPr>
+        <a:xfrm>
+          <a:off x="0" y="0"/>
+          <a:ext cx="0" cy="0"/>
+          <a:chOff x="0" y="0"/>
+          <a:chExt cx="0" cy="0"/>
+        </a:xfrm>
+      </p:grpSpPr>
+      <p:sp>
+        <p:nvSpPr>
+          <p:cNvPr id="3" name="内容占位符 2"/>
+          <p:cNvSpPr>
+            <a:spLocks noGrp="1"/>
+          </p:cNvSpPr>
+          <p:nvPr>
+            <p:ph idx="1"/>
+          </p:nvPr>
+        </p:nvSpPr>
+        <p:spPr/>
+        <p:txBody>
+          <a:bodyPr/>
+          <a:lstStyle/>
+          <a:p>
+            <a:r>
+              <a:rPr lang="en-US" altLang="zh-CN" dirty="0" smtClean="0"/>
+              <a:t>Many tricks and improvements make algorithms work for real task.</a:t>
+            </a:r>
+          </a:p>
+          <a:p>
+            <a:r>
+              <a:rPr lang="en-US" altLang="zh-CN" dirty="0" smtClean="0"/>
+              <a:t>It seems most of them only have intuitive explanation.</a:t>
+            </a:r>
+          </a:p>
+          <a:p>
+            <a:endParaRPr lang="en-US" altLang="zh-CN" dirty="0" smtClean="0"/>
+          </a:p>
+          <a:p>
+            <a:pPr lvl="1"/>
+            <a:r>
+              <a:rPr lang="en-US" altLang="zh-CN" dirty="0" smtClean="0"/>
+              <a:t>Such as advantage decomposition.</a:t>
+            </a:r>
+            <a:endParaRPr lang="en-US" altLang="zh-CN" dirty="0"/>
+          </a:p>
+          <a:p>
+            <a:endParaRPr lang="en-US" altLang="zh-CN" dirty="0" smtClean="0"/>
+          </a:p>
+          <a:p>
+            <a:r>
+              <a:rPr lang="en-US" altLang="zh-CN" dirty="0" smtClean="0"/>
+              <a:t>Can we give some theoretical explanation about these tricks and improvements.</a:t>
+            </a:r>
+            <a:endParaRPr lang="zh-CN" altLang="en-US" dirty="0"/>
+          </a:p>
+        </p:txBody>
+      </p:sp>
+      <p:sp>
+        <p:nvSpPr>
+          <p:cNvPr id="5" name="Title 1"/>
+          <p:cNvSpPr txBox="1">
+            <a:spLocks/>
+          </p:cNvSpPr>
+          <p:nvPr/>
+        </p:nvSpPr>
+        <p:spPr>
+          <a:xfrm>
+            <a:off x="990600" y="517525"/>
+            <a:ext cx="10515600" cy="1325563"/>
+          </a:xfrm>
+          <a:prstGeom prst="rect">
+            <a:avLst/>
+          </a:prstGeom>
+        </p:spPr>
+        <p:txBody>
+          <a:bodyPr vert="horz" lIns="91440" tIns="45720" rIns="91440" bIns="45720" rtlCol="0" anchor="ctr">
+            <a:normAutofit/>
+          </a:bodyPr>
+          <a:lstStyle>
+            <a:lvl1pPr algn="l" defTabSz="914400" rtl="0" eaLnBrk="1" latinLnBrk="0" hangingPunct="1">
+              <a:lnSpc>
+                <a:spcPct val="90000"/>
+              </a:lnSpc>
+              <a:spcBef>
+                <a:spcPct val="0"/>
+              </a:spcBef>
+              <a:buNone/>
+              <a:defRPr sz="4400" kern="1200">
+                <a:solidFill>
+                  <a:schemeClr val="tx1"/>
+                </a:solidFill>
+                <a:latin typeface="+mj-lt"/>
+                <a:ea typeface="+mj-ea"/>
+                <a:cs typeface="+mj-cs"/>
+              </a:defRPr>
+            </a:lvl1pPr>
+          </a:lstStyle>
+          <a:p>
+            <a:pPr algn="ctr"/>
+            <a:r>
+              <a:rPr lang="en-US" b="1" dirty="0" smtClean="0"/>
+              <a:t>My thinking</a:t>
+            </a:r>
+            <a:endParaRPr lang="en-US" b="1" dirty="0"/>
+          </a:p>
+        </p:txBody>
+      </p:sp>
+    </p:spTree>
+    <p:extLst>
+      <p:ext uri="{BB962C8B-B14F-4D97-AF65-F5344CB8AC3E}">
+        <p14:creationId xmlns:p14="http://schemas.microsoft.com/office/powerpoint/2010/main" val="674717451"/>
+      </p:ext>
+    </p:extLst>
+  </p:cSld>
+  <p:clrMapOvr>
+    <a:masterClrMapping/>
+  </p:clrMapOvr>
+  <p:timing>
+    <p:tnLst>
+      <p:par>
+        <p:cTn id="1" dur="indefinite" restart="never" nodeType="tmRoot"/>
+      </p:par>
+    </p:tnLst>
+  </p:timing>
+</p:sld>
+</file>
+
+<file path=ppt/slides/slide22.xml><?xml version="1.0" encoding="utf-8"?>
+<p:sld xmlns:a="http://schemas.openxmlformats.org/drawingml/2006/main" xmlns:r="http://schemas.openxmlformats.org/officeDocument/2006/relationships" xmlns:p="http://schemas.openxmlformats.org/presentationml/2006/main">
+  <p:cSld>
+    <p:spTree>
+      <p:nvGrpSpPr>
+        <p:cNvPr id="1" name=""/>
+        <p:cNvGrpSpPr/>
+        <p:nvPr/>
+      </p:nvGrpSpPr>
+      <p:grpSpPr>
+        <a:xfrm>
+          <a:off x="0" y="0"/>
+          <a:ext cx="0" cy="0"/>
+          <a:chOff x="0" y="0"/>
+          <a:chExt cx="0" cy="0"/>
+        </a:xfrm>
+      </p:grpSpPr>
+      <p:sp>
+        <p:nvSpPr>
+          <p:cNvPr id="4" name="Title 1"/>
+          <p:cNvSpPr txBox="1">
+            <a:spLocks/>
+          </p:cNvSpPr>
+          <p:nvPr/>
+        </p:nvSpPr>
+        <p:spPr>
+          <a:xfrm>
+            <a:off x="990600" y="517525"/>
+            <a:ext cx="10515600" cy="1325563"/>
+          </a:xfrm>
+          <a:prstGeom prst="rect">
+            <a:avLst/>
+          </a:prstGeom>
+        </p:spPr>
+        <p:txBody>
+          <a:bodyPr vert="horz" lIns="91440" tIns="45720" rIns="91440" bIns="45720" rtlCol="0" anchor="ctr">
+            <a:normAutofit/>
+          </a:bodyPr>
+          <a:lstStyle>
+            <a:lvl1pPr algn="l" defTabSz="914400" rtl="0" eaLnBrk="1" latinLnBrk="0" hangingPunct="1">
+              <a:lnSpc>
+                <a:spcPct val="90000"/>
+              </a:lnSpc>
+              <a:spcBef>
+                <a:spcPct val="0"/>
+              </a:spcBef>
+              <a:buNone/>
+              <a:defRPr sz="4400" kern="1200">
+                <a:solidFill>
+                  <a:schemeClr val="tx1"/>
+                </a:solidFill>
+                <a:latin typeface="+mj-lt"/>
+                <a:ea typeface="+mj-ea"/>
+                <a:cs typeface="+mj-cs"/>
+              </a:defRPr>
+            </a:lvl1pPr>
+          </a:lstStyle>
+          <a:p>
+            <a:pPr algn="ctr"/>
+            <a:r>
+              <a:rPr lang="en-US" b="1" dirty="0" smtClean="0"/>
+              <a:t>My thinking</a:t>
+            </a:r>
+            <a:endParaRPr lang="en-US" b="1" dirty="0"/>
+          </a:p>
+        </p:txBody>
+      </p:sp>
+      <p:graphicFrame>
+        <p:nvGraphicFramePr>
+          <p:cNvPr id="5" name="Diagram 4"/>
+          <p:cNvGraphicFramePr/>
+          <p:nvPr>
+            <p:extLst>
+              <p:ext uri="{D42A27DB-BD31-4B8C-83A1-F6EECF244321}">
+                <p14:modId xmlns:p14="http://schemas.microsoft.com/office/powerpoint/2010/main" val="3464226001"/>
+              </p:ext>
+            </p:extLst>
+          </p:nvPr>
+        </p:nvGraphicFramePr>
+        <p:xfrm>
+          <a:off x="2031999" y="719666"/>
+          <a:ext cx="9083675" cy="5418667"/>
+        </p:xfrm>
+        <a:graphic>
+          <a:graphicData uri="http://schemas.openxmlformats.org/drawingml/2006/diagram">
+            <dgm:relIds xmlns:dgm="http://schemas.openxmlformats.org/drawingml/2006/diagram" xmlns:r="http://schemas.openxmlformats.org/officeDocument/2006/relationships" r:dm="rId2" r:lo="rId3" r:qs="rId4" r:cs="rId5"/>
+          </a:graphicData>
+        </a:graphic>
+      </p:graphicFrame>
+    </p:spTree>
+    <p:extLst>
+      <p:ext uri="{BB962C8B-B14F-4D97-AF65-F5344CB8AC3E}">
+        <p14:creationId xmlns:p14="http://schemas.microsoft.com/office/powerpoint/2010/main" val="65136671"/>
+      </p:ext>
+    </p:extLst>
+  </p:cSld>
+  <p:clrMapOvr>
+    <a:masterClrMapping/>
+  </p:clrMapOvr>
+  <p:timing>
+    <p:tnLst>
+      <p:par>
+        <p:cTn id="1" dur="indefinite" restart="never" nodeType="tmRoot"/>
+      </p:par>
+    </p:tnLst>
+  </p:timing>
+</p:sld>
+</file>
+
+<file path=ppt/slides/slide23.xml><?xml version="1.0" encoding="utf-8"?>
+<p:sld xmlns:a="http://schemas.openxmlformats.org/drawingml/2006/main" xmlns:r="http://schemas.openxmlformats.org/officeDocument/2006/relationships" xmlns:p="http://schemas.openxmlformats.org/presentationml/2006/main">
+  <p:cSld>
+    <p:spTree>
+      <p:nvGrpSpPr>
+        <p:cNvPr id="1" name=""/>
+        <p:cNvGrpSpPr/>
+        <p:nvPr/>
+      </p:nvGrpSpPr>
+      <p:grpSpPr>
+        <a:xfrm>
+          <a:off x="0" y="0"/>
+          <a:ext cx="0" cy="0"/>
+          <a:chOff x="0" y="0"/>
+          <a:chExt cx="0" cy="0"/>
+        </a:xfrm>
+      </p:grpSpPr>
+      <p:sp>
+        <p:nvSpPr>
+          <p:cNvPr id="2" name="Title 1"/>
+          <p:cNvSpPr>
+            <a:spLocks noGrp="1"/>
+          </p:cNvSpPr>
+          <p:nvPr>
+            <p:ph type="title"/>
+          </p:nvPr>
+        </p:nvSpPr>
+        <p:spPr>
+          <a:xfrm>
+            <a:off x="838200" y="2603500"/>
+            <a:ext cx="10515600" cy="1325563"/>
+          </a:xfrm>
+        </p:spPr>
+        <p:txBody>
+          <a:bodyPr>
+            <a:noAutofit/>
+          </a:bodyPr>
+          <a:lstStyle/>
+          <a:p>
+            <a:pPr algn="ctr"/>
+            <a:r>
+              <a:rPr lang="en-US" sz="9600" b="1" dirty="0" smtClean="0"/>
+              <a:t>Thanks</a:t>
+            </a:r>
+            <a:endParaRPr lang="en-US" sz="9600" b="1" dirty="0"/>
+          </a:p>
+        </p:txBody>
+      </p:sp>
+    </p:spTree>
+    <p:extLst>
+      <p:ext uri="{BB962C8B-B14F-4D97-AF65-F5344CB8AC3E}">
+        <p14:creationId xmlns:p14="http://schemas.microsoft.com/office/powerpoint/2010/main" val="1230927676"/>
+      </p:ext>
+    </p:extLst>
+  </p:cSld>
+  <p:clrMapOvr>
+    <a:masterClrMapping/>
+  </p:clrMapOvr>
+  <p:timing>
+    <p:tnLst>
+      <p:par>
+        <p:cTn id="1" dur="indefinite" restart="never" nodeType="tmRoot"/>
+      </p:par>
+    </p:tnLst>
+  </p:timing>
+</p:sld>
+</file>
+
+<file path=ppt/slides/slide24.xml><?xml version="1.0" encoding="utf-8"?>
 <p:sld xmlns:a="http://schemas.openxmlformats.org/drawingml/2006/main" xmlns:r="http://schemas.openxmlformats.org/officeDocument/2006/relationships" xmlns:p="http://schemas.openxmlformats.org/presentationml/2006/main" show="0">
   <p:cSld>
     <p:spTree>
@@ -9274,11 +15889,11 @@
   <p:clrMapOvr>
     <a:masterClrMapping/>
   </p:clrMapOvr>
-  <mc:AlternateContent xmlns:mc="http://schemas.openxmlformats.org/markup-compatibility/2006">
-    <mc:Choice xmlns:p14="http://schemas.microsoft.com/office/powerpoint/2010/main" Requires="p14">
+  <mc:AlternateContent xmlns:mc="http://schemas.openxmlformats.org/markup-compatibility/2006" xmlns:p14="http://schemas.microsoft.com/office/powerpoint/2010/main">
+    <mc:Choice Requires="p14">
       <p:transition spd="slow" p14:dur="2000"/>
     </mc:Choice>
-    <mc:Fallback>
+    <mc:Fallback xmlns="">
       <p:transition spd="slow"/>
     </mc:Fallback>
   </mc:AlternateContent>
@@ -9292,132 +15907,7 @@
 </p:sld>
 </file>
 
-<file path=ppt/slides/slide22.xml><?xml version="1.0" encoding="utf-8"?>
-<p:sld xmlns:a="http://schemas.openxmlformats.org/drawingml/2006/main" xmlns:r="http://schemas.openxmlformats.org/officeDocument/2006/relationships" xmlns:p="http://schemas.openxmlformats.org/presentationml/2006/main">
-  <p:cSld>
-    <p:spTree>
-      <p:nvGrpSpPr>
-        <p:cNvPr id="1" name=""/>
-        <p:cNvGrpSpPr/>
-        <p:nvPr/>
-      </p:nvGrpSpPr>
-      <p:grpSpPr>
-        <a:xfrm>
-          <a:off x="0" y="0"/>
-          <a:ext cx="0" cy="0"/>
-          <a:chOff x="0" y="0"/>
-          <a:chExt cx="0" cy="0"/>
-        </a:xfrm>
-      </p:grpSpPr>
-      <p:sp>
-        <p:nvSpPr>
-          <p:cNvPr id="3" name="内容占位符 2"/>
-          <p:cNvSpPr>
-            <a:spLocks noGrp="1"/>
-          </p:cNvSpPr>
-          <p:nvPr>
-            <p:ph idx="1"/>
-          </p:nvPr>
-        </p:nvSpPr>
-        <p:spPr/>
-        <p:txBody>
-          <a:bodyPr/>
-          <a:lstStyle/>
-          <a:p>
-            <a:r>
-              <a:rPr lang="en-US" altLang="zh-CN" dirty="0" smtClean="0"/>
-              <a:t>Many tricks and improvements make algorithms work for real task.</a:t>
-            </a:r>
-          </a:p>
-          <a:p>
-            <a:r>
-              <a:rPr lang="en-US" altLang="zh-CN" dirty="0" smtClean="0"/>
-              <a:t>It seems most of them only have intuitive explanation.</a:t>
-            </a:r>
-          </a:p>
-          <a:p>
-            <a:r>
-              <a:rPr lang="en-US" altLang="zh-CN" dirty="0" smtClean="0"/>
-              <a:t>Such as some variance reduce algorithms.</a:t>
-            </a:r>
-            <a:endParaRPr lang="en-US" altLang="zh-CN" dirty="0"/>
-          </a:p>
-          <a:p>
-            <a:endParaRPr lang="en-US" altLang="zh-CN" dirty="0" smtClean="0"/>
-          </a:p>
-          <a:p>
-            <a:r>
-              <a:rPr lang="en-US" altLang="zh-CN" dirty="0" smtClean="0"/>
-              <a:t>Can we give some theoretical explanation about these tricks and improvements.</a:t>
-            </a:r>
-            <a:endParaRPr lang="zh-CN" altLang="en-US" dirty="0"/>
-          </a:p>
-        </p:txBody>
-      </p:sp>
-      <p:sp>
-        <p:nvSpPr>
-          <p:cNvPr id="5" name="Title 1"/>
-          <p:cNvSpPr txBox="1">
-            <a:spLocks/>
-          </p:cNvSpPr>
-          <p:nvPr/>
-        </p:nvSpPr>
-        <p:spPr>
-          <a:xfrm>
-            <a:off x="990600" y="517525"/>
-            <a:ext cx="10515600" cy="1325563"/>
-          </a:xfrm>
-          <a:prstGeom prst="rect">
-            <a:avLst/>
-          </a:prstGeom>
-        </p:spPr>
-        <p:txBody>
-          <a:bodyPr vert="horz" lIns="91440" tIns="45720" rIns="91440" bIns="45720" rtlCol="0" anchor="ctr">
-            <a:normAutofit/>
-          </a:bodyPr>
-          <a:lstStyle>
-            <a:lvl1pPr algn="l" defTabSz="914400" rtl="0" eaLnBrk="1" latinLnBrk="0" hangingPunct="1">
-              <a:lnSpc>
-                <a:spcPct val="90000"/>
-              </a:lnSpc>
-              <a:spcBef>
-                <a:spcPct val="0"/>
-              </a:spcBef>
-              <a:buNone/>
-              <a:defRPr sz="4400" kern="1200">
-                <a:solidFill>
-                  <a:schemeClr val="tx1"/>
-                </a:solidFill>
-                <a:latin typeface="+mj-lt"/>
-                <a:ea typeface="+mj-ea"/>
-                <a:cs typeface="+mj-cs"/>
-              </a:defRPr>
-            </a:lvl1pPr>
-          </a:lstStyle>
-          <a:p>
-            <a:pPr algn="ctr"/>
-            <a:r>
-              <a:rPr lang="en-US" b="1" dirty="0" smtClean="0"/>
-              <a:t>My thinking</a:t>
-            </a:r>
-            <a:endParaRPr lang="en-US" b="1" dirty="0"/>
-          </a:p>
-        </p:txBody>
-      </p:sp>
-    </p:spTree>
-    <p:extLst>
-      <p:ext uri="{BB962C8B-B14F-4D97-AF65-F5344CB8AC3E}">
-        <p14:creationId xmlns:p14="http://schemas.microsoft.com/office/powerpoint/2010/main" val="674717451"/>
-      </p:ext>
-    </p:extLst>
-  </p:cSld>
-  <p:clrMapOvr>
-    <a:masterClrMapping/>
-  </p:clrMapOvr>
-</p:sld>
-</file>
-
-<file path=ppt/slides/slide23.xml><?xml version="1.0" encoding="utf-8"?>
+<file path=ppt/slides/slide25.xml><?xml version="1.0" encoding="utf-8"?>
 <p:sld xmlns:a="http://schemas.openxmlformats.org/drawingml/2006/main" xmlns:r="http://schemas.openxmlformats.org/officeDocument/2006/relationships" xmlns:p="http://schemas.openxmlformats.org/presentationml/2006/main" show="0">
   <p:cSld>
     <p:spTree>
@@ -9624,6 +16114,13 @@
   <p:clrMapOvr>
     <a:masterClrMapping/>
   </p:clrMapOvr>
+  <p:timing>
+    <p:tnLst>
+      <p:par>
+        <p:cTn id="1" dur="indefinite" restart="never" nodeType="tmRoot"/>
+      </p:par>
+    </p:tnLst>
+  </p:timing>
 </p:sld>
 </file>
 
@@ -9682,7 +16179,7 @@
             </p:nvSpPr>
             <p:spPr>
               <a:xfrm>
-                <a:off x="612900" y="2632907"/>
+                <a:off x="2570551" y="1778754"/>
                 <a:ext cx="2623539" cy="369332"/>
               </a:xfrm>
               <a:prstGeom prst="rect">
@@ -9806,7 +16303,7 @@
             </p:nvSpPr>
             <p:spPr>
               <a:xfrm>
-                <a:off x="612900" y="2632907"/>
+                <a:off x="2570551" y="1778754"/>
                 <a:ext cx="2623539" cy="369332"/>
               </a:xfrm>
               <a:prstGeom prst="rect">
@@ -9824,7 +16321,7 @@
               <a:lstStyle/>
               <a:p>
                 <a:r>
-                  <a:rPr lang="zh-CN" altLang="en-US">
+                  <a:rPr lang="en-US">
                     <a:noFill/>
                   </a:rPr>
                   <a:t> </a:t>
@@ -9844,8 +16341,8 @@
             </p:nvSpPr>
             <p:spPr>
               <a:xfrm>
-                <a:off x="368661" y="3140641"/>
-                <a:ext cx="9093259" cy="738664"/>
+                <a:off x="368661" y="3083743"/>
+                <a:ext cx="8894092" cy="369332"/>
               </a:xfrm>
               <a:prstGeom prst="rect">
                 <a:avLst/>
@@ -9853,7 +16350,7 @@
               <a:noFill/>
             </p:spPr>
             <p:txBody>
-              <a:bodyPr wrap="none" lIns="0" tIns="0" rIns="0" bIns="0" rtlCol="0">
+              <a:bodyPr wrap="square" lIns="0" tIns="0" rIns="0" bIns="0" rtlCol="0">
                 <a:spAutoFit/>
               </a:bodyPr>
               <a:lstStyle/>
@@ -9996,9 +16493,6 @@
                     </m:oMath>
                   </m:oMathPara>
                 </a14:m>
-                <a:endParaRPr lang="en-US" sz="2400" dirty="0" smtClean="0"/>
-              </a:p>
-              <a:p>
                 <a:endParaRPr lang="en-US" sz="2400" dirty="0"/>
               </a:p>
             </p:txBody>
@@ -10015,8 +16509,8 @@
             </p:nvSpPr>
             <p:spPr>
               <a:xfrm>
-                <a:off x="368661" y="3140641"/>
-                <a:ext cx="9093259" cy="738664"/>
+                <a:off x="368661" y="3083743"/>
+                <a:ext cx="8894092" cy="369332"/>
               </a:xfrm>
               <a:prstGeom prst="rect">
                 <a:avLst/>
@@ -10024,7 +16518,7 @@
               <a:blipFill>
                 <a:blip r:embed="rId3"/>
                 <a:stretch>
-                  <a:fillRect/>
+                  <a:fillRect b="-35000"/>
                 </a:stretch>
               </a:blipFill>
             </p:spPr>
@@ -10033,7 +16527,7 @@
               <a:lstStyle/>
               <a:p>
                 <a:r>
-                  <a:rPr lang="zh-CN" altLang="en-US">
+                  <a:rPr lang="en-US">
                     <a:noFill/>
                   </a:rPr>
                   <a:t> </a:t>
@@ -10706,13 +17200,13 @@
         </p:nvPicPr>
         <p:blipFill rotWithShape="1">
           <a:blip r:embed="rId8"/>
-          <a:srcRect t="7621"/>
+          <a:srcRect l="7121" t="7621"/>
           <a:stretch/>
         </p:blipFill>
         <p:spPr>
           <a:xfrm>
-            <a:off x="7903124" y="137705"/>
-            <a:ext cx="3358406" cy="3399747"/>
+            <a:off x="9072748" y="274050"/>
+            <a:ext cx="3119252" cy="3399747"/>
           </a:xfrm>
           <a:prstGeom prst="rect">
             <a:avLst/>
@@ -10863,6 +17357,13 @@
   <p:clrMapOvr>
     <a:masterClrMapping/>
   </p:clrMapOvr>
+  <p:timing>
+    <p:tnLst>
+      <p:par>
+        <p:cTn id="1" dur="indefinite" restart="never" nodeType="tmRoot"/>
+      </p:par>
+    </p:tnLst>
+  </p:timing>
 </p:sld>
 </file>
 
@@ -11046,6 +17547,13 @@
   <p:clrMapOvr>
     <a:masterClrMapping/>
   </p:clrMapOvr>
+  <p:timing>
+    <p:tnLst>
+      <p:par>
+        <p:cTn id="1" dur="indefinite" restart="never" nodeType="tmRoot"/>
+      </p:par>
+    </p:tnLst>
+  </p:timing>
 </p:sld>
 </file>
 
@@ -11095,13 +17603,13 @@
             <p:ph idx="1"/>
             <p:extLst>
               <p:ext uri="{D42A27DB-BD31-4B8C-83A1-F6EECF244321}">
-                <p14:modId xmlns:p14="http://schemas.microsoft.com/office/powerpoint/2010/main" val="2253095598"/>
+                <p14:modId xmlns:p14="http://schemas.microsoft.com/office/powerpoint/2010/main" val="2340394479"/>
               </p:ext>
             </p:extLst>
           </p:nvPr>
         </p:nvGraphicFramePr>
         <p:xfrm>
-          <a:off x="5343426" y="4275118"/>
+          <a:off x="186186" y="507925"/>
           <a:ext cx="5809256" cy="2365525"/>
         </p:xfrm>
         <a:graphic>
@@ -11412,7 +17920,7 @@
         </p:blipFill>
         <p:spPr>
           <a:xfrm>
-            <a:off x="130908" y="154221"/>
+            <a:off x="6202605" y="156516"/>
             <a:ext cx="4967782" cy="3342807"/>
           </a:xfrm>
           <a:prstGeom prst="rect">
@@ -11436,7 +17944,7 @@
         </p:blipFill>
         <p:spPr>
           <a:xfrm>
-            <a:off x="5343427" y="154245"/>
+            <a:off x="186186" y="3409500"/>
             <a:ext cx="4974536" cy="3342783"/>
           </a:xfrm>
           <a:prstGeom prst="rect">
@@ -11460,7 +17968,7 @@
         </p:blipFill>
         <p:spPr>
           <a:xfrm>
-            <a:off x="130907" y="3707908"/>
+            <a:off x="6019192" y="3499322"/>
             <a:ext cx="4680935" cy="3163138"/>
           </a:xfrm>
           <a:prstGeom prst="rect">
@@ -11478,6 +17986,297 @@
   <p:clrMapOvr>
     <a:masterClrMapping/>
   </p:clrMapOvr>
+  <p:timing>
+    <p:tnLst>
+      <p:par>
+        <p:cTn id="1" dur="indefinite" restart="never" nodeType="tmRoot">
+          <p:childTnLst>
+            <p:seq concurrent="1" nextAc="seek">
+              <p:cTn id="2" dur="indefinite" nodeType="mainSeq">
+                <p:childTnLst>
+                  <p:par>
+                    <p:cTn id="3" fill="hold">
+                      <p:stCondLst>
+                        <p:cond delay="indefinite"/>
+                      </p:stCondLst>
+                      <p:childTnLst>
+                        <p:par>
+                          <p:cTn id="4" fill="hold">
+                            <p:stCondLst>
+                              <p:cond delay="0"/>
+                            </p:stCondLst>
+                            <p:childTnLst>
+                              <p:par>
+                                <p:cTn id="5" presetID="42" presetClass="entr" presetSubtype="0" fill="hold" nodeType="clickEffect">
+                                  <p:stCondLst>
+                                    <p:cond delay="0"/>
+                                  </p:stCondLst>
+                                  <p:childTnLst>
+                                    <p:set>
+                                      <p:cBhvr>
+                                        <p:cTn id="6" dur="1" fill="hold">
+                                          <p:stCondLst>
+                                            <p:cond delay="0"/>
+                                          </p:stCondLst>
+                                        </p:cTn>
+                                        <p:tgtEl>
+                                          <p:spTgt spid="4"/>
+                                        </p:tgtEl>
+                                        <p:attrNameLst>
+                                          <p:attrName>style.visibility</p:attrName>
+                                        </p:attrNameLst>
+                                      </p:cBhvr>
+                                      <p:to>
+                                        <p:strVal val="visible"/>
+                                      </p:to>
+                                    </p:set>
+                                    <p:animEffect transition="in" filter="fade">
+                                      <p:cBhvr>
+                                        <p:cTn id="7" dur="1000"/>
+                                        <p:tgtEl>
+                                          <p:spTgt spid="4"/>
+                                        </p:tgtEl>
+                                      </p:cBhvr>
+                                    </p:animEffect>
+                                    <p:anim calcmode="lin" valueType="num">
+                                      <p:cBhvr>
+                                        <p:cTn id="8" dur="1000" fill="hold"/>
+                                        <p:tgtEl>
+                                          <p:spTgt spid="4"/>
+                                        </p:tgtEl>
+                                        <p:attrNameLst>
+                                          <p:attrName>ppt_x</p:attrName>
+                                        </p:attrNameLst>
+                                      </p:cBhvr>
+                                      <p:tavLst>
+                                        <p:tav tm="0">
+                                          <p:val>
+                                            <p:strVal val="#ppt_x"/>
+                                          </p:val>
+                                        </p:tav>
+                                        <p:tav tm="100000">
+                                          <p:val>
+                                            <p:strVal val="#ppt_x"/>
+                                          </p:val>
+                                        </p:tav>
+                                      </p:tavLst>
+                                    </p:anim>
+                                    <p:anim calcmode="lin" valueType="num">
+                                      <p:cBhvr>
+                                        <p:cTn id="9" dur="1000" fill="hold"/>
+                                        <p:tgtEl>
+                                          <p:spTgt spid="4"/>
+                                        </p:tgtEl>
+                                        <p:attrNameLst>
+                                          <p:attrName>ppt_y</p:attrName>
+                                        </p:attrNameLst>
+                                      </p:cBhvr>
+                                      <p:tavLst>
+                                        <p:tav tm="0">
+                                          <p:val>
+                                            <p:strVal val="#ppt_y+.1"/>
+                                          </p:val>
+                                        </p:tav>
+                                        <p:tav tm="100000">
+                                          <p:val>
+                                            <p:strVal val="#ppt_y"/>
+                                          </p:val>
+                                        </p:tav>
+                                      </p:tavLst>
+                                    </p:anim>
+                                  </p:childTnLst>
+                                </p:cTn>
+                              </p:par>
+                              <p:par>
+                                <p:cTn id="10" presetID="42" presetClass="entr" presetSubtype="0" fill="hold" nodeType="withEffect">
+                                  <p:stCondLst>
+                                    <p:cond delay="0"/>
+                                  </p:stCondLst>
+                                  <p:childTnLst>
+                                    <p:set>
+                                      <p:cBhvr>
+                                        <p:cTn id="11" dur="1" fill="hold">
+                                          <p:stCondLst>
+                                            <p:cond delay="0"/>
+                                          </p:stCondLst>
+                                        </p:cTn>
+                                        <p:tgtEl>
+                                          <p:spTgt spid="5"/>
+                                        </p:tgtEl>
+                                        <p:attrNameLst>
+                                          <p:attrName>style.visibility</p:attrName>
+                                        </p:attrNameLst>
+                                      </p:cBhvr>
+                                      <p:to>
+                                        <p:strVal val="visible"/>
+                                      </p:to>
+                                    </p:set>
+                                    <p:animEffect transition="in" filter="fade">
+                                      <p:cBhvr>
+                                        <p:cTn id="12" dur="1000"/>
+                                        <p:tgtEl>
+                                          <p:spTgt spid="5"/>
+                                        </p:tgtEl>
+                                      </p:cBhvr>
+                                    </p:animEffect>
+                                    <p:anim calcmode="lin" valueType="num">
+                                      <p:cBhvr>
+                                        <p:cTn id="13" dur="1000" fill="hold"/>
+                                        <p:tgtEl>
+                                          <p:spTgt spid="5"/>
+                                        </p:tgtEl>
+                                        <p:attrNameLst>
+                                          <p:attrName>ppt_x</p:attrName>
+                                        </p:attrNameLst>
+                                      </p:cBhvr>
+                                      <p:tavLst>
+                                        <p:tav tm="0">
+                                          <p:val>
+                                            <p:strVal val="#ppt_x"/>
+                                          </p:val>
+                                        </p:tav>
+                                        <p:tav tm="100000">
+                                          <p:val>
+                                            <p:strVal val="#ppt_x"/>
+                                          </p:val>
+                                        </p:tav>
+                                      </p:tavLst>
+                                    </p:anim>
+                                    <p:anim calcmode="lin" valueType="num">
+                                      <p:cBhvr>
+                                        <p:cTn id="14" dur="1000" fill="hold"/>
+                                        <p:tgtEl>
+                                          <p:spTgt spid="5"/>
+                                        </p:tgtEl>
+                                        <p:attrNameLst>
+                                          <p:attrName>ppt_y</p:attrName>
+                                        </p:attrNameLst>
+                                      </p:cBhvr>
+                                      <p:tavLst>
+                                        <p:tav tm="0">
+                                          <p:val>
+                                            <p:strVal val="#ppt_y+.1"/>
+                                          </p:val>
+                                        </p:tav>
+                                        <p:tav tm="100000">
+                                          <p:val>
+                                            <p:strVal val="#ppt_y"/>
+                                          </p:val>
+                                        </p:tav>
+                                      </p:tavLst>
+                                    </p:anim>
+                                  </p:childTnLst>
+                                </p:cTn>
+                              </p:par>
+                              <p:par>
+                                <p:cTn id="15" presetID="42" presetClass="entr" presetSubtype="0" fill="hold" nodeType="withEffect">
+                                  <p:stCondLst>
+                                    <p:cond delay="0"/>
+                                  </p:stCondLst>
+                                  <p:childTnLst>
+                                    <p:set>
+                                      <p:cBhvr>
+                                        <p:cTn id="16" dur="1" fill="hold">
+                                          <p:stCondLst>
+                                            <p:cond delay="0"/>
+                                          </p:stCondLst>
+                                        </p:cTn>
+                                        <p:tgtEl>
+                                          <p:spTgt spid="6"/>
+                                        </p:tgtEl>
+                                        <p:attrNameLst>
+                                          <p:attrName>style.visibility</p:attrName>
+                                        </p:attrNameLst>
+                                      </p:cBhvr>
+                                      <p:to>
+                                        <p:strVal val="visible"/>
+                                      </p:to>
+                                    </p:set>
+                                    <p:animEffect transition="in" filter="fade">
+                                      <p:cBhvr>
+                                        <p:cTn id="17" dur="1000"/>
+                                        <p:tgtEl>
+                                          <p:spTgt spid="6"/>
+                                        </p:tgtEl>
+                                      </p:cBhvr>
+                                    </p:animEffect>
+                                    <p:anim calcmode="lin" valueType="num">
+                                      <p:cBhvr>
+                                        <p:cTn id="18" dur="1000" fill="hold"/>
+                                        <p:tgtEl>
+                                          <p:spTgt spid="6"/>
+                                        </p:tgtEl>
+                                        <p:attrNameLst>
+                                          <p:attrName>ppt_x</p:attrName>
+                                        </p:attrNameLst>
+                                      </p:cBhvr>
+                                      <p:tavLst>
+                                        <p:tav tm="0">
+                                          <p:val>
+                                            <p:strVal val="#ppt_x"/>
+                                          </p:val>
+                                        </p:tav>
+                                        <p:tav tm="100000">
+                                          <p:val>
+                                            <p:strVal val="#ppt_x"/>
+                                          </p:val>
+                                        </p:tav>
+                                      </p:tavLst>
+                                    </p:anim>
+                                    <p:anim calcmode="lin" valueType="num">
+                                      <p:cBhvr>
+                                        <p:cTn id="19" dur="1000" fill="hold"/>
+                                        <p:tgtEl>
+                                          <p:spTgt spid="6"/>
+                                        </p:tgtEl>
+                                        <p:attrNameLst>
+                                          <p:attrName>ppt_y</p:attrName>
+                                        </p:attrNameLst>
+                                      </p:cBhvr>
+                                      <p:tavLst>
+                                        <p:tav tm="0">
+                                          <p:val>
+                                            <p:strVal val="#ppt_y+.1"/>
+                                          </p:val>
+                                        </p:tav>
+                                        <p:tav tm="100000">
+                                          <p:val>
+                                            <p:strVal val="#ppt_y"/>
+                                          </p:val>
+                                        </p:tav>
+                                      </p:tavLst>
+                                    </p:anim>
+                                  </p:childTnLst>
+                                </p:cTn>
+                              </p:par>
+                            </p:childTnLst>
+                          </p:cTn>
+                        </p:par>
+                      </p:childTnLst>
+                    </p:cTn>
+                  </p:par>
+                </p:childTnLst>
+              </p:cTn>
+              <p:prevCondLst>
+                <p:cond evt="onPrev" delay="0">
+                  <p:tgtEl>
+                    <p:sldTgt/>
+                  </p:tgtEl>
+                </p:cond>
+              </p:prevCondLst>
+              <p:nextCondLst>
+                <p:cond evt="onNext" delay="0">
+                  <p:tgtEl>
+                    <p:sldTgt/>
+                  </p:tgtEl>
+                </p:cond>
+              </p:nextCondLst>
+            </p:seq>
+          </p:childTnLst>
+        </p:cTn>
+      </p:par>
+    </p:tnLst>
+  </p:timing>
 </p:sld>
 </file>
 
@@ -12211,6 +19010,13 @@
   <p:clrMapOvr>
     <a:masterClrMapping/>
   </p:clrMapOvr>
+  <p:timing>
+    <p:tnLst>
+      <p:par>
+        <p:cTn id="1" dur="indefinite" restart="never" nodeType="tmRoot"/>
+      </p:par>
+    </p:tnLst>
+  </p:timing>
 </p:sld>
 </file>
 
@@ -13147,6 +19953,13 @@
   <p:clrMapOvr>
     <a:masterClrMapping/>
   </p:clrMapOvr>
+  <p:timing>
+    <p:tnLst>
+      <p:par>
+        <p:cTn id="1" dur="indefinite" restart="never" nodeType="tmRoot"/>
+      </p:par>
+    </p:tnLst>
+  </p:timing>
 </p:sld>
 </file>
 

--- a/FirstSeminar/ThurDRL.pptx
+++ b/FirstSeminar/ThurDRL.pptx
@@ -972,8 +972,8 @@
         <a:lstStyle/>
         <a:p>
           <a:r>
-            <a:rPr lang="en-US" dirty="0" smtClean="0"/>
-            <a:t>Improvement</a:t>
+            <a:rPr lang="en-US" smtClean="0"/>
+            <a:t>Improve</a:t>
           </a:r>
           <a:endParaRPr lang="en-US" dirty="0"/>
         </a:p>
@@ -1190,12 +1190,12 @@
         </a:fontRef>
       </dsp:style>
       <dsp:txBody>
-        <a:bodyPr spcFirstLastPara="0" vert="horz" wrap="square" lIns="110490" tIns="110490" rIns="110490" bIns="110490" numCol="1" spcCol="1270" anchor="ctr" anchorCtr="0">
+        <a:bodyPr spcFirstLastPara="0" vert="horz" wrap="square" lIns="125730" tIns="125730" rIns="125730" bIns="125730" numCol="1" spcCol="1270" anchor="ctr" anchorCtr="0">
           <a:noAutofit/>
         </a:bodyPr>
         <a:lstStyle/>
         <a:p>
-          <a:pPr lvl="0" algn="ctr" defTabSz="1289050">
+          <a:pPr lvl="0" algn="ctr" defTabSz="1466850">
             <a:lnSpc>
               <a:spcPct val="90000"/>
             </a:lnSpc>
@@ -1207,10 +1207,10 @@
             </a:spcAft>
           </a:pPr>
           <a:r>
-            <a:rPr lang="en-US" altLang="zh-CN" sz="2900" kern="1200" dirty="0" smtClean="0"/>
+            <a:rPr lang="en-US" altLang="zh-CN" sz="3300" kern="1200" dirty="0" smtClean="0"/>
             <a:t>Analysis</a:t>
           </a:r>
-          <a:endParaRPr lang="en-US" sz="2900" kern="1200" dirty="0"/>
+          <a:endParaRPr lang="en-US" sz="3300" kern="1200" dirty="0"/>
         </a:p>
       </dsp:txBody>
       <dsp:txXfrm>
@@ -1268,7 +1268,7 @@
         </a:bodyPr>
         <a:lstStyle/>
         <a:p>
-          <a:pPr lvl="0" algn="ctr" defTabSz="1022350">
+          <a:pPr lvl="0" algn="ctr" defTabSz="1111250">
             <a:lnSpc>
               <a:spcPct val="90000"/>
             </a:lnSpc>
@@ -1279,7 +1279,7 @@
               <a:spcPct val="35000"/>
             </a:spcAft>
           </a:pPr>
-          <a:endParaRPr lang="en-US" sz="2300" kern="1200"/>
+          <a:endParaRPr lang="en-US" sz="2500" kern="1200"/>
         </a:p>
       </dsp:txBody>
       <dsp:txXfrm>
@@ -1339,12 +1339,12 @@
         </a:fontRef>
       </dsp:style>
       <dsp:txBody>
-        <a:bodyPr spcFirstLastPara="0" vert="horz" wrap="square" lIns="110490" tIns="110490" rIns="110490" bIns="110490" numCol="1" spcCol="1270" anchor="ctr" anchorCtr="0">
+        <a:bodyPr spcFirstLastPara="0" vert="horz" wrap="square" lIns="125730" tIns="125730" rIns="125730" bIns="125730" numCol="1" spcCol="1270" anchor="ctr" anchorCtr="0">
           <a:noAutofit/>
         </a:bodyPr>
         <a:lstStyle/>
         <a:p>
-          <a:pPr lvl="0" algn="ctr" defTabSz="1289050">
+          <a:pPr lvl="0" algn="ctr" defTabSz="1466850">
             <a:lnSpc>
               <a:spcPct val="90000"/>
             </a:lnSpc>
@@ -1356,10 +1356,10 @@
             </a:spcAft>
           </a:pPr>
           <a:r>
-            <a:rPr lang="en-US" sz="2900" kern="1200" dirty="0" smtClean="0"/>
+            <a:rPr lang="en-US" sz="3300" kern="1200" dirty="0" smtClean="0"/>
             <a:t>Understand </a:t>
           </a:r>
-          <a:endParaRPr lang="en-US" sz="2900" kern="1200" dirty="0"/>
+          <a:endParaRPr lang="en-US" sz="3300" kern="1200" dirty="0"/>
         </a:p>
       </dsp:txBody>
       <dsp:txXfrm>
@@ -1417,7 +1417,7 @@
         </a:bodyPr>
         <a:lstStyle/>
         <a:p>
-          <a:pPr lvl="0" algn="ctr" defTabSz="1022350">
+          <a:pPr lvl="0" algn="ctr" defTabSz="1111250">
             <a:lnSpc>
               <a:spcPct val="90000"/>
             </a:lnSpc>
@@ -1428,7 +1428,7 @@
               <a:spcPct val="35000"/>
             </a:spcAft>
           </a:pPr>
-          <a:endParaRPr lang="en-US" sz="2300" kern="1200"/>
+          <a:endParaRPr lang="en-US" sz="2500" kern="1200"/>
         </a:p>
       </dsp:txBody>
       <dsp:txXfrm>
@@ -1488,12 +1488,12 @@
         </a:fontRef>
       </dsp:style>
       <dsp:txBody>
-        <a:bodyPr spcFirstLastPara="0" vert="horz" wrap="square" lIns="110490" tIns="110490" rIns="110490" bIns="110490" numCol="1" spcCol="1270" anchor="ctr" anchorCtr="0">
+        <a:bodyPr spcFirstLastPara="0" vert="horz" wrap="square" lIns="125730" tIns="125730" rIns="125730" bIns="125730" numCol="1" spcCol="1270" anchor="ctr" anchorCtr="0">
           <a:noAutofit/>
         </a:bodyPr>
         <a:lstStyle/>
         <a:p>
-          <a:pPr lvl="0" algn="ctr" defTabSz="1289050">
+          <a:pPr lvl="0" algn="ctr" defTabSz="1466850">
             <a:lnSpc>
               <a:spcPct val="90000"/>
             </a:lnSpc>
@@ -1505,10 +1505,10 @@
             </a:spcAft>
           </a:pPr>
           <a:r>
-            <a:rPr lang="en-US" sz="2900" kern="1200" dirty="0" smtClean="0"/>
-            <a:t>Improvement</a:t>
+            <a:rPr lang="en-US" sz="3300" kern="1200" smtClean="0"/>
+            <a:t>Improve</a:t>
           </a:r>
-          <a:endParaRPr lang="en-US" sz="2900" kern="1200" dirty="0"/>
+          <a:endParaRPr lang="en-US" sz="3300" kern="1200" dirty="0"/>
         </a:p>
       </dsp:txBody>
       <dsp:txXfrm>
@@ -7732,15 +7732,7 @@
             </a:pPr>
             <a:r>
               <a:rPr lang="en-US" sz="2400" dirty="0" smtClean="0"/>
-              <a:t>Deep value </a:t>
-            </a:r>
-            <a:r>
-              <a:rPr lang="en-US" sz="2400" dirty="0" smtClean="0"/>
-              <a:t>function		(</a:t>
-            </a:r>
-            <a:r>
-              <a:rPr lang="en-US" sz="2400" dirty="0" smtClean="0"/>
-              <a:t>DQN)</a:t>
+              <a:t>Deep value function		(DQN)</a:t>
             </a:r>
           </a:p>
           <a:p>
@@ -7751,15 +7743,7 @@
             </a:pPr>
             <a:r>
               <a:rPr lang="en-US" sz="2400" dirty="0" smtClean="0"/>
-              <a:t>Deep policy </a:t>
-            </a:r>
-            <a:r>
-              <a:rPr lang="en-US" sz="2400" dirty="0" smtClean="0"/>
-              <a:t>approximation	(</a:t>
-            </a:r>
-            <a:r>
-              <a:rPr lang="en-US" sz="2400" dirty="0" smtClean="0"/>
-              <a:t>DDPG)</a:t>
+              <a:t>Deep policy approximation	(DDPG)</a:t>
             </a:r>
           </a:p>
           <a:p>
@@ -9319,8 +9303,8 @@
           </a:p>
         </p:txBody>
       </p:sp>
-      <mc:AlternateContent xmlns:mc="http://schemas.openxmlformats.org/markup-compatibility/2006">
-        <mc:Choice xmlns:a14="http://schemas.microsoft.com/office/drawing/2010/main" Requires="a14">
+      <mc:AlternateContent xmlns:mc="http://schemas.openxmlformats.org/markup-compatibility/2006" xmlns:a14="http://schemas.microsoft.com/office/drawing/2010/main">
+        <mc:Choice Requires="a14">
           <p:sp>
             <p:nvSpPr>
               <p:cNvPr id="3" name="内容占位符 2"/>
@@ -10595,13 +10579,7 @@
                           <a:rPr lang="en-US" altLang="zh-CN" sz="2400" i="1">
                             <a:latin typeface="Cambria Math" panose="02040503050406030204" pitchFamily="18" charset="0"/>
                           </a:rPr>
-                          <m:t>𝐷𝑜𝑢𝑏𝑙𝑒</m:t>
-                        </m:r>
-                        <m:r>
-                          <a:rPr lang="en-US" altLang="zh-CN" sz="2400" i="1">
-                            <a:latin typeface="Cambria Math" panose="02040503050406030204" pitchFamily="18" charset="0"/>
-                          </a:rPr>
-                          <m:t>𝑄</m:t>
+                          <m:t>𝐷𝑜𝑢𝑏𝑙𝑒𝑄</m:t>
                         </m:r>
                       </m:sup>
                     </m:sSubSup>
@@ -10915,11 +10893,7 @@
                 </a:pPr>
                 <a:r>
                   <a:rPr lang="en-US" altLang="zh-CN" sz="2800" dirty="0" smtClean="0"/>
-                  <a:t>Advantage </a:t>
-                </a:r>
-                <a:r>
-                  <a:rPr lang="en-US" altLang="zh-CN" sz="2800" dirty="0" smtClean="0"/>
-                  <a:t>decompose</a:t>
+                  <a:t>Advantage decompose</a:t>
                 </a:r>
               </a:p>
               <a:p>
@@ -11043,7 +11017,7 @@
             </p:txBody>
           </p:sp>
         </mc:Choice>
-        <mc:Fallback>
+        <mc:Fallback xmlns="">
           <p:sp>
             <p:nvSpPr>
               <p:cNvPr id="3" name="内容占位符 2"/>
@@ -15702,7 +15676,7 @@
           <p:nvPr>
             <p:extLst>
               <p:ext uri="{D42A27DB-BD31-4B8C-83A1-F6EECF244321}">
-                <p14:modId xmlns:p14="http://schemas.microsoft.com/office/powerpoint/2010/main" val="3464226001"/>
+                <p14:modId xmlns:p14="http://schemas.microsoft.com/office/powerpoint/2010/main" val="1730502949"/>
               </p:ext>
             </p:extLst>
           </p:nvPr>

--- a/FirstSeminar/ThurDRL.pptx
+++ b/FirstSeminar/ThurDRL.pptx
@@ -2831,7 +2831,7 @@
           <a:p>
             <a:fld id="{2B7D50D7-97F6-4887-B034-63EF8A2E9BDF}" type="datetimeFigureOut">
               <a:rPr lang="en-US" smtClean="0"/>
-              <a:t>10/13/2016</a:t>
+              <a:t>10/15/2016</a:t>
             </a:fld>
             <a:endParaRPr lang="en-US"/>
           </a:p>
@@ -3001,7 +3001,7 @@
           <a:p>
             <a:fld id="{2B7D50D7-97F6-4887-B034-63EF8A2E9BDF}" type="datetimeFigureOut">
               <a:rPr lang="en-US" smtClean="0"/>
-              <a:t>10/13/2016</a:t>
+              <a:t>10/15/2016</a:t>
             </a:fld>
             <a:endParaRPr lang="en-US"/>
           </a:p>
@@ -3181,7 +3181,7 @@
           <a:p>
             <a:fld id="{2B7D50D7-97F6-4887-B034-63EF8A2E9BDF}" type="datetimeFigureOut">
               <a:rPr lang="en-US" smtClean="0"/>
-              <a:t>10/13/2016</a:t>
+              <a:t>10/15/2016</a:t>
             </a:fld>
             <a:endParaRPr lang="en-US"/>
           </a:p>
@@ -3351,7 +3351,7 @@
           <a:p>
             <a:fld id="{2B7D50D7-97F6-4887-B034-63EF8A2E9BDF}" type="datetimeFigureOut">
               <a:rPr lang="en-US" smtClean="0"/>
-              <a:t>10/13/2016</a:t>
+              <a:t>10/15/2016</a:t>
             </a:fld>
             <a:endParaRPr lang="en-US"/>
           </a:p>
@@ -3597,7 +3597,7 @@
           <a:p>
             <a:fld id="{2B7D50D7-97F6-4887-B034-63EF8A2E9BDF}" type="datetimeFigureOut">
               <a:rPr lang="en-US" smtClean="0"/>
-              <a:t>10/13/2016</a:t>
+              <a:t>10/15/2016</a:t>
             </a:fld>
             <a:endParaRPr lang="en-US"/>
           </a:p>
@@ -3829,7 +3829,7 @@
           <a:p>
             <a:fld id="{2B7D50D7-97F6-4887-B034-63EF8A2E9BDF}" type="datetimeFigureOut">
               <a:rPr lang="en-US" smtClean="0"/>
-              <a:t>10/13/2016</a:t>
+              <a:t>10/15/2016</a:t>
             </a:fld>
             <a:endParaRPr lang="en-US"/>
           </a:p>
@@ -4196,7 +4196,7 @@
           <a:p>
             <a:fld id="{2B7D50D7-97F6-4887-B034-63EF8A2E9BDF}" type="datetimeFigureOut">
               <a:rPr lang="en-US" smtClean="0"/>
-              <a:t>10/13/2016</a:t>
+              <a:t>10/15/2016</a:t>
             </a:fld>
             <a:endParaRPr lang="en-US"/>
           </a:p>
@@ -4314,7 +4314,7 @@
           <a:p>
             <a:fld id="{2B7D50D7-97F6-4887-B034-63EF8A2E9BDF}" type="datetimeFigureOut">
               <a:rPr lang="en-US" smtClean="0"/>
-              <a:t>10/13/2016</a:t>
+              <a:t>10/15/2016</a:t>
             </a:fld>
             <a:endParaRPr lang="en-US"/>
           </a:p>
@@ -4409,7 +4409,7 @@
           <a:p>
             <a:fld id="{2B7D50D7-97F6-4887-B034-63EF8A2E9BDF}" type="datetimeFigureOut">
               <a:rPr lang="en-US" smtClean="0"/>
-              <a:t>10/13/2016</a:t>
+              <a:t>10/15/2016</a:t>
             </a:fld>
             <a:endParaRPr lang="en-US"/>
           </a:p>
@@ -4686,7 +4686,7 @@
           <a:p>
             <a:fld id="{2B7D50D7-97F6-4887-B034-63EF8A2E9BDF}" type="datetimeFigureOut">
               <a:rPr lang="en-US" smtClean="0"/>
-              <a:t>10/13/2016</a:t>
+              <a:t>10/15/2016</a:t>
             </a:fld>
             <a:endParaRPr lang="en-US"/>
           </a:p>
@@ -4939,7 +4939,7 @@
           <a:p>
             <a:fld id="{2B7D50D7-97F6-4887-B034-63EF8A2E9BDF}" type="datetimeFigureOut">
               <a:rPr lang="en-US" smtClean="0"/>
-              <a:t>10/13/2016</a:t>
+              <a:t>10/15/2016</a:t>
             </a:fld>
             <a:endParaRPr lang="en-US"/>
           </a:p>
@@ -5152,7 +5152,7 @@
           <a:p>
             <a:fld id="{2B7D50D7-97F6-4887-B034-63EF8A2E9BDF}" type="datetimeFigureOut">
               <a:rPr lang="en-US" smtClean="0"/>
-              <a:t>10/13/2016</a:t>
+              <a:t>10/15/2016</a:t>
             </a:fld>
             <a:endParaRPr lang="en-US"/>
           </a:p>
@@ -19035,8 +19035,8 @@
           </a:p>
         </p:txBody>
       </p:sp>
-      <mc:AlternateContent xmlns:mc="http://schemas.openxmlformats.org/markup-compatibility/2006" xmlns:a14="http://schemas.microsoft.com/office/drawing/2010/main">
-        <mc:Choice Requires="a14">
+      <mc:AlternateContent xmlns:mc="http://schemas.openxmlformats.org/markup-compatibility/2006">
+        <mc:Choice xmlns:a14="http://schemas.microsoft.com/office/drawing/2010/main" Requires="a14">
           <p:sp>
             <p:nvSpPr>
               <p:cNvPr id="3" name="Content Placeholder 2"/>
@@ -19058,95 +19058,88 @@
                       <m:rPr>
                         <m:nor/>
                       </m:rPr>
-                      <a:rPr lang="en-US" dirty="0" smtClean="0"/>
+                      <a:rPr lang="en-US" altLang="zh-CN" dirty="0"/>
                       <m:t>S</m:t>
                     </m:r>
                     <m:r>
                       <m:rPr>
                         <m:nor/>
                       </m:rPr>
-                      <a:rPr lang="en-US" b="0" i="0" dirty="0" smtClean="0"/>
-                      <m:t>1 </m:t>
+                      <a:rPr lang="en-US" altLang="zh-CN" dirty="0"/>
+                      <m:t>1 ,</m:t>
                     </m:r>
                     <m:r>
                       <m:rPr>
                         <m:nor/>
                       </m:rPr>
-                      <a:rPr lang="en-US" dirty="0" smtClean="0"/>
-                      <m:t>,</m:t>
-                    </m:r>
-                    <m:r>
-                      <m:rPr>
-                        <m:nor/>
-                      </m:rPr>
-                      <a:rPr lang="en-US" dirty="0" smtClean="0"/>
+                      <a:rPr lang="en-US" altLang="zh-CN" dirty="0"/>
                       <m:t>A</m:t>
                     </m:r>
                     <m:r>
                       <m:rPr>
                         <m:nor/>
                       </m:rPr>
-                      <a:rPr lang="en-US" dirty="0" smtClean="0"/>
+                      <a:rPr lang="en-US" altLang="zh-CN" dirty="0"/>
                       <m:t>1,</m:t>
                     </m:r>
                     <m:r>
                       <m:rPr>
                         <m:nor/>
                       </m:rPr>
-                      <a:rPr lang="en-US" dirty="0" smtClean="0"/>
+                      <a:rPr lang="en-US" altLang="zh-CN" dirty="0"/>
                       <m:t>R</m:t>
                     </m:r>
                     <m:r>
                       <m:rPr>
                         <m:nor/>
                       </m:rPr>
-                      <a:rPr lang="en-US" dirty="0" smtClean="0"/>
+                      <a:rPr lang="en-US" altLang="zh-CN" dirty="0"/>
                       <m:t>1, </m:t>
                     </m:r>
                     <m:r>
                       <m:rPr>
                         <m:nor/>
                       </m:rPr>
-                      <a:rPr lang="en-US" dirty="0" smtClean="0"/>
+                      <a:rPr lang="en-US" altLang="zh-CN" dirty="0"/>
                       <m:t>S</m:t>
                     </m:r>
                     <m:r>
                       <m:rPr>
                         <m:nor/>
                       </m:rPr>
-                      <a:rPr lang="en-US" dirty="0" smtClean="0"/>
+                      <a:rPr lang="en-US" altLang="zh-CN" dirty="0"/>
                       <m:t>2,</m:t>
                     </m:r>
                     <m:r>
                       <m:rPr>
                         <m:nor/>
                       </m:rPr>
-                      <a:rPr lang="en-US" dirty="0" smtClean="0"/>
+                      <a:rPr lang="en-US" altLang="zh-CN" dirty="0"/>
                       <m:t>A</m:t>
                     </m:r>
                     <m:r>
                       <m:rPr>
                         <m:nor/>
                       </m:rPr>
-                      <a:rPr lang="en-US" dirty="0" smtClean="0"/>
+                      <a:rPr lang="en-US" altLang="zh-CN" dirty="0"/>
                       <m:t>2,</m:t>
                     </m:r>
                     <m:r>
                       <m:rPr>
                         <m:nor/>
                       </m:rPr>
-                      <a:rPr lang="en-US" dirty="0" smtClean="0"/>
+                      <a:rPr lang="en-US" altLang="zh-CN" dirty="0"/>
                       <m:t>R</m:t>
                     </m:r>
                     <m:r>
                       <m:rPr>
                         <m:nor/>
                       </m:rPr>
-                      <a:rPr lang="en-US" dirty="0" smtClean="0"/>
+                      <a:rPr lang="en-US" altLang="zh-CN" dirty="0"/>
                       <m:t>2,</m:t>
                     </m:r>
                     <m:r>
-                      <a:rPr lang="en-US" b="0" i="1" dirty="0" smtClean="0">
+                      <a:rPr lang="en-US" altLang="zh-CN" i="1" dirty="0">
                         <a:latin typeface="Cambria Math" panose="02040503050406030204" pitchFamily="18" charset="0"/>
                       </a:rPr>
                       <m:t>…</m:t>
@@ -19155,25 +19148,25 @@
                       <m:rPr>
                         <m:nor/>
                       </m:rPr>
-                      <a:rPr lang="en-US" dirty="0" smtClean="0"/>
+                      <a:rPr lang="en-US" altLang="zh-CN" dirty="0"/>
                       <m:t>,</m:t>
                     </m:r>
                     <m:r>
                       <m:rPr>
                         <m:nor/>
                       </m:rPr>
-                      <a:rPr lang="en-US" dirty="0" smtClean="0"/>
+                      <a:rPr lang="en-US" altLang="zh-CN" dirty="0"/>
                       <m:t>SK</m:t>
                     </m:r>
                     <m:r>
                       <m:rPr>
                         <m:nor/>
                       </m:rPr>
-                      <a:rPr lang="en-US" dirty="0" smtClean="0"/>
+                      <a:rPr lang="en-US" altLang="zh-CN" dirty="0"/>
                       <m:t> </m:t>
                     </m:r>
                     <m:r>
-                      <a:rPr lang="en-US" b="0" i="1" dirty="0" smtClean="0">
+                      <a:rPr lang="en-US" altLang="zh-CN" i="1" dirty="0">
                         <a:latin typeface="Cambria Math" panose="02040503050406030204" pitchFamily="18" charset="0"/>
                       </a:rPr>
                       <m:t>~ </m:t>
@@ -19182,14 +19175,14 @@
                       <m:rPr>
                         <m:sty m:val="p"/>
                       </m:rPr>
-                      <a:rPr lang="en-US" b="0" i="1" smtClean="0">
+                      <a:rPr lang="en-US" altLang="zh-CN" i="1">
                         <a:latin typeface="Cambria Math" panose="02040503050406030204" pitchFamily="18" charset="0"/>
                       </a:rPr>
                       <m:t>π</m:t>
                     </m:r>
                   </m:oMath>
                 </a14:m>
-                <a:endParaRPr lang="en-US" b="0" dirty="0" smtClean="0"/>
+                <a:endParaRPr lang="en-US" altLang="zh-CN" dirty="0"/>
               </a:p>
               <a:p>
                 <a14:m>
@@ -19883,7 +19876,7 @@
             </p:txBody>
           </p:sp>
         </mc:Choice>
-        <mc:Fallback xmlns="">
+        <mc:Fallback>
           <p:sp>
             <p:nvSpPr>
               <p:cNvPr id="3" name="Content Placeholder 2"/>
@@ -19907,7 +19900,7 @@
               <a:lstStyle/>
               <a:p>
                 <a:r>
-                  <a:rPr lang="en-US">
+                  <a:rPr lang="zh-CN" altLang="en-US">
                     <a:noFill/>
                   </a:rPr>
                   <a:t> </a:t>
